--- a/report_slide.pptx
+++ b/report_slide.pptx
@@ -121,6 +121,11 @@
       </a:defRPr>
     </a:lvl9pPr>
   </p:defaultTextStyle>
+  <p:extLst>
+    <p:ext uri="{EFAFB233-063F-42B5-8137-9DF3F51BA10A}">
+      <p15:sldGuideLst xmlns:p15="http://schemas.microsoft.com/office/powerpoint/2012/main"/>
+    </p:ext>
+  </p:extLst>
 </p:presentation>
 </file>
 
@@ -206,7 +211,7 @@
           <a:p>
             <a:fld id="{70FD9679-ABD7-4BAA-9685-3EFF5778D537}" type="datetimeFigureOut">
               <a:rPr lang="en-US" smtClean="0"/>
-              <a:t>1/22/2025</a:t>
+              <a:t>1/27/2025</a:t>
             </a:fld>
             <a:endParaRPr lang="en-US"/>
           </a:p>
@@ -724,7 +729,7 @@
           <a:p>
             <a:fld id="{A025DB5C-9572-4E18-A789-86EB9244B92D}" type="datetimeFigureOut">
               <a:rPr lang="en-US" smtClean="0"/>
-              <a:t>1/22/2025</a:t>
+              <a:t>1/27/2025</a:t>
             </a:fld>
             <a:endParaRPr lang="en-US"/>
           </a:p>
@@ -922,7 +927,7 @@
           <a:p>
             <a:fld id="{A025DB5C-9572-4E18-A789-86EB9244B92D}" type="datetimeFigureOut">
               <a:rPr lang="en-US" smtClean="0"/>
-              <a:t>1/22/2025</a:t>
+              <a:t>1/27/2025</a:t>
             </a:fld>
             <a:endParaRPr lang="en-US"/>
           </a:p>
@@ -1130,7 +1135,7 @@
           <a:p>
             <a:fld id="{A025DB5C-9572-4E18-A789-86EB9244B92D}" type="datetimeFigureOut">
               <a:rPr lang="en-US" smtClean="0"/>
-              <a:t>1/22/2025</a:t>
+              <a:t>1/27/2025</a:t>
             </a:fld>
             <a:endParaRPr lang="en-US"/>
           </a:p>
@@ -1328,7 +1333,7 @@
           <a:p>
             <a:fld id="{A025DB5C-9572-4E18-A789-86EB9244B92D}" type="datetimeFigureOut">
               <a:rPr lang="en-US" smtClean="0"/>
-              <a:t>1/22/2025</a:t>
+              <a:t>1/27/2025</a:t>
             </a:fld>
             <a:endParaRPr lang="en-US"/>
           </a:p>
@@ -1603,7 +1608,7 @@
           <a:p>
             <a:fld id="{A025DB5C-9572-4E18-A789-86EB9244B92D}" type="datetimeFigureOut">
               <a:rPr lang="en-US" smtClean="0"/>
-              <a:t>1/22/2025</a:t>
+              <a:t>1/27/2025</a:t>
             </a:fld>
             <a:endParaRPr lang="en-US"/>
           </a:p>
@@ -1868,7 +1873,7 @@
           <a:p>
             <a:fld id="{A025DB5C-9572-4E18-A789-86EB9244B92D}" type="datetimeFigureOut">
               <a:rPr lang="en-US" smtClean="0"/>
-              <a:t>1/22/2025</a:t>
+              <a:t>1/27/2025</a:t>
             </a:fld>
             <a:endParaRPr lang="en-US"/>
           </a:p>
@@ -2280,7 +2285,7 @@
           <a:p>
             <a:fld id="{A025DB5C-9572-4E18-A789-86EB9244B92D}" type="datetimeFigureOut">
               <a:rPr lang="en-US" smtClean="0"/>
-              <a:t>1/22/2025</a:t>
+              <a:t>1/27/2025</a:t>
             </a:fld>
             <a:endParaRPr lang="en-US"/>
           </a:p>
@@ -2421,7 +2426,7 @@
           <a:p>
             <a:fld id="{A025DB5C-9572-4E18-A789-86EB9244B92D}" type="datetimeFigureOut">
               <a:rPr lang="en-US" smtClean="0"/>
-              <a:t>1/22/2025</a:t>
+              <a:t>1/27/2025</a:t>
             </a:fld>
             <a:endParaRPr lang="en-US"/>
           </a:p>
@@ -2534,7 +2539,7 @@
           <a:p>
             <a:fld id="{A025DB5C-9572-4E18-A789-86EB9244B92D}" type="datetimeFigureOut">
               <a:rPr lang="en-US" smtClean="0"/>
-              <a:t>1/22/2025</a:t>
+              <a:t>1/27/2025</a:t>
             </a:fld>
             <a:endParaRPr lang="en-US"/>
           </a:p>
@@ -2845,7 +2850,7 @@
           <a:p>
             <a:fld id="{A025DB5C-9572-4E18-A789-86EB9244B92D}" type="datetimeFigureOut">
               <a:rPr lang="en-US" smtClean="0"/>
-              <a:t>1/22/2025</a:t>
+              <a:t>1/27/2025</a:t>
             </a:fld>
             <a:endParaRPr lang="en-US"/>
           </a:p>
@@ -3133,7 +3138,7 @@
           <a:p>
             <a:fld id="{A025DB5C-9572-4E18-A789-86EB9244B92D}" type="datetimeFigureOut">
               <a:rPr lang="en-US" smtClean="0"/>
-              <a:t>1/22/2025</a:t>
+              <a:t>1/27/2025</a:t>
             </a:fld>
             <a:endParaRPr lang="en-US"/>
           </a:p>
@@ -3374,7 +3379,7 @@
           <a:p>
             <a:fld id="{A025DB5C-9572-4E18-A789-86EB9244B92D}" type="datetimeFigureOut">
               <a:rPr lang="en-US" smtClean="0"/>
-              <a:t>1/22/2025</a:t>
+              <a:t>1/27/2025</a:t>
             </a:fld>
             <a:endParaRPr lang="en-US"/>
           </a:p>
@@ -3876,7 +3881,7 @@
               <a:buSzPts val="440"/>
             </a:pPr>
             <a:r>
-              <a:rPr lang="en-US" sz="3200" b="1" dirty="0">
+              <a:rPr lang="en-US" sz="2800" b="1" dirty="0">
                 <a:solidFill>
                   <a:schemeClr val="dk1"/>
                 </a:solidFill>
@@ -3888,7 +3893,7 @@
               <a:t>Authors name</a:t>
             </a:r>
             <a:r>
-              <a:rPr lang="en-US" sz="3200" dirty="0">
+              <a:rPr lang="en-US" sz="2800" dirty="0">
                 <a:solidFill>
                   <a:schemeClr val="dk1"/>
                 </a:solidFill>
@@ -3900,7 +3905,7 @@
               <a:t>:- Tsion Araya / </a:t>
             </a:r>
             <a:r>
-              <a:rPr lang="en-US" sz="3200" dirty="0">
+              <a:rPr lang="en-US" sz="2800" dirty="0">
                 <a:solidFill>
                   <a:schemeClr val="dk1"/>
                 </a:solidFill>
@@ -3912,7 +3917,7 @@
               </a:rPr>
               <a:t>t.araya@unipi.it</a:t>
             </a:r>
-            <a:endParaRPr lang="en-US" sz="3200" dirty="0">
+            <a:endParaRPr lang="en-US" sz="2800" dirty="0">
               <a:solidFill>
                 <a:schemeClr val="dk1"/>
               </a:solidFill>
@@ -3933,7 +3938,7 @@
               <a:buSzPts val="440"/>
             </a:pPr>
             <a:r>
-              <a:rPr lang="en-US" sz="3200" dirty="0">
+              <a:rPr lang="en-US" sz="2800" dirty="0">
                 <a:solidFill>
                   <a:schemeClr val="dk1"/>
                 </a:solidFill>
@@ -3945,7 +3950,7 @@
               <a:t>  </a:t>
             </a:r>
             <a:r>
-              <a:rPr lang="en-US" sz="3200" dirty="0" err="1">
+              <a:rPr lang="en-US" sz="2800" dirty="0" err="1">
                 <a:solidFill>
                   <a:schemeClr val="dk1"/>
                 </a:solidFill>
@@ -3957,7 +3962,7 @@
               <a:t>Seid</a:t>
             </a:r>
             <a:r>
-              <a:rPr lang="en-US" sz="3200" dirty="0">
+              <a:rPr lang="en-US" sz="2800" dirty="0">
                 <a:solidFill>
                   <a:schemeClr val="dk1"/>
                 </a:solidFill>
@@ -3969,7 +3974,7 @@
               <a:t> </a:t>
             </a:r>
             <a:r>
-              <a:rPr lang="en-US" sz="3200" dirty="0" err="1">
+              <a:rPr lang="en-US" sz="2800" dirty="0" err="1">
                 <a:solidFill>
                   <a:schemeClr val="dk1"/>
                 </a:solidFill>
@@ -3980,15 +3985,30 @@
               </a:rPr>
               <a:t>Asnakew</a:t>
             </a:r>
-            <a:endParaRPr lang="en-US" sz="3200" dirty="0">
-              <a:solidFill>
-                <a:schemeClr val="dk1"/>
-              </a:solidFill>
-              <a:latin typeface="Times New Roman"/>
-              <a:ea typeface="Times New Roman"/>
-              <a:cs typeface="Times New Roman"/>
-              <a:sym typeface="Times New Roman"/>
-            </a:endParaRPr>
+            <a:r>
+              <a:rPr lang="en-US" sz="2800" dirty="0">
+                <a:solidFill>
+                  <a:schemeClr val="dk1"/>
+                </a:solidFill>
+                <a:latin typeface="Times New Roman"/>
+                <a:ea typeface="Times New Roman"/>
+                <a:cs typeface="Times New Roman"/>
+                <a:sym typeface="Times New Roman"/>
+              </a:rPr>
+              <a:t> / </a:t>
+            </a:r>
+            <a:r>
+              <a:rPr lang="en-US" sz="2800" u="sng" dirty="0">
+                <a:solidFill>
+                  <a:schemeClr val="dk1"/>
+                </a:solidFill>
+                <a:latin typeface="Times New Roman"/>
+                <a:ea typeface="Times New Roman"/>
+                <a:cs typeface="Times New Roman"/>
+                <a:sym typeface="Times New Roman"/>
+              </a:rPr>
+              <a:t>s.asnakew@studenti.unipi.it</a:t>
+            </a:r>
           </a:p>
           <a:p>
             <a:pPr>
@@ -4001,7 +4021,7 @@
               <a:buSzPts val="440"/>
             </a:pPr>
             <a:r>
-              <a:rPr lang="en-US" sz="3200" dirty="0">
+              <a:rPr lang="en-US" sz="2800" dirty="0">
                 <a:solidFill>
                   <a:schemeClr val="dk1"/>
                 </a:solidFill>
@@ -4010,7 +4030,19 @@
                 <a:cs typeface="Times New Roman"/>
                 <a:sym typeface="Times New Roman"/>
               </a:rPr>
-              <a:t>Zhang </a:t>
+              <a:t>Zhang pang /</a:t>
+            </a:r>
+            <a:r>
+              <a:rPr lang="en-US" sz="2800" u="sng" dirty="0">
+                <a:solidFill>
+                  <a:schemeClr val="dk1"/>
+                </a:solidFill>
+                <a:latin typeface="Times New Roman"/>
+                <a:ea typeface="Times New Roman"/>
+                <a:cs typeface="Times New Roman"/>
+                <a:sym typeface="Times New Roman"/>
+              </a:rPr>
+              <a:t>p.zhang@studenti.unipi.it</a:t>
             </a:r>
           </a:p>
           <a:p>
@@ -4024,7 +4056,7 @@
               <a:buSzPts val="440"/>
             </a:pPr>
             <a:r>
-              <a:rPr lang="en-US" sz="3200" b="1" dirty="0">
+              <a:rPr lang="en-US" sz="2800" b="1" dirty="0">
                 <a:solidFill>
                   <a:schemeClr val="dk1"/>
                 </a:solidFill>
@@ -4036,7 +4068,7 @@
               <a:t>Team name</a:t>
             </a:r>
             <a:r>
-              <a:rPr lang="en-US" sz="3200" dirty="0">
+              <a:rPr lang="en-US" sz="2800" dirty="0">
                 <a:solidFill>
                   <a:schemeClr val="dk1"/>
                 </a:solidFill>
@@ -4059,7 +4091,7 @@
               <a:buSzPts val="440"/>
             </a:pPr>
             <a:r>
-              <a:rPr lang="en-US" sz="3200" b="1" dirty="0">
+              <a:rPr lang="en-US" sz="2800" b="1" dirty="0">
                 <a:solidFill>
                   <a:schemeClr val="dk1"/>
                 </a:solidFill>
@@ -4071,7 +4103,7 @@
               <a:t>Master degree Curriculum</a:t>
             </a:r>
             <a:r>
-              <a:rPr lang="en-US" sz="3200" dirty="0">
+              <a:rPr lang="en-US" sz="2800" dirty="0">
                 <a:solidFill>
                   <a:schemeClr val="dk1"/>
                 </a:solidFill>
@@ -4094,7 +4126,7 @@
               <a:buSzPts val="440"/>
             </a:pPr>
             <a:r>
-              <a:rPr lang="en-US" sz="3200" b="1" dirty="0">
+              <a:rPr lang="en-US" sz="2800" b="1" dirty="0">
                 <a:solidFill>
                   <a:schemeClr val="dk1"/>
                 </a:solidFill>
@@ -4117,7 +4149,7 @@
               <a:buSzPts val="440"/>
             </a:pPr>
             <a:r>
-              <a:rPr lang="en-US" sz="3200" b="1" dirty="0">
+              <a:rPr lang="en-US" sz="2800" b="1" dirty="0">
                 <a:solidFill>
                   <a:schemeClr val="dk1"/>
                 </a:solidFill>
@@ -4129,7 +4161,7 @@
               <a:t>Project Type</a:t>
             </a:r>
             <a:r>
-              <a:rPr lang="en-US" sz="3200" dirty="0">
+              <a:rPr lang="en-US" sz="2800" dirty="0">
                 <a:solidFill>
                   <a:schemeClr val="dk1"/>
                 </a:solidFill>
@@ -5492,24 +5524,26 @@
           <a:lstStyle/>
           <a:p>
             <a:pPr>
+              <a:lnSpc>
+                <a:spcPct val="150000"/>
+              </a:lnSpc>
               <a:buFont typeface="Arial" panose="020B0604020202020204" pitchFamily="34" charset="0"/>
               <a:buChar char="•"/>
             </a:pPr>
             <a:r>
-              <a:rPr lang="en-US" b="1" dirty="0" err="1"/>
-              <a:t>Goal:</a:t>
-            </a:r>
-            <a:r>
-              <a:rPr lang="en-US" dirty="0" err="1"/>
-              <a:t>To</a:t>
+              <a:rPr lang="en-US" b="1" dirty="0"/>
+              <a:t>Goal:- </a:t>
             </a:r>
             <a:r>
               <a:rPr lang="en-US" dirty="0"/>
-              <a:t> train and evaluate neural network models for classification (MONK) and regression (CUP) tasks.</a:t>
+              <a:t>To train and evaluate neural network models for classification (MONK) and regression (CUP) tasks.</a:t>
             </a:r>
           </a:p>
           <a:p>
             <a:pPr>
+              <a:lnSpc>
+                <a:spcPct val="150000"/>
+              </a:lnSpc>
               <a:buFont typeface="Arial" panose="020B0604020202020204" pitchFamily="34" charset="0"/>
               <a:buChar char="•"/>
             </a:pPr>
@@ -5520,6 +5554,9 @@
           </a:p>
           <a:p>
             <a:pPr>
+              <a:lnSpc>
+                <a:spcPct val="150000"/>
+              </a:lnSpc>
               <a:buFont typeface="Arial" panose="020B0604020202020204" pitchFamily="34" charset="0"/>
               <a:buChar char="•"/>
             </a:pPr>
@@ -5672,7 +5709,7 @@
               <a:tabLst/>
             </a:pPr>
             <a:r>
-              <a:rPr kumimoji="0" lang="en-US" altLang="en-US" sz="1800" b="1" i="0" u="none" strike="noStrike" cap="none" normalizeH="0" baseline="0">
+              <a:rPr kumimoji="0" lang="en-US" altLang="en-US" sz="1800" b="1" i="0" u="none" strike="noStrike" cap="none" normalizeH="0" baseline="0" dirty="0">
                 <a:ln>
                   <a:noFill/>
                 </a:ln>
@@ -5684,7 +5721,7 @@
               </a:rPr>
               <a:t>Code Description:</a:t>
             </a:r>
-            <a:endParaRPr kumimoji="0" lang="en-US" altLang="en-US" sz="1800" b="0" i="0" u="none" strike="noStrike" cap="none" normalizeH="0" baseline="0">
+            <a:endParaRPr kumimoji="0" lang="en-US" altLang="en-US" sz="1800" b="0" i="0" u="none" strike="noStrike" cap="none" normalizeH="0" baseline="0" dirty="0">
               <a:ln>
                 <a:noFill/>
               </a:ln>
@@ -5713,7 +5750,7 @@
               <a:tabLst/>
             </a:pPr>
             <a:r>
-              <a:rPr kumimoji="0" lang="en-US" altLang="en-US" sz="1800" b="0" i="0" u="none" strike="noStrike" cap="none" normalizeH="0" baseline="0">
+              <a:rPr kumimoji="0" lang="en-US" altLang="en-US" sz="1800" b="0" i="0" u="none" strike="noStrike" cap="none" normalizeH="0" baseline="0" dirty="0">
                 <a:ln>
                   <a:noFill/>
                 </a:ln>
@@ -5744,7 +5781,7 @@
               <a:tabLst/>
             </a:pPr>
             <a:r>
-              <a:rPr kumimoji="0" lang="en-US" altLang="en-US" sz="1800" b="0" i="0" u="none" strike="noStrike" cap="none" normalizeH="0" baseline="0">
+              <a:rPr kumimoji="0" lang="en-US" altLang="en-US" sz="1800" b="0" i="0" u="none" strike="noStrike" cap="none" normalizeH="0" baseline="0" dirty="0">
                 <a:ln>
                   <a:noFill/>
                 </a:ln>
@@ -5775,7 +5812,7 @@
               <a:tabLst/>
             </a:pPr>
             <a:r>
-              <a:rPr kumimoji="0" lang="en-US" altLang="en-US" sz="1800" b="0" i="0" u="none" strike="noStrike" cap="none" normalizeH="0" baseline="0">
+              <a:rPr kumimoji="0" lang="en-US" altLang="en-US" sz="1800" b="0" i="0" u="none" strike="noStrike" cap="none" normalizeH="0" baseline="0" dirty="0">
                 <a:ln>
                   <a:noFill/>
                 </a:ln>
@@ -5806,7 +5843,7 @@
               <a:tabLst/>
             </a:pPr>
             <a:r>
-              <a:rPr kumimoji="0" lang="en-US" altLang="en-US" sz="1800" b="1" i="0" u="none" strike="noStrike" cap="none" normalizeH="0" baseline="0">
+              <a:rPr kumimoji="0" lang="en-US" altLang="en-US" sz="1800" b="1" i="0" u="none" strike="noStrike" cap="none" normalizeH="0" baseline="0" dirty="0">
                 <a:ln>
                   <a:noFill/>
                 </a:ln>
@@ -5818,7 +5855,7 @@
               </a:rPr>
               <a:t>Necessary Features:</a:t>
             </a:r>
-            <a:endParaRPr kumimoji="0" lang="en-US" altLang="en-US" sz="1800" b="0" i="0" u="none" strike="noStrike" cap="none" normalizeH="0" baseline="0">
+            <a:endParaRPr kumimoji="0" lang="en-US" altLang="en-US" sz="1800" b="0" i="0" u="none" strike="noStrike" cap="none" normalizeH="0" baseline="0" dirty="0">
               <a:ln>
                 <a:noFill/>
               </a:ln>
@@ -5847,7 +5884,7 @@
               <a:tabLst/>
             </a:pPr>
             <a:r>
-              <a:rPr kumimoji="0" lang="en-US" altLang="en-US" sz="1800" b="1" i="0" u="none" strike="noStrike" cap="none" normalizeH="0" baseline="0">
+              <a:rPr kumimoji="0" lang="en-US" altLang="en-US" sz="1800" b="1" i="0" u="none" strike="noStrike" cap="none" normalizeH="0" baseline="0" dirty="0">
                 <a:ln>
                   <a:noFill/>
                 </a:ln>
@@ -5860,7 +5897,7 @@
               <a:t>Model Architecture:</a:t>
             </a:r>
             <a:r>
-              <a:rPr kumimoji="0" lang="en-US" altLang="en-US" sz="1800" b="0" i="0" u="none" strike="noStrike" cap="none" normalizeH="0" baseline="0">
+              <a:rPr kumimoji="0" lang="en-US" altLang="en-US" sz="1800" b="0" i="0" u="none" strike="noStrike" cap="none" normalizeH="0" baseline="0" dirty="0">
                 <a:ln>
                   <a:noFill/>
                 </a:ln>
@@ -5891,7 +5928,7 @@
               <a:tabLst/>
             </a:pPr>
             <a:r>
-              <a:rPr kumimoji="0" lang="en-US" altLang="en-US" sz="1800" b="1" i="0" u="none" strike="noStrike" cap="none" normalizeH="0" baseline="0">
+              <a:rPr kumimoji="0" lang="en-US" altLang="en-US" sz="1800" b="1" i="0" u="none" strike="noStrike" cap="none" normalizeH="0" baseline="0" dirty="0">
                 <a:ln>
                   <a:noFill/>
                 </a:ln>
@@ -5904,7 +5941,7 @@
               <a:t>Activation Functions:</a:t>
             </a:r>
             <a:r>
-              <a:rPr kumimoji="0" lang="en-US" altLang="en-US" sz="1800" b="0" i="0" u="none" strike="noStrike" cap="none" normalizeH="0" baseline="0">
+              <a:rPr kumimoji="0" lang="en-US" altLang="en-US" sz="1800" b="0" i="0" u="none" strike="noStrike" cap="none" normalizeH="0" baseline="0" dirty="0">
                 <a:ln>
                   <a:noFill/>
                 </a:ln>
@@ -5914,7 +5951,59 @@
                 <a:effectLst/>
                 <a:latin typeface="Arial" panose="020B0604020202020204" pitchFamily="34" charset="0"/>
               </a:rPr>
-              <a:t> ReLU, Sigmoid, Leaky ReLU, Tanh.</a:t>
+              <a:t> </a:t>
+            </a:r>
+            <a:r>
+              <a:rPr kumimoji="0" lang="en-US" altLang="en-US" sz="1800" b="0" i="0" u="none" strike="noStrike" cap="none" normalizeH="0" baseline="0" dirty="0" err="1">
+                <a:ln>
+                  <a:noFill/>
+                </a:ln>
+                <a:solidFill>
+                  <a:schemeClr val="tx1"/>
+                </a:solidFill>
+                <a:effectLst/>
+                <a:latin typeface="Arial" panose="020B0604020202020204" pitchFamily="34" charset="0"/>
+              </a:rPr>
+              <a:t>ReLU</a:t>
+            </a:r>
+            <a:r>
+              <a:rPr kumimoji="0" lang="en-US" altLang="en-US" sz="1800" b="0" i="0" u="none" strike="noStrike" cap="none" normalizeH="0" baseline="0" dirty="0">
+                <a:ln>
+                  <a:noFill/>
+                </a:ln>
+                <a:solidFill>
+                  <a:schemeClr val="tx1"/>
+                </a:solidFill>
+                <a:effectLst/>
+                <a:latin typeface="Arial" panose="020B0604020202020204" pitchFamily="34" charset="0"/>
+              </a:rPr>
+              <a:t>, Sigmoid, Leaky </a:t>
+            </a:r>
+            <a:r>
+              <a:rPr kumimoji="0" lang="en-US" altLang="en-US" sz="1800" b="0" i="0" u="none" strike="noStrike" cap="none" normalizeH="0" baseline="0" dirty="0" err="1">
+                <a:ln>
+                  <a:noFill/>
+                </a:ln>
+                <a:solidFill>
+                  <a:schemeClr val="tx1"/>
+                </a:solidFill>
+                <a:effectLst/>
+                <a:latin typeface="Arial" panose="020B0604020202020204" pitchFamily="34" charset="0"/>
+              </a:rPr>
+              <a:t>ReLU</a:t>
+            </a:r>
+            <a:r>
+              <a:rPr kumimoji="0" lang="en-US" altLang="en-US" sz="1800" b="0" i="0" u="none" strike="noStrike" cap="none" normalizeH="0" baseline="0" dirty="0">
+                <a:ln>
+                  <a:noFill/>
+                </a:ln>
+                <a:solidFill>
+                  <a:schemeClr val="tx1"/>
+                </a:solidFill>
+                <a:effectLst/>
+                <a:latin typeface="Arial" panose="020B0604020202020204" pitchFamily="34" charset="0"/>
+              </a:rPr>
+              <a:t>, Tanh.</a:t>
             </a:r>
           </a:p>
           <a:p>
@@ -5935,7 +6024,7 @@
               <a:tabLst/>
             </a:pPr>
             <a:r>
-              <a:rPr kumimoji="0" lang="en-US" altLang="en-US" sz="1800" b="1" i="0" u="none" strike="noStrike" cap="none" normalizeH="0" baseline="0">
+              <a:rPr kumimoji="0" lang="en-US" altLang="en-US" sz="1800" b="1" i="0" u="none" strike="noStrike" cap="none" normalizeH="0" baseline="0" dirty="0">
                 <a:ln>
                   <a:noFill/>
                 </a:ln>
@@ -5948,7 +6037,7 @@
               <a:t>Training Algorithm:</a:t>
             </a:r>
             <a:r>
-              <a:rPr kumimoji="0" lang="en-US" altLang="en-US" sz="1800" b="0" i="0" u="none" strike="noStrike" cap="none" normalizeH="0" baseline="0">
+              <a:rPr kumimoji="0" lang="en-US" altLang="en-US" sz="1800" b="0" i="0" u="none" strike="noStrike" cap="none" normalizeH="0" baseline="0" dirty="0">
                 <a:ln>
                   <a:noFill/>
                 </a:ln>
@@ -5979,7 +6068,7 @@
               <a:tabLst/>
             </a:pPr>
             <a:r>
-              <a:rPr kumimoji="0" lang="en-US" altLang="en-US" sz="1800" b="1" i="0" u="none" strike="noStrike" cap="none" normalizeH="0" baseline="0">
+              <a:rPr kumimoji="0" lang="en-US" altLang="en-US" sz="1800" b="1" i="0" u="none" strike="noStrike" cap="none" normalizeH="0" baseline="0" dirty="0">
                 <a:ln>
                   <a:noFill/>
                 </a:ln>
@@ -5992,7 +6081,7 @@
               <a:t>Batch Processing:</a:t>
             </a:r>
             <a:r>
-              <a:rPr kumimoji="0" lang="en-US" altLang="en-US" sz="1800" b="0" i="0" u="none" strike="noStrike" cap="none" normalizeH="0" baseline="0">
+              <a:rPr kumimoji="0" lang="en-US" altLang="en-US" sz="1800" b="0" i="0" u="none" strike="noStrike" cap="none" normalizeH="0" baseline="0" dirty="0">
                 <a:ln>
                   <a:noFill/>
                 </a:ln>
@@ -6023,7 +6112,7 @@
               <a:tabLst/>
             </a:pPr>
             <a:r>
-              <a:rPr kumimoji="0" lang="en-US" altLang="en-US" sz="1800" b="1" i="0" u="none" strike="noStrike" cap="none" normalizeH="0" baseline="0">
+              <a:rPr kumimoji="0" lang="en-US" altLang="en-US" sz="1800" b="1" i="0" u="none" strike="noStrike" cap="none" normalizeH="0" baseline="0" dirty="0">
                 <a:ln>
                   <a:noFill/>
                 </a:ln>
@@ -6036,7 +6125,7 @@
               <a:t>Weight Initialization:</a:t>
             </a:r>
             <a:r>
-              <a:rPr kumimoji="0" lang="en-US" altLang="en-US" sz="1800" b="0" i="0" u="none" strike="noStrike" cap="none" normalizeH="0" baseline="0">
+              <a:rPr kumimoji="0" lang="en-US" altLang="en-US" sz="1800" b="0" i="0" u="none" strike="noStrike" cap="none" normalizeH="0" baseline="0" dirty="0">
                 <a:ln>
                   <a:noFill/>
                 </a:ln>
@@ -6067,7 +6156,7 @@
               <a:tabLst/>
             </a:pPr>
             <a:r>
-              <a:rPr kumimoji="0" lang="en-US" altLang="en-US" sz="1800" b="1" i="0" u="none" strike="noStrike" cap="none" normalizeH="0" baseline="0">
+              <a:rPr kumimoji="0" lang="en-US" altLang="en-US" sz="1800" b="1" i="0" u="none" strike="noStrike" cap="none" normalizeH="0" baseline="0" dirty="0">
                 <a:ln>
                   <a:noFill/>
                 </a:ln>
@@ -6080,7 +6169,7 @@
               <a:t>Regularization:</a:t>
             </a:r>
             <a:r>
-              <a:rPr kumimoji="0" lang="en-US" altLang="en-US" sz="1800" b="0" i="0" u="none" strike="noStrike" cap="none" normalizeH="0" baseline="0">
+              <a:rPr kumimoji="0" lang="en-US" altLang="en-US" sz="1800" b="0" i="0" u="none" strike="noStrike" cap="none" normalizeH="0" baseline="0" dirty="0">
                 <a:ln>
                   <a:noFill/>
                 </a:ln>
@@ -6111,7 +6200,7 @@
               <a:tabLst/>
             </a:pPr>
             <a:r>
-              <a:rPr kumimoji="0" lang="en-US" altLang="en-US" sz="1800" b="1" i="0" u="none" strike="noStrike" cap="none" normalizeH="0" baseline="0">
+              <a:rPr kumimoji="0" lang="en-US" altLang="en-US" sz="1800" b="1" i="0" u="none" strike="noStrike" cap="none" normalizeH="0" baseline="0" dirty="0">
                 <a:ln>
                   <a:noFill/>
                 </a:ln>
@@ -6124,7 +6213,7 @@
               <a:t>Stop Condition:</a:t>
             </a:r>
             <a:r>
-              <a:rPr kumimoji="0" lang="en-US" altLang="en-US" sz="1800" b="0" i="0" u="none" strike="noStrike" cap="none" normalizeH="0" baseline="0">
+              <a:rPr kumimoji="0" lang="en-US" altLang="en-US" sz="1800" b="0" i="0" u="none" strike="noStrike" cap="none" normalizeH="0" baseline="0" dirty="0">
                 <a:ln>
                   <a:noFill/>
                 </a:ln>
@@ -6154,7 +6243,7 @@
               <a:buNone/>
               <a:tabLst/>
             </a:pPr>
-            <a:endParaRPr kumimoji="0" lang="en-US" altLang="en-US" sz="1800" b="0" i="0" u="none" strike="noStrike" cap="none" normalizeH="0" baseline="0">
+            <a:endParaRPr kumimoji="0" lang="en-US" altLang="en-US" sz="1800" b="0" i="0" u="none" strike="noStrike" cap="none" normalizeH="0" baseline="0" dirty="0">
               <a:ln>
                 <a:noFill/>
               </a:ln>

--- a/report_slide.pptx
+++ b/report_slide.pptx
@@ -5,24 +5,29 @@
     <p:sldMasterId id="2147483648" r:id="rId1"/>
   </p:sldMasterIdLst>
   <p:notesMasterIdLst>
-    <p:notesMasterId r:id="rId17"/>
+    <p:notesMasterId r:id="rId22"/>
   </p:notesMasterIdLst>
   <p:sldIdLst>
     <p:sldId id="257" r:id="rId2"/>
     <p:sldId id="258" r:id="rId3"/>
-    <p:sldId id="259" r:id="rId4"/>
-    <p:sldId id="260" r:id="rId5"/>
-    <p:sldId id="261" r:id="rId6"/>
-    <p:sldId id="262" r:id="rId7"/>
-    <p:sldId id="263" r:id="rId8"/>
-    <p:sldId id="264" r:id="rId9"/>
-    <p:sldId id="265" r:id="rId10"/>
-    <p:sldId id="266" r:id="rId11"/>
-    <p:sldId id="267" r:id="rId12"/>
-    <p:sldId id="268" r:id="rId13"/>
-    <p:sldId id="271" r:id="rId14"/>
-    <p:sldId id="269" r:id="rId15"/>
-    <p:sldId id="270" r:id="rId16"/>
+    <p:sldId id="272" r:id="rId4"/>
+    <p:sldId id="273" r:id="rId5"/>
+    <p:sldId id="274" r:id="rId6"/>
+    <p:sldId id="275" r:id="rId7"/>
+    <p:sldId id="260" r:id="rId8"/>
+    <p:sldId id="261" r:id="rId9"/>
+    <p:sldId id="262" r:id="rId10"/>
+    <p:sldId id="263" r:id="rId11"/>
+    <p:sldId id="276" r:id="rId12"/>
+    <p:sldId id="277" r:id="rId13"/>
+    <p:sldId id="264" r:id="rId14"/>
+    <p:sldId id="265" r:id="rId15"/>
+    <p:sldId id="266" r:id="rId16"/>
+    <p:sldId id="267" r:id="rId17"/>
+    <p:sldId id="268" r:id="rId18"/>
+    <p:sldId id="271" r:id="rId19"/>
+    <p:sldId id="269" r:id="rId20"/>
+    <p:sldId id="270" r:id="rId21"/>
   </p:sldIdLst>
   <p:sldSz cx="12192000" cy="6858000"/>
   <p:notesSz cx="6858000" cy="9144000"/>
@@ -211,7 +216,7 @@
           <a:p>
             <a:fld id="{70FD9679-ABD7-4BAA-9685-3EFF5778D537}" type="datetimeFigureOut">
               <a:rPr lang="en-US" smtClean="0"/>
-              <a:t>1/27/2025</a:t>
+              <a:t>1/28/2025</a:t>
             </a:fld>
             <a:endParaRPr lang="en-US"/>
           </a:p>
@@ -729,7 +734,7 @@
           <a:p>
             <a:fld id="{A025DB5C-9572-4E18-A789-86EB9244B92D}" type="datetimeFigureOut">
               <a:rPr lang="en-US" smtClean="0"/>
-              <a:t>1/27/2025</a:t>
+              <a:t>1/28/2025</a:t>
             </a:fld>
             <a:endParaRPr lang="en-US"/>
           </a:p>
@@ -927,7 +932,7 @@
           <a:p>
             <a:fld id="{A025DB5C-9572-4E18-A789-86EB9244B92D}" type="datetimeFigureOut">
               <a:rPr lang="en-US" smtClean="0"/>
-              <a:t>1/27/2025</a:t>
+              <a:t>1/28/2025</a:t>
             </a:fld>
             <a:endParaRPr lang="en-US"/>
           </a:p>
@@ -1135,7 +1140,7 @@
           <a:p>
             <a:fld id="{A025DB5C-9572-4E18-A789-86EB9244B92D}" type="datetimeFigureOut">
               <a:rPr lang="en-US" smtClean="0"/>
-              <a:t>1/27/2025</a:t>
+              <a:t>1/28/2025</a:t>
             </a:fld>
             <a:endParaRPr lang="en-US"/>
           </a:p>
@@ -1333,7 +1338,7 @@
           <a:p>
             <a:fld id="{A025DB5C-9572-4E18-A789-86EB9244B92D}" type="datetimeFigureOut">
               <a:rPr lang="en-US" smtClean="0"/>
-              <a:t>1/27/2025</a:t>
+              <a:t>1/28/2025</a:t>
             </a:fld>
             <a:endParaRPr lang="en-US"/>
           </a:p>
@@ -1608,7 +1613,7 @@
           <a:p>
             <a:fld id="{A025DB5C-9572-4E18-A789-86EB9244B92D}" type="datetimeFigureOut">
               <a:rPr lang="en-US" smtClean="0"/>
-              <a:t>1/27/2025</a:t>
+              <a:t>1/28/2025</a:t>
             </a:fld>
             <a:endParaRPr lang="en-US"/>
           </a:p>
@@ -1873,7 +1878,7 @@
           <a:p>
             <a:fld id="{A025DB5C-9572-4E18-A789-86EB9244B92D}" type="datetimeFigureOut">
               <a:rPr lang="en-US" smtClean="0"/>
-              <a:t>1/27/2025</a:t>
+              <a:t>1/28/2025</a:t>
             </a:fld>
             <a:endParaRPr lang="en-US"/>
           </a:p>
@@ -2285,7 +2290,7 @@
           <a:p>
             <a:fld id="{A025DB5C-9572-4E18-A789-86EB9244B92D}" type="datetimeFigureOut">
               <a:rPr lang="en-US" smtClean="0"/>
-              <a:t>1/27/2025</a:t>
+              <a:t>1/28/2025</a:t>
             </a:fld>
             <a:endParaRPr lang="en-US"/>
           </a:p>
@@ -2426,7 +2431,7 @@
           <a:p>
             <a:fld id="{A025DB5C-9572-4E18-A789-86EB9244B92D}" type="datetimeFigureOut">
               <a:rPr lang="en-US" smtClean="0"/>
-              <a:t>1/27/2025</a:t>
+              <a:t>1/28/2025</a:t>
             </a:fld>
             <a:endParaRPr lang="en-US"/>
           </a:p>
@@ -2539,7 +2544,7 @@
           <a:p>
             <a:fld id="{A025DB5C-9572-4E18-A789-86EB9244B92D}" type="datetimeFigureOut">
               <a:rPr lang="en-US" smtClean="0"/>
-              <a:t>1/27/2025</a:t>
+              <a:t>1/28/2025</a:t>
             </a:fld>
             <a:endParaRPr lang="en-US"/>
           </a:p>
@@ -2850,7 +2855,7 @@
           <a:p>
             <a:fld id="{A025DB5C-9572-4E18-A789-86EB9244B92D}" type="datetimeFigureOut">
               <a:rPr lang="en-US" smtClean="0"/>
-              <a:t>1/27/2025</a:t>
+              <a:t>1/28/2025</a:t>
             </a:fld>
             <a:endParaRPr lang="en-US"/>
           </a:p>
@@ -3138,7 +3143,7 @@
           <a:p>
             <a:fld id="{A025DB5C-9572-4E18-A789-86EB9244B92D}" type="datetimeFigureOut">
               <a:rPr lang="en-US" smtClean="0"/>
-              <a:t>1/27/2025</a:t>
+              <a:t>1/28/2025</a:t>
             </a:fld>
             <a:endParaRPr lang="en-US"/>
           </a:p>
@@ -3379,7 +3384,7 @@
           <a:p>
             <a:fld id="{A025DB5C-9572-4E18-A789-86EB9244B92D}" type="datetimeFigureOut">
               <a:rPr lang="en-US" smtClean="0"/>
-              <a:t>1/27/2025</a:t>
+              <a:t>1/28/2025</a:t>
             </a:fld>
             <a:endParaRPr lang="en-US"/>
           </a:p>
@@ -3808,7 +3813,7 @@
         </p:nvSpPr>
         <p:spPr>
           <a:xfrm>
-            <a:off x="415600" y="571367"/>
+            <a:off x="192029" y="834414"/>
             <a:ext cx="11360800" cy="1832400"/>
           </a:xfrm>
           <a:prstGeom prst="rect">
@@ -3858,8 +3863,8 @@
         </p:nvSpPr>
         <p:spPr>
           <a:xfrm>
-            <a:off x="415600" y="2906103"/>
-            <a:ext cx="11221600" cy="3380530"/>
+            <a:off x="272374" y="2965067"/>
+            <a:ext cx="11504026" cy="3058519"/>
           </a:xfrm>
           <a:prstGeom prst="rect">
             <a:avLst/>
@@ -3881,7 +3886,7 @@
               <a:buSzPts val="440"/>
             </a:pPr>
             <a:r>
-              <a:rPr lang="en-US" sz="2800" b="1" dirty="0">
+              <a:rPr lang="en-US" b="1" dirty="0">
                 <a:solidFill>
                   <a:schemeClr val="dk1"/>
                 </a:solidFill>
@@ -3893,7 +3898,7 @@
               <a:t>Authors name</a:t>
             </a:r>
             <a:r>
-              <a:rPr lang="en-US" sz="2800" dirty="0">
+              <a:rPr lang="en-US" dirty="0">
                 <a:solidFill>
                   <a:schemeClr val="dk1"/>
                 </a:solidFill>
@@ -3905,7 +3910,7 @@
               <a:t>:- Tsion Araya / </a:t>
             </a:r>
             <a:r>
-              <a:rPr lang="en-US" sz="2800" dirty="0">
+              <a:rPr lang="en-US" dirty="0">
                 <a:solidFill>
                   <a:schemeClr val="dk1"/>
                 </a:solidFill>
@@ -3917,7 +3922,7 @@
               </a:rPr>
               <a:t>t.araya@unipi.it</a:t>
             </a:r>
-            <a:endParaRPr lang="en-US" sz="2800" dirty="0">
+            <a:endParaRPr lang="en-US" dirty="0">
               <a:solidFill>
                 <a:schemeClr val="dk1"/>
               </a:solidFill>
@@ -3938,7 +3943,7 @@
               <a:buSzPts val="440"/>
             </a:pPr>
             <a:r>
-              <a:rPr lang="en-US" sz="2800" dirty="0">
+              <a:rPr lang="en-US" dirty="0">
                 <a:solidFill>
                   <a:schemeClr val="dk1"/>
                 </a:solidFill>
@@ -3950,7 +3955,7 @@
               <a:t>  </a:t>
             </a:r>
             <a:r>
-              <a:rPr lang="en-US" sz="2800" dirty="0" err="1">
+              <a:rPr lang="en-US" dirty="0" err="1">
                 <a:solidFill>
                   <a:schemeClr val="dk1"/>
                 </a:solidFill>
@@ -3962,7 +3967,7 @@
               <a:t>Seid</a:t>
             </a:r>
             <a:r>
-              <a:rPr lang="en-US" sz="2800" dirty="0">
+              <a:rPr lang="en-US" dirty="0">
                 <a:solidFill>
                   <a:schemeClr val="dk1"/>
                 </a:solidFill>
@@ -3974,7 +3979,7 @@
               <a:t> </a:t>
             </a:r>
             <a:r>
-              <a:rPr lang="en-US" sz="2800" dirty="0" err="1">
+              <a:rPr lang="en-US" dirty="0" err="1">
                 <a:solidFill>
                   <a:schemeClr val="dk1"/>
                 </a:solidFill>
@@ -3986,7 +3991,7 @@
               <a:t>Asnakew</a:t>
             </a:r>
             <a:r>
-              <a:rPr lang="en-US" sz="2800" dirty="0">
+              <a:rPr lang="en-US" dirty="0">
                 <a:solidFill>
                   <a:schemeClr val="dk1"/>
                 </a:solidFill>
@@ -3998,7 +4003,7 @@
               <a:t> / </a:t>
             </a:r>
             <a:r>
-              <a:rPr lang="en-US" sz="2800" u="sng" dirty="0">
+              <a:rPr lang="en-US" u="sng" dirty="0">
                 <a:solidFill>
                   <a:schemeClr val="dk1"/>
                 </a:solidFill>
@@ -4021,7 +4026,7 @@
               <a:buSzPts val="440"/>
             </a:pPr>
             <a:r>
-              <a:rPr lang="en-US" sz="2800" dirty="0">
+              <a:rPr lang="en-US" dirty="0">
                 <a:solidFill>
                   <a:schemeClr val="dk1"/>
                 </a:solidFill>
@@ -4033,7 +4038,7 @@
               <a:t>Zhang pang /</a:t>
             </a:r>
             <a:r>
-              <a:rPr lang="en-US" sz="2800" u="sng" dirty="0">
+              <a:rPr lang="en-US" u="sng" dirty="0">
                 <a:solidFill>
                   <a:schemeClr val="dk1"/>
                 </a:solidFill>
@@ -4056,7 +4061,7 @@
               <a:buSzPts val="440"/>
             </a:pPr>
             <a:r>
-              <a:rPr lang="en-US" sz="2800" b="1" dirty="0">
+              <a:rPr lang="en-US" b="1" dirty="0">
                 <a:solidFill>
                   <a:schemeClr val="dk1"/>
                 </a:solidFill>
@@ -4068,7 +4073,7 @@
               <a:t>Team name</a:t>
             </a:r>
             <a:r>
-              <a:rPr lang="en-US" sz="2800" dirty="0">
+              <a:rPr lang="en-US" dirty="0">
                 <a:solidFill>
                   <a:schemeClr val="dk1"/>
                 </a:solidFill>
@@ -4077,7 +4082,7 @@
                 <a:cs typeface="Times New Roman"/>
                 <a:sym typeface="Times New Roman"/>
               </a:rPr>
-              <a:t>:-SZT</a:t>
+              <a:t>:-ML crackers</a:t>
             </a:r>
           </a:p>
           <a:p>
@@ -4091,7 +4096,7 @@
               <a:buSzPts val="440"/>
             </a:pPr>
             <a:r>
-              <a:rPr lang="en-US" sz="2800" b="1" dirty="0">
+              <a:rPr lang="en-US" b="1" dirty="0">
                 <a:solidFill>
                   <a:schemeClr val="dk1"/>
                 </a:solidFill>
@@ -4103,7 +4108,7 @@
               <a:t>Master degree Curriculum</a:t>
             </a:r>
             <a:r>
-              <a:rPr lang="en-US" sz="2800" dirty="0">
+              <a:rPr lang="en-US" dirty="0">
                 <a:solidFill>
                   <a:schemeClr val="dk1"/>
                 </a:solidFill>
@@ -4126,7 +4131,7 @@
               <a:buSzPts val="440"/>
             </a:pPr>
             <a:r>
-              <a:rPr lang="en-US" sz="2800" b="1" dirty="0">
+              <a:rPr lang="en-US" b="1" dirty="0">
                 <a:solidFill>
                   <a:schemeClr val="dk1"/>
                 </a:solidFill>
@@ -4149,7 +4154,7 @@
               <a:buSzPts val="440"/>
             </a:pPr>
             <a:r>
-              <a:rPr lang="en-US" sz="2800" b="1" dirty="0">
+              <a:rPr lang="en-US" b="1" dirty="0">
                 <a:solidFill>
                   <a:schemeClr val="dk1"/>
                 </a:solidFill>
@@ -4161,7 +4166,7 @@
               <a:t>Project Type</a:t>
             </a:r>
             <a:r>
-              <a:rPr lang="en-US" sz="2800" dirty="0">
+              <a:rPr lang="en-US" dirty="0">
                 <a:solidFill>
                   <a:schemeClr val="dk1"/>
                 </a:solidFill>
@@ -4191,7 +4196,7 @@
         </p:blipFill>
         <p:spPr>
           <a:xfrm>
-            <a:off x="10876701" y="69031"/>
+            <a:off x="10814071" y="285639"/>
             <a:ext cx="1185900" cy="1216300"/>
           </a:xfrm>
           <a:prstGeom prst="rect">
@@ -4233,6 +4238,656 @@
           <p:cNvPr id="2" name="Title 1">
             <a:extLst>
               <a:ext uri="{FF2B5EF4-FFF2-40B4-BE49-F238E27FC236}">
+                <a16:creationId xmlns:a16="http://schemas.microsoft.com/office/drawing/2014/main" id="{7DE539CD-26FB-427E-9B24-6A923ABFDB15}"/>
+              </a:ext>
+            </a:extLst>
+          </p:cNvPr>
+          <p:cNvSpPr>
+            <a:spLocks noGrp="1"/>
+          </p:cNvSpPr>
+          <p:nvPr>
+            <p:ph type="title"/>
+          </p:nvPr>
+        </p:nvSpPr>
+        <p:spPr/>
+        <p:txBody>
+          <a:bodyPr/>
+          <a:lstStyle/>
+          <a:p>
+            <a:r>
+              <a:rPr lang="it" b="1" dirty="0">
+                <a:latin typeface="Arial" panose="020B0604020202020204" pitchFamily="34" charset="0"/>
+                <a:cs typeface="Arial" panose="020B0604020202020204" pitchFamily="34" charset="0"/>
+              </a:rPr>
+              <a:t>Monks 2</a:t>
+            </a:r>
+            <a:endParaRPr lang="en-US" b="1" dirty="0">
+              <a:latin typeface="Arial" panose="020B0604020202020204" pitchFamily="34" charset="0"/>
+              <a:cs typeface="Arial" panose="020B0604020202020204" pitchFamily="34" charset="0"/>
+            </a:endParaRPr>
+          </a:p>
+        </p:txBody>
+      </p:sp>
+      <p:pic>
+        <p:nvPicPr>
+          <p:cNvPr id="5" name="Content Placeholder 4">
+            <a:extLst>
+              <a:ext uri="{FF2B5EF4-FFF2-40B4-BE49-F238E27FC236}">
+                <a16:creationId xmlns:a16="http://schemas.microsoft.com/office/drawing/2014/main" id="{B1C9A2A9-2C48-4096-AD95-50B411E90CC0}"/>
+              </a:ext>
+            </a:extLst>
+          </p:cNvPr>
+          <p:cNvPicPr>
+            <a:picLocks noGrp="1" noChangeAspect="1"/>
+          </p:cNvPicPr>
+          <p:nvPr>
+            <p:ph idx="1"/>
+          </p:nvPr>
+        </p:nvPicPr>
+        <p:blipFill>
+          <a:blip r:embed="rId2">
+            <a:extLst>
+              <a:ext uri="{28A0092B-C50C-407E-A947-70E740481C1C}">
+                <a14:useLocalDpi xmlns:a14="http://schemas.microsoft.com/office/drawing/2010/main" val="0"/>
+              </a:ext>
+            </a:extLst>
+          </a:blip>
+          <a:stretch>
+            <a:fillRect/>
+          </a:stretch>
+        </p:blipFill>
+        <p:spPr>
+          <a:xfrm>
+            <a:off x="3888" y="1390389"/>
+            <a:ext cx="11349911" cy="4786574"/>
+          </a:xfrm>
+        </p:spPr>
+      </p:pic>
+    </p:spTree>
+    <p:extLst>
+      <p:ext uri="{BB962C8B-B14F-4D97-AF65-F5344CB8AC3E}">
+        <p14:creationId xmlns:p14="http://schemas.microsoft.com/office/powerpoint/2010/main" val="4278377027"/>
+      </p:ext>
+    </p:extLst>
+  </p:cSld>
+  <p:clrMapOvr>
+    <a:masterClrMapping/>
+  </p:clrMapOvr>
+</p:sld>
+</file>
+
+<file path=ppt/slides/slide11.xml><?xml version="1.0" encoding="utf-8"?>
+<p:sld xmlns:a="http://schemas.openxmlformats.org/drawingml/2006/main" xmlns:r="http://schemas.openxmlformats.org/officeDocument/2006/relationships" xmlns:p="http://schemas.openxmlformats.org/presentationml/2006/main">
+  <p:cSld>
+    <p:spTree>
+      <p:nvGrpSpPr>
+        <p:cNvPr id="1" name=""/>
+        <p:cNvGrpSpPr/>
+        <p:nvPr/>
+      </p:nvGrpSpPr>
+      <p:grpSpPr>
+        <a:xfrm>
+          <a:off x="0" y="0"/>
+          <a:ext cx="0" cy="0"/>
+          <a:chOff x="0" y="0"/>
+          <a:chExt cx="0" cy="0"/>
+        </a:xfrm>
+      </p:grpSpPr>
+      <p:sp>
+        <p:nvSpPr>
+          <p:cNvPr id="2" name="Title 1">
+            <a:extLst>
+              <a:ext uri="{FF2B5EF4-FFF2-40B4-BE49-F238E27FC236}">
+                <a16:creationId xmlns:a16="http://schemas.microsoft.com/office/drawing/2014/main" id="{2760B3E3-75E9-4697-8657-A573237C6130}"/>
+              </a:ext>
+            </a:extLst>
+          </p:cNvPr>
+          <p:cNvSpPr>
+            <a:spLocks noGrp="1"/>
+          </p:cNvSpPr>
+          <p:nvPr>
+            <p:ph type="title"/>
+          </p:nvPr>
+        </p:nvSpPr>
+        <p:spPr/>
+        <p:txBody>
+          <a:bodyPr/>
+          <a:lstStyle/>
+          <a:p>
+            <a:r>
+              <a:rPr lang="en-US" b="1" dirty="0">
+                <a:latin typeface="Arial" panose="020B0604020202020204" pitchFamily="34" charset="0"/>
+                <a:cs typeface="Arial" panose="020B0604020202020204" pitchFamily="34" charset="0"/>
+              </a:rPr>
+              <a:t>Monks-3</a:t>
+            </a:r>
+          </a:p>
+        </p:txBody>
+      </p:sp>
+      <p:sp>
+        <p:nvSpPr>
+          <p:cNvPr id="3" name="Content Placeholder 2">
+            <a:extLst>
+              <a:ext uri="{FF2B5EF4-FFF2-40B4-BE49-F238E27FC236}">
+                <a16:creationId xmlns:a16="http://schemas.microsoft.com/office/drawing/2014/main" id="{D53863FC-A58F-4845-A6CD-C0792DC8C1EA}"/>
+              </a:ext>
+            </a:extLst>
+          </p:cNvPr>
+          <p:cNvSpPr>
+            <a:spLocks noGrp="1"/>
+          </p:cNvSpPr>
+          <p:nvPr>
+            <p:ph idx="1"/>
+          </p:nvPr>
+        </p:nvSpPr>
+        <p:spPr/>
+        <p:txBody>
+          <a:bodyPr/>
+          <a:lstStyle/>
+          <a:p>
+            <a:endParaRPr lang="en-US" dirty="0"/>
+          </a:p>
+        </p:txBody>
+      </p:sp>
+    </p:spTree>
+    <p:extLst>
+      <p:ext uri="{BB962C8B-B14F-4D97-AF65-F5344CB8AC3E}">
+        <p14:creationId xmlns:p14="http://schemas.microsoft.com/office/powerpoint/2010/main" val="2478067522"/>
+      </p:ext>
+    </p:extLst>
+  </p:cSld>
+  <p:clrMapOvr>
+    <a:masterClrMapping/>
+  </p:clrMapOvr>
+</p:sld>
+</file>
+
+<file path=ppt/slides/slide12.xml><?xml version="1.0" encoding="utf-8"?>
+<p:sld xmlns:a="http://schemas.openxmlformats.org/drawingml/2006/main" xmlns:r="http://schemas.openxmlformats.org/officeDocument/2006/relationships" xmlns:p="http://schemas.openxmlformats.org/presentationml/2006/main">
+  <p:cSld>
+    <p:spTree>
+      <p:nvGrpSpPr>
+        <p:cNvPr id="1" name=""/>
+        <p:cNvGrpSpPr/>
+        <p:nvPr/>
+      </p:nvGrpSpPr>
+      <p:grpSpPr>
+        <a:xfrm>
+          <a:off x="0" y="0"/>
+          <a:ext cx="0" cy="0"/>
+          <a:chOff x="0" y="0"/>
+          <a:chExt cx="0" cy="0"/>
+        </a:xfrm>
+      </p:grpSpPr>
+      <p:sp>
+        <p:nvSpPr>
+          <p:cNvPr id="2" name="Title 1">
+            <a:extLst>
+              <a:ext uri="{FF2B5EF4-FFF2-40B4-BE49-F238E27FC236}">
+                <a16:creationId xmlns:a16="http://schemas.microsoft.com/office/drawing/2014/main" id="{4E06E537-8743-4D17-878C-B2FC76D067D7}"/>
+              </a:ext>
+            </a:extLst>
+          </p:cNvPr>
+          <p:cNvSpPr>
+            <a:spLocks noGrp="1"/>
+          </p:cNvSpPr>
+          <p:nvPr>
+            <p:ph type="title"/>
+          </p:nvPr>
+        </p:nvSpPr>
+        <p:spPr/>
+        <p:txBody>
+          <a:bodyPr/>
+          <a:lstStyle/>
+          <a:p>
+            <a:r>
+              <a:rPr lang="en-US" b="1" dirty="0">
+                <a:latin typeface="Arial" panose="020B0604020202020204" pitchFamily="34" charset="0"/>
+                <a:cs typeface="Arial" panose="020B0604020202020204" pitchFamily="34" charset="0"/>
+              </a:rPr>
+              <a:t>Monk 3- with regularization</a:t>
+            </a:r>
+          </a:p>
+        </p:txBody>
+      </p:sp>
+      <p:sp>
+        <p:nvSpPr>
+          <p:cNvPr id="3" name="Content Placeholder 2">
+            <a:extLst>
+              <a:ext uri="{FF2B5EF4-FFF2-40B4-BE49-F238E27FC236}">
+                <a16:creationId xmlns:a16="http://schemas.microsoft.com/office/drawing/2014/main" id="{BECD40AF-6ED3-491D-B1CA-FDDE1F5D70D4}"/>
+              </a:ext>
+            </a:extLst>
+          </p:cNvPr>
+          <p:cNvSpPr>
+            <a:spLocks noGrp="1"/>
+          </p:cNvSpPr>
+          <p:nvPr>
+            <p:ph idx="1"/>
+          </p:nvPr>
+        </p:nvSpPr>
+        <p:spPr/>
+        <p:txBody>
+          <a:bodyPr/>
+          <a:lstStyle/>
+          <a:p>
+            <a:endParaRPr lang="en-US" dirty="0"/>
+          </a:p>
+        </p:txBody>
+      </p:sp>
+    </p:spTree>
+    <p:extLst>
+      <p:ext uri="{BB962C8B-B14F-4D97-AF65-F5344CB8AC3E}">
+        <p14:creationId xmlns:p14="http://schemas.microsoft.com/office/powerpoint/2010/main" val="3409727636"/>
+      </p:ext>
+    </p:extLst>
+  </p:cSld>
+  <p:clrMapOvr>
+    <a:masterClrMapping/>
+  </p:clrMapOvr>
+</p:sld>
+</file>
+
+<file path=ppt/slides/slide13.xml><?xml version="1.0" encoding="utf-8"?>
+<p:sld xmlns:a="http://schemas.openxmlformats.org/drawingml/2006/main" xmlns:r="http://schemas.openxmlformats.org/officeDocument/2006/relationships" xmlns:p="http://schemas.openxmlformats.org/presentationml/2006/main">
+  <p:cSld>
+    <p:spTree>
+      <p:nvGrpSpPr>
+        <p:cNvPr id="1" name=""/>
+        <p:cNvGrpSpPr/>
+        <p:nvPr/>
+      </p:nvGrpSpPr>
+      <p:grpSpPr>
+        <a:xfrm>
+          <a:off x="0" y="0"/>
+          <a:ext cx="0" cy="0"/>
+          <a:chOff x="0" y="0"/>
+          <a:chExt cx="0" cy="0"/>
+        </a:xfrm>
+      </p:grpSpPr>
+      <p:sp>
+        <p:nvSpPr>
+          <p:cNvPr id="2" name="Title 1">
+            <a:extLst>
+              <a:ext uri="{FF2B5EF4-FFF2-40B4-BE49-F238E27FC236}">
+                <a16:creationId xmlns:a16="http://schemas.microsoft.com/office/drawing/2014/main" id="{969D6DDD-2344-449C-8AE7-B240C97401F3}"/>
+              </a:ext>
+            </a:extLst>
+          </p:cNvPr>
+          <p:cNvSpPr>
+            <a:spLocks noGrp="1"/>
+          </p:cNvSpPr>
+          <p:nvPr>
+            <p:ph type="title"/>
+          </p:nvPr>
+        </p:nvSpPr>
+        <p:spPr/>
+        <p:txBody>
+          <a:bodyPr/>
+          <a:lstStyle/>
+          <a:p>
+            <a:r>
+              <a:rPr lang="it" b="1" dirty="0">
+                <a:latin typeface="Arial" panose="020B0604020202020204" pitchFamily="34" charset="0"/>
+                <a:cs typeface="Arial" panose="020B0604020202020204" pitchFamily="34" charset="0"/>
+              </a:rPr>
+              <a:t>CUP Validation schema: data splitting</a:t>
+            </a:r>
+            <a:endParaRPr lang="en-US" b="1" dirty="0">
+              <a:latin typeface="Arial" panose="020B0604020202020204" pitchFamily="34" charset="0"/>
+              <a:cs typeface="Arial" panose="020B0604020202020204" pitchFamily="34" charset="0"/>
+            </a:endParaRPr>
+          </a:p>
+        </p:txBody>
+      </p:sp>
+      <p:sp>
+        <p:nvSpPr>
+          <p:cNvPr id="3" name="Content Placeholder 2">
+            <a:extLst>
+              <a:ext uri="{FF2B5EF4-FFF2-40B4-BE49-F238E27FC236}">
+                <a16:creationId xmlns:a16="http://schemas.microsoft.com/office/drawing/2014/main" id="{E5F37D38-E0E4-4EB4-83D9-020E413906C5}"/>
+              </a:ext>
+            </a:extLst>
+          </p:cNvPr>
+          <p:cNvSpPr>
+            <a:spLocks noGrp="1"/>
+          </p:cNvSpPr>
+          <p:nvPr>
+            <p:ph idx="1"/>
+          </p:nvPr>
+        </p:nvSpPr>
+        <p:spPr/>
+        <p:txBody>
+          <a:bodyPr>
+            <a:normAutofit lnSpcReduction="10000"/>
+          </a:bodyPr>
+          <a:lstStyle/>
+          <a:p>
+            <a:pPr>
+              <a:lnSpc>
+                <a:spcPct val="150000"/>
+              </a:lnSpc>
+              <a:buFont typeface="Arial" panose="020B0604020202020204" pitchFamily="34" charset="0"/>
+              <a:buChar char="•"/>
+            </a:pPr>
+            <a:r>
+              <a:rPr lang="en-US" b="1" dirty="0"/>
+              <a:t>Data Splitting Approach:</a:t>
+            </a:r>
+            <a:endParaRPr lang="en-US" dirty="0"/>
+          </a:p>
+          <a:p>
+            <a:pPr marL="742950" lvl="1" indent="-285750">
+              <a:lnSpc>
+                <a:spcPct val="150000"/>
+              </a:lnSpc>
+              <a:buFont typeface="Arial" panose="020B0604020202020204" pitchFamily="34" charset="0"/>
+              <a:buChar char="•"/>
+            </a:pPr>
+            <a:r>
+              <a:rPr lang="en-US" dirty="0"/>
+              <a:t>80% training and 10% internal test is split from the original training dataset.</a:t>
+            </a:r>
+          </a:p>
+          <a:p>
+            <a:pPr marL="742950" lvl="1" indent="-285750">
+              <a:lnSpc>
+                <a:spcPct val="150000"/>
+              </a:lnSpc>
+              <a:buFont typeface="Arial" panose="020B0604020202020204" pitchFamily="34" charset="0"/>
+              <a:buChar char="•"/>
+            </a:pPr>
+            <a:r>
+              <a:rPr lang="en-US" dirty="0"/>
+              <a:t>5-fold cross-validation applied was applied on the 80% training set.</a:t>
+            </a:r>
+          </a:p>
+          <a:p>
+            <a:pPr>
+              <a:lnSpc>
+                <a:spcPct val="150000"/>
+              </a:lnSpc>
+              <a:buFont typeface="Arial" panose="020B0604020202020204" pitchFamily="34" charset="0"/>
+              <a:buChar char="•"/>
+            </a:pPr>
+            <a:r>
+              <a:rPr lang="en-US" b="1" dirty="0"/>
+              <a:t>Validation Schema:</a:t>
+            </a:r>
+            <a:endParaRPr lang="en-US" dirty="0"/>
+          </a:p>
+          <a:p>
+            <a:pPr marL="742950" lvl="1" indent="-285750">
+              <a:lnSpc>
+                <a:spcPct val="150000"/>
+              </a:lnSpc>
+              <a:buFont typeface="Arial" panose="020B0604020202020204" pitchFamily="34" charset="0"/>
+              <a:buChar char="•"/>
+            </a:pPr>
+            <a:r>
+              <a:rPr lang="en-US" dirty="0"/>
+              <a:t>Used k-fold cross-validation for model selection using the above split training set.</a:t>
+            </a:r>
+          </a:p>
+          <a:p>
+            <a:pPr marL="742950" lvl="1" indent="-285750">
+              <a:lnSpc>
+                <a:spcPct val="150000"/>
+              </a:lnSpc>
+              <a:buFont typeface="Arial" panose="020B0604020202020204" pitchFamily="34" charset="0"/>
+              <a:buChar char="•"/>
+            </a:pPr>
+            <a:r>
+              <a:rPr lang="en-US" dirty="0"/>
+              <a:t>Retraining of final model on full dataset before blind test.</a:t>
+            </a:r>
+          </a:p>
+          <a:p>
+            <a:pPr marL="0" indent="0">
+              <a:buNone/>
+            </a:pPr>
+            <a:endParaRPr lang="en-US" dirty="0"/>
+          </a:p>
+        </p:txBody>
+      </p:sp>
+    </p:spTree>
+    <p:extLst>
+      <p:ext uri="{BB962C8B-B14F-4D97-AF65-F5344CB8AC3E}">
+        <p14:creationId xmlns:p14="http://schemas.microsoft.com/office/powerpoint/2010/main" val="2488868007"/>
+      </p:ext>
+    </p:extLst>
+  </p:cSld>
+  <p:clrMapOvr>
+    <a:masterClrMapping/>
+  </p:clrMapOvr>
+</p:sld>
+</file>
+
+<file path=ppt/slides/slide14.xml><?xml version="1.0" encoding="utf-8"?>
+<p:sld xmlns:a="http://schemas.openxmlformats.org/drawingml/2006/main" xmlns:r="http://schemas.openxmlformats.org/officeDocument/2006/relationships" xmlns:p="http://schemas.openxmlformats.org/presentationml/2006/main">
+  <p:cSld>
+    <p:spTree>
+      <p:nvGrpSpPr>
+        <p:cNvPr id="1" name=""/>
+        <p:cNvGrpSpPr/>
+        <p:nvPr/>
+      </p:nvGrpSpPr>
+      <p:grpSpPr>
+        <a:xfrm>
+          <a:off x="0" y="0"/>
+          <a:ext cx="0" cy="0"/>
+          <a:chOff x="0" y="0"/>
+          <a:chExt cx="0" cy="0"/>
+        </a:xfrm>
+      </p:grpSpPr>
+      <p:sp>
+        <p:nvSpPr>
+          <p:cNvPr id="2" name="Title 1">
+            <a:extLst>
+              <a:ext uri="{FF2B5EF4-FFF2-40B4-BE49-F238E27FC236}">
+                <a16:creationId xmlns:a16="http://schemas.microsoft.com/office/drawing/2014/main" id="{C0507E87-96B1-4133-8E87-68E48F7D5E19}"/>
+              </a:ext>
+            </a:extLst>
+          </p:cNvPr>
+          <p:cNvSpPr>
+            <a:spLocks noGrp="1"/>
+          </p:cNvSpPr>
+          <p:nvPr>
+            <p:ph type="title"/>
+          </p:nvPr>
+        </p:nvSpPr>
+        <p:spPr/>
+        <p:txBody>
+          <a:bodyPr/>
+          <a:lstStyle/>
+          <a:p>
+            <a:r>
+              <a:rPr lang="it" b="1" dirty="0">
+                <a:latin typeface="Arial" panose="020B0604020202020204" pitchFamily="34" charset="0"/>
+                <a:cs typeface="Arial" panose="020B0604020202020204" pitchFamily="34" charset="0"/>
+              </a:rPr>
+              <a:t>CUP Validation schema: model selection</a:t>
+            </a:r>
+            <a:endParaRPr lang="en-US" b="1" dirty="0">
+              <a:latin typeface="Arial" panose="020B0604020202020204" pitchFamily="34" charset="0"/>
+              <a:cs typeface="Arial" panose="020B0604020202020204" pitchFamily="34" charset="0"/>
+            </a:endParaRPr>
+          </a:p>
+        </p:txBody>
+      </p:sp>
+      <p:sp>
+        <p:nvSpPr>
+          <p:cNvPr id="3" name="Content Placeholder 2">
+            <a:extLst>
+              <a:ext uri="{FF2B5EF4-FFF2-40B4-BE49-F238E27FC236}">
+                <a16:creationId xmlns:a16="http://schemas.microsoft.com/office/drawing/2014/main" id="{72810CEA-E8FD-4A96-A4DE-ED308F601208}"/>
+              </a:ext>
+            </a:extLst>
+          </p:cNvPr>
+          <p:cNvSpPr>
+            <a:spLocks noGrp="1"/>
+          </p:cNvSpPr>
+          <p:nvPr>
+            <p:ph idx="1"/>
+          </p:nvPr>
+        </p:nvSpPr>
+        <p:spPr>
+          <a:xfrm>
+            <a:off x="638827" y="1690688"/>
+            <a:ext cx="10714973" cy="4761522"/>
+          </a:xfrm>
+        </p:spPr>
+        <p:txBody>
+          <a:bodyPr>
+            <a:normAutofit lnSpcReduction="10000"/>
+          </a:bodyPr>
+          <a:lstStyle/>
+          <a:p>
+            <a:pPr>
+              <a:lnSpc>
+                <a:spcPct val="150000"/>
+              </a:lnSpc>
+              <a:buFont typeface="Arial" panose="020B0604020202020204" pitchFamily="34" charset="0"/>
+              <a:buChar char="•"/>
+            </a:pPr>
+            <a:r>
+              <a:rPr lang="en-US" b="1" dirty="0"/>
+              <a:t>Hyperparameter Exploration:</a:t>
+            </a:r>
+            <a:endParaRPr lang="en-US" dirty="0"/>
+          </a:p>
+          <a:p>
+            <a:pPr marL="742950" lvl="1" indent="-285750">
+              <a:lnSpc>
+                <a:spcPct val="150000"/>
+              </a:lnSpc>
+              <a:buFont typeface="Arial" panose="020B0604020202020204" pitchFamily="34" charset="0"/>
+              <a:buChar char="•"/>
+            </a:pPr>
+            <a:r>
+              <a:rPr lang="en-US" dirty="0"/>
+              <a:t>Grid search applied with parameter ranges:</a:t>
+            </a:r>
+          </a:p>
+          <a:p>
+            <a:pPr marL="1143000" lvl="2" indent="-228600">
+              <a:lnSpc>
+                <a:spcPct val="150000"/>
+              </a:lnSpc>
+              <a:buFont typeface="Arial" panose="020B0604020202020204" pitchFamily="34" charset="0"/>
+              <a:buChar char="•"/>
+            </a:pPr>
+            <a:r>
+              <a:rPr lang="en-US" dirty="0"/>
+              <a:t>Learning rates: [0.0001, 0.001]</a:t>
+            </a:r>
+          </a:p>
+          <a:p>
+            <a:pPr marL="1143000" lvl="2" indent="-228600">
+              <a:lnSpc>
+                <a:spcPct val="150000"/>
+              </a:lnSpc>
+              <a:buFont typeface="Arial" panose="020B0604020202020204" pitchFamily="34" charset="0"/>
+              <a:buChar char="•"/>
+            </a:pPr>
+            <a:r>
+              <a:rPr lang="en-US" dirty="0"/>
+              <a:t>Batch sizes: [8, 16]</a:t>
+            </a:r>
+          </a:p>
+          <a:p>
+            <a:pPr marL="1143000" lvl="2" indent="-228600">
+              <a:lnSpc>
+                <a:spcPct val="150000"/>
+              </a:lnSpc>
+              <a:buFont typeface="Arial" panose="020B0604020202020204" pitchFamily="34" charset="0"/>
+              <a:buChar char="•"/>
+            </a:pPr>
+            <a:r>
+              <a:rPr lang="en-US" dirty="0"/>
+              <a:t>Momentum: [0.2, 0.8]</a:t>
+            </a:r>
+          </a:p>
+          <a:p>
+            <a:pPr>
+              <a:lnSpc>
+                <a:spcPct val="150000"/>
+              </a:lnSpc>
+              <a:buFont typeface="Arial" panose="020B0604020202020204" pitchFamily="34" charset="0"/>
+              <a:buChar char="•"/>
+            </a:pPr>
+            <a:r>
+              <a:rPr lang="en-US" b="1" dirty="0"/>
+              <a:t>Final Model Selection:</a:t>
+            </a:r>
+            <a:endParaRPr lang="en-US" dirty="0"/>
+          </a:p>
+          <a:p>
+            <a:pPr marL="742950" lvl="1" indent="-285750">
+              <a:lnSpc>
+                <a:spcPct val="150000"/>
+              </a:lnSpc>
+              <a:buFont typeface="Arial" panose="020B0604020202020204" pitchFamily="34" charset="0"/>
+              <a:buChar char="•"/>
+            </a:pPr>
+            <a:r>
+              <a:rPr lang="en-US" dirty="0"/>
+              <a:t>Chosen based on lowest validation loss and error (MEE).</a:t>
+            </a:r>
+          </a:p>
+          <a:p>
+            <a:pPr marL="742950" lvl="1" indent="-285750">
+              <a:lnSpc>
+                <a:spcPct val="150000"/>
+              </a:lnSpc>
+              <a:buFont typeface="Arial" panose="020B0604020202020204" pitchFamily="34" charset="0"/>
+              <a:buChar char="•"/>
+            </a:pPr>
+            <a:r>
+              <a:rPr lang="en-US" dirty="0"/>
+              <a:t>Comparison of different architectures.</a:t>
+            </a:r>
+          </a:p>
+          <a:p>
+            <a:endParaRPr lang="en-US" dirty="0"/>
+          </a:p>
+        </p:txBody>
+      </p:sp>
+    </p:spTree>
+    <p:extLst>
+      <p:ext uri="{BB962C8B-B14F-4D97-AF65-F5344CB8AC3E}">
+        <p14:creationId xmlns:p14="http://schemas.microsoft.com/office/powerpoint/2010/main" val="2416425722"/>
+      </p:ext>
+    </p:extLst>
+  </p:cSld>
+  <p:clrMapOvr>
+    <a:masterClrMapping/>
+  </p:clrMapOvr>
+</p:sld>
+</file>
+
+<file path=ppt/slides/slide15.xml><?xml version="1.0" encoding="utf-8"?>
+<p:sld xmlns:a="http://schemas.openxmlformats.org/drawingml/2006/main" xmlns:r="http://schemas.openxmlformats.org/officeDocument/2006/relationships" xmlns:p="http://schemas.openxmlformats.org/presentationml/2006/main">
+  <p:cSld>
+    <p:spTree>
+      <p:nvGrpSpPr>
+        <p:cNvPr id="1" name=""/>
+        <p:cNvGrpSpPr/>
+        <p:nvPr/>
+      </p:nvGrpSpPr>
+      <p:grpSpPr>
+        <a:xfrm>
+          <a:off x="0" y="0"/>
+          <a:ext cx="0" cy="0"/>
+          <a:chOff x="0" y="0"/>
+          <a:chExt cx="0" cy="0"/>
+        </a:xfrm>
+      </p:grpSpPr>
+      <p:sp>
+        <p:nvSpPr>
+          <p:cNvPr id="2" name="Title 1">
+            <a:extLst>
+              <a:ext uri="{FF2B5EF4-FFF2-40B4-BE49-F238E27FC236}">
                 <a16:creationId xmlns:a16="http://schemas.microsoft.com/office/drawing/2014/main" id="{C5E286A8-BF33-4E1C-A6A2-A98D40C61EB3}"/>
               </a:ext>
             </a:extLst>
@@ -4250,10 +4905,16 @@
           <a:lstStyle/>
           <a:p>
             <a:r>
-              <a:rPr lang="it" dirty="0"/>
+              <a:rPr lang="it" b="1" dirty="0">
+                <a:latin typeface="Arial" panose="020B0604020202020204" pitchFamily="34" charset="0"/>
+                <a:cs typeface="Arial" panose="020B0604020202020204" pitchFamily="34" charset="0"/>
+              </a:rPr>
               <a:t>CUP Results</a:t>
             </a:r>
-            <a:endParaRPr lang="en-US" dirty="0"/>
+            <a:endParaRPr lang="en-US" b="1" dirty="0">
+              <a:latin typeface="Arial" panose="020B0604020202020204" pitchFamily="34" charset="0"/>
+              <a:cs typeface="Arial" panose="020B0604020202020204" pitchFamily="34" charset="0"/>
+            </a:endParaRPr>
           </a:p>
         </p:txBody>
       </p:sp>
@@ -4274,6 +4935,10 @@
           </p:nvPr>
         </p:nvSpPr>
         <p:spPr bwMode="auto">
+          <a:xfrm>
+            <a:off x="838200" y="3678128"/>
+            <a:ext cx="2889445" cy="646331"/>
+          </a:xfrm>
           <a:prstGeom prst="rect">
             <a:avLst/>
           </a:prstGeom>
@@ -4347,7 +5012,7 @@
                 <a:effectLst/>
                 <a:latin typeface="Arial" panose="020B0604020202020204" pitchFamily="34" charset="0"/>
               </a:rPr>
-              <a:t>Performance Metrics:</a:t>
+              <a:t>Table of the cup dataset</a:t>
             </a:r>
             <a:endParaRPr kumimoji="0" lang="en-US" altLang="en-US" sz="1800" b="0" i="0" u="none" strike="noStrike" cap="none" normalizeH="0" baseline="0" dirty="0">
               <a:ln>
@@ -4374,194 +5039,6 @@
               <a:buClrTx/>
               <a:buSzTx/>
               <a:buFontTx/>
-              <a:buChar char="•"/>
-              <a:tabLst/>
-            </a:pPr>
-            <a:r>
-              <a:rPr kumimoji="0" lang="en-US" altLang="en-US" sz="1800" b="0" i="0" u="none" strike="noStrike" cap="none" normalizeH="0" baseline="0" dirty="0">
-                <a:ln>
-                  <a:noFill/>
-                </a:ln>
-                <a:solidFill>
-                  <a:schemeClr val="tx1"/>
-                </a:solidFill>
-                <a:effectLst/>
-                <a:latin typeface="Arial" panose="020B0604020202020204" pitchFamily="34" charset="0"/>
-              </a:rPr>
-              <a:t>Training, validation, and internal test losses.</a:t>
-            </a:r>
-          </a:p>
-          <a:p>
-            <a:pPr marL="0" marR="0" lvl="0" indent="0" algn="l" defTabSz="914400" rtl="0" eaLnBrk="0" fontAlgn="base" latinLnBrk="0" hangingPunct="0">
-              <a:lnSpc>
-                <a:spcPct val="100000"/>
-              </a:lnSpc>
-              <a:spcBef>
-                <a:spcPct val="0"/>
-              </a:spcBef>
-              <a:spcAft>
-                <a:spcPct val="0"/>
-              </a:spcAft>
-              <a:buClrTx/>
-              <a:buSzTx/>
-              <a:buFontTx/>
-              <a:buChar char="•"/>
-              <a:tabLst/>
-            </a:pPr>
-            <a:r>
-              <a:rPr kumimoji="0" lang="en-US" altLang="en-US" sz="1800" b="0" i="0" u="none" strike="noStrike" cap="none" normalizeH="0" baseline="0" dirty="0">
-                <a:ln>
-                  <a:noFill/>
-                </a:ln>
-                <a:solidFill>
-                  <a:schemeClr val="tx1"/>
-                </a:solidFill>
-                <a:effectLst/>
-                <a:latin typeface="Arial" panose="020B0604020202020204" pitchFamily="34" charset="0"/>
-              </a:rPr>
-              <a:t>Selected model learning curves.</a:t>
-            </a:r>
-          </a:p>
-          <a:p>
-            <a:pPr marL="0" marR="0" lvl="0" indent="0" algn="l" defTabSz="914400" rtl="0" eaLnBrk="0" fontAlgn="base" latinLnBrk="0" hangingPunct="0">
-              <a:lnSpc>
-                <a:spcPct val="100000"/>
-              </a:lnSpc>
-              <a:spcBef>
-                <a:spcPct val="0"/>
-              </a:spcBef>
-              <a:spcAft>
-                <a:spcPct val="0"/>
-              </a:spcAft>
-              <a:buClrTx/>
-              <a:buSzTx/>
-              <a:buFontTx/>
-              <a:buChar char="•"/>
-              <a:tabLst/>
-            </a:pPr>
-            <a:r>
-              <a:rPr kumimoji="0" lang="en-US" altLang="en-US" sz="1800" b="1" i="0" u="none" strike="noStrike" cap="none" normalizeH="0" baseline="0" dirty="0">
-                <a:ln>
-                  <a:noFill/>
-                </a:ln>
-                <a:solidFill>
-                  <a:schemeClr val="tx1"/>
-                </a:solidFill>
-                <a:effectLst/>
-                <a:latin typeface="Arial" panose="020B0604020202020204" pitchFamily="34" charset="0"/>
-              </a:rPr>
-              <a:t>Final Model Evaluation:</a:t>
-            </a:r>
-            <a:endParaRPr kumimoji="0" lang="en-US" altLang="en-US" sz="1800" b="0" i="0" u="none" strike="noStrike" cap="none" normalizeH="0" baseline="0" dirty="0">
-              <a:ln>
-                <a:noFill/>
-              </a:ln>
-              <a:solidFill>
-                <a:schemeClr val="tx1"/>
-              </a:solidFill>
-              <a:effectLst/>
-              <a:latin typeface="Arial" panose="020B0604020202020204" pitchFamily="34" charset="0"/>
-            </a:endParaRPr>
-          </a:p>
-          <a:p>
-            <a:pPr marL="0" marR="0" lvl="0" indent="0" algn="l" defTabSz="914400" rtl="0" eaLnBrk="0" fontAlgn="base" latinLnBrk="0" hangingPunct="0">
-              <a:lnSpc>
-                <a:spcPct val="100000"/>
-              </a:lnSpc>
-              <a:spcBef>
-                <a:spcPct val="0"/>
-              </a:spcBef>
-              <a:spcAft>
-                <a:spcPct val="0"/>
-              </a:spcAft>
-              <a:buClrTx/>
-              <a:buSzTx/>
-              <a:buFontTx/>
-              <a:buChar char="•"/>
-              <a:tabLst/>
-            </a:pPr>
-            <a:r>
-              <a:rPr kumimoji="0" lang="en-US" altLang="en-US" sz="1800" b="0" i="0" u="none" strike="noStrike" cap="none" normalizeH="0" baseline="0" dirty="0">
-                <a:ln>
-                  <a:noFill/>
-                </a:ln>
-                <a:solidFill>
-                  <a:schemeClr val="tx1"/>
-                </a:solidFill>
-                <a:effectLst/>
-                <a:latin typeface="Arial" panose="020B0604020202020204" pitchFamily="34" charset="0"/>
-              </a:rPr>
-              <a:t>Test Loss (MEE): </a:t>
-            </a:r>
-            <a:r>
-              <a:rPr kumimoji="0" lang="en-US" altLang="en-US" sz="1800" b="0" i="1" u="none" strike="noStrike" cap="none" normalizeH="0" baseline="0" dirty="0" err="1">
-                <a:ln>
-                  <a:noFill/>
-                </a:ln>
-                <a:solidFill>
-                  <a:schemeClr val="tx1"/>
-                </a:solidFill>
-                <a:effectLst/>
-                <a:latin typeface="Arial" panose="020B0604020202020204" pitchFamily="34" charset="0"/>
-              </a:rPr>
-              <a:t>xx.xx</a:t>
-            </a:r>
-            <a:endParaRPr kumimoji="0" lang="en-US" altLang="en-US" sz="1800" b="0" i="0" u="none" strike="noStrike" cap="none" normalizeH="0" baseline="0" dirty="0">
-              <a:ln>
-                <a:noFill/>
-              </a:ln>
-              <a:solidFill>
-                <a:schemeClr val="tx1"/>
-              </a:solidFill>
-              <a:effectLst/>
-              <a:latin typeface="Arial" panose="020B0604020202020204" pitchFamily="34" charset="0"/>
-            </a:endParaRPr>
-          </a:p>
-          <a:p>
-            <a:pPr marL="0" marR="0" lvl="0" indent="0" algn="l" defTabSz="914400" rtl="0" eaLnBrk="0" fontAlgn="base" latinLnBrk="0" hangingPunct="0">
-              <a:lnSpc>
-                <a:spcPct val="100000"/>
-              </a:lnSpc>
-              <a:spcBef>
-                <a:spcPct val="0"/>
-              </a:spcBef>
-              <a:spcAft>
-                <a:spcPct val="0"/>
-              </a:spcAft>
-              <a:buClrTx/>
-              <a:buSzTx/>
-              <a:buFontTx/>
-              <a:buChar char="•"/>
-              <a:tabLst/>
-            </a:pPr>
-            <a:r>
-              <a:rPr kumimoji="0" lang="en-US" altLang="en-US" sz="1800" b="0" i="0" u="none" strike="noStrike" cap="none" normalizeH="0" baseline="0" dirty="0">
-                <a:ln>
-                  <a:noFill/>
-                </a:ln>
-                <a:solidFill>
-                  <a:schemeClr val="tx1"/>
-                </a:solidFill>
-                <a:effectLst/>
-                <a:latin typeface="Arial" panose="020B0604020202020204" pitchFamily="34" charset="0"/>
-              </a:rPr>
-              <a:t>Learning curves of the final model.</a:t>
-            </a:r>
-          </a:p>
-          <a:p>
-            <a:pPr marL="0" marR="0" lvl="0" indent="0" algn="l" defTabSz="914400" rtl="0" eaLnBrk="0" fontAlgn="base" latinLnBrk="0" hangingPunct="0">
-              <a:lnSpc>
-                <a:spcPct val="100000"/>
-              </a:lnSpc>
-              <a:spcBef>
-                <a:spcPct val="0"/>
-              </a:spcBef>
-              <a:spcAft>
-                <a:spcPct val="0"/>
-              </a:spcAft>
-              <a:buClrTx/>
-              <a:buSzTx/>
-              <a:buFontTx/>
               <a:buNone/>
               <a:tabLst/>
             </a:pPr>
@@ -4591,7 +5068,7 @@
 </p:sld>
 </file>
 
-<file path=ppt/slides/slide11.xml><?xml version="1.0" encoding="utf-8"?>
+<file path=ppt/slides/slide16.xml><?xml version="1.0" encoding="utf-8"?>
 <p:sld xmlns:a="http://schemas.openxmlformats.org/drawingml/2006/main" xmlns:r="http://schemas.openxmlformats.org/officeDocument/2006/relationships" xmlns:p="http://schemas.openxmlformats.org/presentationml/2006/main">
   <p:cSld>
     <p:spTree>
@@ -4747,7 +5224,7 @@
 </p:sld>
 </file>
 
-<file path=ppt/slides/slide12.xml><?xml version="1.0" encoding="utf-8"?>
+<file path=ppt/slides/slide17.xml><?xml version="1.0" encoding="utf-8"?>
 <p:sld xmlns:a="http://schemas.openxmlformats.org/drawingml/2006/main" xmlns:r="http://schemas.openxmlformats.org/officeDocument/2006/relationships" xmlns:p="http://schemas.openxmlformats.org/presentationml/2006/main">
   <p:cSld>
     <p:spTree>
@@ -4872,7 +5349,7 @@
 </p:sld>
 </file>
 
-<file path=ppt/slides/slide13.xml><?xml version="1.0" encoding="utf-8"?>
+<file path=ppt/slides/slide18.xml><?xml version="1.0" encoding="utf-8"?>
 <p:sld xmlns:a="http://schemas.openxmlformats.org/drawingml/2006/main" xmlns:r="http://schemas.openxmlformats.org/officeDocument/2006/relationships" xmlns:p="http://schemas.openxmlformats.org/presentationml/2006/main">
   <p:cSld>
     <p:spTree>
@@ -4934,6 +5411,10 @@
           </p:nvPr>
         </p:nvSpPr>
         <p:spPr bwMode="auto">
+          <a:xfrm>
+            <a:off x="551145" y="2391158"/>
+            <a:ext cx="10703491" cy="2215991"/>
+          </a:xfrm>
           <a:prstGeom prst="rect">
             <a:avLst/>
           </a:prstGeom>
@@ -4972,7 +5453,7 @@
           </a:extLst>
         </p:spPr>
         <p:txBody>
-          <a:bodyPr vert="horz" wrap="none" lIns="91440" tIns="45720" rIns="91440" bIns="45720" numCol="1" anchor="ctr" anchorCtr="0" compatLnSpc="1">
+          <a:bodyPr vert="horz" wrap="square" lIns="91440" tIns="45720" rIns="91440" bIns="45720" numCol="1" anchor="ctr" anchorCtr="0" compatLnSpc="1">
             <a:prstTxWarp prst="textNoShape">
               <a:avLst/>
             </a:prstTxWarp>
@@ -4996,7 +5477,7 @@
               <a:buNone/>
               <a:tabLst/>
             </a:pPr>
-            <a:endParaRPr kumimoji="0" lang="en-US" altLang="en-US" sz="1800" b="0" i="0" u="none" strike="noStrike" cap="none" normalizeH="0" baseline="0">
+            <a:endParaRPr kumimoji="0" lang="en-US" altLang="en-US" sz="2400" b="0" i="0" u="none" strike="noStrike" cap="none" normalizeH="0" baseline="0" dirty="0">
               <a:ln>
                 <a:noFill/>
               </a:ln>
@@ -5025,7 +5506,7 @@
               <a:tabLst/>
             </a:pPr>
             <a:r>
-              <a:rPr kumimoji="0" lang="en-US" altLang="en-US" sz="1800" b="1" i="0" u="none" strike="noStrike" cap="none" normalizeH="0" baseline="0">
+              <a:rPr kumimoji="0" lang="en-US" altLang="en-US" sz="2400" b="1" i="0" u="none" strike="noStrike" cap="none" normalizeH="0" baseline="0" dirty="0">
                 <a:ln>
                   <a:noFill/>
                 </a:ln>
@@ -5037,7 +5518,7 @@
               </a:rPr>
               <a:t>Final Predictions:</a:t>
             </a:r>
-            <a:endParaRPr kumimoji="0" lang="en-US" altLang="en-US" sz="1800" b="0" i="0" u="none" strike="noStrike" cap="none" normalizeH="0" baseline="0">
+            <a:endParaRPr kumimoji="0" lang="en-US" altLang="en-US" sz="2400" b="0" i="0" u="none" strike="noStrike" cap="none" normalizeH="0" baseline="0" dirty="0">
               <a:ln>
                 <a:noFill/>
               </a:ln>
@@ -5066,7 +5547,7 @@
               <a:tabLst/>
             </a:pPr>
             <a:r>
-              <a:rPr kumimoji="0" lang="en-US" altLang="en-US" sz="1800" b="0" i="0" u="none" strike="noStrike" cap="none" normalizeH="0" baseline="0">
+              <a:rPr kumimoji="0" lang="en-US" altLang="en-US" b="0" i="0" u="none" strike="noStrike" cap="none" normalizeH="0" baseline="0" dirty="0">
                 <a:ln>
                   <a:noFill/>
                 </a:ln>
@@ -5079,7 +5560,7 @@
               <a:t>Results saved in </a:t>
             </a:r>
             <a:r>
-              <a:rPr kumimoji="0" lang="en-US" altLang="en-US" sz="1000" b="0" i="0" u="none" strike="noStrike" cap="none" normalizeH="0" baseline="0">
+              <a:rPr kumimoji="0" lang="en-US" altLang="en-US" b="0" i="0" u="none" strike="noStrike" cap="none" normalizeH="0" baseline="0" dirty="0">
                 <a:ln>
                   <a:noFill/>
                 </a:ln>
@@ -5092,7 +5573,7 @@
               <a:t>results/blind_test_predictions.csv</a:t>
             </a:r>
             <a:r>
-              <a:rPr kumimoji="0" lang="en-US" altLang="en-US" sz="900" b="0" i="0" u="none" strike="noStrike" cap="none" normalizeH="0" baseline="0">
+              <a:rPr kumimoji="0" lang="en-US" altLang="en-US" b="0" i="0" u="none" strike="noStrike" cap="none" normalizeH="0" baseline="0" dirty="0">
                 <a:ln>
                   <a:noFill/>
                 </a:ln>
@@ -5103,7 +5584,7 @@
               </a:rPr>
               <a:t>.</a:t>
             </a:r>
-            <a:endParaRPr kumimoji="0" lang="en-US" altLang="en-US" sz="1800" b="0" i="0" u="none" strike="noStrike" cap="none" normalizeH="0" baseline="0">
+            <a:endParaRPr kumimoji="0" lang="en-US" altLang="en-US" b="0" i="0" u="none" strike="noStrike" cap="none" normalizeH="0" baseline="0" dirty="0">
               <a:ln>
                 <a:noFill/>
               </a:ln>
@@ -5132,7 +5613,7 @@
               <a:tabLst/>
             </a:pPr>
             <a:r>
-              <a:rPr kumimoji="0" lang="en-US" altLang="en-US" sz="1800" b="0" i="0" u="none" strike="noStrike" cap="none" normalizeH="0" baseline="0">
+              <a:rPr kumimoji="0" lang="en-US" altLang="en-US" b="0" i="0" u="none" strike="noStrike" cap="none" normalizeH="0" baseline="0" dirty="0">
                 <a:ln>
                   <a:noFill/>
                 </a:ln>
@@ -5145,7 +5626,7 @@
               <a:t>MEE on blind test set: </a:t>
             </a:r>
             <a:r>
-              <a:rPr kumimoji="0" lang="en-US" altLang="en-US" sz="1800" b="0" i="1" u="none" strike="noStrike" cap="none" normalizeH="0" baseline="0">
+              <a:rPr kumimoji="0" lang="en-US" altLang="en-US" b="0" i="1" u="none" strike="noStrike" cap="none" normalizeH="0" baseline="0" dirty="0" err="1">
                 <a:ln>
                   <a:noFill/>
                 </a:ln>
@@ -5157,7 +5638,7 @@
               </a:rPr>
               <a:t>xx.xx</a:t>
             </a:r>
-            <a:endParaRPr kumimoji="0" lang="en-US" altLang="en-US" sz="1800" b="0" i="0" u="none" strike="noStrike" cap="none" normalizeH="0" baseline="0">
+            <a:endParaRPr kumimoji="0" lang="en-US" altLang="en-US" b="0" i="0" u="none" strike="noStrike" cap="none" normalizeH="0" baseline="0" dirty="0">
               <a:ln>
                 <a:noFill/>
               </a:ln>
@@ -5186,7 +5667,7 @@
               <a:tabLst/>
             </a:pPr>
             <a:r>
-              <a:rPr kumimoji="0" lang="en-US" altLang="en-US" sz="1800" b="0" i="0" u="none" strike="noStrike" cap="none" normalizeH="0" baseline="0">
+              <a:rPr kumimoji="0" lang="en-US" altLang="en-US" b="0" i="0" u="none" strike="noStrike" cap="none" normalizeH="0" baseline="0" dirty="0">
                 <a:ln>
                   <a:noFill/>
                 </a:ln>
@@ -5199,7 +5680,7 @@
               <a:t>Project nickname: </a:t>
             </a:r>
             <a:r>
-              <a:rPr kumimoji="0" lang="en-US" altLang="en-US" sz="1800" b="0" i="1" u="none" strike="noStrike" cap="none" normalizeH="0" baseline="0">
+              <a:rPr kumimoji="0" lang="en-US" altLang="en-US" b="0" i="1" u="none" strike="noStrike" cap="none" normalizeH="0" baseline="0" dirty="0" err="1">
                 <a:ln>
                   <a:noFill/>
                 </a:ln>
@@ -5211,7 +5692,7 @@
               </a:rPr>
               <a:t>your_team_name</a:t>
             </a:r>
-            <a:endParaRPr kumimoji="0" lang="en-US" altLang="en-US" sz="1800" b="0" i="0" u="none" strike="noStrike" cap="none" normalizeH="0" baseline="0">
+            <a:endParaRPr kumimoji="0" lang="en-US" altLang="en-US" b="0" i="0" u="none" strike="noStrike" cap="none" normalizeH="0" baseline="0" dirty="0">
               <a:ln>
                 <a:noFill/>
               </a:ln>
@@ -5239,7 +5720,7 @@
               <a:buNone/>
               <a:tabLst/>
             </a:pPr>
-            <a:endParaRPr kumimoji="0" lang="en-US" altLang="en-US" sz="1800" b="0" i="0" u="none" strike="noStrike" cap="none" normalizeH="0" baseline="0">
+            <a:endParaRPr kumimoji="0" lang="en-US" altLang="en-US" sz="1800" b="0" i="0" u="none" strike="noStrike" cap="none" normalizeH="0" baseline="0" dirty="0">
               <a:ln>
                 <a:noFill/>
               </a:ln>
@@ -5265,7 +5746,7 @@
 </p:sld>
 </file>
 
-<file path=ppt/slides/slide14.xml><?xml version="1.0" encoding="utf-8"?>
+<file path=ppt/slides/slide19.xml><?xml version="1.0" encoding="utf-8"?>
 <p:sld xmlns:a="http://schemas.openxmlformats.org/drawingml/2006/main" xmlns:r="http://schemas.openxmlformats.org/officeDocument/2006/relationships" xmlns:p="http://schemas.openxmlformats.org/presentationml/2006/main">
   <p:cSld>
     <p:spTree>
@@ -5343,110 +5824,6 @@
     <p:extLst>
       <p:ext uri="{BB962C8B-B14F-4D97-AF65-F5344CB8AC3E}">
         <p14:creationId xmlns:p14="http://schemas.microsoft.com/office/powerpoint/2010/main" val="1741051013"/>
-      </p:ext>
-    </p:extLst>
-  </p:cSld>
-  <p:clrMapOvr>
-    <a:masterClrMapping/>
-  </p:clrMapOvr>
-</p:sld>
-</file>
-
-<file path=ppt/slides/slide15.xml><?xml version="1.0" encoding="utf-8"?>
-<p:sld xmlns:a="http://schemas.openxmlformats.org/drawingml/2006/main" xmlns:r="http://schemas.openxmlformats.org/officeDocument/2006/relationships" xmlns:p="http://schemas.openxmlformats.org/presentationml/2006/main">
-  <p:cSld>
-    <p:spTree>
-      <p:nvGrpSpPr>
-        <p:cNvPr id="1" name=""/>
-        <p:cNvGrpSpPr/>
-        <p:nvPr/>
-      </p:nvGrpSpPr>
-      <p:grpSpPr>
-        <a:xfrm>
-          <a:off x="0" y="0"/>
-          <a:ext cx="0" cy="0"/>
-          <a:chOff x="0" y="0"/>
-          <a:chExt cx="0" cy="0"/>
-        </a:xfrm>
-      </p:grpSpPr>
-      <p:sp>
-        <p:nvSpPr>
-          <p:cNvPr id="2" name="Title 1">
-            <a:extLst>
-              <a:ext uri="{FF2B5EF4-FFF2-40B4-BE49-F238E27FC236}">
-                <a16:creationId xmlns:a16="http://schemas.microsoft.com/office/drawing/2014/main" id="{7EC878DF-517A-4F89-BCB5-2B2BA6161606}"/>
-              </a:ext>
-            </a:extLst>
-          </p:cNvPr>
-          <p:cNvSpPr>
-            <a:spLocks noGrp="1"/>
-          </p:cNvSpPr>
-          <p:nvPr>
-            <p:ph type="title"/>
-          </p:nvPr>
-        </p:nvSpPr>
-        <p:spPr/>
-        <p:txBody>
-          <a:bodyPr/>
-          <a:lstStyle/>
-          <a:p>
-            <a:r>
-              <a:rPr lang="it" dirty="0"/>
-              <a:t>Appendix - not shown in the time slot</a:t>
-            </a:r>
-            <a:endParaRPr lang="en-US" dirty="0"/>
-          </a:p>
-        </p:txBody>
-      </p:sp>
-      <p:sp>
-        <p:nvSpPr>
-          <p:cNvPr id="3" name="Content Placeholder 2">
-            <a:extLst>
-              <a:ext uri="{FF2B5EF4-FFF2-40B4-BE49-F238E27FC236}">
-                <a16:creationId xmlns:a16="http://schemas.microsoft.com/office/drawing/2014/main" id="{5E6F1BAF-5661-49DE-A922-AF2B7860E44D}"/>
-              </a:ext>
-            </a:extLst>
-          </p:cNvPr>
-          <p:cNvSpPr>
-            <a:spLocks noGrp="1"/>
-          </p:cNvSpPr>
-          <p:nvPr>
-            <p:ph idx="1"/>
-          </p:nvPr>
-        </p:nvSpPr>
-        <p:spPr/>
-        <p:txBody>
-          <a:bodyPr/>
-          <a:lstStyle/>
-          <a:p>
-            <a:pPr>
-              <a:buFont typeface="Arial" panose="020B0604020202020204" pitchFamily="34" charset="0"/>
-              <a:buChar char="•"/>
-            </a:pPr>
-            <a:r>
-              <a:rPr lang="en-US" dirty="0"/>
-              <a:t>Additional performance metrics.</a:t>
-            </a:r>
-          </a:p>
-          <a:p>
-            <a:pPr>
-              <a:buFont typeface="Arial" panose="020B0604020202020204" pitchFamily="34" charset="0"/>
-              <a:buChar char="•"/>
-            </a:pPr>
-            <a:r>
-              <a:rPr lang="en-US" dirty="0"/>
-              <a:t>Extended hyperparameter tuning details.</a:t>
-            </a:r>
-          </a:p>
-          <a:p>
-            <a:endParaRPr lang="en-US" dirty="0"/>
-          </a:p>
-        </p:txBody>
-      </p:sp>
-    </p:spTree>
-    <p:extLst>
-      <p:ext uri="{BB962C8B-B14F-4D97-AF65-F5344CB8AC3E}">
-        <p14:creationId xmlns:p14="http://schemas.microsoft.com/office/powerpoint/2010/main" val="2628807592"/>
       </p:ext>
     </p:extLst>
   </p:cSld>
@@ -5495,10 +5872,16 @@
           <a:lstStyle/>
           <a:p>
             <a:r>
-              <a:rPr lang="it" dirty="0"/>
+              <a:rPr lang="it" b="1" dirty="0">
+                <a:latin typeface="Arial" panose="020B0604020202020204" pitchFamily="34" charset="0"/>
+                <a:cs typeface="Arial" panose="020B0604020202020204" pitchFamily="34" charset="0"/>
+              </a:rPr>
               <a:t>Objectives</a:t>
             </a:r>
-            <a:endParaRPr lang="en-US" dirty="0"/>
+            <a:endParaRPr lang="en-US" b="1" dirty="0">
+              <a:latin typeface="Arial" panose="020B0604020202020204" pitchFamily="34" charset="0"/>
+              <a:cs typeface="Arial" panose="020B0604020202020204" pitchFamily="34" charset="0"/>
+            </a:endParaRPr>
           </a:p>
         </p:txBody>
       </p:sp>
@@ -5518,9 +5901,16 @@
             <p:ph idx="1"/>
           </p:nvPr>
         </p:nvSpPr>
-        <p:spPr/>
-        <p:txBody>
-          <a:bodyPr/>
+        <p:spPr>
+          <a:xfrm>
+            <a:off x="492868" y="1690688"/>
+            <a:ext cx="11206264" cy="4459591"/>
+          </a:xfrm>
+        </p:spPr>
+        <p:txBody>
+          <a:bodyPr>
+            <a:normAutofit fontScale="92500"/>
+          </a:bodyPr>
           <a:lstStyle/>
           <a:p>
             <a:pPr>
@@ -5531,12 +5921,8 @@
               <a:buChar char="•"/>
             </a:pPr>
             <a:r>
-              <a:rPr lang="en-US" b="1" dirty="0"/>
-              <a:t>Goal:- </a:t>
-            </a:r>
-            <a:r>
               <a:rPr lang="en-US" dirty="0"/>
-              <a:t>To train and evaluate neural network models for classification (MONK) and regression (CUP) tasks.</a:t>
+              <a:t>To implement and optimize neural network architectures for MONK and CUP datasets.</a:t>
             </a:r>
           </a:p>
           <a:p>
@@ -5549,7 +5935,7 @@
             </a:pPr>
             <a:r>
               <a:rPr lang="en-US" dirty="0"/>
-              <a:t>Perform hyperparameter tuning and model selection using cross-validation.</a:t>
+              <a:t>To evaluate the impact of different hyperparameter configurations, including activation functions, regularization, and weight initialization.</a:t>
             </a:r>
           </a:p>
           <a:p>
@@ -5562,11 +5948,8 @@
             </a:pPr>
             <a:r>
               <a:rPr lang="en-US" dirty="0"/>
-              <a:t>Analyze model performance and compare different configurations.</a:t>
-            </a:r>
-          </a:p>
-          <a:p>
-            <a:endParaRPr lang="en-US" dirty="0"/>
+              <a:t>To assess performance through metrics such as Mean Squared Error (MSE) and accuracy for MONK tasks, and Mean Euclidean Error (MEE) for CUP tasks.</a:t>
+            </a:r>
           </a:p>
         </p:txBody>
       </p:sp>
@@ -5574,6 +5957,110 @@
     <p:extLst>
       <p:ext uri="{BB962C8B-B14F-4D97-AF65-F5344CB8AC3E}">
         <p14:creationId xmlns:p14="http://schemas.microsoft.com/office/powerpoint/2010/main" val="1860438459"/>
+      </p:ext>
+    </p:extLst>
+  </p:cSld>
+  <p:clrMapOvr>
+    <a:masterClrMapping/>
+  </p:clrMapOvr>
+</p:sld>
+</file>
+
+<file path=ppt/slides/slide20.xml><?xml version="1.0" encoding="utf-8"?>
+<p:sld xmlns:a="http://schemas.openxmlformats.org/drawingml/2006/main" xmlns:r="http://schemas.openxmlformats.org/officeDocument/2006/relationships" xmlns:p="http://schemas.openxmlformats.org/presentationml/2006/main">
+  <p:cSld>
+    <p:spTree>
+      <p:nvGrpSpPr>
+        <p:cNvPr id="1" name=""/>
+        <p:cNvGrpSpPr/>
+        <p:nvPr/>
+      </p:nvGrpSpPr>
+      <p:grpSpPr>
+        <a:xfrm>
+          <a:off x="0" y="0"/>
+          <a:ext cx="0" cy="0"/>
+          <a:chOff x="0" y="0"/>
+          <a:chExt cx="0" cy="0"/>
+        </a:xfrm>
+      </p:grpSpPr>
+      <p:sp>
+        <p:nvSpPr>
+          <p:cNvPr id="2" name="Title 1">
+            <a:extLst>
+              <a:ext uri="{FF2B5EF4-FFF2-40B4-BE49-F238E27FC236}">
+                <a16:creationId xmlns:a16="http://schemas.microsoft.com/office/drawing/2014/main" id="{7EC878DF-517A-4F89-BCB5-2B2BA6161606}"/>
+              </a:ext>
+            </a:extLst>
+          </p:cNvPr>
+          <p:cNvSpPr>
+            <a:spLocks noGrp="1"/>
+          </p:cNvSpPr>
+          <p:nvPr>
+            <p:ph type="title"/>
+          </p:nvPr>
+        </p:nvSpPr>
+        <p:spPr/>
+        <p:txBody>
+          <a:bodyPr/>
+          <a:lstStyle/>
+          <a:p>
+            <a:r>
+              <a:rPr lang="it" dirty="0"/>
+              <a:t>Appendix - not shown in the time slot</a:t>
+            </a:r>
+            <a:endParaRPr lang="en-US" dirty="0"/>
+          </a:p>
+        </p:txBody>
+      </p:sp>
+      <p:sp>
+        <p:nvSpPr>
+          <p:cNvPr id="3" name="Content Placeholder 2">
+            <a:extLst>
+              <a:ext uri="{FF2B5EF4-FFF2-40B4-BE49-F238E27FC236}">
+                <a16:creationId xmlns:a16="http://schemas.microsoft.com/office/drawing/2014/main" id="{5E6F1BAF-5661-49DE-A922-AF2B7860E44D}"/>
+              </a:ext>
+            </a:extLst>
+          </p:cNvPr>
+          <p:cNvSpPr>
+            <a:spLocks noGrp="1"/>
+          </p:cNvSpPr>
+          <p:nvPr>
+            <p:ph idx="1"/>
+          </p:nvPr>
+        </p:nvSpPr>
+        <p:spPr/>
+        <p:txBody>
+          <a:bodyPr/>
+          <a:lstStyle/>
+          <a:p>
+            <a:pPr>
+              <a:buFont typeface="Arial" panose="020B0604020202020204" pitchFamily="34" charset="0"/>
+              <a:buChar char="•"/>
+            </a:pPr>
+            <a:r>
+              <a:rPr lang="en-US" dirty="0"/>
+              <a:t>Additional performance metrics.</a:t>
+            </a:r>
+          </a:p>
+          <a:p>
+            <a:pPr>
+              <a:buFont typeface="Arial" panose="020B0604020202020204" pitchFamily="34" charset="0"/>
+              <a:buChar char="•"/>
+            </a:pPr>
+            <a:r>
+              <a:rPr lang="en-US" dirty="0"/>
+              <a:t>Extended hyperparameter tuning details.</a:t>
+            </a:r>
+          </a:p>
+          <a:p>
+            <a:endParaRPr lang="en-US" dirty="0"/>
+          </a:p>
+        </p:txBody>
+      </p:sp>
+    </p:spTree>
+    <p:extLst>
+      <p:ext uri="{BB962C8B-B14F-4D97-AF65-F5344CB8AC3E}">
+        <p14:creationId xmlns:p14="http://schemas.microsoft.com/office/powerpoint/2010/main" val="2628807592"/>
       </p:ext>
     </p:extLst>
   </p:cSld>
@@ -5605,7 +6092,7 @@
           <p:cNvPr id="2" name="Title 1">
             <a:extLst>
               <a:ext uri="{FF2B5EF4-FFF2-40B4-BE49-F238E27FC236}">
-                <a16:creationId xmlns:a16="http://schemas.microsoft.com/office/drawing/2014/main" id="{E3FBB653-8EF6-4642-9ED2-0D5DD755E9FB}"/>
+                <a16:creationId xmlns:a16="http://schemas.microsoft.com/office/drawing/2014/main" id="{C1179DC6-EF3B-48C7-A0FF-A48C2D0C0841}"/>
               </a:ext>
             </a:extLst>
           </p:cNvPr>
@@ -5618,14 +6105,405 @@
         </p:nvSpPr>
         <p:spPr/>
         <p:txBody>
-          <a:bodyPr/>
-          <a:lstStyle/>
-          <a:p>
-            <a:r>
-              <a:rPr lang="it" dirty="0"/>
-              <a:t>Your contributions</a:t>
-            </a:r>
-            <a:endParaRPr lang="en-US" dirty="0"/>
+          <a:bodyPr>
+            <a:normAutofit/>
+          </a:bodyPr>
+          <a:lstStyle/>
+          <a:p>
+            <a:r>
+              <a:rPr kumimoji="0" lang="en-US" altLang="en-US" sz="3600" b="1" i="0" u="none" strike="noStrike" cap="none" normalizeH="0" baseline="0" dirty="0">
+                <a:ln>
+                  <a:noFill/>
+                </a:ln>
+                <a:solidFill>
+                  <a:schemeClr val="tx1"/>
+                </a:solidFill>
+                <a:effectLst/>
+                <a:latin typeface="Arial" panose="020B0604020202020204" pitchFamily="34" charset="0"/>
+              </a:rPr>
+              <a:t>Code Description</a:t>
+            </a:r>
+            <a:endParaRPr lang="en-US" sz="3600" dirty="0"/>
+          </a:p>
+        </p:txBody>
+      </p:sp>
+      <p:sp>
+        <p:nvSpPr>
+          <p:cNvPr id="3" name="Content Placeholder 2">
+            <a:extLst>
+              <a:ext uri="{FF2B5EF4-FFF2-40B4-BE49-F238E27FC236}">
+                <a16:creationId xmlns:a16="http://schemas.microsoft.com/office/drawing/2014/main" id="{8563DDB5-1398-45E8-870B-05D51AA0D433}"/>
+              </a:ext>
+            </a:extLst>
+          </p:cNvPr>
+          <p:cNvSpPr>
+            <a:spLocks noGrp="1"/>
+          </p:cNvSpPr>
+          <p:nvPr>
+            <p:ph idx="1"/>
+          </p:nvPr>
+        </p:nvSpPr>
+        <p:spPr>
+          <a:xfrm>
+            <a:off x="838200" y="1825624"/>
+            <a:ext cx="10659894" cy="4458443"/>
+          </a:xfrm>
+        </p:spPr>
+        <p:txBody>
+          <a:bodyPr>
+            <a:normAutofit fontScale="92500" lnSpcReduction="20000"/>
+          </a:bodyPr>
+          <a:lstStyle/>
+          <a:p>
+            <a:pPr marL="0" indent="0">
+              <a:lnSpc>
+                <a:spcPct val="150000"/>
+              </a:lnSpc>
+              <a:buNone/>
+            </a:pPr>
+            <a:r>
+              <a:rPr lang="en-US" dirty="0"/>
+              <a:t> 1. </a:t>
+            </a:r>
+            <a:r>
+              <a:rPr lang="en-US" b="1" dirty="0"/>
+              <a:t>Model Architecture:</a:t>
+            </a:r>
+          </a:p>
+          <a:p>
+            <a:pPr>
+              <a:lnSpc>
+                <a:spcPct val="150000"/>
+              </a:lnSpc>
+            </a:pPr>
+            <a:r>
+              <a:rPr lang="en-US" dirty="0"/>
+              <a:t>Multi-layer perceptron (MLP) with configurable depth.</a:t>
+            </a:r>
+          </a:p>
+          <a:p>
+            <a:pPr marL="0" indent="0">
+              <a:lnSpc>
+                <a:spcPct val="150000"/>
+              </a:lnSpc>
+              <a:buNone/>
+            </a:pPr>
+            <a:r>
+              <a:rPr lang="en-US" b="1" dirty="0"/>
+              <a:t> MONK</a:t>
+            </a:r>
+            <a:r>
+              <a:rPr lang="en-US" dirty="0"/>
+              <a:t>: Architectures range from shallow networks like (17, 8, 1) to deeper networks like (17, 16, 8, 1).</a:t>
+            </a:r>
+          </a:p>
+          <a:p>
+            <a:pPr marL="0" indent="0">
+              <a:lnSpc>
+                <a:spcPct val="150000"/>
+              </a:lnSpc>
+              <a:buNone/>
+            </a:pPr>
+            <a:r>
+              <a:rPr lang="en-US" b="1" dirty="0"/>
+              <a:t> CUP</a:t>
+            </a:r>
+            <a:r>
+              <a:rPr lang="en-US" dirty="0"/>
+              <a:t>: Configurations such as (12, 8, 3) and (12, 16, 8, 3) were tested.</a:t>
+            </a:r>
+          </a:p>
+          <a:p>
+            <a:pPr marL="0" indent="0">
+              <a:lnSpc>
+                <a:spcPct val="150000"/>
+              </a:lnSpc>
+              <a:buNone/>
+            </a:pPr>
+            <a:r>
+              <a:rPr lang="en-US" b="1" dirty="0"/>
+              <a:t> 2. Activation Functions</a:t>
+            </a:r>
+            <a:r>
+              <a:rPr lang="en-US" dirty="0"/>
+              <a:t>: Hidden Layers: </a:t>
+            </a:r>
+            <a:r>
+              <a:rPr lang="en-US" dirty="0" err="1"/>
+              <a:t>ReLU</a:t>
+            </a:r>
+            <a:r>
+              <a:rPr lang="en-US" dirty="0"/>
+              <a:t>, Tanh, Leaky </a:t>
+            </a:r>
+            <a:r>
+              <a:rPr lang="en-US" dirty="0" err="1"/>
+              <a:t>ReLU</a:t>
+            </a:r>
+            <a:r>
+              <a:rPr lang="en-US" dirty="0"/>
+              <a:t>.</a:t>
+            </a:r>
+          </a:p>
+          <a:p>
+            <a:pPr marL="0" indent="0">
+              <a:lnSpc>
+                <a:spcPct val="150000"/>
+              </a:lnSpc>
+              <a:buNone/>
+            </a:pPr>
+            <a:r>
+              <a:rPr lang="en-US" b="1" dirty="0"/>
+              <a:t> 3. Output Layer</a:t>
+            </a:r>
+            <a:r>
+              <a:rPr lang="en-US" dirty="0"/>
+              <a:t>: Sigmoid (classification), Identity (regression).</a:t>
+            </a:r>
+          </a:p>
+        </p:txBody>
+      </p:sp>
+    </p:spTree>
+    <p:extLst>
+      <p:ext uri="{BB962C8B-B14F-4D97-AF65-F5344CB8AC3E}">
+        <p14:creationId xmlns:p14="http://schemas.microsoft.com/office/powerpoint/2010/main" val="1330368568"/>
+      </p:ext>
+    </p:extLst>
+  </p:cSld>
+  <p:clrMapOvr>
+    <a:masterClrMapping/>
+  </p:clrMapOvr>
+</p:sld>
+</file>
+
+<file path=ppt/slides/slide4.xml><?xml version="1.0" encoding="utf-8"?>
+<p:sld xmlns:a="http://schemas.openxmlformats.org/drawingml/2006/main" xmlns:r="http://schemas.openxmlformats.org/officeDocument/2006/relationships" xmlns:p="http://schemas.openxmlformats.org/presentationml/2006/main">
+  <p:cSld>
+    <p:spTree>
+      <p:nvGrpSpPr>
+        <p:cNvPr id="1" name=""/>
+        <p:cNvGrpSpPr/>
+        <p:nvPr/>
+      </p:nvGrpSpPr>
+      <p:grpSpPr>
+        <a:xfrm>
+          <a:off x="0" y="0"/>
+          <a:ext cx="0" cy="0"/>
+          <a:chOff x="0" y="0"/>
+          <a:chExt cx="0" cy="0"/>
+        </a:xfrm>
+      </p:grpSpPr>
+      <p:sp>
+        <p:nvSpPr>
+          <p:cNvPr id="2" name="Title 1">
+            <a:extLst>
+              <a:ext uri="{FF2B5EF4-FFF2-40B4-BE49-F238E27FC236}">
+                <a16:creationId xmlns:a16="http://schemas.microsoft.com/office/drawing/2014/main" id="{A48518DF-51DF-483B-A164-07FDF6E3CD06}"/>
+              </a:ext>
+            </a:extLst>
+          </p:cNvPr>
+          <p:cNvSpPr>
+            <a:spLocks noGrp="1"/>
+          </p:cNvSpPr>
+          <p:nvPr>
+            <p:ph type="title"/>
+          </p:nvPr>
+        </p:nvSpPr>
+        <p:spPr>
+          <a:xfrm>
+            <a:off x="663879" y="400833"/>
+            <a:ext cx="10689921" cy="1289855"/>
+          </a:xfrm>
+        </p:spPr>
+        <p:txBody>
+          <a:bodyPr>
+            <a:normAutofit/>
+          </a:bodyPr>
+          <a:lstStyle/>
+          <a:p>
+            <a:r>
+              <a:rPr kumimoji="0" lang="en-US" altLang="en-US" sz="3600" b="1" i="0" u="none" strike="noStrike" cap="none" normalizeH="0" baseline="0" dirty="0">
+                <a:ln>
+                  <a:noFill/>
+                </a:ln>
+                <a:solidFill>
+                  <a:schemeClr val="tx1"/>
+                </a:solidFill>
+                <a:effectLst/>
+                <a:latin typeface="Arial" panose="020B0604020202020204" pitchFamily="34" charset="0"/>
+              </a:rPr>
+              <a:t>Code Description</a:t>
+            </a:r>
+            <a:endParaRPr lang="en-US" sz="3600" dirty="0"/>
+          </a:p>
+        </p:txBody>
+      </p:sp>
+      <p:sp>
+        <p:nvSpPr>
+          <p:cNvPr id="3" name="Content Placeholder 2">
+            <a:extLst>
+              <a:ext uri="{FF2B5EF4-FFF2-40B4-BE49-F238E27FC236}">
+                <a16:creationId xmlns:a16="http://schemas.microsoft.com/office/drawing/2014/main" id="{71217D8A-B2C4-4825-8009-B9FF19CBFC38}"/>
+              </a:ext>
+            </a:extLst>
+          </p:cNvPr>
+          <p:cNvSpPr>
+            <a:spLocks noGrp="1"/>
+          </p:cNvSpPr>
+          <p:nvPr>
+            <p:ph idx="1"/>
+          </p:nvPr>
+        </p:nvSpPr>
+        <p:spPr>
+          <a:xfrm>
+            <a:off x="663879" y="1690688"/>
+            <a:ext cx="10689921" cy="4486276"/>
+          </a:xfrm>
+        </p:spPr>
+        <p:txBody>
+          <a:bodyPr>
+            <a:normAutofit/>
+          </a:bodyPr>
+          <a:lstStyle/>
+          <a:p>
+            <a:pPr marL="0" indent="0">
+              <a:buNone/>
+            </a:pPr>
+            <a:r>
+              <a:rPr lang="en-US" sz="2600" b="1" dirty="0"/>
+              <a:t>3. Training Algorithm:-</a:t>
+            </a:r>
+          </a:p>
+          <a:p>
+            <a:r>
+              <a:rPr lang="en-US" sz="2600" dirty="0"/>
+              <a:t>Stochastic Gradient Descent (SGD) with momentum.</a:t>
+            </a:r>
+          </a:p>
+          <a:p>
+            <a:r>
+              <a:rPr lang="en-US" sz="2600" dirty="0"/>
+              <a:t>Adaptive variants like Adam were explored for CUP tasks.</a:t>
+            </a:r>
+          </a:p>
+          <a:p>
+            <a:pPr marL="0" indent="0">
+              <a:buNone/>
+            </a:pPr>
+            <a:r>
+              <a:rPr lang="en-US" sz="2600" b="1" dirty="0"/>
+              <a:t>4. Batch/Online/Minibatch:</a:t>
+            </a:r>
+          </a:p>
+          <a:p>
+            <a:r>
+              <a:rPr lang="en-US" sz="2600" dirty="0"/>
+              <a:t>Mini-batch training implemented for all datasets.</a:t>
+            </a:r>
+          </a:p>
+          <a:p>
+            <a:pPr marL="0" indent="0">
+              <a:buNone/>
+            </a:pPr>
+            <a:r>
+              <a:rPr lang="en-US" sz="2600" b="1" dirty="0"/>
+              <a:t>5. Weight Initialization:</a:t>
+            </a:r>
+          </a:p>
+          <a:p>
+            <a:r>
+              <a:rPr lang="en-US" sz="2600" dirty="0"/>
+              <a:t>Xavier initialization for balanced scaling.</a:t>
+            </a:r>
+          </a:p>
+          <a:p>
+            <a:r>
+              <a:rPr lang="en-US" sz="2600" dirty="0"/>
+              <a:t>He initialization for </a:t>
+            </a:r>
+            <a:r>
+              <a:rPr lang="en-US" sz="2600" dirty="0" err="1"/>
+              <a:t>ReLU</a:t>
+            </a:r>
+            <a:r>
+              <a:rPr lang="en-US" sz="2600" dirty="0"/>
+              <a:t>-based networks.</a:t>
+            </a:r>
+          </a:p>
+        </p:txBody>
+      </p:sp>
+    </p:spTree>
+    <p:extLst>
+      <p:ext uri="{BB962C8B-B14F-4D97-AF65-F5344CB8AC3E}">
+        <p14:creationId xmlns:p14="http://schemas.microsoft.com/office/powerpoint/2010/main" val="3690870923"/>
+      </p:ext>
+    </p:extLst>
+  </p:cSld>
+  <p:clrMapOvr>
+    <a:masterClrMapping/>
+  </p:clrMapOvr>
+</p:sld>
+</file>
+
+<file path=ppt/slides/slide5.xml><?xml version="1.0" encoding="utf-8"?>
+<p:sld xmlns:a="http://schemas.openxmlformats.org/drawingml/2006/main" xmlns:r="http://schemas.openxmlformats.org/officeDocument/2006/relationships" xmlns:p="http://schemas.openxmlformats.org/presentationml/2006/main">
+  <p:cSld>
+    <p:spTree>
+      <p:nvGrpSpPr>
+        <p:cNvPr id="1" name=""/>
+        <p:cNvGrpSpPr/>
+        <p:nvPr/>
+      </p:nvGrpSpPr>
+      <p:grpSpPr>
+        <a:xfrm>
+          <a:off x="0" y="0"/>
+          <a:ext cx="0" cy="0"/>
+          <a:chOff x="0" y="0"/>
+          <a:chExt cx="0" cy="0"/>
+        </a:xfrm>
+      </p:grpSpPr>
+      <p:sp>
+        <p:nvSpPr>
+          <p:cNvPr id="2" name="Title 1">
+            <a:extLst>
+              <a:ext uri="{FF2B5EF4-FFF2-40B4-BE49-F238E27FC236}">
+                <a16:creationId xmlns:a16="http://schemas.microsoft.com/office/drawing/2014/main" id="{FFC2A6AC-7427-4548-9063-0E250AD7966E}"/>
+              </a:ext>
+            </a:extLst>
+          </p:cNvPr>
+          <p:cNvSpPr>
+            <a:spLocks noGrp="1"/>
+          </p:cNvSpPr>
+          <p:nvPr>
+            <p:ph type="title"/>
+          </p:nvPr>
+        </p:nvSpPr>
+        <p:spPr>
+          <a:xfrm>
+            <a:off x="388308" y="218313"/>
+            <a:ext cx="10751505" cy="1560383"/>
+          </a:xfrm>
+        </p:spPr>
+        <p:txBody>
+          <a:bodyPr>
+            <a:normAutofit/>
+          </a:bodyPr>
+          <a:lstStyle/>
+          <a:p>
+            <a:r>
+              <a:rPr kumimoji="0" lang="en-US" altLang="en-US" sz="3600" b="1" i="0" u="none" strike="noStrike" cap="none" normalizeH="0" baseline="0" dirty="0">
+                <a:ln>
+                  <a:noFill/>
+                </a:ln>
+                <a:solidFill>
+                  <a:schemeClr val="tx1"/>
+                </a:solidFill>
+                <a:effectLst/>
+                <a:latin typeface="Arial" panose="020B0604020202020204" pitchFamily="34" charset="0"/>
+              </a:rPr>
+              <a:t>Code Description</a:t>
+            </a:r>
+            <a:endParaRPr lang="en-US" sz="3600" dirty="0"/>
           </a:p>
         </p:txBody>
       </p:sp>
@@ -5634,7 +6512,7 @@
           <p:cNvPr id="4" name="Rectangle 1">
             <a:extLst>
               <a:ext uri="{FF2B5EF4-FFF2-40B4-BE49-F238E27FC236}">
-                <a16:creationId xmlns:a16="http://schemas.microsoft.com/office/drawing/2014/main" id="{E3DE741A-C0A2-445D-9301-5E3B5E9B959B}"/>
+                <a16:creationId xmlns:a16="http://schemas.microsoft.com/office/drawing/2014/main" id="{02659ABC-3554-4731-B0E1-FF3D7B951EAE}"/>
               </a:ext>
             </a:extLst>
           </p:cNvPr>
@@ -5646,6 +6524,10 @@
           </p:nvPr>
         </p:nvSpPr>
         <p:spPr bwMode="auto">
+          <a:xfrm>
+            <a:off x="388308" y="1655742"/>
+            <a:ext cx="11153384" cy="4401205"/>
+          </a:xfrm>
           <a:prstGeom prst="rect">
             <a:avLst/>
           </a:prstGeom>
@@ -5684,13 +6566,276 @@
           </a:extLst>
         </p:spPr>
         <p:txBody>
-          <a:bodyPr vert="horz" wrap="none" lIns="91440" tIns="45720" rIns="91440" bIns="45720" numCol="1" anchor="ctr" anchorCtr="0" compatLnSpc="1">
+          <a:bodyPr vert="horz" wrap="square" lIns="91440" tIns="45720" rIns="91440" bIns="45720" numCol="1" anchor="ctr" anchorCtr="0" compatLnSpc="1">
             <a:prstTxWarp prst="textNoShape">
               <a:avLst/>
             </a:prstTxWarp>
             <a:spAutoFit/>
           </a:bodyPr>
           <a:lstStyle/>
+          <a:p>
+            <a:pPr marL="0" marR="0" lvl="0" indent="0" algn="l" defTabSz="914400" rtl="0" eaLnBrk="0" fontAlgn="base" latinLnBrk="0" hangingPunct="0">
+              <a:lnSpc>
+                <a:spcPct val="150000"/>
+              </a:lnSpc>
+              <a:spcBef>
+                <a:spcPct val="0"/>
+              </a:spcBef>
+              <a:spcAft>
+                <a:spcPct val="0"/>
+              </a:spcAft>
+              <a:buClrTx/>
+              <a:buSzTx/>
+              <a:buNone/>
+              <a:tabLst/>
+            </a:pPr>
+            <a:r>
+              <a:rPr kumimoji="0" lang="en-US" altLang="en-US" sz="2400" b="1" i="0" u="none" strike="noStrike" cap="none" normalizeH="0" baseline="0" dirty="0">
+                <a:ln>
+                  <a:noFill/>
+                </a:ln>
+                <a:solidFill>
+                  <a:schemeClr val="tx1"/>
+                </a:solidFill>
+                <a:effectLst/>
+              </a:rPr>
+              <a:t>6. Regularization Schema</a:t>
+            </a:r>
+            <a:r>
+              <a:rPr kumimoji="0" lang="en-US" altLang="en-US" sz="2400" b="0" i="0" u="none" strike="noStrike" cap="none" normalizeH="0" baseline="0" dirty="0">
+                <a:ln>
+                  <a:noFill/>
+                </a:ln>
+                <a:solidFill>
+                  <a:schemeClr val="tx1"/>
+                </a:solidFill>
+                <a:effectLst/>
+              </a:rPr>
+              <a:t>:</a:t>
+            </a:r>
+          </a:p>
+          <a:p>
+            <a:pPr marL="0" marR="0" lvl="0" indent="0" algn="l" defTabSz="914400" rtl="0" eaLnBrk="0" fontAlgn="base" latinLnBrk="0" hangingPunct="0">
+              <a:lnSpc>
+                <a:spcPct val="150000"/>
+              </a:lnSpc>
+              <a:spcBef>
+                <a:spcPct val="0"/>
+              </a:spcBef>
+              <a:spcAft>
+                <a:spcPct val="0"/>
+              </a:spcAft>
+              <a:buClrTx/>
+              <a:buSzTx/>
+              <a:buNone/>
+              <a:tabLst/>
+            </a:pPr>
+            <a:r>
+              <a:rPr kumimoji="0" lang="en-US" altLang="en-US" sz="2400" b="1" i="0" u="none" strike="noStrike" cap="none" normalizeH="0" baseline="0" dirty="0">
+                <a:ln>
+                  <a:noFill/>
+                </a:ln>
+                <a:solidFill>
+                  <a:schemeClr val="tx1"/>
+                </a:solidFill>
+                <a:effectLst/>
+              </a:rPr>
+              <a:t>MONK-3-No-Reg</a:t>
+            </a:r>
+            <a:r>
+              <a:rPr kumimoji="0" lang="en-US" altLang="en-US" sz="2400" b="0" i="0" u="none" strike="noStrike" cap="none" normalizeH="0" baseline="0" dirty="0">
+                <a:ln>
+                  <a:noFill/>
+                </a:ln>
+                <a:solidFill>
+                  <a:schemeClr val="tx1"/>
+                </a:solidFill>
+                <a:effectLst/>
+              </a:rPr>
+              <a:t>: No regularization.</a:t>
+            </a:r>
+          </a:p>
+          <a:p>
+            <a:pPr marL="0" marR="0" lvl="0" indent="0" algn="l" defTabSz="914400" rtl="0" eaLnBrk="0" fontAlgn="base" latinLnBrk="0" hangingPunct="0">
+              <a:lnSpc>
+                <a:spcPct val="150000"/>
+              </a:lnSpc>
+              <a:spcBef>
+                <a:spcPct val="0"/>
+              </a:spcBef>
+              <a:spcAft>
+                <a:spcPct val="0"/>
+              </a:spcAft>
+              <a:buClrTx/>
+              <a:buSzTx/>
+              <a:buNone/>
+              <a:tabLst/>
+            </a:pPr>
+            <a:r>
+              <a:rPr kumimoji="0" lang="en-US" altLang="en-US" sz="2400" b="1" i="0" u="none" strike="noStrike" cap="none" normalizeH="0" baseline="0" dirty="0">
+                <a:ln>
+                  <a:noFill/>
+                </a:ln>
+                <a:solidFill>
+                  <a:schemeClr val="tx1"/>
+                </a:solidFill>
+                <a:effectLst/>
+              </a:rPr>
+              <a:t>MONK-3-L2</a:t>
+            </a:r>
+            <a:r>
+              <a:rPr kumimoji="0" lang="en-US" altLang="en-US" sz="2400" b="0" i="0" u="none" strike="noStrike" cap="none" normalizeH="0" baseline="0" dirty="0">
+                <a:ln>
+                  <a:noFill/>
+                </a:ln>
+                <a:solidFill>
+                  <a:schemeClr val="tx1"/>
+                </a:solidFill>
+                <a:effectLst/>
+              </a:rPr>
+              <a:t>: L2 regularization (0.0001 to 0.005).</a:t>
+            </a:r>
+          </a:p>
+          <a:p>
+            <a:pPr marL="0" marR="0" lvl="0" indent="0" algn="l" defTabSz="914400" rtl="0" eaLnBrk="0" fontAlgn="base" latinLnBrk="0" hangingPunct="0">
+              <a:lnSpc>
+                <a:spcPct val="150000"/>
+              </a:lnSpc>
+              <a:spcBef>
+                <a:spcPct val="0"/>
+              </a:spcBef>
+              <a:spcAft>
+                <a:spcPct val="0"/>
+              </a:spcAft>
+              <a:buClrTx/>
+              <a:buSzTx/>
+              <a:buNone/>
+              <a:tabLst/>
+            </a:pPr>
+            <a:r>
+              <a:rPr kumimoji="0" lang="en-US" altLang="en-US" sz="2400" b="1" i="0" u="none" strike="noStrike" cap="none" normalizeH="0" baseline="0" dirty="0">
+                <a:ln>
+                  <a:noFill/>
+                </a:ln>
+                <a:solidFill>
+                  <a:schemeClr val="tx1"/>
+                </a:solidFill>
+                <a:effectLst/>
+              </a:rPr>
+              <a:t>CUP</a:t>
+            </a:r>
+            <a:r>
+              <a:rPr kumimoji="0" lang="en-US" altLang="en-US" sz="2400" b="0" i="0" u="none" strike="noStrike" cap="none" normalizeH="0" baseline="0" dirty="0">
+                <a:ln>
+                  <a:noFill/>
+                </a:ln>
+                <a:solidFill>
+                  <a:schemeClr val="tx1"/>
+                </a:solidFill>
+                <a:effectLst/>
+              </a:rPr>
+              <a:t>: L2 regularization with optional dropout (0.1, 0.2).</a:t>
+            </a:r>
+          </a:p>
+          <a:p>
+            <a:pPr marL="0" marR="0" lvl="0" indent="0" algn="l" defTabSz="914400" rtl="0" eaLnBrk="0" fontAlgn="base" latinLnBrk="0" hangingPunct="0">
+              <a:lnSpc>
+                <a:spcPct val="150000"/>
+              </a:lnSpc>
+              <a:spcBef>
+                <a:spcPct val="0"/>
+              </a:spcBef>
+              <a:spcAft>
+                <a:spcPct val="0"/>
+              </a:spcAft>
+              <a:buClrTx/>
+              <a:buSzTx/>
+              <a:buNone/>
+              <a:tabLst/>
+            </a:pPr>
+            <a:r>
+              <a:rPr kumimoji="0" lang="en-US" altLang="en-US" sz="2400" b="1" i="0" u="none" strike="noStrike" cap="none" normalizeH="0" baseline="0" dirty="0">
+                <a:ln>
+                  <a:noFill/>
+                </a:ln>
+                <a:solidFill>
+                  <a:schemeClr val="tx1"/>
+                </a:solidFill>
+                <a:effectLst/>
+              </a:rPr>
+              <a:t>7. Stop Condition</a:t>
+            </a:r>
+            <a:r>
+              <a:rPr kumimoji="0" lang="en-US" altLang="en-US" sz="2400" b="0" i="0" u="none" strike="noStrike" cap="none" normalizeH="0" baseline="0" dirty="0">
+                <a:ln>
+                  <a:noFill/>
+                </a:ln>
+                <a:solidFill>
+                  <a:schemeClr val="tx1"/>
+                </a:solidFill>
+                <a:effectLst/>
+              </a:rPr>
+              <a:t>:</a:t>
+            </a:r>
+          </a:p>
+          <a:p>
+            <a:pPr marL="0" marR="0" lvl="0" indent="0" algn="l" defTabSz="914400" rtl="0" eaLnBrk="0" fontAlgn="base" latinLnBrk="0" hangingPunct="0">
+              <a:lnSpc>
+                <a:spcPct val="150000"/>
+              </a:lnSpc>
+              <a:spcBef>
+                <a:spcPct val="0"/>
+              </a:spcBef>
+              <a:spcAft>
+                <a:spcPct val="0"/>
+              </a:spcAft>
+              <a:buClrTx/>
+              <a:buSzTx/>
+              <a:buNone/>
+              <a:tabLst/>
+            </a:pPr>
+            <a:r>
+              <a:rPr kumimoji="0" lang="en-US" altLang="en-US" sz="2400" b="0" i="0" u="none" strike="noStrike" cap="none" normalizeH="0" baseline="0" dirty="0">
+                <a:ln>
+                  <a:noFill/>
+                </a:ln>
+                <a:solidFill>
+                  <a:schemeClr val="tx1"/>
+                </a:solidFill>
+                <a:effectLst/>
+              </a:rPr>
+              <a:t>Fixed epochs (1000).</a:t>
+            </a:r>
+          </a:p>
+          <a:p>
+            <a:pPr marL="0" marR="0" lvl="0" indent="0" algn="l" defTabSz="914400" rtl="0" eaLnBrk="0" fontAlgn="base" latinLnBrk="0" hangingPunct="0">
+              <a:lnSpc>
+                <a:spcPct val="150000"/>
+              </a:lnSpc>
+              <a:spcBef>
+                <a:spcPct val="0"/>
+              </a:spcBef>
+              <a:spcAft>
+                <a:spcPct val="0"/>
+              </a:spcAft>
+              <a:buClrTx/>
+              <a:buSzTx/>
+              <a:buNone/>
+              <a:tabLst/>
+            </a:pPr>
+            <a:r>
+              <a:rPr kumimoji="0" lang="en-US" altLang="en-US" sz="2400" b="0" i="0" u="none" strike="noStrike" cap="none" normalizeH="0" baseline="0" dirty="0">
+                <a:ln>
+                  <a:noFill/>
+                </a:ln>
+                <a:solidFill>
+                  <a:schemeClr val="tx1"/>
+                </a:solidFill>
+                <a:effectLst/>
+              </a:rPr>
+              <a:t>Early stopping not allowed for MONK tasks, used for CUP validation during trials.</a:t>
+            </a:r>
+          </a:p>
           <a:p>
             <a:pPr marL="0" marR="0" lvl="0" indent="0" algn="l" defTabSz="914400" rtl="0" eaLnBrk="0" fontAlgn="base" latinLnBrk="0" hangingPunct="0">
               <a:lnSpc>
@@ -5705,23 +6850,10 @@
               <a:buClrTx/>
               <a:buSzTx/>
               <a:buFontTx/>
-              <a:buChar char="•"/>
+              <a:buNone/>
               <a:tabLst/>
             </a:pPr>
-            <a:r>
-              <a:rPr kumimoji="0" lang="en-US" altLang="en-US" sz="1800" b="1" i="0" u="none" strike="noStrike" cap="none" normalizeH="0" baseline="0" dirty="0">
-                <a:ln>
-                  <a:noFill/>
-                </a:ln>
-                <a:solidFill>
-                  <a:schemeClr val="tx1"/>
-                </a:solidFill>
-                <a:effectLst/>
-                <a:latin typeface="Arial" panose="020B0604020202020204" pitchFamily="34" charset="0"/>
-              </a:rPr>
-              <a:t>Code Description:</a:t>
-            </a:r>
-            <a:endParaRPr kumimoji="0" lang="en-US" altLang="en-US" sz="1800" b="0" i="0" u="none" strike="noStrike" cap="none" normalizeH="0" baseline="0" dirty="0">
+            <a:endParaRPr kumimoji="0" lang="en-US" altLang="en-US" b="0" i="0" u="none" strike="noStrike" cap="none" normalizeH="0" baseline="0" dirty="0">
               <a:ln>
                 <a:noFill/>
               </a:ln>
@@ -5732,534 +6864,12 @@
               <a:latin typeface="Arial" panose="020B0604020202020204" pitchFamily="34" charset="0"/>
             </a:endParaRPr>
           </a:p>
-          <a:p>
-            <a:pPr marL="0" marR="0" lvl="0" indent="0" algn="l" defTabSz="914400" rtl="0" eaLnBrk="0" fontAlgn="base" latinLnBrk="0" hangingPunct="0">
-              <a:lnSpc>
-                <a:spcPct val="100000"/>
-              </a:lnSpc>
-              <a:spcBef>
-                <a:spcPct val="0"/>
-              </a:spcBef>
-              <a:spcAft>
-                <a:spcPct val="0"/>
-              </a:spcAft>
-              <a:buClrTx/>
-              <a:buSzTx/>
-              <a:buFontTx/>
-              <a:buChar char="•"/>
-              <a:tabLst/>
-            </a:pPr>
-            <a:r>
-              <a:rPr kumimoji="0" lang="en-US" altLang="en-US" sz="1800" b="0" i="0" u="none" strike="noStrike" cap="none" normalizeH="0" baseline="0" dirty="0">
-                <a:ln>
-                  <a:noFill/>
-                </a:ln>
-                <a:solidFill>
-                  <a:schemeClr val="tx1"/>
-                </a:solidFill>
-                <a:effectLst/>
-                <a:latin typeface="Arial" panose="020B0604020202020204" pitchFamily="34" charset="0"/>
-              </a:rPr>
-              <a:t>Implemented neural networks using NumPy from scratch.</a:t>
-            </a:r>
-          </a:p>
-          <a:p>
-            <a:pPr marL="0" marR="0" lvl="0" indent="0" algn="l" defTabSz="914400" rtl="0" eaLnBrk="0" fontAlgn="base" latinLnBrk="0" hangingPunct="0">
-              <a:lnSpc>
-                <a:spcPct val="100000"/>
-              </a:lnSpc>
-              <a:spcBef>
-                <a:spcPct val="0"/>
-              </a:spcBef>
-              <a:spcAft>
-                <a:spcPct val="0"/>
-              </a:spcAft>
-              <a:buClrTx/>
-              <a:buSzTx/>
-              <a:buFontTx/>
-              <a:buChar char="•"/>
-              <a:tabLst/>
-            </a:pPr>
-            <a:r>
-              <a:rPr kumimoji="0" lang="en-US" altLang="en-US" sz="1800" b="0" i="0" u="none" strike="noStrike" cap="none" normalizeH="0" baseline="0" dirty="0">
-                <a:ln>
-                  <a:noFill/>
-                </a:ln>
-                <a:solidFill>
-                  <a:schemeClr val="tx1"/>
-                </a:solidFill>
-                <a:effectLst/>
-                <a:latin typeface="Arial" panose="020B0604020202020204" pitchFamily="34" charset="0"/>
-              </a:rPr>
-              <a:t>Designed cross-validation and blind test evaluation methods.</a:t>
-            </a:r>
-          </a:p>
-          <a:p>
-            <a:pPr marL="0" marR="0" lvl="0" indent="0" algn="l" defTabSz="914400" rtl="0" eaLnBrk="0" fontAlgn="base" latinLnBrk="0" hangingPunct="0">
-              <a:lnSpc>
-                <a:spcPct val="100000"/>
-              </a:lnSpc>
-              <a:spcBef>
-                <a:spcPct val="0"/>
-              </a:spcBef>
-              <a:spcAft>
-                <a:spcPct val="0"/>
-              </a:spcAft>
-              <a:buClrTx/>
-              <a:buSzTx/>
-              <a:buFontTx/>
-              <a:buChar char="•"/>
-              <a:tabLst/>
-            </a:pPr>
-            <a:r>
-              <a:rPr kumimoji="0" lang="en-US" altLang="en-US" sz="1800" b="0" i="0" u="none" strike="noStrike" cap="none" normalizeH="0" baseline="0" dirty="0">
-                <a:ln>
-                  <a:noFill/>
-                </a:ln>
-                <a:solidFill>
-                  <a:schemeClr val="tx1"/>
-                </a:solidFill>
-                <a:effectLst/>
-                <a:latin typeface="Arial" panose="020B0604020202020204" pitchFamily="34" charset="0"/>
-              </a:rPr>
-              <a:t>Structured pipeline for preprocessing, training, evaluation, and visualization.</a:t>
-            </a:r>
-          </a:p>
-          <a:p>
-            <a:pPr marL="0" marR="0" lvl="0" indent="0" algn="l" defTabSz="914400" rtl="0" eaLnBrk="0" fontAlgn="base" latinLnBrk="0" hangingPunct="0">
-              <a:lnSpc>
-                <a:spcPct val="100000"/>
-              </a:lnSpc>
-              <a:spcBef>
-                <a:spcPct val="0"/>
-              </a:spcBef>
-              <a:spcAft>
-                <a:spcPct val="0"/>
-              </a:spcAft>
-              <a:buClrTx/>
-              <a:buSzTx/>
-              <a:buFontTx/>
-              <a:buChar char="•"/>
-              <a:tabLst/>
-            </a:pPr>
-            <a:r>
-              <a:rPr kumimoji="0" lang="en-US" altLang="en-US" sz="1800" b="1" i="0" u="none" strike="noStrike" cap="none" normalizeH="0" baseline="0" dirty="0">
-                <a:ln>
-                  <a:noFill/>
-                </a:ln>
-                <a:solidFill>
-                  <a:schemeClr val="tx1"/>
-                </a:solidFill>
-                <a:effectLst/>
-                <a:latin typeface="Arial" panose="020B0604020202020204" pitchFamily="34" charset="0"/>
-              </a:rPr>
-              <a:t>Necessary Features:</a:t>
-            </a:r>
-            <a:endParaRPr kumimoji="0" lang="en-US" altLang="en-US" sz="1800" b="0" i="0" u="none" strike="noStrike" cap="none" normalizeH="0" baseline="0" dirty="0">
-              <a:ln>
-                <a:noFill/>
-              </a:ln>
-              <a:solidFill>
-                <a:schemeClr val="tx1"/>
-              </a:solidFill>
-              <a:effectLst/>
-              <a:latin typeface="Arial" panose="020B0604020202020204" pitchFamily="34" charset="0"/>
-            </a:endParaRPr>
-          </a:p>
-          <a:p>
-            <a:pPr marL="0" marR="0" lvl="0" indent="0" algn="l" defTabSz="914400" rtl="0" eaLnBrk="0" fontAlgn="base" latinLnBrk="0" hangingPunct="0">
-              <a:lnSpc>
-                <a:spcPct val="100000"/>
-              </a:lnSpc>
-              <a:spcBef>
-                <a:spcPct val="0"/>
-              </a:spcBef>
-              <a:spcAft>
-                <a:spcPct val="0"/>
-              </a:spcAft>
-              <a:buClrTx/>
-              <a:buSzTx/>
-              <a:buFontTx/>
-              <a:buChar char="•"/>
-              <a:tabLst/>
-            </a:pPr>
-            <a:r>
-              <a:rPr kumimoji="0" lang="en-US" altLang="en-US" sz="1800" b="1" i="0" u="none" strike="noStrike" cap="none" normalizeH="0" baseline="0" dirty="0">
-                <a:ln>
-                  <a:noFill/>
-                </a:ln>
-                <a:solidFill>
-                  <a:schemeClr val="tx1"/>
-                </a:solidFill>
-                <a:effectLst/>
-                <a:latin typeface="Arial" panose="020B0604020202020204" pitchFamily="34" charset="0"/>
-              </a:rPr>
-              <a:t>Model Architecture:</a:t>
-            </a:r>
-            <a:r>
-              <a:rPr kumimoji="0" lang="en-US" altLang="en-US" sz="1800" b="0" i="0" u="none" strike="noStrike" cap="none" normalizeH="0" baseline="0" dirty="0">
-                <a:ln>
-                  <a:noFill/>
-                </a:ln>
-                <a:solidFill>
-                  <a:schemeClr val="tx1"/>
-                </a:solidFill>
-                <a:effectLst/>
-                <a:latin typeface="Arial" panose="020B0604020202020204" pitchFamily="34" charset="0"/>
-              </a:rPr>
-              <a:t> Multi-layer perceptron with variable depth.</a:t>
-            </a:r>
-          </a:p>
-          <a:p>
-            <a:pPr marL="0" marR="0" lvl="0" indent="0" algn="l" defTabSz="914400" rtl="0" eaLnBrk="0" fontAlgn="base" latinLnBrk="0" hangingPunct="0">
-              <a:lnSpc>
-                <a:spcPct val="100000"/>
-              </a:lnSpc>
-              <a:spcBef>
-                <a:spcPct val="0"/>
-              </a:spcBef>
-              <a:spcAft>
-                <a:spcPct val="0"/>
-              </a:spcAft>
-              <a:buClrTx/>
-              <a:buSzTx/>
-              <a:buFontTx/>
-              <a:buChar char="•"/>
-              <a:tabLst/>
-            </a:pPr>
-            <a:r>
-              <a:rPr kumimoji="0" lang="en-US" altLang="en-US" sz="1800" b="1" i="0" u="none" strike="noStrike" cap="none" normalizeH="0" baseline="0" dirty="0">
-                <a:ln>
-                  <a:noFill/>
-                </a:ln>
-                <a:solidFill>
-                  <a:schemeClr val="tx1"/>
-                </a:solidFill>
-                <a:effectLst/>
-                <a:latin typeface="Arial" panose="020B0604020202020204" pitchFamily="34" charset="0"/>
-              </a:rPr>
-              <a:t>Activation Functions:</a:t>
-            </a:r>
-            <a:r>
-              <a:rPr kumimoji="0" lang="en-US" altLang="en-US" sz="1800" b="0" i="0" u="none" strike="noStrike" cap="none" normalizeH="0" baseline="0" dirty="0">
-                <a:ln>
-                  <a:noFill/>
-                </a:ln>
-                <a:solidFill>
-                  <a:schemeClr val="tx1"/>
-                </a:solidFill>
-                <a:effectLst/>
-                <a:latin typeface="Arial" panose="020B0604020202020204" pitchFamily="34" charset="0"/>
-              </a:rPr>
-              <a:t> </a:t>
-            </a:r>
-            <a:r>
-              <a:rPr kumimoji="0" lang="en-US" altLang="en-US" sz="1800" b="0" i="0" u="none" strike="noStrike" cap="none" normalizeH="0" baseline="0" dirty="0" err="1">
-                <a:ln>
-                  <a:noFill/>
-                </a:ln>
-                <a:solidFill>
-                  <a:schemeClr val="tx1"/>
-                </a:solidFill>
-                <a:effectLst/>
-                <a:latin typeface="Arial" panose="020B0604020202020204" pitchFamily="34" charset="0"/>
-              </a:rPr>
-              <a:t>ReLU</a:t>
-            </a:r>
-            <a:r>
-              <a:rPr kumimoji="0" lang="en-US" altLang="en-US" sz="1800" b="0" i="0" u="none" strike="noStrike" cap="none" normalizeH="0" baseline="0" dirty="0">
-                <a:ln>
-                  <a:noFill/>
-                </a:ln>
-                <a:solidFill>
-                  <a:schemeClr val="tx1"/>
-                </a:solidFill>
-                <a:effectLst/>
-                <a:latin typeface="Arial" panose="020B0604020202020204" pitchFamily="34" charset="0"/>
-              </a:rPr>
-              <a:t>, Sigmoid, Leaky </a:t>
-            </a:r>
-            <a:r>
-              <a:rPr kumimoji="0" lang="en-US" altLang="en-US" sz="1800" b="0" i="0" u="none" strike="noStrike" cap="none" normalizeH="0" baseline="0" dirty="0" err="1">
-                <a:ln>
-                  <a:noFill/>
-                </a:ln>
-                <a:solidFill>
-                  <a:schemeClr val="tx1"/>
-                </a:solidFill>
-                <a:effectLst/>
-                <a:latin typeface="Arial" panose="020B0604020202020204" pitchFamily="34" charset="0"/>
-              </a:rPr>
-              <a:t>ReLU</a:t>
-            </a:r>
-            <a:r>
-              <a:rPr kumimoji="0" lang="en-US" altLang="en-US" sz="1800" b="0" i="0" u="none" strike="noStrike" cap="none" normalizeH="0" baseline="0" dirty="0">
-                <a:ln>
-                  <a:noFill/>
-                </a:ln>
-                <a:solidFill>
-                  <a:schemeClr val="tx1"/>
-                </a:solidFill>
-                <a:effectLst/>
-                <a:latin typeface="Arial" panose="020B0604020202020204" pitchFamily="34" charset="0"/>
-              </a:rPr>
-              <a:t>, Tanh.</a:t>
-            </a:r>
-          </a:p>
-          <a:p>
-            <a:pPr marL="0" marR="0" lvl="0" indent="0" algn="l" defTabSz="914400" rtl="0" eaLnBrk="0" fontAlgn="base" latinLnBrk="0" hangingPunct="0">
-              <a:lnSpc>
-                <a:spcPct val="100000"/>
-              </a:lnSpc>
-              <a:spcBef>
-                <a:spcPct val="0"/>
-              </a:spcBef>
-              <a:spcAft>
-                <a:spcPct val="0"/>
-              </a:spcAft>
-              <a:buClrTx/>
-              <a:buSzTx/>
-              <a:buFontTx/>
-              <a:buChar char="•"/>
-              <a:tabLst/>
-            </a:pPr>
-            <a:r>
-              <a:rPr kumimoji="0" lang="en-US" altLang="en-US" sz="1800" b="1" i="0" u="none" strike="noStrike" cap="none" normalizeH="0" baseline="0" dirty="0">
-                <a:ln>
-                  <a:noFill/>
-                </a:ln>
-                <a:solidFill>
-                  <a:schemeClr val="tx1"/>
-                </a:solidFill>
-                <a:effectLst/>
-                <a:latin typeface="Arial" panose="020B0604020202020204" pitchFamily="34" charset="0"/>
-              </a:rPr>
-              <a:t>Training Algorithm:</a:t>
-            </a:r>
-            <a:r>
-              <a:rPr kumimoji="0" lang="en-US" altLang="en-US" sz="1800" b="0" i="0" u="none" strike="noStrike" cap="none" normalizeH="0" baseline="0" dirty="0">
-                <a:ln>
-                  <a:noFill/>
-                </a:ln>
-                <a:solidFill>
-                  <a:schemeClr val="tx1"/>
-                </a:solidFill>
-                <a:effectLst/>
-                <a:latin typeface="Arial" panose="020B0604020202020204" pitchFamily="34" charset="0"/>
-              </a:rPr>
-              <a:t> Stochastic Gradient Descent (SGD) &amp; Adam.</a:t>
-            </a:r>
-          </a:p>
-          <a:p>
-            <a:pPr marL="0" marR="0" lvl="0" indent="0" algn="l" defTabSz="914400" rtl="0" eaLnBrk="0" fontAlgn="base" latinLnBrk="0" hangingPunct="0">
-              <a:lnSpc>
-                <a:spcPct val="100000"/>
-              </a:lnSpc>
-              <a:spcBef>
-                <a:spcPct val="0"/>
-              </a:spcBef>
-              <a:spcAft>
-                <a:spcPct val="0"/>
-              </a:spcAft>
-              <a:buClrTx/>
-              <a:buSzTx/>
-              <a:buFontTx/>
-              <a:buChar char="•"/>
-              <a:tabLst/>
-            </a:pPr>
-            <a:r>
-              <a:rPr kumimoji="0" lang="en-US" altLang="en-US" sz="1800" b="1" i="0" u="none" strike="noStrike" cap="none" normalizeH="0" baseline="0" dirty="0">
-                <a:ln>
-                  <a:noFill/>
-                </a:ln>
-                <a:solidFill>
-                  <a:schemeClr val="tx1"/>
-                </a:solidFill>
-                <a:effectLst/>
-                <a:latin typeface="Arial" panose="020B0604020202020204" pitchFamily="34" charset="0"/>
-              </a:rPr>
-              <a:t>Batch Processing:</a:t>
-            </a:r>
-            <a:r>
-              <a:rPr kumimoji="0" lang="en-US" altLang="en-US" sz="1800" b="0" i="0" u="none" strike="noStrike" cap="none" normalizeH="0" baseline="0" dirty="0">
-                <a:ln>
-                  <a:noFill/>
-                </a:ln>
-                <a:solidFill>
-                  <a:schemeClr val="tx1"/>
-                </a:solidFill>
-                <a:effectLst/>
-                <a:latin typeface="Arial" panose="020B0604020202020204" pitchFamily="34" charset="0"/>
-              </a:rPr>
-              <a:t> Mini-batch training applied.</a:t>
-            </a:r>
-          </a:p>
-          <a:p>
-            <a:pPr marL="0" marR="0" lvl="0" indent="0" algn="l" defTabSz="914400" rtl="0" eaLnBrk="0" fontAlgn="base" latinLnBrk="0" hangingPunct="0">
-              <a:lnSpc>
-                <a:spcPct val="100000"/>
-              </a:lnSpc>
-              <a:spcBef>
-                <a:spcPct val="0"/>
-              </a:spcBef>
-              <a:spcAft>
-                <a:spcPct val="0"/>
-              </a:spcAft>
-              <a:buClrTx/>
-              <a:buSzTx/>
-              <a:buFontTx/>
-              <a:buChar char="•"/>
-              <a:tabLst/>
-            </a:pPr>
-            <a:r>
-              <a:rPr kumimoji="0" lang="en-US" altLang="en-US" sz="1800" b="1" i="0" u="none" strike="noStrike" cap="none" normalizeH="0" baseline="0" dirty="0">
-                <a:ln>
-                  <a:noFill/>
-                </a:ln>
-                <a:solidFill>
-                  <a:schemeClr val="tx1"/>
-                </a:solidFill>
-                <a:effectLst/>
-                <a:latin typeface="Arial" panose="020B0604020202020204" pitchFamily="34" charset="0"/>
-              </a:rPr>
-              <a:t>Weight Initialization:</a:t>
-            </a:r>
-            <a:r>
-              <a:rPr kumimoji="0" lang="en-US" altLang="en-US" sz="1800" b="0" i="0" u="none" strike="noStrike" cap="none" normalizeH="0" baseline="0" dirty="0">
-                <a:ln>
-                  <a:noFill/>
-                </a:ln>
-                <a:solidFill>
-                  <a:schemeClr val="tx1"/>
-                </a:solidFill>
-                <a:effectLst/>
-                <a:latin typeface="Arial" panose="020B0604020202020204" pitchFamily="34" charset="0"/>
-              </a:rPr>
-              <a:t> He/Xavier initialization.</a:t>
-            </a:r>
-          </a:p>
-          <a:p>
-            <a:pPr marL="0" marR="0" lvl="0" indent="0" algn="l" defTabSz="914400" rtl="0" eaLnBrk="0" fontAlgn="base" latinLnBrk="0" hangingPunct="0">
-              <a:lnSpc>
-                <a:spcPct val="100000"/>
-              </a:lnSpc>
-              <a:spcBef>
-                <a:spcPct val="0"/>
-              </a:spcBef>
-              <a:spcAft>
-                <a:spcPct val="0"/>
-              </a:spcAft>
-              <a:buClrTx/>
-              <a:buSzTx/>
-              <a:buFontTx/>
-              <a:buChar char="•"/>
-              <a:tabLst/>
-            </a:pPr>
-            <a:r>
-              <a:rPr kumimoji="0" lang="en-US" altLang="en-US" sz="1800" b="1" i="0" u="none" strike="noStrike" cap="none" normalizeH="0" baseline="0" dirty="0">
-                <a:ln>
-                  <a:noFill/>
-                </a:ln>
-                <a:solidFill>
-                  <a:schemeClr val="tx1"/>
-                </a:solidFill>
-                <a:effectLst/>
-                <a:latin typeface="Arial" panose="020B0604020202020204" pitchFamily="34" charset="0"/>
-              </a:rPr>
-              <a:t>Regularization:</a:t>
-            </a:r>
-            <a:r>
-              <a:rPr kumimoji="0" lang="en-US" altLang="en-US" sz="1800" b="0" i="0" u="none" strike="noStrike" cap="none" normalizeH="0" baseline="0" dirty="0">
-                <a:ln>
-                  <a:noFill/>
-                </a:ln>
-                <a:solidFill>
-                  <a:schemeClr val="tx1"/>
-                </a:solidFill>
-                <a:effectLst/>
-                <a:latin typeface="Arial" panose="020B0604020202020204" pitchFamily="34" charset="0"/>
-              </a:rPr>
-              <a:t> L2 Regularization.</a:t>
-            </a:r>
-          </a:p>
-          <a:p>
-            <a:pPr marL="0" marR="0" lvl="0" indent="0" algn="l" defTabSz="914400" rtl="0" eaLnBrk="0" fontAlgn="base" latinLnBrk="0" hangingPunct="0">
-              <a:lnSpc>
-                <a:spcPct val="100000"/>
-              </a:lnSpc>
-              <a:spcBef>
-                <a:spcPct val="0"/>
-              </a:spcBef>
-              <a:spcAft>
-                <a:spcPct val="0"/>
-              </a:spcAft>
-              <a:buClrTx/>
-              <a:buSzTx/>
-              <a:buFontTx/>
-              <a:buChar char="•"/>
-              <a:tabLst/>
-            </a:pPr>
-            <a:r>
-              <a:rPr kumimoji="0" lang="en-US" altLang="en-US" sz="1800" b="1" i="0" u="none" strike="noStrike" cap="none" normalizeH="0" baseline="0" dirty="0">
-                <a:ln>
-                  <a:noFill/>
-                </a:ln>
-                <a:solidFill>
-                  <a:schemeClr val="tx1"/>
-                </a:solidFill>
-                <a:effectLst/>
-                <a:latin typeface="Arial" panose="020B0604020202020204" pitchFamily="34" charset="0"/>
-              </a:rPr>
-              <a:t>Stop Condition:</a:t>
-            </a:r>
-            <a:r>
-              <a:rPr kumimoji="0" lang="en-US" altLang="en-US" sz="1800" b="0" i="0" u="none" strike="noStrike" cap="none" normalizeH="0" baseline="0" dirty="0">
-                <a:ln>
-                  <a:noFill/>
-                </a:ln>
-                <a:solidFill>
-                  <a:schemeClr val="tx1"/>
-                </a:solidFill>
-                <a:effectLst/>
-                <a:latin typeface="Arial" panose="020B0604020202020204" pitchFamily="34" charset="0"/>
-              </a:rPr>
-              <a:t> Based on max epochs or early stopping.</a:t>
-            </a:r>
-          </a:p>
-          <a:p>
-            <a:pPr marL="0" marR="0" lvl="0" indent="0" algn="l" defTabSz="914400" rtl="0" eaLnBrk="0" fontAlgn="base" latinLnBrk="0" hangingPunct="0">
-              <a:lnSpc>
-                <a:spcPct val="100000"/>
-              </a:lnSpc>
-              <a:spcBef>
-                <a:spcPct val="0"/>
-              </a:spcBef>
-              <a:spcAft>
-                <a:spcPct val="0"/>
-              </a:spcAft>
-              <a:buClrTx/>
-              <a:buSzTx/>
-              <a:buFontTx/>
-              <a:buNone/>
-              <a:tabLst/>
-            </a:pPr>
-            <a:endParaRPr kumimoji="0" lang="en-US" altLang="en-US" sz="1800" b="0" i="0" u="none" strike="noStrike" cap="none" normalizeH="0" baseline="0" dirty="0">
-              <a:ln>
-                <a:noFill/>
-              </a:ln>
-              <a:solidFill>
-                <a:schemeClr val="tx1"/>
-              </a:solidFill>
-              <a:effectLst/>
-              <a:latin typeface="Arial" panose="020B0604020202020204" pitchFamily="34" charset="0"/>
-            </a:endParaRPr>
-          </a:p>
         </p:txBody>
       </p:sp>
     </p:spTree>
     <p:extLst>
       <p:ext uri="{BB962C8B-B14F-4D97-AF65-F5344CB8AC3E}">
-        <p14:creationId xmlns:p14="http://schemas.microsoft.com/office/powerpoint/2010/main" val="1022538647"/>
+        <p14:creationId xmlns:p14="http://schemas.microsoft.com/office/powerpoint/2010/main" val="2651567190"/>
       </p:ext>
     </p:extLst>
   </p:cSld>
@@ -6269,7 +6879,7 @@
 </p:sld>
 </file>
 
-<file path=ppt/slides/slide4.xml><?xml version="1.0" encoding="utf-8"?>
+<file path=ppt/slides/slide6.xml><?xml version="1.0" encoding="utf-8"?>
 <p:sld xmlns:a="http://schemas.openxmlformats.org/drawingml/2006/main" xmlns:r="http://schemas.openxmlformats.org/officeDocument/2006/relationships" xmlns:p="http://schemas.openxmlformats.org/presentationml/2006/main">
   <p:cSld>
     <p:spTree>
@@ -6291,7 +6901,7 @@
           <p:cNvPr id="2" name="Title 1">
             <a:extLst>
               <a:ext uri="{FF2B5EF4-FFF2-40B4-BE49-F238E27FC236}">
-                <a16:creationId xmlns:a16="http://schemas.microsoft.com/office/drawing/2014/main" id="{91E910A7-0BFB-4B90-8AF6-D7AC623F3083}"/>
+                <a16:creationId xmlns:a16="http://schemas.microsoft.com/office/drawing/2014/main" id="{A77CBE58-AEC0-4B03-AF3A-9CF7B1E3FD17}"/>
               </a:ext>
             </a:extLst>
           </p:cNvPr>
@@ -6302,16 +6912,32 @@
             <p:ph type="title"/>
           </p:nvPr>
         </p:nvSpPr>
-        <p:spPr/>
-        <p:txBody>
-          <a:bodyPr/>
-          <a:lstStyle/>
-          <a:p>
-            <a:r>
-              <a:rPr lang="it" dirty="0"/>
-              <a:t>Models Novelties</a:t>
-            </a:r>
-            <a:endParaRPr lang="en-US" dirty="0"/>
+        <p:spPr>
+          <a:xfrm>
+            <a:off x="638827" y="365126"/>
+            <a:ext cx="10714973" cy="1225680"/>
+          </a:xfrm>
+        </p:spPr>
+        <p:txBody>
+          <a:bodyPr>
+            <a:normAutofit/>
+          </a:bodyPr>
+          <a:lstStyle/>
+          <a:p>
+            <a:r>
+              <a:rPr kumimoji="0" lang="en-US" altLang="en-US" sz="3600" b="1" i="0" u="none" strike="noStrike" cap="none" normalizeH="0" baseline="0" dirty="0">
+                <a:ln>
+                  <a:noFill/>
+                </a:ln>
+                <a:solidFill>
+                  <a:schemeClr val="tx1"/>
+                </a:solidFill>
+                <a:effectLst/>
+                <a:latin typeface="Arial" panose="020B0604020202020204" pitchFamily="34" charset="0"/>
+              </a:rPr>
+              <a:t>Code Description</a:t>
+            </a:r>
+            <a:endParaRPr lang="en-US" sz="3600" dirty="0"/>
           </a:p>
         </p:txBody>
       </p:sp>
@@ -6320,7 +6946,7 @@
           <p:cNvPr id="3" name="Content Placeholder 2">
             <a:extLst>
               <a:ext uri="{FF2B5EF4-FFF2-40B4-BE49-F238E27FC236}">
-                <a16:creationId xmlns:a16="http://schemas.microsoft.com/office/drawing/2014/main" id="{FF85601B-3853-4782-A0E0-C08FF3322B5C}"/>
+                <a16:creationId xmlns:a16="http://schemas.microsoft.com/office/drawing/2014/main" id="{1D30EE90-AEB3-4D5A-A950-D9503C5F4445}"/>
               </a:ext>
             </a:extLst>
           </p:cNvPr>
@@ -6331,60 +6957,222 @@
             <p:ph idx="1"/>
           </p:nvPr>
         </p:nvSpPr>
-        <p:spPr/>
-        <p:txBody>
-          <a:bodyPr/>
-          <a:lstStyle/>
+        <p:spPr>
+          <a:xfrm>
+            <a:off x="726510" y="1690688"/>
+            <a:ext cx="10627290" cy="4486275"/>
+          </a:xfrm>
+        </p:spPr>
+        <p:txBody>
+          <a:bodyPr>
+            <a:normAutofit fontScale="92500" lnSpcReduction="10000"/>
+          </a:bodyPr>
+          <a:lstStyle/>
+          <a:p>
+            <a:pPr marL="0" marR="0" lvl="0" indent="0" algn="l" defTabSz="914400" rtl="0" eaLnBrk="0" fontAlgn="base" latinLnBrk="0" hangingPunct="0">
+              <a:lnSpc>
+                <a:spcPct val="150000"/>
+              </a:lnSpc>
+              <a:spcBef>
+                <a:spcPct val="0"/>
+              </a:spcBef>
+              <a:spcAft>
+                <a:spcPct val="0"/>
+              </a:spcAft>
+              <a:buClrTx/>
+              <a:buSzTx/>
+              <a:buNone/>
+              <a:tabLst/>
+            </a:pPr>
+            <a:r>
+              <a:rPr kumimoji="0" lang="en-US" altLang="en-US" sz="2400" b="1" i="0" u="none" strike="noStrike" cap="none" normalizeH="0" baseline="0" dirty="0">
+                <a:ln>
+                  <a:noFill/>
+                </a:ln>
+                <a:solidFill>
+                  <a:schemeClr val="tx1"/>
+                </a:solidFill>
+                <a:effectLst/>
+              </a:rPr>
+              <a:t>8. Validation Schema</a:t>
+            </a:r>
+            <a:r>
+              <a:rPr kumimoji="0" lang="en-US" altLang="en-US" sz="2400" b="0" i="0" u="none" strike="noStrike" cap="none" normalizeH="0" baseline="0" dirty="0">
+                <a:ln>
+                  <a:noFill/>
+                </a:ln>
+                <a:solidFill>
+                  <a:schemeClr val="tx1"/>
+                </a:solidFill>
+                <a:effectLst/>
+              </a:rPr>
+              <a:t>:</a:t>
+            </a:r>
+          </a:p>
+          <a:p>
+            <a:pPr marL="0" marR="0" lvl="0" indent="0" algn="l" defTabSz="914400" rtl="0" eaLnBrk="0" fontAlgn="base" latinLnBrk="0" hangingPunct="0">
+              <a:lnSpc>
+                <a:spcPct val="150000"/>
+              </a:lnSpc>
+              <a:spcBef>
+                <a:spcPct val="0"/>
+              </a:spcBef>
+              <a:spcAft>
+                <a:spcPct val="0"/>
+              </a:spcAft>
+              <a:buClrTx/>
+              <a:buSzTx/>
+              <a:buNone/>
+              <a:tabLst/>
+            </a:pPr>
+            <a:r>
+              <a:rPr kumimoji="0" lang="en-US" altLang="en-US" sz="2400" b="1" i="0" u="none" strike="noStrike" cap="none" normalizeH="0" baseline="0" dirty="0">
+                <a:ln>
+                  <a:noFill/>
+                </a:ln>
+                <a:solidFill>
+                  <a:schemeClr val="tx1"/>
+                </a:solidFill>
+                <a:effectLst/>
+              </a:rPr>
+              <a:t>MONK</a:t>
+            </a:r>
+            <a:r>
+              <a:rPr kumimoji="0" lang="en-US" altLang="en-US" sz="2400" b="0" i="0" u="none" strike="noStrike" cap="none" normalizeH="0" baseline="0" dirty="0">
+                <a:ln>
+                  <a:noFill/>
+                </a:ln>
+                <a:solidFill>
+                  <a:schemeClr val="tx1"/>
+                </a:solidFill>
+                <a:effectLst/>
+              </a:rPr>
+              <a:t>: 5-fold cross-validation for model selection.</a:t>
+            </a:r>
+          </a:p>
+          <a:p>
+            <a:pPr marL="0" marR="0" lvl="0" indent="0" algn="l" defTabSz="914400" rtl="0" eaLnBrk="0" fontAlgn="base" latinLnBrk="0" hangingPunct="0">
+              <a:lnSpc>
+                <a:spcPct val="150000"/>
+              </a:lnSpc>
+              <a:spcBef>
+                <a:spcPct val="0"/>
+              </a:spcBef>
+              <a:spcAft>
+                <a:spcPct val="0"/>
+              </a:spcAft>
+              <a:buClrTx/>
+              <a:buSzTx/>
+              <a:buNone/>
+              <a:tabLst/>
+            </a:pPr>
+            <a:r>
+              <a:rPr kumimoji="0" lang="en-US" altLang="en-US" sz="2400" b="1" i="0" u="none" strike="noStrike" cap="none" normalizeH="0" baseline="0" dirty="0">
+                <a:ln>
+                  <a:noFill/>
+                </a:ln>
+                <a:solidFill>
+                  <a:schemeClr val="tx1"/>
+                </a:solidFill>
+                <a:effectLst/>
+              </a:rPr>
+              <a:t>CUP</a:t>
+            </a:r>
+            <a:r>
+              <a:rPr kumimoji="0" lang="en-US" altLang="en-US" sz="2400" b="0" i="0" u="none" strike="noStrike" cap="none" normalizeH="0" baseline="0" dirty="0">
+                <a:ln>
+                  <a:noFill/>
+                </a:ln>
+                <a:solidFill>
+                  <a:schemeClr val="tx1"/>
+                </a:solidFill>
+                <a:effectLst/>
+              </a:rPr>
+              <a:t>: Data split into 60% training, 20% validation, 20% internal test.</a:t>
+            </a:r>
+            <a:endParaRPr lang="en-US" sz="2400" b="1" dirty="0"/>
+          </a:p>
+          <a:p>
+            <a:pPr marL="0" indent="0">
+              <a:lnSpc>
+                <a:spcPct val="150000"/>
+              </a:lnSpc>
+              <a:buNone/>
+            </a:pPr>
+            <a:r>
+              <a:rPr lang="en-US" sz="2400" b="1" dirty="0"/>
+              <a:t>9. Hyperparameter Tuning</a:t>
+            </a:r>
+            <a:r>
+              <a:rPr lang="en-US" sz="2400" dirty="0"/>
+              <a:t>:</a:t>
+            </a:r>
+          </a:p>
           <a:p>
             <a:pPr>
+              <a:lnSpc>
+                <a:spcPct val="150000"/>
+              </a:lnSpc>
               <a:buFont typeface="Arial" panose="020B0604020202020204" pitchFamily="34" charset="0"/>
               <a:buChar char="•"/>
             </a:pPr>
             <a:r>
-              <a:rPr lang="en-US" b="1" dirty="0"/>
-              <a:t>Innovations Introduced:</a:t>
-            </a:r>
-            <a:endParaRPr lang="en-US" dirty="0"/>
-          </a:p>
-          <a:p>
-            <a:pPr marL="742950" lvl="1" indent="-285750">
+              <a:rPr lang="en-US" sz="2400" b="1" dirty="0"/>
+              <a:t>Grid Search</a:t>
+            </a:r>
+            <a:r>
+              <a:rPr lang="en-US" sz="2400" dirty="0"/>
+              <a:t>: Hyperparameters like learning rates, activation functions, hidden layer sizes, regularization strength, and momentum were explored.</a:t>
+            </a:r>
+          </a:p>
+          <a:p>
+            <a:pPr>
+              <a:lnSpc>
+                <a:spcPct val="150000"/>
+              </a:lnSpc>
               <a:buFont typeface="Arial" panose="020B0604020202020204" pitchFamily="34" charset="0"/>
               <a:buChar char="•"/>
             </a:pPr>
             <a:r>
-              <a:rPr lang="en-US" dirty="0"/>
-              <a:t>Customized dropout techniques for better generalization.</a:t>
-            </a:r>
-          </a:p>
-          <a:p>
-            <a:pPr marL="742950" lvl="1" indent="-285750">
+              <a:rPr lang="en-US" sz="2400" b="1" dirty="0"/>
+              <a:t>MONK</a:t>
+            </a:r>
+            <a:r>
+              <a:rPr lang="en-US" sz="2400" dirty="0"/>
+              <a:t>: 432 configurations per task.</a:t>
+            </a:r>
+          </a:p>
+          <a:p>
+            <a:pPr>
+              <a:lnSpc>
+                <a:spcPct val="150000"/>
+              </a:lnSpc>
               <a:buFont typeface="Arial" panose="020B0604020202020204" pitchFamily="34" charset="0"/>
               <a:buChar char="•"/>
             </a:pPr>
             <a:r>
-              <a:rPr lang="en-US" dirty="0"/>
-              <a:t>Experimentation with different activation function combinations.</a:t>
-            </a:r>
-          </a:p>
-          <a:p>
-            <a:pPr marL="742950" lvl="1" indent="-285750">
-              <a:buFont typeface="Arial" panose="020B0604020202020204" pitchFamily="34" charset="0"/>
-              <a:buChar char="•"/>
+              <a:rPr lang="en-US" sz="2400" b="1" dirty="0"/>
+              <a:t>CUP</a:t>
+            </a:r>
+            <a:r>
+              <a:rPr lang="en-US" sz="2400" dirty="0"/>
+              <a:t>: Iterative tuning with performance tracked for validation MEE.</a:t>
+            </a:r>
+          </a:p>
+          <a:p>
+            <a:pPr>
+              <a:lnSpc>
+                <a:spcPct val="150000"/>
+              </a:lnSpc>
             </a:pPr>
-            <a:r>
-              <a:rPr lang="en-US" dirty="0"/>
-              <a:t>Layer-wise hyperparameter tuning.</a:t>
-            </a:r>
-          </a:p>
-          <a:p>
-            <a:endParaRPr lang="en-US" dirty="0"/>
+            <a:endParaRPr lang="en-US" sz="2400" dirty="0"/>
           </a:p>
         </p:txBody>
       </p:sp>
     </p:spTree>
     <p:extLst>
       <p:ext uri="{BB962C8B-B14F-4D97-AF65-F5344CB8AC3E}">
-        <p14:creationId xmlns:p14="http://schemas.microsoft.com/office/powerpoint/2010/main" val="1821721345"/>
+        <p14:creationId xmlns:p14="http://schemas.microsoft.com/office/powerpoint/2010/main" val="2547263850"/>
       </p:ext>
     </p:extLst>
   </p:cSld>
@@ -6394,7 +7182,7 @@
 </p:sld>
 </file>
 
-<file path=ppt/slides/slide5.xml><?xml version="1.0" encoding="utf-8"?>
+<file path=ppt/slides/slide7.xml><?xml version="1.0" encoding="utf-8"?>
 <p:sld xmlns:a="http://schemas.openxmlformats.org/drawingml/2006/main" xmlns:r="http://schemas.openxmlformats.org/officeDocument/2006/relationships" xmlns:p="http://schemas.openxmlformats.org/presentationml/2006/main">
   <p:cSld>
     <p:spTree>
@@ -6416,6 +7204,131 @@
           <p:cNvPr id="2" name="Title 1">
             <a:extLst>
               <a:ext uri="{FF2B5EF4-FFF2-40B4-BE49-F238E27FC236}">
+                <a16:creationId xmlns:a16="http://schemas.microsoft.com/office/drawing/2014/main" id="{91E910A7-0BFB-4B90-8AF6-D7AC623F3083}"/>
+              </a:ext>
+            </a:extLst>
+          </p:cNvPr>
+          <p:cNvSpPr>
+            <a:spLocks noGrp="1"/>
+          </p:cNvSpPr>
+          <p:nvPr>
+            <p:ph type="title"/>
+          </p:nvPr>
+        </p:nvSpPr>
+        <p:spPr/>
+        <p:txBody>
+          <a:bodyPr/>
+          <a:lstStyle/>
+          <a:p>
+            <a:r>
+              <a:rPr lang="it" b="1" dirty="0"/>
+              <a:t>Models Novelties</a:t>
+            </a:r>
+            <a:endParaRPr lang="en-US" b="1" dirty="0"/>
+          </a:p>
+        </p:txBody>
+      </p:sp>
+      <p:sp>
+        <p:nvSpPr>
+          <p:cNvPr id="3" name="Content Placeholder 2">
+            <a:extLst>
+              <a:ext uri="{FF2B5EF4-FFF2-40B4-BE49-F238E27FC236}">
+                <a16:creationId xmlns:a16="http://schemas.microsoft.com/office/drawing/2014/main" id="{FF85601B-3853-4782-A0E0-C08FF3322B5C}"/>
+              </a:ext>
+            </a:extLst>
+          </p:cNvPr>
+          <p:cNvSpPr>
+            <a:spLocks noGrp="1"/>
+          </p:cNvSpPr>
+          <p:nvPr>
+            <p:ph idx="1"/>
+          </p:nvPr>
+        </p:nvSpPr>
+        <p:spPr/>
+        <p:txBody>
+          <a:bodyPr/>
+          <a:lstStyle/>
+          <a:p>
+            <a:pPr>
+              <a:buFont typeface="Arial" panose="020B0604020202020204" pitchFamily="34" charset="0"/>
+              <a:buChar char="•"/>
+            </a:pPr>
+            <a:r>
+              <a:rPr lang="en-US" b="1" dirty="0"/>
+              <a:t>Innovations Introduced:</a:t>
+            </a:r>
+            <a:endParaRPr lang="en-US" dirty="0"/>
+          </a:p>
+          <a:p>
+            <a:pPr marL="742950" lvl="1" indent="-285750">
+              <a:buFont typeface="Arial" panose="020B0604020202020204" pitchFamily="34" charset="0"/>
+              <a:buChar char="•"/>
+            </a:pPr>
+            <a:r>
+              <a:rPr lang="en-US" dirty="0"/>
+              <a:t>Customized dropout techniques for better generalization.</a:t>
+            </a:r>
+          </a:p>
+          <a:p>
+            <a:pPr marL="742950" lvl="1" indent="-285750">
+              <a:buFont typeface="Arial" panose="020B0604020202020204" pitchFamily="34" charset="0"/>
+              <a:buChar char="•"/>
+            </a:pPr>
+            <a:r>
+              <a:rPr lang="en-US" dirty="0"/>
+              <a:t>Experimentation with different activation function combinations.</a:t>
+            </a:r>
+          </a:p>
+          <a:p>
+            <a:pPr marL="742950" lvl="1" indent="-285750">
+              <a:buFont typeface="Arial" panose="020B0604020202020204" pitchFamily="34" charset="0"/>
+              <a:buChar char="•"/>
+            </a:pPr>
+            <a:r>
+              <a:rPr lang="en-US" dirty="0"/>
+              <a:t>Layer-wise hyperparameter tuning.</a:t>
+            </a:r>
+          </a:p>
+          <a:p>
+            <a:endParaRPr lang="en-US" dirty="0"/>
+          </a:p>
+        </p:txBody>
+      </p:sp>
+    </p:spTree>
+    <p:extLst>
+      <p:ext uri="{BB962C8B-B14F-4D97-AF65-F5344CB8AC3E}">
+        <p14:creationId xmlns:p14="http://schemas.microsoft.com/office/powerpoint/2010/main" val="1821721345"/>
+      </p:ext>
+    </p:extLst>
+  </p:cSld>
+  <p:clrMapOvr>
+    <a:masterClrMapping/>
+  </p:clrMapOvr>
+</p:sld>
+</file>
+
+<file path=ppt/slides/slide8.xml><?xml version="1.0" encoding="utf-8"?>
+<p:sld xmlns:a="http://schemas.openxmlformats.org/drawingml/2006/main" xmlns:r="http://schemas.openxmlformats.org/officeDocument/2006/relationships" xmlns:p="http://schemas.openxmlformats.org/presentationml/2006/main">
+  <p:cSld>
+    <p:spTree>
+      <p:nvGrpSpPr>
+        <p:cNvPr id="1" name=""/>
+        <p:cNvGrpSpPr/>
+        <p:nvPr/>
+      </p:nvGrpSpPr>
+      <p:grpSpPr>
+        <a:xfrm>
+          <a:off x="0" y="0"/>
+          <a:ext cx="0" cy="0"/>
+          <a:chOff x="0" y="0"/>
+          <a:chExt cx="0" cy="0"/>
+        </a:xfrm>
+      </p:grpSpPr>
+      <p:sp>
+        <p:nvSpPr>
+          <p:cNvPr id="2" name="Title 1">
+            <a:extLst>
+              <a:ext uri="{FF2B5EF4-FFF2-40B4-BE49-F238E27FC236}">
                 <a16:creationId xmlns:a16="http://schemas.microsoft.com/office/drawing/2014/main" id="{D9EBF38C-2E36-42A3-AC91-2329FE9F4E7D}"/>
               </a:ext>
             </a:extLst>
@@ -6433,10 +7346,16 @@
           <a:lstStyle/>
           <a:p>
             <a:r>
-              <a:rPr lang="it" dirty="0"/>
-              <a:t>Monk Results 1</a:t>
-            </a:r>
-            <a:endParaRPr lang="en-US" dirty="0"/>
+              <a:rPr lang="it" b="1" dirty="0">
+                <a:latin typeface="Arial" panose="020B0604020202020204" pitchFamily="34" charset="0"/>
+                <a:cs typeface="Arial" panose="020B0604020202020204" pitchFamily="34" charset="0"/>
+              </a:rPr>
+              <a:t>Monks Results</a:t>
+            </a:r>
+            <a:endParaRPr lang="en-US" b="1" dirty="0">
+              <a:latin typeface="Arial" panose="020B0604020202020204" pitchFamily="34" charset="0"/>
+              <a:cs typeface="Arial" panose="020B0604020202020204" pitchFamily="34" charset="0"/>
+            </a:endParaRPr>
           </a:p>
         </p:txBody>
       </p:sp>
@@ -6457,6 +7376,10 @@
           </p:nvPr>
         </p:nvSpPr>
         <p:spPr bwMode="auto">
+          <a:xfrm>
+            <a:off x="838200" y="3678128"/>
+            <a:ext cx="2171300" cy="646331"/>
+          </a:xfrm>
           <a:prstGeom prst="rect">
             <a:avLst/>
           </a:prstGeom>
@@ -6520,7 +7443,7 @@
               <a:tabLst/>
             </a:pPr>
             <a:r>
-              <a:rPr kumimoji="0" lang="en-US" altLang="en-US" sz="1800" b="1" i="0" u="none" strike="noStrike" cap="none" normalizeH="0" baseline="0">
+              <a:rPr kumimoji="0" lang="en-US" altLang="en-US" sz="1800" b="1" i="0" u="none" strike="noStrike" cap="none" normalizeH="0" baseline="0" dirty="0">
                 <a:ln>
                   <a:noFill/>
                 </a:ln>
@@ -6530,9 +7453,9 @@
                 <a:effectLst/>
                 <a:latin typeface="Arial" panose="020B0604020202020204" pitchFamily="34" charset="0"/>
               </a:rPr>
-              <a:t>Performance Metrics:</a:t>
-            </a:r>
-            <a:endParaRPr kumimoji="0" lang="en-US" altLang="en-US" sz="1800" b="0" i="0" u="none" strike="noStrike" cap="none" normalizeH="0" baseline="0">
+              <a:t>Table will be here</a:t>
+            </a:r>
+            <a:endParaRPr kumimoji="0" lang="en-US" altLang="en-US" sz="1800" b="0" i="0" u="none" strike="noStrike" cap="none" normalizeH="0" baseline="0" dirty="0">
               <a:ln>
                 <a:noFill/>
               </a:ln>
@@ -6557,85 +7480,10 @@
               <a:buClrTx/>
               <a:buSzTx/>
               <a:buFontTx/>
-              <a:buChar char="•"/>
+              <a:buNone/>
               <a:tabLst/>
             </a:pPr>
-            <a:r>
-              <a:rPr kumimoji="0" lang="en-US" altLang="en-US" sz="1800" b="0" i="0" u="none" strike="noStrike" cap="none" normalizeH="0" baseline="0">
-                <a:ln>
-                  <a:noFill/>
-                </a:ln>
-                <a:solidFill>
-                  <a:schemeClr val="tx1"/>
-                </a:solidFill>
-                <a:effectLst/>
-                <a:latin typeface="Arial" panose="020B0604020202020204" pitchFamily="34" charset="0"/>
-              </a:rPr>
-              <a:t>Training and validation accuracy plots.</a:t>
-            </a:r>
-          </a:p>
-          <a:p>
-            <a:pPr marL="0" marR="0" lvl="0" indent="0" algn="l" defTabSz="914400" rtl="0" eaLnBrk="0" fontAlgn="base" latinLnBrk="0" hangingPunct="0">
-              <a:lnSpc>
-                <a:spcPct val="100000"/>
-              </a:lnSpc>
-              <a:spcBef>
-                <a:spcPct val="0"/>
-              </a:spcBef>
-              <a:spcAft>
-                <a:spcPct val="0"/>
-              </a:spcAft>
-              <a:buClrTx/>
-              <a:buSzTx/>
-              <a:buFontTx/>
-              <a:buChar char="•"/>
-              <a:tabLst/>
-            </a:pPr>
-            <a:r>
-              <a:rPr kumimoji="0" lang="en-US" altLang="en-US" sz="1800" b="0" i="0" u="none" strike="noStrike" cap="none" normalizeH="0" baseline="0">
-                <a:ln>
-                  <a:noFill/>
-                </a:ln>
-                <a:solidFill>
-                  <a:schemeClr val="tx1"/>
-                </a:solidFill>
-                <a:effectLst/>
-                <a:latin typeface="Arial" panose="020B0604020202020204" pitchFamily="34" charset="0"/>
-              </a:rPr>
-              <a:t>Mean Squared Error (MSE) plots for all MONK datasets.</a:t>
-            </a:r>
-          </a:p>
-          <a:p>
-            <a:pPr marL="0" marR="0" lvl="0" indent="0" algn="l" defTabSz="914400" rtl="0" eaLnBrk="0" fontAlgn="base" latinLnBrk="0" hangingPunct="0">
-              <a:lnSpc>
-                <a:spcPct val="100000"/>
-              </a:lnSpc>
-              <a:spcBef>
-                <a:spcPct val="0"/>
-              </a:spcBef>
-              <a:spcAft>
-                <a:spcPct val="0"/>
-              </a:spcAft>
-              <a:buClrTx/>
-              <a:buSzTx/>
-              <a:buFontTx/>
-              <a:buChar char="•"/>
-              <a:tabLst/>
-            </a:pPr>
-            <a:r>
-              <a:rPr kumimoji="0" lang="en-US" altLang="en-US" sz="1800" b="1" i="0" u="none" strike="noStrike" cap="none" normalizeH="0" baseline="0">
-                <a:ln>
-                  <a:noFill/>
-                </a:ln>
-                <a:solidFill>
-                  <a:schemeClr val="tx1"/>
-                </a:solidFill>
-                <a:effectLst/>
-                <a:latin typeface="Arial" panose="020B0604020202020204" pitchFamily="34" charset="0"/>
-              </a:rPr>
-              <a:t>Hyperparameters Used:</a:t>
-            </a:r>
-            <a:endParaRPr kumimoji="0" lang="en-US" altLang="en-US" sz="1800" b="0" i="0" u="none" strike="noStrike" cap="none" normalizeH="0" baseline="0">
+            <a:endParaRPr kumimoji="0" lang="en-US" altLang="en-US" sz="1800" b="0" i="0" u="none" strike="noStrike" cap="none" normalizeH="0" baseline="0" dirty="0">
               <a:ln>
                 <a:noFill/>
               </a:ln>
@@ -6646,485 +7494,12 @@
               <a:latin typeface="Arial" panose="020B0604020202020204" pitchFamily="34" charset="0"/>
             </a:endParaRPr>
           </a:p>
-          <a:p>
-            <a:pPr marL="0" marR="0" lvl="0" indent="0" algn="l" defTabSz="914400" rtl="0" eaLnBrk="0" fontAlgn="base" latinLnBrk="0" hangingPunct="0">
-              <a:lnSpc>
-                <a:spcPct val="100000"/>
-              </a:lnSpc>
-              <a:spcBef>
-                <a:spcPct val="0"/>
-              </a:spcBef>
-              <a:spcAft>
-                <a:spcPct val="0"/>
-              </a:spcAft>
-              <a:buClrTx/>
-              <a:buSzTx/>
-              <a:buFontTx/>
-              <a:buChar char="•"/>
-              <a:tabLst/>
-            </a:pPr>
-            <a:r>
-              <a:rPr kumimoji="0" lang="en-US" altLang="en-US" sz="1800" b="0" i="0" u="none" strike="noStrike" cap="none" normalizeH="0" baseline="0">
-                <a:ln>
-                  <a:noFill/>
-                </a:ln>
-                <a:solidFill>
-                  <a:schemeClr val="tx1"/>
-                </a:solidFill>
-                <a:effectLst/>
-                <a:latin typeface="Arial" panose="020B0604020202020204" pitchFamily="34" charset="0"/>
-              </a:rPr>
-              <a:t>Hidden layers: (17,8,1), (17,16,8,1).</a:t>
-            </a:r>
-          </a:p>
-          <a:p>
-            <a:pPr marL="0" marR="0" lvl="0" indent="0" algn="l" defTabSz="914400" rtl="0" eaLnBrk="0" fontAlgn="base" latinLnBrk="0" hangingPunct="0">
-              <a:lnSpc>
-                <a:spcPct val="100000"/>
-              </a:lnSpc>
-              <a:spcBef>
-                <a:spcPct val="0"/>
-              </a:spcBef>
-              <a:spcAft>
-                <a:spcPct val="0"/>
-              </a:spcAft>
-              <a:buClrTx/>
-              <a:buSzTx/>
-              <a:buFontTx/>
-              <a:buChar char="•"/>
-              <a:tabLst/>
-            </a:pPr>
-            <a:r>
-              <a:rPr kumimoji="0" lang="en-US" altLang="en-US" sz="1800" b="0" i="0" u="none" strike="noStrike" cap="none" normalizeH="0" baseline="0">
-                <a:ln>
-                  <a:noFill/>
-                </a:ln>
-                <a:solidFill>
-                  <a:schemeClr val="tx1"/>
-                </a:solidFill>
-                <a:effectLst/>
-                <a:latin typeface="Arial" panose="020B0604020202020204" pitchFamily="34" charset="0"/>
-              </a:rPr>
-              <a:t>Activation functions: ReLU, Sigmoid, Tanh.</a:t>
-            </a:r>
-          </a:p>
-          <a:p>
-            <a:pPr marL="0" marR="0" lvl="0" indent="0" algn="l" defTabSz="914400" rtl="0" eaLnBrk="0" fontAlgn="base" latinLnBrk="0" hangingPunct="0">
-              <a:lnSpc>
-                <a:spcPct val="100000"/>
-              </a:lnSpc>
-              <a:spcBef>
-                <a:spcPct val="0"/>
-              </a:spcBef>
-              <a:spcAft>
-                <a:spcPct val="0"/>
-              </a:spcAft>
-              <a:buClrTx/>
-              <a:buSzTx/>
-              <a:buFontTx/>
-              <a:buChar char="•"/>
-              <a:tabLst/>
-            </a:pPr>
-            <a:r>
-              <a:rPr kumimoji="0" lang="en-US" altLang="en-US" sz="1800" b="0" i="0" u="none" strike="noStrike" cap="none" normalizeH="0" baseline="0">
-                <a:ln>
-                  <a:noFill/>
-                </a:ln>
-                <a:solidFill>
-                  <a:schemeClr val="tx1"/>
-                </a:solidFill>
-                <a:effectLst/>
-                <a:latin typeface="Arial" panose="020B0604020202020204" pitchFamily="34" charset="0"/>
-              </a:rPr>
-              <a:t>Learning rates: 0.001, 0.01.</a:t>
-            </a:r>
-          </a:p>
-          <a:p>
-            <a:pPr marL="0" marR="0" lvl="0" indent="0" algn="l" defTabSz="914400" rtl="0" eaLnBrk="0" fontAlgn="base" latinLnBrk="0" hangingPunct="0">
-              <a:lnSpc>
-                <a:spcPct val="100000"/>
-              </a:lnSpc>
-              <a:spcBef>
-                <a:spcPct val="0"/>
-              </a:spcBef>
-              <a:spcAft>
-                <a:spcPct val="0"/>
-              </a:spcAft>
-              <a:buClrTx/>
-              <a:buSzTx/>
-              <a:buFontTx/>
-              <a:buChar char="•"/>
-              <a:tabLst/>
-            </a:pPr>
-            <a:r>
-              <a:rPr kumimoji="0" lang="en-US" altLang="en-US" sz="1800" b="0" i="0" u="none" strike="noStrike" cap="none" normalizeH="0" baseline="0">
-                <a:ln>
-                  <a:noFill/>
-                </a:ln>
-                <a:solidFill>
-                  <a:schemeClr val="tx1"/>
-                </a:solidFill>
-                <a:effectLst/>
-                <a:latin typeface="Arial" panose="020B0604020202020204" pitchFamily="34" charset="0"/>
-              </a:rPr>
-              <a:t>Optimizer: SGD.</a:t>
-            </a:r>
-          </a:p>
-          <a:p>
-            <a:pPr marL="0" marR="0" lvl="0" indent="0" algn="l" defTabSz="914400" rtl="0" eaLnBrk="0" fontAlgn="base" latinLnBrk="0" hangingPunct="0">
-              <a:lnSpc>
-                <a:spcPct val="100000"/>
-              </a:lnSpc>
-              <a:spcBef>
-                <a:spcPct val="0"/>
-              </a:spcBef>
-              <a:spcAft>
-                <a:spcPct val="0"/>
-              </a:spcAft>
-              <a:buClrTx/>
-              <a:buSzTx/>
-              <a:buFontTx/>
-              <a:buNone/>
-              <a:tabLst/>
-            </a:pPr>
-            <a:endParaRPr kumimoji="0" lang="en-US" altLang="en-US" sz="1800" b="0" i="0" u="none" strike="noStrike" cap="none" normalizeH="0" baseline="0">
-              <a:ln>
-                <a:noFill/>
-              </a:ln>
-              <a:solidFill>
-                <a:schemeClr val="tx1"/>
-              </a:solidFill>
-              <a:effectLst/>
-              <a:latin typeface="Arial" panose="020B0604020202020204" pitchFamily="34" charset="0"/>
-            </a:endParaRPr>
-          </a:p>
         </p:txBody>
       </p:sp>
     </p:spTree>
     <p:extLst>
       <p:ext uri="{BB962C8B-B14F-4D97-AF65-F5344CB8AC3E}">
         <p14:creationId xmlns:p14="http://schemas.microsoft.com/office/powerpoint/2010/main" val="664866850"/>
-      </p:ext>
-    </p:extLst>
-  </p:cSld>
-  <p:clrMapOvr>
-    <a:masterClrMapping/>
-  </p:clrMapOvr>
-</p:sld>
-</file>
-
-<file path=ppt/slides/slide6.xml><?xml version="1.0" encoding="utf-8"?>
-<p:sld xmlns:a="http://schemas.openxmlformats.org/drawingml/2006/main" xmlns:r="http://schemas.openxmlformats.org/officeDocument/2006/relationships" xmlns:p="http://schemas.openxmlformats.org/presentationml/2006/main">
-  <p:cSld>
-    <p:spTree>
-      <p:nvGrpSpPr>
-        <p:cNvPr id="1" name=""/>
-        <p:cNvGrpSpPr/>
-        <p:nvPr/>
-      </p:nvGrpSpPr>
-      <p:grpSpPr>
-        <a:xfrm>
-          <a:off x="0" y="0"/>
-          <a:ext cx="0" cy="0"/>
-          <a:chOff x="0" y="0"/>
-          <a:chExt cx="0" cy="0"/>
-        </a:xfrm>
-      </p:grpSpPr>
-      <p:sp>
-        <p:nvSpPr>
-          <p:cNvPr id="2" name="Title 1">
-            <a:extLst>
-              <a:ext uri="{FF2B5EF4-FFF2-40B4-BE49-F238E27FC236}">
-                <a16:creationId xmlns:a16="http://schemas.microsoft.com/office/drawing/2014/main" id="{28F9D64B-A83F-4A67-86C5-332130309B6A}"/>
-              </a:ext>
-            </a:extLst>
-          </p:cNvPr>
-          <p:cNvSpPr>
-            <a:spLocks noGrp="1"/>
-          </p:cNvSpPr>
-          <p:nvPr>
-            <p:ph type="title"/>
-          </p:nvPr>
-        </p:nvSpPr>
-        <p:spPr/>
-        <p:txBody>
-          <a:bodyPr/>
-          <a:lstStyle/>
-          <a:p>
-            <a:r>
-              <a:rPr lang="it" dirty="0"/>
-              <a:t>Monk Results 2</a:t>
-            </a:r>
-            <a:endParaRPr lang="en-US" dirty="0"/>
-          </a:p>
-        </p:txBody>
-      </p:sp>
-      <p:sp>
-        <p:nvSpPr>
-          <p:cNvPr id="3" name="Content Placeholder 2">
-            <a:extLst>
-              <a:ext uri="{FF2B5EF4-FFF2-40B4-BE49-F238E27FC236}">
-                <a16:creationId xmlns:a16="http://schemas.microsoft.com/office/drawing/2014/main" id="{5531BDD6-E9F5-4C9D-8621-B222C3EBAAA8}"/>
-              </a:ext>
-            </a:extLst>
-          </p:cNvPr>
-          <p:cNvSpPr>
-            <a:spLocks noGrp="1"/>
-          </p:cNvSpPr>
-          <p:nvPr>
-            <p:ph idx="1"/>
-          </p:nvPr>
-        </p:nvSpPr>
-        <p:spPr/>
-        <p:txBody>
-          <a:bodyPr/>
-          <a:lstStyle/>
-          <a:p>
-            <a:endParaRPr lang="en-US"/>
-          </a:p>
-        </p:txBody>
-      </p:sp>
-    </p:spTree>
-    <p:extLst>
-      <p:ext uri="{BB962C8B-B14F-4D97-AF65-F5344CB8AC3E}">
-        <p14:creationId xmlns:p14="http://schemas.microsoft.com/office/powerpoint/2010/main" val="290555671"/>
-      </p:ext>
-    </p:extLst>
-  </p:cSld>
-  <p:clrMapOvr>
-    <a:masterClrMapping/>
-  </p:clrMapOvr>
-</p:sld>
-</file>
-
-<file path=ppt/slides/slide7.xml><?xml version="1.0" encoding="utf-8"?>
-<p:sld xmlns:a="http://schemas.openxmlformats.org/drawingml/2006/main" xmlns:r="http://schemas.openxmlformats.org/officeDocument/2006/relationships" xmlns:p="http://schemas.openxmlformats.org/presentationml/2006/main">
-  <p:cSld>
-    <p:spTree>
-      <p:nvGrpSpPr>
-        <p:cNvPr id="1" name=""/>
-        <p:cNvGrpSpPr/>
-        <p:nvPr/>
-      </p:nvGrpSpPr>
-      <p:grpSpPr>
-        <a:xfrm>
-          <a:off x="0" y="0"/>
-          <a:ext cx="0" cy="0"/>
-          <a:chOff x="0" y="0"/>
-          <a:chExt cx="0" cy="0"/>
-        </a:xfrm>
-      </p:grpSpPr>
-      <p:sp>
-        <p:nvSpPr>
-          <p:cNvPr id="2" name="Title 1">
-            <a:extLst>
-              <a:ext uri="{FF2B5EF4-FFF2-40B4-BE49-F238E27FC236}">
-                <a16:creationId xmlns:a16="http://schemas.microsoft.com/office/drawing/2014/main" id="{7DE539CD-26FB-427E-9B24-6A923ABFDB15}"/>
-              </a:ext>
-            </a:extLst>
-          </p:cNvPr>
-          <p:cNvSpPr>
-            <a:spLocks noGrp="1"/>
-          </p:cNvSpPr>
-          <p:nvPr>
-            <p:ph type="title"/>
-          </p:nvPr>
-        </p:nvSpPr>
-        <p:spPr/>
-        <p:txBody>
-          <a:bodyPr/>
-          <a:lstStyle/>
-          <a:p>
-            <a:r>
-              <a:rPr lang="it" dirty="0"/>
-              <a:t>Monk Results 3</a:t>
-            </a:r>
-            <a:endParaRPr lang="en-US" dirty="0"/>
-          </a:p>
-        </p:txBody>
-      </p:sp>
-      <p:sp>
-        <p:nvSpPr>
-          <p:cNvPr id="3" name="Content Placeholder 2">
-            <a:extLst>
-              <a:ext uri="{FF2B5EF4-FFF2-40B4-BE49-F238E27FC236}">
-                <a16:creationId xmlns:a16="http://schemas.microsoft.com/office/drawing/2014/main" id="{0D1228A2-12E4-4BE5-85E5-8A345D98E08A}"/>
-              </a:ext>
-            </a:extLst>
-          </p:cNvPr>
-          <p:cNvSpPr>
-            <a:spLocks noGrp="1"/>
-          </p:cNvSpPr>
-          <p:nvPr>
-            <p:ph idx="1"/>
-          </p:nvPr>
-        </p:nvSpPr>
-        <p:spPr/>
-        <p:txBody>
-          <a:bodyPr/>
-          <a:lstStyle/>
-          <a:p>
-            <a:endParaRPr lang="en-US"/>
-          </a:p>
-        </p:txBody>
-      </p:sp>
-    </p:spTree>
-    <p:extLst>
-      <p:ext uri="{BB962C8B-B14F-4D97-AF65-F5344CB8AC3E}">
-        <p14:creationId xmlns:p14="http://schemas.microsoft.com/office/powerpoint/2010/main" val="4278377027"/>
-      </p:ext>
-    </p:extLst>
-  </p:cSld>
-  <p:clrMapOvr>
-    <a:masterClrMapping/>
-  </p:clrMapOvr>
-</p:sld>
-</file>
-
-<file path=ppt/slides/slide8.xml><?xml version="1.0" encoding="utf-8"?>
-<p:sld xmlns:a="http://schemas.openxmlformats.org/drawingml/2006/main" xmlns:r="http://schemas.openxmlformats.org/officeDocument/2006/relationships" xmlns:p="http://schemas.openxmlformats.org/presentationml/2006/main">
-  <p:cSld>
-    <p:spTree>
-      <p:nvGrpSpPr>
-        <p:cNvPr id="1" name=""/>
-        <p:cNvGrpSpPr/>
-        <p:nvPr/>
-      </p:nvGrpSpPr>
-      <p:grpSpPr>
-        <a:xfrm>
-          <a:off x="0" y="0"/>
-          <a:ext cx="0" cy="0"/>
-          <a:chOff x="0" y="0"/>
-          <a:chExt cx="0" cy="0"/>
-        </a:xfrm>
-      </p:grpSpPr>
-      <p:sp>
-        <p:nvSpPr>
-          <p:cNvPr id="2" name="Title 1">
-            <a:extLst>
-              <a:ext uri="{FF2B5EF4-FFF2-40B4-BE49-F238E27FC236}">
-                <a16:creationId xmlns:a16="http://schemas.microsoft.com/office/drawing/2014/main" id="{969D6DDD-2344-449C-8AE7-B240C97401F3}"/>
-              </a:ext>
-            </a:extLst>
-          </p:cNvPr>
-          <p:cNvSpPr>
-            <a:spLocks noGrp="1"/>
-          </p:cNvSpPr>
-          <p:nvPr>
-            <p:ph type="title"/>
-          </p:nvPr>
-        </p:nvSpPr>
-        <p:spPr/>
-        <p:txBody>
-          <a:bodyPr/>
-          <a:lstStyle/>
-          <a:p>
-            <a:r>
-              <a:rPr lang="it" dirty="0"/>
-              <a:t>CUP Validation schema: data splitting</a:t>
-            </a:r>
-            <a:endParaRPr lang="en-US" dirty="0"/>
-          </a:p>
-        </p:txBody>
-      </p:sp>
-      <p:sp>
-        <p:nvSpPr>
-          <p:cNvPr id="3" name="Content Placeholder 2">
-            <a:extLst>
-              <a:ext uri="{FF2B5EF4-FFF2-40B4-BE49-F238E27FC236}">
-                <a16:creationId xmlns:a16="http://schemas.microsoft.com/office/drawing/2014/main" id="{E5F37D38-E0E4-4EB4-83D9-020E413906C5}"/>
-              </a:ext>
-            </a:extLst>
-          </p:cNvPr>
-          <p:cNvSpPr>
-            <a:spLocks noGrp="1"/>
-          </p:cNvSpPr>
-          <p:nvPr>
-            <p:ph idx="1"/>
-          </p:nvPr>
-        </p:nvSpPr>
-        <p:spPr/>
-        <p:txBody>
-          <a:bodyPr/>
-          <a:lstStyle/>
-          <a:p>
-            <a:pPr>
-              <a:buFont typeface="Arial" panose="020B0604020202020204" pitchFamily="34" charset="0"/>
-              <a:buChar char="•"/>
-            </a:pPr>
-            <a:r>
-              <a:rPr lang="en-US" b="1" dirty="0"/>
-              <a:t>Data Splitting Approach:</a:t>
-            </a:r>
-            <a:endParaRPr lang="en-US" dirty="0"/>
-          </a:p>
-          <a:p>
-            <a:pPr marL="742950" lvl="1" indent="-285750">
-              <a:buFont typeface="Arial" panose="020B0604020202020204" pitchFamily="34" charset="0"/>
-              <a:buChar char="•"/>
-            </a:pPr>
-            <a:r>
-              <a:rPr lang="en-US" dirty="0"/>
-              <a:t>90% training and 10% internal test.</a:t>
-            </a:r>
-          </a:p>
-          <a:p>
-            <a:pPr marL="742950" lvl="1" indent="-285750">
-              <a:buFont typeface="Arial" panose="020B0604020202020204" pitchFamily="34" charset="0"/>
-              <a:buChar char="•"/>
-            </a:pPr>
-            <a:r>
-              <a:rPr lang="en-US" dirty="0"/>
-              <a:t>5-fold cross-validation applied.</a:t>
-            </a:r>
-          </a:p>
-          <a:p>
-            <a:pPr>
-              <a:buFont typeface="Arial" panose="020B0604020202020204" pitchFamily="34" charset="0"/>
-              <a:buChar char="•"/>
-            </a:pPr>
-            <a:r>
-              <a:rPr lang="en-US" b="1" dirty="0"/>
-              <a:t>Validation Schema:</a:t>
-            </a:r>
-            <a:endParaRPr lang="en-US" dirty="0"/>
-          </a:p>
-          <a:p>
-            <a:pPr marL="742950" lvl="1" indent="-285750">
-              <a:buFont typeface="Arial" panose="020B0604020202020204" pitchFamily="34" charset="0"/>
-              <a:buChar char="•"/>
-            </a:pPr>
-            <a:r>
-              <a:rPr lang="en-US" dirty="0"/>
-              <a:t>Used k-fold cross-validation for model selection.</a:t>
-            </a:r>
-          </a:p>
-          <a:p>
-            <a:pPr marL="742950" lvl="1" indent="-285750">
-              <a:buFont typeface="Arial" panose="020B0604020202020204" pitchFamily="34" charset="0"/>
-              <a:buChar char="•"/>
-            </a:pPr>
-            <a:r>
-              <a:rPr lang="en-US" dirty="0"/>
-              <a:t>Retraining of final model on full dataset before blind test.</a:t>
-            </a:r>
-          </a:p>
-          <a:p>
-            <a:r>
-              <a:rPr lang="en-US" i="1" dirty="0"/>
-              <a:t>(Insert graphical representation of validation schema.)</a:t>
-            </a:r>
-            <a:endParaRPr lang="en-US" dirty="0"/>
-          </a:p>
-          <a:p>
-            <a:endParaRPr lang="en-US" dirty="0"/>
-          </a:p>
-        </p:txBody>
-      </p:sp>
-    </p:spTree>
-    <p:extLst>
-      <p:ext uri="{BB962C8B-B14F-4D97-AF65-F5344CB8AC3E}">
-        <p14:creationId xmlns:p14="http://schemas.microsoft.com/office/powerpoint/2010/main" val="2488868007"/>
       </p:ext>
     </p:extLst>
   </p:cSld>
@@ -7156,7 +7531,7 @@
           <p:cNvPr id="2" name="Title 1">
             <a:extLst>
               <a:ext uri="{FF2B5EF4-FFF2-40B4-BE49-F238E27FC236}">
-                <a16:creationId xmlns:a16="http://schemas.microsoft.com/office/drawing/2014/main" id="{C0507E87-96B1-4133-8E87-68E48F7D5E19}"/>
+                <a16:creationId xmlns:a16="http://schemas.microsoft.com/office/drawing/2014/main" id="{28F9D64B-A83F-4A67-86C5-332130309B6A}"/>
               </a:ext>
             </a:extLst>
           </p:cNvPr>
@@ -7173,124 +7548,58 @@
           <a:lstStyle/>
           <a:p>
             <a:r>
-              <a:rPr lang="it" dirty="0"/>
-              <a:t>CUP Validation schema: model selection</a:t>
-            </a:r>
-            <a:endParaRPr lang="en-US" dirty="0"/>
-          </a:p>
-        </p:txBody>
-      </p:sp>
-      <p:sp>
-        <p:nvSpPr>
-          <p:cNvPr id="3" name="Content Placeholder 2">
-            <a:extLst>
-              <a:ext uri="{FF2B5EF4-FFF2-40B4-BE49-F238E27FC236}">
-                <a16:creationId xmlns:a16="http://schemas.microsoft.com/office/drawing/2014/main" id="{72810CEA-E8FD-4A96-A4DE-ED308F601208}"/>
-              </a:ext>
-            </a:extLst>
-          </p:cNvPr>
-          <p:cNvSpPr>
-            <a:spLocks noGrp="1"/>
-          </p:cNvSpPr>
+              <a:rPr lang="it" b="1" dirty="0">
+                <a:latin typeface="Arial" panose="020B0604020202020204" pitchFamily="34" charset="0"/>
+                <a:cs typeface="Arial" panose="020B0604020202020204" pitchFamily="34" charset="0"/>
+              </a:rPr>
+              <a:t>Monks 1</a:t>
+            </a:r>
+            <a:endParaRPr lang="en-US" b="1" dirty="0">
+              <a:latin typeface="Arial" panose="020B0604020202020204" pitchFamily="34" charset="0"/>
+              <a:cs typeface="Arial" panose="020B0604020202020204" pitchFamily="34" charset="0"/>
+            </a:endParaRPr>
+          </a:p>
+        </p:txBody>
+      </p:sp>
+      <p:pic>
+        <p:nvPicPr>
+          <p:cNvPr id="8" name="Content Placeholder 7">
+            <a:extLst>
+              <a:ext uri="{FF2B5EF4-FFF2-40B4-BE49-F238E27FC236}">
+                <a16:creationId xmlns:a16="http://schemas.microsoft.com/office/drawing/2014/main" id="{44213596-66AA-406C-9FE1-9402D14DDD48}"/>
+              </a:ext>
+            </a:extLst>
+          </p:cNvPr>
+          <p:cNvPicPr>
+            <a:picLocks noGrp="1" noChangeAspect="1"/>
+          </p:cNvPicPr>
           <p:nvPr>
             <p:ph idx="1"/>
           </p:nvPr>
-        </p:nvSpPr>
-        <p:spPr/>
-        <p:txBody>
-          <a:bodyPr/>
-          <a:lstStyle/>
-          <a:p>
-            <a:pPr>
-              <a:buFont typeface="Arial" panose="020B0604020202020204" pitchFamily="34" charset="0"/>
-              <a:buChar char="•"/>
-            </a:pPr>
-            <a:r>
-              <a:rPr lang="en-US" b="1" dirty="0"/>
-              <a:t>Hyperparameter Exploration:</a:t>
-            </a:r>
-            <a:endParaRPr lang="en-US" dirty="0"/>
-          </a:p>
-          <a:p>
-            <a:pPr marL="742950" lvl="1" indent="-285750">
-              <a:buFont typeface="Arial" panose="020B0604020202020204" pitchFamily="34" charset="0"/>
-              <a:buChar char="•"/>
-            </a:pPr>
-            <a:r>
-              <a:rPr lang="en-US" dirty="0"/>
-              <a:t>Grid search applied with parameter ranges:</a:t>
-            </a:r>
-          </a:p>
-          <a:p>
-            <a:pPr marL="1143000" lvl="2" indent="-228600">
-              <a:buFont typeface="Arial" panose="020B0604020202020204" pitchFamily="34" charset="0"/>
-              <a:buChar char="•"/>
-            </a:pPr>
-            <a:r>
-              <a:rPr lang="en-US" dirty="0"/>
-              <a:t>Learning rates: [0.0001, 0.001]</a:t>
-            </a:r>
-          </a:p>
-          <a:p>
-            <a:pPr marL="1143000" lvl="2" indent="-228600">
-              <a:buFont typeface="Arial" panose="020B0604020202020204" pitchFamily="34" charset="0"/>
-              <a:buChar char="•"/>
-            </a:pPr>
-            <a:r>
-              <a:rPr lang="en-US" dirty="0"/>
-              <a:t>Batch sizes: [8, 16]</a:t>
-            </a:r>
-          </a:p>
-          <a:p>
-            <a:pPr marL="1143000" lvl="2" indent="-228600">
-              <a:buFont typeface="Arial" panose="020B0604020202020204" pitchFamily="34" charset="0"/>
-              <a:buChar char="•"/>
-            </a:pPr>
-            <a:r>
-              <a:rPr lang="en-US" dirty="0"/>
-              <a:t>Momentum: [0.2, 0.8]</a:t>
-            </a:r>
-          </a:p>
-          <a:p>
-            <a:pPr>
-              <a:buFont typeface="Arial" panose="020B0604020202020204" pitchFamily="34" charset="0"/>
-              <a:buChar char="•"/>
-            </a:pPr>
-            <a:r>
-              <a:rPr lang="en-US" b="1" dirty="0"/>
-              <a:t>Final Model Selection:</a:t>
-            </a:r>
-            <a:endParaRPr lang="en-US" dirty="0"/>
-          </a:p>
-          <a:p>
-            <a:pPr marL="742950" lvl="1" indent="-285750">
-              <a:buFont typeface="Arial" panose="020B0604020202020204" pitchFamily="34" charset="0"/>
-              <a:buChar char="•"/>
-            </a:pPr>
-            <a:r>
-              <a:rPr lang="en-US" dirty="0"/>
-              <a:t>Chosen based on lowest validation loss and error (MEE).</a:t>
-            </a:r>
-          </a:p>
-          <a:p>
-            <a:pPr marL="742950" lvl="1" indent="-285750">
-              <a:buFont typeface="Arial" panose="020B0604020202020204" pitchFamily="34" charset="0"/>
-              <a:buChar char="•"/>
-            </a:pPr>
-            <a:r>
-              <a:rPr lang="en-US" dirty="0"/>
-              <a:t>Comparison of different architectures.</a:t>
-            </a:r>
-          </a:p>
-          <a:p>
-            <a:endParaRPr lang="en-US" dirty="0"/>
-          </a:p>
-        </p:txBody>
-      </p:sp>
+        </p:nvPicPr>
+        <p:blipFill>
+          <a:blip r:embed="rId2">
+            <a:extLst>
+              <a:ext uri="{28A0092B-C50C-407E-A947-70E740481C1C}">
+                <a14:useLocalDpi xmlns:a14="http://schemas.microsoft.com/office/drawing/2010/main" val="0"/>
+              </a:ext>
+            </a:extLst>
+          </a:blip>
+          <a:stretch>
+            <a:fillRect/>
+          </a:stretch>
+        </p:blipFill>
+        <p:spPr>
+          <a:xfrm>
+            <a:off x="133042" y="1557054"/>
+            <a:ext cx="11741631" cy="4619909"/>
+          </a:xfrm>
+        </p:spPr>
+      </p:pic>
     </p:spTree>
     <p:extLst>
       <p:ext uri="{BB962C8B-B14F-4D97-AF65-F5344CB8AC3E}">
-        <p14:creationId xmlns:p14="http://schemas.microsoft.com/office/powerpoint/2010/main" val="2416425722"/>
+        <p14:creationId xmlns:p14="http://schemas.microsoft.com/office/powerpoint/2010/main" val="290555671"/>
       </p:ext>
     </p:extLst>
   </p:cSld>

--- a/report_slide.pptx
+++ b/report_slide.pptx
@@ -3864,7 +3864,7 @@
         <p:spPr>
           <a:xfrm>
             <a:off x="272374" y="2965067"/>
-            <a:ext cx="11504026" cy="3058519"/>
+            <a:ext cx="11504026" cy="2696697"/>
           </a:xfrm>
           <a:prstGeom prst="rect">
             <a:avLst/>
@@ -3952,55 +3952,7 @@
                 <a:cs typeface="Times New Roman"/>
                 <a:sym typeface="Times New Roman"/>
               </a:rPr>
-              <a:t>  </a:t>
-            </a:r>
-            <a:r>
-              <a:rPr lang="en-US" dirty="0" err="1">
-                <a:solidFill>
-                  <a:schemeClr val="dk1"/>
-                </a:solidFill>
-                <a:latin typeface="Times New Roman"/>
-                <a:ea typeface="Times New Roman"/>
-                <a:cs typeface="Times New Roman"/>
-                <a:sym typeface="Times New Roman"/>
-              </a:rPr>
-              <a:t>Seid</a:t>
-            </a:r>
-            <a:r>
-              <a:rPr lang="en-US" dirty="0">
-                <a:solidFill>
-                  <a:schemeClr val="dk1"/>
-                </a:solidFill>
-                <a:latin typeface="Times New Roman"/>
-                <a:ea typeface="Times New Roman"/>
-                <a:cs typeface="Times New Roman"/>
-                <a:sym typeface="Times New Roman"/>
-              </a:rPr>
-              <a:t> </a:t>
-            </a:r>
-            <a:r>
-              <a:rPr lang="en-US" dirty="0" err="1">
-                <a:solidFill>
-                  <a:schemeClr val="dk1"/>
-                </a:solidFill>
-                <a:latin typeface="Times New Roman"/>
-                <a:ea typeface="Times New Roman"/>
-                <a:cs typeface="Times New Roman"/>
-                <a:sym typeface="Times New Roman"/>
-              </a:rPr>
-              <a:t>Asnakew</a:t>
-            </a:r>
-            <a:r>
-              <a:rPr lang="en-US" dirty="0">
-                <a:solidFill>
-                  <a:schemeClr val="dk1"/>
-                </a:solidFill>
-                <a:latin typeface="Times New Roman"/>
-                <a:ea typeface="Times New Roman"/>
-                <a:cs typeface="Times New Roman"/>
-                <a:sym typeface="Times New Roman"/>
-              </a:rPr>
-              <a:t> / </a:t>
+              <a:t>  Seid Asnakew / </a:t>
             </a:r>
             <a:r>
               <a:rPr lang="en-US" u="sng" dirty="0">
@@ -4140,7 +4092,19 @@
                 <a:cs typeface="Times New Roman"/>
                 <a:sym typeface="Times New Roman"/>
               </a:rPr>
-              <a:t>Date:-</a:t>
+              <a:t>Date:- </a:t>
+            </a:r>
+            <a:r>
+              <a:rPr lang="en-US" dirty="0">
+                <a:solidFill>
+                  <a:schemeClr val="dk1"/>
+                </a:solidFill>
+                <a:latin typeface="Times New Roman"/>
+                <a:ea typeface="Times New Roman"/>
+                <a:cs typeface="Times New Roman"/>
+                <a:sym typeface="Times New Roman"/>
+              </a:rPr>
+              <a:t>28/01/2025</a:t>
             </a:r>
           </a:p>
           <a:p>
@@ -4251,17 +4215,19 @@
         </p:nvSpPr>
         <p:spPr/>
         <p:txBody>
-          <a:bodyPr/>
-          <a:lstStyle/>
-          <a:p>
-            <a:r>
-              <a:rPr lang="it" b="1" dirty="0">
+          <a:bodyPr>
+            <a:normAutofit/>
+          </a:bodyPr>
+          <a:lstStyle/>
+          <a:p>
+            <a:r>
+              <a:rPr lang="it" sz="3600" b="1" dirty="0">
                 <a:latin typeface="Arial" panose="020B0604020202020204" pitchFamily="34" charset="0"/>
                 <a:cs typeface="Arial" panose="020B0604020202020204" pitchFamily="34" charset="0"/>
               </a:rPr>
               <a:t>Monks 2</a:t>
             </a:r>
-            <a:endParaRPr lang="en-US" b="1" dirty="0">
+            <a:endParaRPr lang="en-US" sz="3600" b="1" dirty="0">
               <a:latin typeface="Arial" panose="020B0604020202020204" pitchFamily="34" charset="0"/>
               <a:cs typeface="Arial" panose="020B0604020202020204" pitchFamily="34" charset="0"/>
             </a:endParaRPr>
@@ -4298,8 +4264,8 @@
         </p:blipFill>
         <p:spPr>
           <a:xfrm>
-            <a:off x="3888" y="1390389"/>
-            <a:ext cx="11349911" cy="4786574"/>
+            <a:off x="510528" y="1350768"/>
+            <a:ext cx="11681472" cy="4926403"/>
           </a:xfrm>
         </p:spPr>
       </p:pic>
@@ -4351,44 +4317,56 @@
         </p:nvSpPr>
         <p:spPr/>
         <p:txBody>
-          <a:bodyPr/>
-          <a:lstStyle/>
-          <a:p>
-            <a:r>
-              <a:rPr lang="en-US" b="1" dirty="0">
+          <a:bodyPr>
+            <a:normAutofit/>
+          </a:bodyPr>
+          <a:lstStyle/>
+          <a:p>
+            <a:r>
+              <a:rPr lang="en-US" sz="3600" b="1" dirty="0">
                 <a:latin typeface="Arial" panose="020B0604020202020204" pitchFamily="34" charset="0"/>
                 <a:cs typeface="Arial" panose="020B0604020202020204" pitchFamily="34" charset="0"/>
               </a:rPr>
-              <a:t>Monks-3</a:t>
-            </a:r>
-          </a:p>
-        </p:txBody>
-      </p:sp>
-      <p:sp>
-        <p:nvSpPr>
-          <p:cNvPr id="3" name="Content Placeholder 2">
-            <a:extLst>
-              <a:ext uri="{FF2B5EF4-FFF2-40B4-BE49-F238E27FC236}">
-                <a16:creationId xmlns:a16="http://schemas.microsoft.com/office/drawing/2014/main" id="{D53863FC-A58F-4845-A6CD-C0792DC8C1EA}"/>
-              </a:ext>
-            </a:extLst>
-          </p:cNvPr>
-          <p:cNvSpPr>
-            <a:spLocks noGrp="1"/>
-          </p:cNvSpPr>
+              <a:t>Monks-3 (without regularization)</a:t>
+            </a:r>
+          </a:p>
+        </p:txBody>
+      </p:sp>
+      <p:pic>
+        <p:nvPicPr>
+          <p:cNvPr id="5" name="Content Placeholder 4">
+            <a:extLst>
+              <a:ext uri="{FF2B5EF4-FFF2-40B4-BE49-F238E27FC236}">
+                <a16:creationId xmlns:a16="http://schemas.microsoft.com/office/drawing/2014/main" id="{CC0C9CAC-A614-4F08-AE3F-BAC178F2D093}"/>
+              </a:ext>
+            </a:extLst>
+          </p:cNvPr>
+          <p:cNvPicPr>
+            <a:picLocks noGrp="1" noChangeAspect="1"/>
+          </p:cNvPicPr>
           <p:nvPr>
             <p:ph idx="1"/>
           </p:nvPr>
-        </p:nvSpPr>
-        <p:spPr/>
-        <p:txBody>
-          <a:bodyPr/>
-          <a:lstStyle/>
-          <a:p>
-            <a:endParaRPr lang="en-US" dirty="0"/>
-          </a:p>
-        </p:txBody>
-      </p:sp>
+        </p:nvPicPr>
+        <p:blipFill>
+          <a:blip r:embed="rId2">
+            <a:extLst>
+              <a:ext uri="{28A0092B-C50C-407E-A947-70E740481C1C}">
+                <a14:useLocalDpi xmlns:a14="http://schemas.microsoft.com/office/drawing/2010/main" val="0"/>
+              </a:ext>
+            </a:extLst>
+          </a:blip>
+          <a:stretch>
+            <a:fillRect/>
+          </a:stretch>
+        </p:blipFill>
+        <p:spPr>
+          <a:xfrm>
+            <a:off x="838201" y="1747951"/>
+            <a:ext cx="10334360" cy="4429012"/>
+          </a:xfrm>
+        </p:spPr>
+      </p:pic>
     </p:spTree>
     <p:extLst>
       <p:ext uri="{BB962C8B-B14F-4D97-AF65-F5344CB8AC3E}">
@@ -4437,11 +4415,13 @@
         </p:nvSpPr>
         <p:spPr/>
         <p:txBody>
-          <a:bodyPr/>
-          <a:lstStyle/>
-          <a:p>
-            <a:r>
-              <a:rPr lang="en-US" b="1" dirty="0">
+          <a:bodyPr>
+            <a:normAutofit/>
+          </a:bodyPr>
+          <a:lstStyle/>
+          <a:p>
+            <a:r>
+              <a:rPr lang="en-US" sz="3600" b="1" dirty="0">
                 <a:latin typeface="Arial" panose="020B0604020202020204" pitchFamily="34" charset="0"/>
                 <a:cs typeface="Arial" panose="020B0604020202020204" pitchFamily="34" charset="0"/>
               </a:rPr>
@@ -4450,31 +4430,41 @@
           </a:p>
         </p:txBody>
       </p:sp>
-      <p:sp>
-        <p:nvSpPr>
-          <p:cNvPr id="3" name="Content Placeholder 2">
-            <a:extLst>
-              <a:ext uri="{FF2B5EF4-FFF2-40B4-BE49-F238E27FC236}">
-                <a16:creationId xmlns:a16="http://schemas.microsoft.com/office/drawing/2014/main" id="{BECD40AF-6ED3-491D-B1CA-FDDE1F5D70D4}"/>
-              </a:ext>
-            </a:extLst>
-          </p:cNvPr>
-          <p:cNvSpPr>
-            <a:spLocks noGrp="1"/>
-          </p:cNvSpPr>
+      <p:pic>
+        <p:nvPicPr>
+          <p:cNvPr id="5" name="Content Placeholder 4">
+            <a:extLst>
+              <a:ext uri="{FF2B5EF4-FFF2-40B4-BE49-F238E27FC236}">
+                <a16:creationId xmlns:a16="http://schemas.microsoft.com/office/drawing/2014/main" id="{D8539C0F-F424-49F9-8B97-DD332A28899A}"/>
+              </a:ext>
+            </a:extLst>
+          </p:cNvPr>
+          <p:cNvPicPr>
+            <a:picLocks noGrp="1" noChangeAspect="1"/>
+          </p:cNvPicPr>
           <p:nvPr>
             <p:ph idx="1"/>
           </p:nvPr>
-        </p:nvSpPr>
-        <p:spPr/>
-        <p:txBody>
-          <a:bodyPr/>
-          <a:lstStyle/>
-          <a:p>
-            <a:endParaRPr lang="en-US" dirty="0"/>
-          </a:p>
-        </p:txBody>
-      </p:sp>
+        </p:nvPicPr>
+        <p:blipFill>
+          <a:blip r:embed="rId2">
+            <a:extLst>
+              <a:ext uri="{28A0092B-C50C-407E-A947-70E740481C1C}">
+                <a14:useLocalDpi xmlns:a14="http://schemas.microsoft.com/office/drawing/2010/main" val="0"/>
+              </a:ext>
+            </a:extLst>
+          </a:blip>
+          <a:stretch>
+            <a:fillRect/>
+          </a:stretch>
+        </p:blipFill>
+        <p:spPr>
+          <a:xfrm>
+            <a:off x="471527" y="1590805"/>
+            <a:ext cx="10701034" cy="4586158"/>
+          </a:xfrm>
+        </p:spPr>
+      </p:pic>
     </p:spTree>
     <p:extLst>
       <p:ext uri="{BB962C8B-B14F-4D97-AF65-F5344CB8AC3E}">
@@ -4523,17 +4513,19 @@
         </p:nvSpPr>
         <p:spPr/>
         <p:txBody>
-          <a:bodyPr/>
-          <a:lstStyle/>
-          <a:p>
-            <a:r>
-              <a:rPr lang="it" b="1" dirty="0">
+          <a:bodyPr>
+            <a:normAutofit/>
+          </a:bodyPr>
+          <a:lstStyle/>
+          <a:p>
+            <a:r>
+              <a:rPr lang="it" sz="3600" b="1" dirty="0">
                 <a:latin typeface="Arial" panose="020B0604020202020204" pitchFamily="34" charset="0"/>
                 <a:cs typeface="Arial" panose="020B0604020202020204" pitchFamily="34" charset="0"/>
               </a:rPr>
               <a:t>CUP Validation schema: data splitting</a:t>
             </a:r>
-            <a:endParaRPr lang="en-US" b="1" dirty="0">
+            <a:endParaRPr lang="en-US" sz="3600" b="1" dirty="0">
               <a:latin typeface="Arial" panose="020B0604020202020204" pitchFamily="34" charset="0"/>
               <a:cs typeface="Arial" panose="020B0604020202020204" pitchFamily="34" charset="0"/>
             </a:endParaRPr>
@@ -4698,17 +4690,19 @@
         </p:nvSpPr>
         <p:spPr/>
         <p:txBody>
-          <a:bodyPr/>
-          <a:lstStyle/>
-          <a:p>
-            <a:r>
-              <a:rPr lang="it" b="1" dirty="0">
+          <a:bodyPr>
+            <a:normAutofit/>
+          </a:bodyPr>
+          <a:lstStyle/>
+          <a:p>
+            <a:r>
+              <a:rPr lang="it" sz="3600" b="1" dirty="0">
                 <a:latin typeface="Arial" panose="020B0604020202020204" pitchFamily="34" charset="0"/>
                 <a:cs typeface="Arial" panose="020B0604020202020204" pitchFamily="34" charset="0"/>
               </a:rPr>
               <a:t>CUP Validation schema: model selection</a:t>
             </a:r>
-            <a:endParaRPr lang="en-US" b="1" dirty="0">
+            <a:endParaRPr lang="en-US" sz="3600" b="1" dirty="0">
               <a:latin typeface="Arial" panose="020B0604020202020204" pitchFamily="34" charset="0"/>
               <a:cs typeface="Arial" panose="020B0604020202020204" pitchFamily="34" charset="0"/>
             </a:endParaRPr>
@@ -4901,17 +4895,19 @@
         </p:nvSpPr>
         <p:spPr/>
         <p:txBody>
-          <a:bodyPr/>
-          <a:lstStyle/>
-          <a:p>
-            <a:r>
-              <a:rPr lang="it" b="1" dirty="0">
+          <a:bodyPr>
+            <a:normAutofit/>
+          </a:bodyPr>
+          <a:lstStyle/>
+          <a:p>
+            <a:r>
+              <a:rPr lang="it" sz="3600" b="1" dirty="0">
                 <a:latin typeface="Arial" panose="020B0604020202020204" pitchFamily="34" charset="0"/>
                 <a:cs typeface="Arial" panose="020B0604020202020204" pitchFamily="34" charset="0"/>
               </a:rPr>
               <a:t>CUP Results</a:t>
             </a:r>
-            <a:endParaRPr lang="en-US" b="1" dirty="0">
+            <a:endParaRPr lang="en-US" sz="3600" b="1" dirty="0">
               <a:latin typeface="Arial" panose="020B0604020202020204" pitchFamily="34" charset="0"/>
               <a:cs typeface="Arial" panose="020B0604020202020204" pitchFamily="34" charset="0"/>
             </a:endParaRPr>
@@ -6151,7 +6147,7 @@
         </p:spPr>
         <p:txBody>
           <a:bodyPr>
-            <a:normAutofit fontScale="92500" lnSpcReduction="20000"/>
+            <a:normAutofit/>
           </a:bodyPr>
           <a:lstStyle/>
           <a:p>
@@ -6162,23 +6158,12 @@
               <a:buNone/>
             </a:pPr>
             <a:r>
-              <a:rPr lang="en-US" dirty="0"/>
+              <a:rPr lang="en-US" sz="2400" dirty="0"/>
               <a:t> 1. </a:t>
             </a:r>
             <a:r>
-              <a:rPr lang="en-US" b="1" dirty="0"/>
+              <a:rPr lang="en-US" sz="2400" b="1" dirty="0"/>
               <a:t>Model Architecture:</a:t>
-            </a:r>
-          </a:p>
-          <a:p>
-            <a:pPr>
-              <a:lnSpc>
-                <a:spcPct val="150000"/>
-              </a:lnSpc>
-            </a:pPr>
-            <a:r>
-              <a:rPr lang="en-US" dirty="0"/>
-              <a:t>Multi-layer perceptron (MLP) with configurable depth.</a:t>
             </a:r>
           </a:p>
           <a:p>
@@ -6189,11 +6174,11 @@
               <a:buNone/>
             </a:pPr>
             <a:r>
-              <a:rPr lang="en-US" b="1" dirty="0"/>
-              <a:t> MONK</a:t>
-            </a:r>
-            <a:r>
-              <a:rPr lang="en-US" dirty="0"/>
+              <a:rPr lang="en-US" sz="2400" b="1" dirty="0"/>
+              <a:t>  MONK</a:t>
+            </a:r>
+            <a:r>
+              <a:rPr lang="en-US" sz="2400" dirty="0"/>
               <a:t>: Architectures range from shallow networks like (17, 8, 1) to deeper networks like (17, 16, 8, 1).</a:t>
             </a:r>
           </a:p>
@@ -6205,11 +6190,11 @@
               <a:buNone/>
             </a:pPr>
             <a:r>
-              <a:rPr lang="en-US" b="1" dirty="0"/>
-              <a:t> CUP</a:t>
-            </a:r>
-            <a:r>
-              <a:rPr lang="en-US" dirty="0"/>
+              <a:rPr lang="en-US" sz="2400" b="1" dirty="0"/>
+              <a:t>  CUP</a:t>
+            </a:r>
+            <a:r>
+              <a:rPr lang="en-US" sz="2400" dirty="0"/>
               <a:t>: Configurations such as (12, 8, 3) and (12, 16, 8, 3) were tested.</a:t>
             </a:r>
           </a:p>
@@ -6221,27 +6206,27 @@
               <a:buNone/>
             </a:pPr>
             <a:r>
-              <a:rPr lang="en-US" b="1" dirty="0"/>
+              <a:rPr lang="en-US" sz="2400" b="1" dirty="0"/>
               <a:t> 2. Activation Functions</a:t>
             </a:r>
             <a:r>
-              <a:rPr lang="en-US" dirty="0"/>
+              <a:rPr lang="en-US" sz="2400" dirty="0"/>
               <a:t>: Hidden Layers: </a:t>
             </a:r>
             <a:r>
-              <a:rPr lang="en-US" dirty="0" err="1"/>
+              <a:rPr lang="en-US" sz="2400" dirty="0" err="1"/>
               <a:t>ReLU</a:t>
             </a:r>
             <a:r>
-              <a:rPr lang="en-US" dirty="0"/>
+              <a:rPr lang="en-US" sz="2400" dirty="0"/>
               <a:t>, Tanh, Leaky </a:t>
             </a:r>
             <a:r>
-              <a:rPr lang="en-US" dirty="0" err="1"/>
+              <a:rPr lang="en-US" sz="2400" dirty="0" err="1"/>
               <a:t>ReLU</a:t>
             </a:r>
             <a:r>
-              <a:rPr lang="en-US" dirty="0"/>
+              <a:rPr lang="en-US" sz="2400" dirty="0"/>
               <a:t>.</a:t>
             </a:r>
           </a:p>
@@ -6253,11 +6238,11 @@
               <a:buNone/>
             </a:pPr>
             <a:r>
-              <a:rPr lang="en-US" b="1" dirty="0"/>
+              <a:rPr lang="en-US" sz="2400" b="1" dirty="0"/>
               <a:t> 3. Output Layer</a:t>
             </a:r>
             <a:r>
-              <a:rPr lang="en-US" dirty="0"/>
+              <a:rPr lang="en-US" sz="2400" dirty="0"/>
               <a:t>: Sigmoid (classification), Identity (regression).</a:t>
             </a:r>
           </a:p>
@@ -6356,77 +6341,111 @@
         </p:nvSpPr>
         <p:spPr>
           <a:xfrm>
-            <a:off x="663879" y="1690688"/>
-            <a:ext cx="10689921" cy="4486276"/>
+            <a:off x="538619" y="1427967"/>
+            <a:ext cx="10815181" cy="4748997"/>
           </a:xfrm>
         </p:spPr>
         <p:txBody>
           <a:bodyPr>
-            <a:normAutofit/>
+            <a:normAutofit fontScale="92500" lnSpcReduction="10000"/>
           </a:bodyPr>
           <a:lstStyle/>
           <a:p>
             <a:pPr marL="0" indent="0">
+              <a:lnSpc>
+                <a:spcPct val="150000"/>
+              </a:lnSpc>
               <a:buNone/>
             </a:pPr>
             <a:r>
-              <a:rPr lang="en-US" sz="2600" b="1" dirty="0"/>
+              <a:rPr lang="en-US" sz="2400" b="1" dirty="0"/>
               <a:t>3. Training Algorithm:-</a:t>
             </a:r>
           </a:p>
           <a:p>
-            <a:r>
-              <a:rPr lang="en-US" sz="2600" dirty="0"/>
+            <a:pPr>
+              <a:lnSpc>
+                <a:spcPct val="150000"/>
+              </a:lnSpc>
+            </a:pPr>
+            <a:r>
+              <a:rPr lang="en-US" sz="2400" dirty="0"/>
               <a:t>Stochastic Gradient Descent (SGD) with momentum.</a:t>
             </a:r>
           </a:p>
           <a:p>
-            <a:r>
-              <a:rPr lang="en-US" sz="2600" dirty="0"/>
+            <a:pPr>
+              <a:lnSpc>
+                <a:spcPct val="150000"/>
+              </a:lnSpc>
+            </a:pPr>
+            <a:r>
+              <a:rPr lang="en-US" sz="2400" dirty="0"/>
               <a:t>Adaptive variants like Adam were explored for CUP tasks.</a:t>
             </a:r>
           </a:p>
           <a:p>
             <a:pPr marL="0" indent="0">
+              <a:lnSpc>
+                <a:spcPct val="150000"/>
+              </a:lnSpc>
               <a:buNone/>
             </a:pPr>
             <a:r>
-              <a:rPr lang="en-US" sz="2600" b="1" dirty="0"/>
+              <a:rPr lang="en-US" sz="2400" b="1" dirty="0"/>
               <a:t>4. Batch/Online/Minibatch:</a:t>
             </a:r>
           </a:p>
           <a:p>
-            <a:r>
-              <a:rPr lang="en-US" sz="2600" dirty="0"/>
+            <a:pPr>
+              <a:lnSpc>
+                <a:spcPct val="150000"/>
+              </a:lnSpc>
+            </a:pPr>
+            <a:r>
+              <a:rPr lang="en-US" sz="2400" dirty="0"/>
               <a:t>Mini-batch training implemented for all datasets.</a:t>
             </a:r>
           </a:p>
           <a:p>
             <a:pPr marL="0" indent="0">
+              <a:lnSpc>
+                <a:spcPct val="150000"/>
+              </a:lnSpc>
               <a:buNone/>
             </a:pPr>
             <a:r>
-              <a:rPr lang="en-US" sz="2600" b="1" dirty="0"/>
+              <a:rPr lang="en-US" sz="2400" b="1" dirty="0"/>
               <a:t>5. Weight Initialization:</a:t>
             </a:r>
           </a:p>
           <a:p>
-            <a:r>
-              <a:rPr lang="en-US" sz="2600" dirty="0"/>
+            <a:pPr>
+              <a:lnSpc>
+                <a:spcPct val="150000"/>
+              </a:lnSpc>
+            </a:pPr>
+            <a:r>
+              <a:rPr lang="en-US" sz="2400" dirty="0"/>
               <a:t>Xavier initialization for balanced scaling.</a:t>
             </a:r>
           </a:p>
           <a:p>
-            <a:r>
-              <a:rPr lang="en-US" sz="2600" dirty="0"/>
+            <a:pPr>
+              <a:lnSpc>
+                <a:spcPct val="150000"/>
+              </a:lnSpc>
+            </a:pPr>
+            <a:r>
+              <a:rPr lang="en-US" sz="2400" dirty="0"/>
               <a:t>He initialization for </a:t>
             </a:r>
             <a:r>
-              <a:rPr lang="en-US" sz="2600" dirty="0" err="1"/>
+              <a:rPr lang="en-US" sz="2400" dirty="0" err="1"/>
               <a:t>ReLU</a:t>
             </a:r>
             <a:r>
-              <a:rPr lang="en-US" sz="2600" dirty="0"/>
+              <a:rPr lang="en-US" sz="2400" dirty="0"/>
               <a:t>-based networks.</a:t>
             </a:r>
           </a:p>
@@ -6480,7 +6499,7 @@
         </p:nvSpPr>
         <p:spPr>
           <a:xfrm>
-            <a:off x="388308" y="218313"/>
+            <a:off x="388308" y="331048"/>
             <a:ext cx="10751505" cy="1560383"/>
           </a:xfrm>
         </p:spPr>
@@ -7342,160 +7361,61 @@
         </p:nvSpPr>
         <p:spPr/>
         <p:txBody>
-          <a:bodyPr/>
-          <a:lstStyle/>
-          <a:p>
-            <a:r>
-              <a:rPr lang="it" b="1" dirty="0">
+          <a:bodyPr>
+            <a:normAutofit/>
+          </a:bodyPr>
+          <a:lstStyle/>
+          <a:p>
+            <a:r>
+              <a:rPr lang="it" sz="3600" b="1" dirty="0">
                 <a:latin typeface="Arial" panose="020B0604020202020204" pitchFamily="34" charset="0"/>
                 <a:cs typeface="Arial" panose="020B0604020202020204" pitchFamily="34" charset="0"/>
               </a:rPr>
               <a:t>Monks Results</a:t>
             </a:r>
-            <a:endParaRPr lang="en-US" b="1" dirty="0">
+            <a:endParaRPr lang="en-US" sz="3600" b="1" dirty="0">
               <a:latin typeface="Arial" panose="020B0604020202020204" pitchFamily="34" charset="0"/>
               <a:cs typeface="Arial" panose="020B0604020202020204" pitchFamily="34" charset="0"/>
             </a:endParaRPr>
           </a:p>
         </p:txBody>
       </p:sp>
-      <p:sp>
-        <p:nvSpPr>
-          <p:cNvPr id="4" name="Rectangle 1">
-            <a:extLst>
-              <a:ext uri="{FF2B5EF4-FFF2-40B4-BE49-F238E27FC236}">
-                <a16:creationId xmlns:a16="http://schemas.microsoft.com/office/drawing/2014/main" id="{41255E65-F11F-4BDB-A3B2-DABD427B7C43}"/>
-              </a:ext>
-            </a:extLst>
-          </p:cNvPr>
-          <p:cNvSpPr>
-            <a:spLocks noGrp="1" noChangeArrowheads="1"/>
-          </p:cNvSpPr>
-          <p:nvPr>
-            <p:ph idx="1"/>
-          </p:nvPr>
-        </p:nvSpPr>
-        <p:spPr bwMode="auto">
+      <p:pic>
+        <p:nvPicPr>
+          <p:cNvPr id="6" name="Picture 5">
+            <a:extLst>
+              <a:ext uri="{FF2B5EF4-FFF2-40B4-BE49-F238E27FC236}">
+                <a16:creationId xmlns:a16="http://schemas.microsoft.com/office/drawing/2014/main" id="{ACA2CD3F-CEDD-4842-9454-0C33DB9BF021}"/>
+              </a:ext>
+            </a:extLst>
+          </p:cNvPr>
+          <p:cNvPicPr>
+            <a:picLocks noChangeAspect="1"/>
+          </p:cNvPicPr>
+          <p:nvPr/>
+        </p:nvPicPr>
+        <p:blipFill>
+          <a:blip r:embed="rId2">
+            <a:extLst>
+              <a:ext uri="{28A0092B-C50C-407E-A947-70E740481C1C}">
+                <a14:useLocalDpi xmlns:a14="http://schemas.microsoft.com/office/drawing/2010/main" val="0"/>
+              </a:ext>
+            </a:extLst>
+          </a:blip>
+          <a:stretch>
+            <a:fillRect/>
+          </a:stretch>
+        </p:blipFill>
+        <p:spPr>
           <a:xfrm>
-            <a:off x="838200" y="3678128"/>
-            <a:ext cx="2171300" cy="646331"/>
+            <a:off x="352817" y="2059036"/>
+            <a:ext cx="11711835" cy="2115495"/>
           </a:xfrm>
           <a:prstGeom prst="rect">
             <a:avLst/>
           </a:prstGeom>
-          <a:noFill/>
-          <a:ln>
-            <a:noFill/>
-          </a:ln>
-          <a:effectLst/>
-          <a:extLst>
-            <a:ext uri="{909E8E84-426E-40DD-AFC4-6F175D3DCCD1}">
-              <a14:hiddenFill xmlns:a14="http://schemas.microsoft.com/office/drawing/2010/main">
-                <a:solidFill>
-                  <a:schemeClr val="accent1"/>
-                </a:solidFill>
-              </a14:hiddenFill>
-            </a:ext>
-            <a:ext uri="{91240B29-F687-4F45-9708-019B960494DF}">
-              <a14:hiddenLine xmlns:a14="http://schemas.microsoft.com/office/drawing/2010/main" w="9525">
-                <a:solidFill>
-                  <a:schemeClr val="tx1"/>
-                </a:solidFill>
-                <a:miter lim="800000"/>
-                <a:headEnd/>
-                <a:tailEnd/>
-              </a14:hiddenLine>
-            </a:ext>
-            <a:ext uri="{AF507438-7753-43E0-B8FC-AC1667EBCBE1}">
-              <a14:hiddenEffects xmlns:a14="http://schemas.microsoft.com/office/drawing/2010/main">
-                <a:effectLst>
-                  <a:outerShdw dist="35921" dir="2700000" algn="ctr" rotWithShape="0">
-                    <a:schemeClr val="bg2"/>
-                  </a:outerShdw>
-                </a:effectLst>
-              </a14:hiddenEffects>
-            </a:ext>
-          </a:extLst>
         </p:spPr>
-        <p:txBody>
-          <a:bodyPr vert="horz" wrap="none" lIns="91440" tIns="45720" rIns="91440" bIns="45720" numCol="1" anchor="ctr" anchorCtr="0" compatLnSpc="1">
-            <a:prstTxWarp prst="textNoShape">
-              <a:avLst/>
-            </a:prstTxWarp>
-            <a:spAutoFit/>
-          </a:bodyPr>
-          <a:lstStyle/>
-          <a:p>
-            <a:pPr marL="0" marR="0" lvl="0" indent="0" algn="l" defTabSz="914400" rtl="0" eaLnBrk="0" fontAlgn="base" latinLnBrk="0" hangingPunct="0">
-              <a:lnSpc>
-                <a:spcPct val="100000"/>
-              </a:lnSpc>
-              <a:spcBef>
-                <a:spcPct val="0"/>
-              </a:spcBef>
-              <a:spcAft>
-                <a:spcPct val="0"/>
-              </a:spcAft>
-              <a:buClrTx/>
-              <a:buSzTx/>
-              <a:buFontTx/>
-              <a:buChar char="•"/>
-              <a:tabLst/>
-            </a:pPr>
-            <a:r>
-              <a:rPr kumimoji="0" lang="en-US" altLang="en-US" sz="1800" b="1" i="0" u="none" strike="noStrike" cap="none" normalizeH="0" baseline="0" dirty="0">
-                <a:ln>
-                  <a:noFill/>
-                </a:ln>
-                <a:solidFill>
-                  <a:schemeClr val="tx1"/>
-                </a:solidFill>
-                <a:effectLst/>
-                <a:latin typeface="Arial" panose="020B0604020202020204" pitchFamily="34" charset="0"/>
-              </a:rPr>
-              <a:t>Table will be here</a:t>
-            </a:r>
-            <a:endParaRPr kumimoji="0" lang="en-US" altLang="en-US" sz="1800" b="0" i="0" u="none" strike="noStrike" cap="none" normalizeH="0" baseline="0" dirty="0">
-              <a:ln>
-                <a:noFill/>
-              </a:ln>
-              <a:solidFill>
-                <a:schemeClr val="tx1"/>
-              </a:solidFill>
-              <a:effectLst/>
-              <a:latin typeface="Arial" panose="020B0604020202020204" pitchFamily="34" charset="0"/>
-            </a:endParaRPr>
-          </a:p>
-          <a:p>
-            <a:pPr marL="0" marR="0" lvl="0" indent="0" algn="l" defTabSz="914400" rtl="0" eaLnBrk="0" fontAlgn="base" latinLnBrk="0" hangingPunct="0">
-              <a:lnSpc>
-                <a:spcPct val="100000"/>
-              </a:lnSpc>
-              <a:spcBef>
-                <a:spcPct val="0"/>
-              </a:spcBef>
-              <a:spcAft>
-                <a:spcPct val="0"/>
-              </a:spcAft>
-              <a:buClrTx/>
-              <a:buSzTx/>
-              <a:buFontTx/>
-              <a:buNone/>
-              <a:tabLst/>
-            </a:pPr>
-            <a:endParaRPr kumimoji="0" lang="en-US" altLang="en-US" sz="1800" b="0" i="0" u="none" strike="noStrike" cap="none" normalizeH="0" baseline="0" dirty="0">
-              <a:ln>
-                <a:noFill/>
-              </a:ln>
-              <a:solidFill>
-                <a:schemeClr val="tx1"/>
-              </a:solidFill>
-              <a:effectLst/>
-              <a:latin typeface="Arial" panose="020B0604020202020204" pitchFamily="34" charset="0"/>
-            </a:endParaRPr>
-          </a:p>
-        </p:txBody>
-      </p:sp>
+      </p:pic>
     </p:spTree>
     <p:extLst>
       <p:ext uri="{BB962C8B-B14F-4D97-AF65-F5344CB8AC3E}">
@@ -7544,17 +7464,19 @@
         </p:nvSpPr>
         <p:spPr/>
         <p:txBody>
-          <a:bodyPr/>
-          <a:lstStyle/>
-          <a:p>
-            <a:r>
-              <a:rPr lang="it" b="1" dirty="0">
+          <a:bodyPr>
+            <a:normAutofit/>
+          </a:bodyPr>
+          <a:lstStyle/>
+          <a:p>
+            <a:r>
+              <a:rPr lang="it" sz="3600" b="1" dirty="0">
                 <a:latin typeface="Arial" panose="020B0604020202020204" pitchFamily="34" charset="0"/>
                 <a:cs typeface="Arial" panose="020B0604020202020204" pitchFamily="34" charset="0"/>
               </a:rPr>
               <a:t>Monks 1</a:t>
             </a:r>
-            <a:endParaRPr lang="en-US" b="1" dirty="0">
+            <a:endParaRPr lang="en-US" sz="3600" b="1" dirty="0">
               <a:latin typeface="Arial" panose="020B0604020202020204" pitchFamily="34" charset="0"/>
               <a:cs typeface="Arial" panose="020B0604020202020204" pitchFamily="34" charset="0"/>
             </a:endParaRPr>

--- a/report_slide.pptx
+++ b/report_slide.pptx
@@ -5,29 +5,36 @@
     <p:sldMasterId id="2147483648" r:id="rId1"/>
   </p:sldMasterIdLst>
   <p:notesMasterIdLst>
-    <p:notesMasterId r:id="rId22"/>
+    <p:notesMasterId r:id="rId29"/>
   </p:notesMasterIdLst>
   <p:sldIdLst>
     <p:sldId id="257" r:id="rId2"/>
     <p:sldId id="258" r:id="rId3"/>
-    <p:sldId id="272" r:id="rId4"/>
-    <p:sldId id="273" r:id="rId5"/>
-    <p:sldId id="274" r:id="rId6"/>
-    <p:sldId id="275" r:id="rId7"/>
-    <p:sldId id="260" r:id="rId8"/>
-    <p:sldId id="261" r:id="rId9"/>
-    <p:sldId id="262" r:id="rId10"/>
-    <p:sldId id="263" r:id="rId11"/>
-    <p:sldId id="276" r:id="rId12"/>
-    <p:sldId id="277" r:id="rId13"/>
-    <p:sldId id="264" r:id="rId14"/>
-    <p:sldId id="265" r:id="rId15"/>
-    <p:sldId id="266" r:id="rId16"/>
-    <p:sldId id="267" r:id="rId17"/>
-    <p:sldId id="268" r:id="rId18"/>
-    <p:sldId id="271" r:id="rId19"/>
-    <p:sldId id="269" r:id="rId20"/>
-    <p:sldId id="270" r:id="rId21"/>
+    <p:sldId id="287" r:id="rId4"/>
+    <p:sldId id="278" r:id="rId5"/>
+    <p:sldId id="280" r:id="rId6"/>
+    <p:sldId id="281" r:id="rId7"/>
+    <p:sldId id="282" r:id="rId8"/>
+    <p:sldId id="273" r:id="rId9"/>
+    <p:sldId id="274" r:id="rId10"/>
+    <p:sldId id="275" r:id="rId11"/>
+    <p:sldId id="261" r:id="rId12"/>
+    <p:sldId id="262" r:id="rId13"/>
+    <p:sldId id="263" r:id="rId14"/>
+    <p:sldId id="276" r:id="rId15"/>
+    <p:sldId id="277" r:id="rId16"/>
+    <p:sldId id="264" r:id="rId17"/>
+    <p:sldId id="265" r:id="rId18"/>
+    <p:sldId id="285" r:id="rId19"/>
+    <p:sldId id="288" r:id="rId20"/>
+    <p:sldId id="266" r:id="rId21"/>
+    <p:sldId id="283" r:id="rId22"/>
+    <p:sldId id="290" r:id="rId23"/>
+    <p:sldId id="267" r:id="rId24"/>
+    <p:sldId id="286" r:id="rId25"/>
+    <p:sldId id="289" r:id="rId26"/>
+    <p:sldId id="271" r:id="rId27"/>
+    <p:sldId id="269" r:id="rId28"/>
   </p:sldIdLst>
   <p:sldSz cx="12192000" cy="6858000"/>
   <p:notesSz cx="6858000" cy="9144000"/>
@@ -216,7 +223,7 @@
           <a:p>
             <a:fld id="{70FD9679-ABD7-4BAA-9685-3EFF5778D537}" type="datetimeFigureOut">
               <a:rPr lang="en-US" smtClean="0"/>
-              <a:t>1/28/2025</a:t>
+              <a:t>1/29/2025</a:t>
             </a:fld>
             <a:endParaRPr lang="en-US"/>
           </a:p>
@@ -732,9 +739,9 @@
           <a:bodyPr/>
           <a:lstStyle/>
           <a:p>
-            <a:fld id="{A025DB5C-9572-4E18-A789-86EB9244B92D}" type="datetimeFigureOut">
+            <a:fld id="{19D533B8-1AB0-4296-816E-4FCE9A63668D}" type="datetime1">
               <a:rPr lang="en-US" smtClean="0"/>
-              <a:t>1/28/2025</a:t>
+              <a:t>1/29/2025</a:t>
             </a:fld>
             <a:endParaRPr lang="en-US"/>
           </a:p>
@@ -930,9 +937,9 @@
           <a:bodyPr/>
           <a:lstStyle/>
           <a:p>
-            <a:fld id="{A025DB5C-9572-4E18-A789-86EB9244B92D}" type="datetimeFigureOut">
+            <a:fld id="{44DD884B-AD63-4E1E-BAB6-0CA1CD9BAB4B}" type="datetime1">
               <a:rPr lang="en-US" smtClean="0"/>
-              <a:t>1/28/2025</a:t>
+              <a:t>1/29/2025</a:t>
             </a:fld>
             <a:endParaRPr lang="en-US"/>
           </a:p>
@@ -1138,9 +1145,9 @@
           <a:bodyPr/>
           <a:lstStyle/>
           <a:p>
-            <a:fld id="{A025DB5C-9572-4E18-A789-86EB9244B92D}" type="datetimeFigureOut">
+            <a:fld id="{5BDE537E-915A-44CC-BECE-FACF2861369B}" type="datetime1">
               <a:rPr lang="en-US" smtClean="0"/>
-              <a:t>1/28/2025</a:t>
+              <a:t>1/29/2025</a:t>
             </a:fld>
             <a:endParaRPr lang="en-US"/>
           </a:p>
@@ -1336,9 +1343,9 @@
           <a:bodyPr/>
           <a:lstStyle/>
           <a:p>
-            <a:fld id="{A025DB5C-9572-4E18-A789-86EB9244B92D}" type="datetimeFigureOut">
+            <a:fld id="{A991A4F4-B58B-42B8-AA4E-84EBE80F273C}" type="datetime1">
               <a:rPr lang="en-US" smtClean="0"/>
-              <a:t>1/28/2025</a:t>
+              <a:t>1/29/2025</a:t>
             </a:fld>
             <a:endParaRPr lang="en-US"/>
           </a:p>
@@ -1611,9 +1618,9 @@
           <a:bodyPr/>
           <a:lstStyle/>
           <a:p>
-            <a:fld id="{A025DB5C-9572-4E18-A789-86EB9244B92D}" type="datetimeFigureOut">
+            <a:fld id="{A4DD1E08-5D3C-425A-85B6-21627DA3E4A4}" type="datetime1">
               <a:rPr lang="en-US" smtClean="0"/>
-              <a:t>1/28/2025</a:t>
+              <a:t>1/29/2025</a:t>
             </a:fld>
             <a:endParaRPr lang="en-US"/>
           </a:p>
@@ -1876,9 +1883,9 @@
           <a:bodyPr/>
           <a:lstStyle/>
           <a:p>
-            <a:fld id="{A025DB5C-9572-4E18-A789-86EB9244B92D}" type="datetimeFigureOut">
+            <a:fld id="{9A6510DF-298E-458D-B76A-7F69FB01E5B3}" type="datetime1">
               <a:rPr lang="en-US" smtClean="0"/>
-              <a:t>1/28/2025</a:t>
+              <a:t>1/29/2025</a:t>
             </a:fld>
             <a:endParaRPr lang="en-US"/>
           </a:p>
@@ -2288,9 +2295,9 @@
           <a:bodyPr/>
           <a:lstStyle/>
           <a:p>
-            <a:fld id="{A025DB5C-9572-4E18-A789-86EB9244B92D}" type="datetimeFigureOut">
+            <a:fld id="{F39B6150-A131-48B8-A919-8737A0CD2D5E}" type="datetime1">
               <a:rPr lang="en-US" smtClean="0"/>
-              <a:t>1/28/2025</a:t>
+              <a:t>1/29/2025</a:t>
             </a:fld>
             <a:endParaRPr lang="en-US"/>
           </a:p>
@@ -2429,9 +2436,9 @@
           <a:bodyPr/>
           <a:lstStyle/>
           <a:p>
-            <a:fld id="{A025DB5C-9572-4E18-A789-86EB9244B92D}" type="datetimeFigureOut">
+            <a:fld id="{2776D20E-B122-48A5-8CD9-DD67BB3F67FE}" type="datetime1">
               <a:rPr lang="en-US" smtClean="0"/>
-              <a:t>1/28/2025</a:t>
+              <a:t>1/29/2025</a:t>
             </a:fld>
             <a:endParaRPr lang="en-US"/>
           </a:p>
@@ -2542,9 +2549,9 @@
           <a:bodyPr/>
           <a:lstStyle/>
           <a:p>
-            <a:fld id="{A025DB5C-9572-4E18-A789-86EB9244B92D}" type="datetimeFigureOut">
+            <a:fld id="{7AF9F83C-96DD-4E6A-88F4-95E04827085F}" type="datetime1">
               <a:rPr lang="en-US" smtClean="0"/>
-              <a:t>1/28/2025</a:t>
+              <a:t>1/29/2025</a:t>
             </a:fld>
             <a:endParaRPr lang="en-US"/>
           </a:p>
@@ -2853,9 +2860,9 @@
           <a:bodyPr/>
           <a:lstStyle/>
           <a:p>
-            <a:fld id="{A025DB5C-9572-4E18-A789-86EB9244B92D}" type="datetimeFigureOut">
+            <a:fld id="{382FB589-45CE-473A-AF6A-F6F3F69BBC1A}" type="datetime1">
               <a:rPr lang="en-US" smtClean="0"/>
-              <a:t>1/28/2025</a:t>
+              <a:t>1/29/2025</a:t>
             </a:fld>
             <a:endParaRPr lang="en-US"/>
           </a:p>
@@ -3141,9 +3148,9 @@
           <a:bodyPr/>
           <a:lstStyle/>
           <a:p>
-            <a:fld id="{A025DB5C-9572-4E18-A789-86EB9244B92D}" type="datetimeFigureOut">
+            <a:fld id="{9F1E9C02-E9A5-4EFD-AC09-EB7ED12B0377}" type="datetime1">
               <a:rPr lang="en-US" smtClean="0"/>
-              <a:t>1/28/2025</a:t>
+              <a:t>1/29/2025</a:t>
             </a:fld>
             <a:endParaRPr lang="en-US"/>
           </a:p>
@@ -3382,9 +3389,9 @@
             </a:lvl1pPr>
           </a:lstStyle>
           <a:p>
-            <a:fld id="{A025DB5C-9572-4E18-A789-86EB9244B92D}" type="datetimeFigureOut">
+            <a:fld id="{4262281D-0A6C-40D0-9673-4641E0587FE6}" type="datetime1">
               <a:rPr lang="en-US" smtClean="0"/>
-              <a:t>1/28/2025</a:t>
+              <a:t>1/29/2025</a:t>
             </a:fld>
             <a:endParaRPr lang="en-US"/>
           </a:p>
@@ -3501,6 +3508,7 @@
     <p:sldLayoutId id="2147483658" r:id="rId10"/>
     <p:sldLayoutId id="2147483659" r:id="rId11"/>
   </p:sldLayoutIdLst>
+  <p:hf hdr="0" ftr="0" dt="0"/>
   <p:txStyles>
     <p:titleStyle>
       <a:lvl1pPr algn="l" defTabSz="914400" rtl="0" eaLnBrk="1" latinLnBrk="0" hangingPunct="1">
@@ -4034,7 +4042,7 @@
                 <a:cs typeface="Times New Roman"/>
                 <a:sym typeface="Times New Roman"/>
               </a:rPr>
-              <a:t>:-ML crackers</a:t>
+              <a:t>:- ML-crackers</a:t>
             </a:r>
           </a:p>
           <a:p>
@@ -4104,7 +4112,7 @@
                 <a:cs typeface="Times New Roman"/>
                 <a:sym typeface="Times New Roman"/>
               </a:rPr>
-              <a:t>28/01/2025</a:t>
+              <a:t>29/01/2025</a:t>
             </a:r>
           </a:p>
           <a:p>
@@ -4172,6 +4180,43 @@
           </a:ln>
         </p:spPr>
       </p:pic>
+      <p:sp>
+        <p:nvSpPr>
+          <p:cNvPr id="2" name="Slide Number Placeholder 1">
+            <a:extLst>
+              <a:ext uri="{FF2B5EF4-FFF2-40B4-BE49-F238E27FC236}">
+                <a16:creationId xmlns:a16="http://schemas.microsoft.com/office/drawing/2014/main" id="{C20E7B4F-65F0-48C2-9BAA-6FB1BE6953DD}"/>
+              </a:ext>
+            </a:extLst>
+          </p:cNvPr>
+          <p:cNvSpPr>
+            <a:spLocks noGrp="1"/>
+          </p:cNvSpPr>
+          <p:nvPr>
+            <p:ph type="sldNum" sz="quarter" idx="12"/>
+          </p:nvPr>
+        </p:nvSpPr>
+        <p:spPr/>
+        <p:txBody>
+          <a:bodyPr/>
+          <a:lstStyle/>
+          <a:p>
+            <a:fld id="{A6B05161-9E42-4493-9916-6F12CA0446C4}" type="slidenum">
+              <a:rPr lang="en-US" sz="2800" b="1" smtClean="0">
+                <a:solidFill>
+                  <a:schemeClr val="tx1"/>
+                </a:solidFill>
+              </a:rPr>
+              <a:t>1</a:t>
+            </a:fld>
+            <a:endParaRPr lang="en-US" sz="2800" b="1" dirty="0">
+              <a:solidFill>
+                <a:schemeClr val="tx1"/>
+              </a:solidFill>
+            </a:endParaRPr>
+          </a:p>
+        </p:txBody>
+      </p:sp>
     </p:spTree>
   </p:cSld>
   <p:clrMapOvr>
@@ -4202,7 +4247,7 @@
           <p:cNvPr id="2" name="Title 1">
             <a:extLst>
               <a:ext uri="{FF2B5EF4-FFF2-40B4-BE49-F238E27FC236}">
-                <a16:creationId xmlns:a16="http://schemas.microsoft.com/office/drawing/2014/main" id="{7DE539CD-26FB-427E-9B24-6A923ABFDB15}"/>
+                <a16:creationId xmlns:a16="http://schemas.microsoft.com/office/drawing/2014/main" id="{A77CBE58-AEC0-4B03-AF3A-9CF7B1E3FD17}"/>
               </a:ext>
             </a:extLst>
           </p:cNvPr>
@@ -4213,7 +4258,12 @@
             <p:ph type="title"/>
           </p:nvPr>
         </p:nvSpPr>
-        <p:spPr/>
+        <p:spPr>
+          <a:xfrm>
+            <a:off x="638827" y="365126"/>
+            <a:ext cx="10714973" cy="1225680"/>
+          </a:xfrm>
+        </p:spPr>
         <p:txBody>
           <a:bodyPr>
             <a:normAutofit/>
@@ -4221,58 +4271,145 @@
           <a:lstStyle/>
           <a:p>
             <a:r>
-              <a:rPr lang="it" sz="3600" b="1" dirty="0">
+              <a:rPr kumimoji="0" lang="en-US" altLang="en-US" sz="3600" b="1" i="0" u="none" strike="noStrike" cap="none" normalizeH="0" baseline="0" dirty="0">
+                <a:ln>
+                  <a:noFill/>
+                </a:ln>
+                <a:solidFill>
+                  <a:schemeClr val="tx1"/>
+                </a:solidFill>
+                <a:effectLst/>
                 <a:latin typeface="Arial" panose="020B0604020202020204" pitchFamily="34" charset="0"/>
-                <a:cs typeface="Arial" panose="020B0604020202020204" pitchFamily="34" charset="0"/>
               </a:rPr>
-              <a:t>Monks 2</a:t>
-            </a:r>
-            <a:endParaRPr lang="en-US" sz="3600" b="1" dirty="0">
-              <a:latin typeface="Arial" panose="020B0604020202020204" pitchFamily="34" charset="0"/>
-              <a:cs typeface="Arial" panose="020B0604020202020204" pitchFamily="34" charset="0"/>
-            </a:endParaRPr>
-          </a:p>
-        </p:txBody>
-      </p:sp>
-      <p:pic>
-        <p:nvPicPr>
-          <p:cNvPr id="5" name="Content Placeholder 4">
-            <a:extLst>
-              <a:ext uri="{FF2B5EF4-FFF2-40B4-BE49-F238E27FC236}">
-                <a16:creationId xmlns:a16="http://schemas.microsoft.com/office/drawing/2014/main" id="{B1C9A2A9-2C48-4096-AD95-50B411E90CC0}"/>
-              </a:ext>
-            </a:extLst>
-          </p:cNvPr>
-          <p:cNvPicPr>
-            <a:picLocks noGrp="1" noChangeAspect="1"/>
-          </p:cNvPicPr>
+              <a:t>Code Description</a:t>
+            </a:r>
+            <a:endParaRPr lang="en-US" sz="3600" dirty="0"/>
+          </a:p>
+        </p:txBody>
+      </p:sp>
+      <p:sp>
+        <p:nvSpPr>
+          <p:cNvPr id="3" name="Content Placeholder 2">
+            <a:extLst>
+              <a:ext uri="{FF2B5EF4-FFF2-40B4-BE49-F238E27FC236}">
+                <a16:creationId xmlns:a16="http://schemas.microsoft.com/office/drawing/2014/main" id="{1D30EE90-AEB3-4D5A-A950-D9503C5F4445}"/>
+              </a:ext>
+            </a:extLst>
+          </p:cNvPr>
+          <p:cNvSpPr>
+            <a:spLocks noGrp="1"/>
+          </p:cNvSpPr>
           <p:nvPr>
             <p:ph idx="1"/>
           </p:nvPr>
-        </p:nvPicPr>
-        <p:blipFill>
-          <a:blip r:embed="rId2">
-            <a:extLst>
-              <a:ext uri="{28A0092B-C50C-407E-A947-70E740481C1C}">
-                <a14:useLocalDpi xmlns:a14="http://schemas.microsoft.com/office/drawing/2010/main" val="0"/>
-              </a:ext>
-            </a:extLst>
-          </a:blip>
-          <a:stretch>
-            <a:fillRect/>
-          </a:stretch>
-        </p:blipFill>
+        </p:nvSpPr>
         <p:spPr>
           <a:xfrm>
-            <a:off x="510528" y="1350768"/>
-            <a:ext cx="11681472" cy="4926403"/>
+            <a:off x="466928" y="1377864"/>
+            <a:ext cx="10886872" cy="5115010"/>
           </a:xfrm>
         </p:spPr>
-      </p:pic>
+        <p:txBody>
+          <a:bodyPr>
+            <a:normAutofit/>
+          </a:bodyPr>
+          <a:lstStyle/>
+          <a:p>
+            <a:pPr marL="0" indent="0">
+              <a:lnSpc>
+                <a:spcPct val="150000"/>
+              </a:lnSpc>
+              <a:buNone/>
+            </a:pPr>
+            <a:r>
+              <a:rPr lang="en-US" sz="2400" b="1" dirty="0"/>
+              <a:t>7. Validation Strategy:</a:t>
+            </a:r>
+          </a:p>
+          <a:p>
+            <a:pPr>
+              <a:lnSpc>
+                <a:spcPct val="150000"/>
+              </a:lnSpc>
+            </a:pPr>
+            <a:r>
+              <a:rPr lang="en-US" sz="2400" b="1" dirty="0"/>
+              <a:t>5-fold Cross-Validation </a:t>
+            </a:r>
+            <a:r>
+              <a:rPr lang="en-US" sz="2400" dirty="0"/>
+              <a:t>applied to both MONK and CUP datasets for robust model selection. In terms of the monk we perform 5-folding in the training dataset.</a:t>
+            </a:r>
+          </a:p>
+          <a:p>
+            <a:pPr>
+              <a:lnSpc>
+                <a:spcPct val="150000"/>
+              </a:lnSpc>
+            </a:pPr>
+            <a:r>
+              <a:rPr lang="en-US" sz="2400" b="1" dirty="0"/>
+              <a:t>CUP Dataset Split</a:t>
+            </a:r>
+            <a:r>
+              <a:rPr lang="en-US" sz="2400" dirty="0"/>
+              <a:t>: Initially divided into 80% training, 20% internal test.</a:t>
+            </a:r>
+          </a:p>
+          <a:p>
+            <a:pPr>
+              <a:lnSpc>
+                <a:spcPct val="150000"/>
+              </a:lnSpc>
+            </a:pPr>
+            <a:r>
+              <a:rPr lang="en-US" sz="2400" dirty="0"/>
+              <a:t>Cross-validation performed on the development set (training + validation) while keeping the internal test set separate for final evaluation.</a:t>
+            </a:r>
+          </a:p>
+        </p:txBody>
+      </p:sp>
+      <p:sp>
+        <p:nvSpPr>
+          <p:cNvPr id="4" name="Slide Number Placeholder 3">
+            <a:extLst>
+              <a:ext uri="{FF2B5EF4-FFF2-40B4-BE49-F238E27FC236}">
+                <a16:creationId xmlns:a16="http://schemas.microsoft.com/office/drawing/2014/main" id="{9BD8CB75-89BA-4CBD-B5C5-D42A8FFD9BA2}"/>
+              </a:ext>
+            </a:extLst>
+          </p:cNvPr>
+          <p:cNvSpPr>
+            <a:spLocks noGrp="1"/>
+          </p:cNvSpPr>
+          <p:nvPr>
+            <p:ph type="sldNum" sz="quarter" idx="12"/>
+          </p:nvPr>
+        </p:nvSpPr>
+        <p:spPr/>
+        <p:txBody>
+          <a:bodyPr/>
+          <a:lstStyle/>
+          <a:p>
+            <a:fld id="{A6B05161-9E42-4493-9916-6F12CA0446C4}" type="slidenum">
+              <a:rPr lang="en-US" sz="2800" b="1" smtClean="0">
+                <a:solidFill>
+                  <a:schemeClr val="tx1"/>
+                </a:solidFill>
+              </a:rPr>
+              <a:t>10</a:t>
+            </a:fld>
+            <a:endParaRPr lang="en-US" sz="2800" b="1" dirty="0">
+              <a:solidFill>
+                <a:schemeClr val="tx1"/>
+              </a:solidFill>
+            </a:endParaRPr>
+          </a:p>
+        </p:txBody>
+      </p:sp>
     </p:spTree>
     <p:extLst>
       <p:ext uri="{BB962C8B-B14F-4D97-AF65-F5344CB8AC3E}">
-        <p14:creationId xmlns:p14="http://schemas.microsoft.com/office/powerpoint/2010/main" val="4278377027"/>
+        <p14:creationId xmlns:p14="http://schemas.microsoft.com/office/powerpoint/2010/main" val="2547263850"/>
       </p:ext>
     </p:extLst>
   </p:cSld>
@@ -4304,7 +4441,7 @@
           <p:cNvPr id="2" name="Title 1">
             <a:extLst>
               <a:ext uri="{FF2B5EF4-FFF2-40B4-BE49-F238E27FC236}">
-                <a16:creationId xmlns:a16="http://schemas.microsoft.com/office/drawing/2014/main" id="{2760B3E3-75E9-4697-8657-A573237C6130}"/>
+                <a16:creationId xmlns:a16="http://schemas.microsoft.com/office/drawing/2014/main" id="{D9EBF38C-2E36-42A3-AC91-2329FE9F4E7D}"/>
               </a:ext>
             </a:extLst>
           </p:cNvPr>
@@ -4323,30 +4460,32 @@
           <a:lstStyle/>
           <a:p>
             <a:r>
-              <a:rPr lang="en-US" sz="3600" b="1" dirty="0">
+              <a:rPr lang="it" sz="3600" b="1" dirty="0">
                 <a:latin typeface="Arial" panose="020B0604020202020204" pitchFamily="34" charset="0"/>
                 <a:cs typeface="Arial" panose="020B0604020202020204" pitchFamily="34" charset="0"/>
               </a:rPr>
-              <a:t>Monks-3 (without regularization)</a:t>
-            </a:r>
+              <a:t>Summrized Monks Results</a:t>
+            </a:r>
+            <a:endParaRPr lang="en-US" sz="3600" b="1" dirty="0">
+              <a:latin typeface="Arial" panose="020B0604020202020204" pitchFamily="34" charset="0"/>
+              <a:cs typeface="Arial" panose="020B0604020202020204" pitchFamily="34" charset="0"/>
+            </a:endParaRPr>
           </a:p>
         </p:txBody>
       </p:sp>
       <p:pic>
         <p:nvPicPr>
-          <p:cNvPr id="5" name="Content Placeholder 4">
-            <a:extLst>
-              <a:ext uri="{FF2B5EF4-FFF2-40B4-BE49-F238E27FC236}">
-                <a16:creationId xmlns:a16="http://schemas.microsoft.com/office/drawing/2014/main" id="{CC0C9CAC-A614-4F08-AE3F-BAC178F2D093}"/>
+          <p:cNvPr id="6" name="Picture 5">
+            <a:extLst>
+              <a:ext uri="{FF2B5EF4-FFF2-40B4-BE49-F238E27FC236}">
+                <a16:creationId xmlns:a16="http://schemas.microsoft.com/office/drawing/2014/main" id="{ACA2CD3F-CEDD-4842-9454-0C33DB9BF021}"/>
               </a:ext>
             </a:extLst>
           </p:cNvPr>
           <p:cNvPicPr>
-            <a:picLocks noGrp="1" noChangeAspect="1"/>
+            <a:picLocks noChangeAspect="1"/>
           </p:cNvPicPr>
-          <p:nvPr>
-            <p:ph idx="1"/>
-          </p:nvPr>
+          <p:nvPr/>
         </p:nvPicPr>
         <p:blipFill>
           <a:blip r:embed="rId2">
@@ -4362,15 +4501,55 @@
         </p:blipFill>
         <p:spPr>
           <a:xfrm>
-            <a:off x="838201" y="1747951"/>
-            <a:ext cx="10334360" cy="4429012"/>
+            <a:off x="352817" y="2059036"/>
+            <a:ext cx="11711835" cy="2115495"/>
           </a:xfrm>
+          <a:prstGeom prst="rect">
+            <a:avLst/>
+          </a:prstGeom>
         </p:spPr>
       </p:pic>
+      <p:sp>
+        <p:nvSpPr>
+          <p:cNvPr id="3" name="Slide Number Placeholder 2">
+            <a:extLst>
+              <a:ext uri="{FF2B5EF4-FFF2-40B4-BE49-F238E27FC236}">
+                <a16:creationId xmlns:a16="http://schemas.microsoft.com/office/drawing/2014/main" id="{CBF28E6E-A39F-4AD1-B7CE-BF3690468000}"/>
+              </a:ext>
+            </a:extLst>
+          </p:cNvPr>
+          <p:cNvSpPr>
+            <a:spLocks noGrp="1"/>
+          </p:cNvSpPr>
+          <p:nvPr>
+            <p:ph type="sldNum" sz="quarter" idx="12"/>
+          </p:nvPr>
+        </p:nvSpPr>
+        <p:spPr/>
+        <p:txBody>
+          <a:bodyPr/>
+          <a:lstStyle/>
+          <a:p>
+            <a:fld id="{A6B05161-9E42-4493-9916-6F12CA0446C4}" type="slidenum">
+              <a:rPr lang="en-US" sz="2800" b="1" smtClean="0">
+                <a:solidFill>
+                  <a:schemeClr val="tx1"/>
+                </a:solidFill>
+              </a:rPr>
+              <a:t>11</a:t>
+            </a:fld>
+            <a:endParaRPr lang="en-US" sz="2800" b="1" dirty="0">
+              <a:solidFill>
+                <a:schemeClr val="tx1"/>
+              </a:solidFill>
+            </a:endParaRPr>
+          </a:p>
+        </p:txBody>
+      </p:sp>
     </p:spTree>
     <p:extLst>
       <p:ext uri="{BB962C8B-B14F-4D97-AF65-F5344CB8AC3E}">
-        <p14:creationId xmlns:p14="http://schemas.microsoft.com/office/powerpoint/2010/main" val="2478067522"/>
+        <p14:creationId xmlns:p14="http://schemas.microsoft.com/office/powerpoint/2010/main" val="664866850"/>
       </p:ext>
     </p:extLst>
   </p:cSld>
@@ -4402,7 +4581,7 @@
           <p:cNvPr id="2" name="Title 1">
             <a:extLst>
               <a:ext uri="{FF2B5EF4-FFF2-40B4-BE49-F238E27FC236}">
-                <a16:creationId xmlns:a16="http://schemas.microsoft.com/office/drawing/2014/main" id="{4E06E537-8743-4D17-878C-B2FC76D067D7}"/>
+                <a16:creationId xmlns:a16="http://schemas.microsoft.com/office/drawing/2014/main" id="{28F9D64B-A83F-4A67-86C5-332130309B6A}"/>
               </a:ext>
             </a:extLst>
           </p:cNvPr>
@@ -4413,7 +4592,12 @@
             <p:ph type="title"/>
           </p:nvPr>
         </p:nvSpPr>
-        <p:spPr/>
+        <p:spPr>
+          <a:xfrm>
+            <a:off x="838200" y="147566"/>
+            <a:ext cx="10515600" cy="1325563"/>
+          </a:xfrm>
+        </p:spPr>
         <p:txBody>
           <a:bodyPr>
             <a:normAutofit/>
@@ -4421,21 +4605,25 @@
           <a:lstStyle/>
           <a:p>
             <a:r>
-              <a:rPr lang="en-US" sz="3600" b="1" dirty="0">
+              <a:rPr lang="it" sz="3600" b="1" dirty="0">
                 <a:latin typeface="Arial" panose="020B0604020202020204" pitchFamily="34" charset="0"/>
                 <a:cs typeface="Arial" panose="020B0604020202020204" pitchFamily="34" charset="0"/>
               </a:rPr>
-              <a:t>Monk 3- with regularization</a:t>
-            </a:r>
+              <a:t>Monks 1</a:t>
+            </a:r>
+            <a:endParaRPr lang="en-US" sz="3600" b="1" dirty="0">
+              <a:latin typeface="Arial" panose="020B0604020202020204" pitchFamily="34" charset="0"/>
+              <a:cs typeface="Arial" panose="020B0604020202020204" pitchFamily="34" charset="0"/>
+            </a:endParaRPr>
           </a:p>
         </p:txBody>
       </p:sp>
       <p:pic>
         <p:nvPicPr>
-          <p:cNvPr id="5" name="Content Placeholder 4">
-            <a:extLst>
-              <a:ext uri="{FF2B5EF4-FFF2-40B4-BE49-F238E27FC236}">
-                <a16:creationId xmlns:a16="http://schemas.microsoft.com/office/drawing/2014/main" id="{D8539C0F-F424-49F9-8B97-DD332A28899A}"/>
+          <p:cNvPr id="8" name="Content Placeholder 7">
+            <a:extLst>
+              <a:ext uri="{FF2B5EF4-FFF2-40B4-BE49-F238E27FC236}">
+                <a16:creationId xmlns:a16="http://schemas.microsoft.com/office/drawing/2014/main" id="{44213596-66AA-406C-9FE1-9402D14DDD48}"/>
               </a:ext>
             </a:extLst>
           </p:cNvPr>
@@ -4460,15 +4648,89 @@
         </p:blipFill>
         <p:spPr>
           <a:xfrm>
-            <a:off x="471527" y="1590805"/>
-            <a:ext cx="10701034" cy="4586158"/>
+            <a:off x="0" y="1119045"/>
+            <a:ext cx="11741631" cy="4619909"/>
           </a:xfrm>
         </p:spPr>
       </p:pic>
+      <p:sp>
+        <p:nvSpPr>
+          <p:cNvPr id="3" name="Slide Number Placeholder 2">
+            <a:extLst>
+              <a:ext uri="{FF2B5EF4-FFF2-40B4-BE49-F238E27FC236}">
+                <a16:creationId xmlns:a16="http://schemas.microsoft.com/office/drawing/2014/main" id="{7D3E6E13-68DE-43BC-B0F6-8E28C2C4572B}"/>
+              </a:ext>
+            </a:extLst>
+          </p:cNvPr>
+          <p:cNvSpPr>
+            <a:spLocks noGrp="1"/>
+          </p:cNvSpPr>
+          <p:nvPr>
+            <p:ph type="sldNum" sz="quarter" idx="12"/>
+          </p:nvPr>
+        </p:nvSpPr>
+        <p:spPr/>
+        <p:txBody>
+          <a:bodyPr/>
+          <a:lstStyle/>
+          <a:p>
+            <a:fld id="{A6B05161-9E42-4493-9916-6F12CA0446C4}" type="slidenum">
+              <a:rPr lang="en-US" sz="2800" b="1" smtClean="0">
+                <a:solidFill>
+                  <a:schemeClr val="tx1"/>
+                </a:solidFill>
+              </a:rPr>
+              <a:t>12</a:t>
+            </a:fld>
+            <a:endParaRPr lang="en-US" sz="2800" b="1" dirty="0">
+              <a:solidFill>
+                <a:schemeClr val="tx1"/>
+              </a:solidFill>
+            </a:endParaRPr>
+          </a:p>
+        </p:txBody>
+      </p:sp>
+      <p:sp>
+        <p:nvSpPr>
+          <p:cNvPr id="4" name="Footer Placeholder 3">
+            <a:extLst>
+              <a:ext uri="{FF2B5EF4-FFF2-40B4-BE49-F238E27FC236}">
+                <a16:creationId xmlns:a16="http://schemas.microsoft.com/office/drawing/2014/main" id="{122A3C7F-A432-4771-B7E0-97FF0D9148BB}"/>
+              </a:ext>
+            </a:extLst>
+          </p:cNvPr>
+          <p:cNvSpPr>
+            <a:spLocks noGrp="1"/>
+          </p:cNvSpPr>
+          <p:nvPr>
+            <p:ph type="ftr" sz="quarter" idx="11"/>
+          </p:nvPr>
+        </p:nvSpPr>
+        <p:spPr>
+          <a:xfrm>
+            <a:off x="1302707" y="5724395"/>
+            <a:ext cx="8680537" cy="997081"/>
+          </a:xfrm>
+        </p:spPr>
+        <p:txBody>
+          <a:bodyPr/>
+          <a:lstStyle/>
+          <a:p>
+            <a:r>
+              <a:rPr lang="en-US" b="1" dirty="0">
+                <a:solidFill>
+                  <a:schemeClr val="tx1"/>
+                </a:solidFill>
+              </a:rPr>
+              <a:t>The learning curve shows the MONK-1 best model improving rapidly within the first 200 epochs. Loss (MSE) decreases to near zero, and accuracy reaches almost 100% for both training and validation. The model generalizes well, with no significant overfitting. Overall, it achieves stable and optimal performance efficiently.</a:t>
+            </a:r>
+          </a:p>
+        </p:txBody>
+      </p:sp>
     </p:spTree>
     <p:extLst>
       <p:ext uri="{BB962C8B-B14F-4D97-AF65-F5344CB8AC3E}">
-        <p14:creationId xmlns:p14="http://schemas.microsoft.com/office/powerpoint/2010/main" val="3409727636"/>
+        <p14:creationId xmlns:p14="http://schemas.microsoft.com/office/powerpoint/2010/main" val="290555671"/>
       </p:ext>
     </p:extLst>
   </p:cSld>
@@ -4500,7 +4762,7 @@
           <p:cNvPr id="2" name="Title 1">
             <a:extLst>
               <a:ext uri="{FF2B5EF4-FFF2-40B4-BE49-F238E27FC236}">
-                <a16:creationId xmlns:a16="http://schemas.microsoft.com/office/drawing/2014/main" id="{969D6DDD-2344-449C-8AE7-B240C97401F3}"/>
+                <a16:creationId xmlns:a16="http://schemas.microsoft.com/office/drawing/2014/main" id="{7DE539CD-26FB-427E-9B24-6A923ABFDB15}"/>
               </a:ext>
             </a:extLst>
           </p:cNvPr>
@@ -4523,7 +4785,7 @@
                 <a:latin typeface="Arial" panose="020B0604020202020204" pitchFamily="34" charset="0"/>
                 <a:cs typeface="Arial" panose="020B0604020202020204" pitchFamily="34" charset="0"/>
               </a:rPr>
-              <a:t>CUP Validation schema: data splitting</a:t>
+              <a:t>Monks 2</a:t>
             </a:r>
             <a:endParaRPr lang="en-US" sz="3600" b="1" dirty="0">
               <a:latin typeface="Arial" panose="020B0604020202020204" pitchFamily="34" charset="0"/>
@@ -4532,120 +4794,127 @@
           </a:p>
         </p:txBody>
       </p:sp>
-      <p:sp>
-        <p:nvSpPr>
-          <p:cNvPr id="3" name="Content Placeholder 2">
-            <a:extLst>
-              <a:ext uri="{FF2B5EF4-FFF2-40B4-BE49-F238E27FC236}">
-                <a16:creationId xmlns:a16="http://schemas.microsoft.com/office/drawing/2014/main" id="{E5F37D38-E0E4-4EB4-83D9-020E413906C5}"/>
-              </a:ext>
-            </a:extLst>
-          </p:cNvPr>
-          <p:cNvSpPr>
-            <a:spLocks noGrp="1"/>
-          </p:cNvSpPr>
+      <p:pic>
+        <p:nvPicPr>
+          <p:cNvPr id="5" name="Content Placeholder 4">
+            <a:extLst>
+              <a:ext uri="{FF2B5EF4-FFF2-40B4-BE49-F238E27FC236}">
+                <a16:creationId xmlns:a16="http://schemas.microsoft.com/office/drawing/2014/main" id="{B1C9A2A9-2C48-4096-AD95-50B411E90CC0}"/>
+              </a:ext>
+            </a:extLst>
+          </p:cNvPr>
+          <p:cNvPicPr>
+            <a:picLocks noGrp="1" noChangeAspect="1"/>
+          </p:cNvPicPr>
           <p:nvPr>
             <p:ph idx="1"/>
           </p:nvPr>
+        </p:nvPicPr>
+        <p:blipFill>
+          <a:blip r:embed="rId2">
+            <a:extLst>
+              <a:ext uri="{28A0092B-C50C-407E-A947-70E740481C1C}">
+                <a14:useLocalDpi xmlns:a14="http://schemas.microsoft.com/office/drawing/2010/main" val="0"/>
+              </a:ext>
+            </a:extLst>
+          </a:blip>
+          <a:stretch>
+            <a:fillRect/>
+          </a:stretch>
+        </p:blipFill>
+        <p:spPr>
+          <a:xfrm>
+            <a:off x="255264" y="1253492"/>
+            <a:ext cx="11681472" cy="4330185"/>
+          </a:xfrm>
+        </p:spPr>
+      </p:pic>
+      <p:sp>
+        <p:nvSpPr>
+          <p:cNvPr id="3" name="Slide Number Placeholder 2">
+            <a:extLst>
+              <a:ext uri="{FF2B5EF4-FFF2-40B4-BE49-F238E27FC236}">
+                <a16:creationId xmlns:a16="http://schemas.microsoft.com/office/drawing/2014/main" id="{20995391-89C8-4A25-8DA1-A11B609B5C6D}"/>
+              </a:ext>
+            </a:extLst>
+          </p:cNvPr>
+          <p:cNvSpPr>
+            <a:spLocks noGrp="1"/>
+          </p:cNvSpPr>
+          <p:nvPr>
+            <p:ph type="sldNum" sz="quarter" idx="12"/>
+          </p:nvPr>
         </p:nvSpPr>
         <p:spPr/>
         <p:txBody>
-          <a:bodyPr>
-            <a:normAutofit lnSpcReduction="10000"/>
-          </a:bodyPr>
-          <a:lstStyle/>
-          <a:p>
-            <a:pPr>
-              <a:lnSpc>
-                <a:spcPct val="150000"/>
-              </a:lnSpc>
-              <a:buFont typeface="Arial" panose="020B0604020202020204" pitchFamily="34" charset="0"/>
-              <a:buChar char="•"/>
-            </a:pPr>
-            <a:r>
-              <a:rPr lang="en-US" b="1" dirty="0"/>
-              <a:t>Data Splitting Approach:</a:t>
-            </a:r>
-            <a:endParaRPr lang="en-US" dirty="0"/>
-          </a:p>
-          <a:p>
-            <a:pPr marL="742950" lvl="1" indent="-285750">
-              <a:lnSpc>
-                <a:spcPct val="150000"/>
-              </a:lnSpc>
-              <a:buFont typeface="Arial" panose="020B0604020202020204" pitchFamily="34" charset="0"/>
-              <a:buChar char="•"/>
-            </a:pPr>
-            <a:r>
-              <a:rPr lang="en-US" dirty="0"/>
-              <a:t>80% training and 10% internal test is split from the original training dataset.</a:t>
-            </a:r>
-          </a:p>
-          <a:p>
-            <a:pPr marL="742950" lvl="1" indent="-285750">
-              <a:lnSpc>
-                <a:spcPct val="150000"/>
-              </a:lnSpc>
-              <a:buFont typeface="Arial" panose="020B0604020202020204" pitchFamily="34" charset="0"/>
-              <a:buChar char="•"/>
-            </a:pPr>
-            <a:r>
-              <a:rPr lang="en-US" dirty="0"/>
-              <a:t>5-fold cross-validation applied was applied on the 80% training set.</a:t>
-            </a:r>
-          </a:p>
-          <a:p>
-            <a:pPr>
-              <a:lnSpc>
-                <a:spcPct val="150000"/>
-              </a:lnSpc>
-              <a:buFont typeface="Arial" panose="020B0604020202020204" pitchFamily="34" charset="0"/>
-              <a:buChar char="•"/>
-            </a:pPr>
-            <a:r>
-              <a:rPr lang="en-US" b="1" dirty="0"/>
-              <a:t>Validation Schema:</a:t>
-            </a:r>
-            <a:endParaRPr lang="en-US" dirty="0"/>
-          </a:p>
-          <a:p>
-            <a:pPr marL="742950" lvl="1" indent="-285750">
-              <a:lnSpc>
-                <a:spcPct val="150000"/>
-              </a:lnSpc>
-              <a:buFont typeface="Arial" panose="020B0604020202020204" pitchFamily="34" charset="0"/>
-              <a:buChar char="•"/>
-            </a:pPr>
-            <a:r>
-              <a:rPr lang="en-US" dirty="0"/>
-              <a:t>Used k-fold cross-validation for model selection using the above split training set.</a:t>
-            </a:r>
-          </a:p>
-          <a:p>
-            <a:pPr marL="742950" lvl="1" indent="-285750">
-              <a:lnSpc>
-                <a:spcPct val="150000"/>
-              </a:lnSpc>
-              <a:buFont typeface="Arial" panose="020B0604020202020204" pitchFamily="34" charset="0"/>
-              <a:buChar char="•"/>
-            </a:pPr>
-            <a:r>
-              <a:rPr lang="en-US" dirty="0"/>
-              <a:t>Retraining of final model on full dataset before blind test.</a:t>
-            </a:r>
-          </a:p>
-          <a:p>
-            <a:pPr marL="0" indent="0">
-              <a:buNone/>
-            </a:pPr>
-            <a:endParaRPr lang="en-US" dirty="0"/>
+          <a:bodyPr/>
+          <a:lstStyle/>
+          <a:p>
+            <a:fld id="{A6B05161-9E42-4493-9916-6F12CA0446C4}" type="slidenum">
+              <a:rPr lang="en-US" sz="2800" b="1" smtClean="0">
+                <a:solidFill>
+                  <a:schemeClr val="tx1"/>
+                </a:solidFill>
+              </a:rPr>
+              <a:t>13</a:t>
+            </a:fld>
+            <a:endParaRPr lang="en-US" sz="2800" b="1" dirty="0">
+              <a:solidFill>
+                <a:schemeClr val="tx1"/>
+              </a:solidFill>
+            </a:endParaRPr>
+          </a:p>
+        </p:txBody>
+      </p:sp>
+      <p:sp>
+        <p:nvSpPr>
+          <p:cNvPr id="4" name="Footer Placeholder 3">
+            <a:extLst>
+              <a:ext uri="{FF2B5EF4-FFF2-40B4-BE49-F238E27FC236}">
+                <a16:creationId xmlns:a16="http://schemas.microsoft.com/office/drawing/2014/main" id="{C813506F-CFFB-4D56-8CF5-43BBB73EA106}"/>
+              </a:ext>
+            </a:extLst>
+          </p:cNvPr>
+          <p:cNvSpPr>
+            <a:spLocks noGrp="1"/>
+          </p:cNvSpPr>
+          <p:nvPr>
+            <p:ph type="ftr" sz="quarter" idx="11"/>
+          </p:nvPr>
+        </p:nvSpPr>
+        <p:spPr>
+          <a:xfrm>
+            <a:off x="2031304" y="5508320"/>
+            <a:ext cx="8129391" cy="984555"/>
+          </a:xfrm>
+        </p:spPr>
+        <p:txBody>
+          <a:bodyPr/>
+          <a:lstStyle/>
+          <a:p>
+            <a:r>
+              <a:rPr lang="en-US" b="1" dirty="0">
+                <a:solidFill>
+                  <a:schemeClr val="tx1"/>
+                </a:solidFill>
+              </a:rPr>
+              <a:t>Loss decreases steadily, but validation fluctuates before stabilizing. Accuracy improves gradually, reaching 100% around 400 epochs. The model learns well but takes longer to stabilize. Dataset complexity makes training more challenging</a:t>
+            </a:r>
+            <a:r>
+              <a:rPr lang="en-US" dirty="0">
+                <a:solidFill>
+                  <a:schemeClr val="tx1"/>
+                </a:solidFill>
+              </a:rPr>
+              <a:t>.</a:t>
+            </a:r>
           </a:p>
         </p:txBody>
       </p:sp>
     </p:spTree>
     <p:extLst>
       <p:ext uri="{BB962C8B-B14F-4D97-AF65-F5344CB8AC3E}">
-        <p14:creationId xmlns:p14="http://schemas.microsoft.com/office/powerpoint/2010/main" val="2488868007"/>
+        <p14:creationId xmlns:p14="http://schemas.microsoft.com/office/powerpoint/2010/main" val="4278377027"/>
       </p:ext>
     </p:extLst>
   </p:cSld>
@@ -4677,7 +4946,7 @@
           <p:cNvPr id="2" name="Title 1">
             <a:extLst>
               <a:ext uri="{FF2B5EF4-FFF2-40B4-BE49-F238E27FC236}">
-                <a16:creationId xmlns:a16="http://schemas.microsoft.com/office/drawing/2014/main" id="{C0507E87-96B1-4133-8E87-68E48F7D5E19}"/>
+                <a16:creationId xmlns:a16="http://schemas.microsoft.com/office/drawing/2014/main" id="{2760B3E3-75E9-4697-8657-A573237C6130}"/>
               </a:ext>
             </a:extLst>
           </p:cNvPr>
@@ -4696,161 +4965,128 @@
           <a:lstStyle/>
           <a:p>
             <a:r>
-              <a:rPr lang="it" sz="3600" b="1" dirty="0">
+              <a:rPr lang="en-US" sz="3600" b="1" dirty="0">
                 <a:latin typeface="Arial" panose="020B0604020202020204" pitchFamily="34" charset="0"/>
                 <a:cs typeface="Arial" panose="020B0604020202020204" pitchFamily="34" charset="0"/>
               </a:rPr>
-              <a:t>CUP Validation schema: model selection</a:t>
-            </a:r>
-            <a:endParaRPr lang="en-US" sz="3600" b="1" dirty="0">
-              <a:latin typeface="Arial" panose="020B0604020202020204" pitchFamily="34" charset="0"/>
-              <a:cs typeface="Arial" panose="020B0604020202020204" pitchFamily="34" charset="0"/>
-            </a:endParaRPr>
-          </a:p>
-        </p:txBody>
-      </p:sp>
-      <p:sp>
-        <p:nvSpPr>
-          <p:cNvPr id="3" name="Content Placeholder 2">
-            <a:extLst>
-              <a:ext uri="{FF2B5EF4-FFF2-40B4-BE49-F238E27FC236}">
-                <a16:creationId xmlns:a16="http://schemas.microsoft.com/office/drawing/2014/main" id="{72810CEA-E8FD-4A96-A4DE-ED308F601208}"/>
-              </a:ext>
-            </a:extLst>
-          </p:cNvPr>
-          <p:cNvSpPr>
-            <a:spLocks noGrp="1"/>
-          </p:cNvSpPr>
+              <a:t>Monks-3 (without regularization)</a:t>
+            </a:r>
+          </a:p>
+        </p:txBody>
+      </p:sp>
+      <p:pic>
+        <p:nvPicPr>
+          <p:cNvPr id="5" name="Content Placeholder 4">
+            <a:extLst>
+              <a:ext uri="{FF2B5EF4-FFF2-40B4-BE49-F238E27FC236}">
+                <a16:creationId xmlns:a16="http://schemas.microsoft.com/office/drawing/2014/main" id="{CC0C9CAC-A614-4F08-AE3F-BAC178F2D093}"/>
+              </a:ext>
+            </a:extLst>
+          </p:cNvPr>
+          <p:cNvPicPr>
+            <a:picLocks noGrp="1" noChangeAspect="1"/>
+          </p:cNvPicPr>
           <p:nvPr>
             <p:ph idx="1"/>
           </p:nvPr>
-        </p:nvSpPr>
+        </p:nvPicPr>
+        <p:blipFill>
+          <a:blip r:embed="rId2">
+            <a:extLst>
+              <a:ext uri="{28A0092B-C50C-407E-A947-70E740481C1C}">
+                <a14:useLocalDpi xmlns:a14="http://schemas.microsoft.com/office/drawing/2010/main" val="0"/>
+              </a:ext>
+            </a:extLst>
+          </a:blip>
+          <a:stretch>
+            <a:fillRect/>
+          </a:stretch>
+        </p:blipFill>
         <p:spPr>
           <a:xfrm>
-            <a:off x="638827" y="1690688"/>
-            <a:ext cx="10714973" cy="4761522"/>
+            <a:off x="675362" y="1214494"/>
+            <a:ext cx="10334360" cy="4429012"/>
           </a:xfrm>
         </p:spPr>
-        <p:txBody>
-          <a:bodyPr>
-            <a:normAutofit lnSpcReduction="10000"/>
-          </a:bodyPr>
-          <a:lstStyle/>
-          <a:p>
-            <a:pPr>
-              <a:lnSpc>
-                <a:spcPct val="150000"/>
-              </a:lnSpc>
-              <a:buFont typeface="Arial" panose="020B0604020202020204" pitchFamily="34" charset="0"/>
-              <a:buChar char="•"/>
-            </a:pPr>
-            <a:r>
-              <a:rPr lang="en-US" b="1" dirty="0"/>
-              <a:t>Hyperparameter Exploration:</a:t>
-            </a:r>
-            <a:endParaRPr lang="en-US" dirty="0"/>
-          </a:p>
-          <a:p>
-            <a:pPr marL="742950" lvl="1" indent="-285750">
-              <a:lnSpc>
-                <a:spcPct val="150000"/>
-              </a:lnSpc>
-              <a:buFont typeface="Arial" panose="020B0604020202020204" pitchFamily="34" charset="0"/>
-              <a:buChar char="•"/>
-            </a:pPr>
-            <a:r>
-              <a:rPr lang="en-US" dirty="0"/>
-              <a:t>Grid search applied with parameter ranges:</a:t>
-            </a:r>
-          </a:p>
-          <a:p>
-            <a:pPr marL="1143000" lvl="2" indent="-228600">
-              <a:lnSpc>
-                <a:spcPct val="150000"/>
-              </a:lnSpc>
-              <a:buFont typeface="Arial" panose="020B0604020202020204" pitchFamily="34" charset="0"/>
-              <a:buChar char="•"/>
-            </a:pPr>
-            <a:r>
-              <a:rPr lang="en-US" dirty="0"/>
-              <a:t>Learning rates: [0.0001, 0.001]</a:t>
-            </a:r>
-          </a:p>
-          <a:p>
-            <a:pPr marL="1143000" lvl="2" indent="-228600">
-              <a:lnSpc>
-                <a:spcPct val="150000"/>
-              </a:lnSpc>
-              <a:buFont typeface="Arial" panose="020B0604020202020204" pitchFamily="34" charset="0"/>
-              <a:buChar char="•"/>
-            </a:pPr>
-            <a:r>
-              <a:rPr lang="en-US" dirty="0"/>
-              <a:t>Batch sizes: [8, 16]</a:t>
-            </a:r>
-          </a:p>
-          <a:p>
-            <a:pPr marL="1143000" lvl="2" indent="-228600">
-              <a:lnSpc>
-                <a:spcPct val="150000"/>
-              </a:lnSpc>
-              <a:buFont typeface="Arial" panose="020B0604020202020204" pitchFamily="34" charset="0"/>
-              <a:buChar char="•"/>
-            </a:pPr>
-            <a:r>
-              <a:rPr lang="en-US" dirty="0"/>
-              <a:t>Momentum: [0.2, 0.8]</a:t>
-            </a:r>
-          </a:p>
-          <a:p>
-            <a:pPr>
-              <a:lnSpc>
-                <a:spcPct val="150000"/>
-              </a:lnSpc>
-              <a:buFont typeface="Arial" panose="020B0604020202020204" pitchFamily="34" charset="0"/>
-              <a:buChar char="•"/>
-            </a:pPr>
-            <a:r>
-              <a:rPr lang="en-US" b="1" dirty="0"/>
-              <a:t>Final Model Selection:</a:t>
-            </a:r>
-            <a:endParaRPr lang="en-US" dirty="0"/>
-          </a:p>
-          <a:p>
-            <a:pPr marL="742950" lvl="1" indent="-285750">
-              <a:lnSpc>
-                <a:spcPct val="150000"/>
-              </a:lnSpc>
-              <a:buFont typeface="Arial" panose="020B0604020202020204" pitchFamily="34" charset="0"/>
-              <a:buChar char="•"/>
-            </a:pPr>
-            <a:r>
-              <a:rPr lang="en-US" dirty="0"/>
-              <a:t>Chosen based on lowest validation loss and error (MEE).</a:t>
-            </a:r>
-          </a:p>
-          <a:p>
-            <a:pPr marL="742950" lvl="1" indent="-285750">
-              <a:lnSpc>
-                <a:spcPct val="150000"/>
-              </a:lnSpc>
-              <a:buFont typeface="Arial" panose="020B0604020202020204" pitchFamily="34" charset="0"/>
-              <a:buChar char="•"/>
-            </a:pPr>
-            <a:r>
-              <a:rPr lang="en-US" dirty="0"/>
-              <a:t>Comparison of different architectures.</a:t>
-            </a:r>
-          </a:p>
-          <a:p>
-            <a:endParaRPr lang="en-US" dirty="0"/>
+      </p:pic>
+      <p:sp>
+        <p:nvSpPr>
+          <p:cNvPr id="3" name="Slide Number Placeholder 2">
+            <a:extLst>
+              <a:ext uri="{FF2B5EF4-FFF2-40B4-BE49-F238E27FC236}">
+                <a16:creationId xmlns:a16="http://schemas.microsoft.com/office/drawing/2014/main" id="{663B6AEA-2526-40F7-9827-E12BB8ACD8C9}"/>
+              </a:ext>
+            </a:extLst>
+          </p:cNvPr>
+          <p:cNvSpPr>
+            <a:spLocks noGrp="1"/>
+          </p:cNvSpPr>
+          <p:nvPr>
+            <p:ph type="sldNum" sz="quarter" idx="12"/>
+          </p:nvPr>
+        </p:nvSpPr>
+        <p:spPr/>
+        <p:txBody>
+          <a:bodyPr/>
+          <a:lstStyle/>
+          <a:p>
+            <a:fld id="{A6B05161-9E42-4493-9916-6F12CA0446C4}" type="slidenum">
+              <a:rPr lang="en-US" sz="2800" b="1" smtClean="0">
+                <a:solidFill>
+                  <a:schemeClr val="tx1"/>
+                </a:solidFill>
+              </a:rPr>
+              <a:t>14</a:t>
+            </a:fld>
+            <a:endParaRPr lang="en-US" sz="2800" b="1" dirty="0">
+              <a:solidFill>
+                <a:schemeClr val="tx1"/>
+              </a:solidFill>
+            </a:endParaRPr>
+          </a:p>
+        </p:txBody>
+      </p:sp>
+      <p:sp>
+        <p:nvSpPr>
+          <p:cNvPr id="6" name="Footer Placeholder 5">
+            <a:extLst>
+              <a:ext uri="{FF2B5EF4-FFF2-40B4-BE49-F238E27FC236}">
+                <a16:creationId xmlns:a16="http://schemas.microsoft.com/office/drawing/2014/main" id="{7805383F-07AF-421E-86E3-DC0D5F3435E1}"/>
+              </a:ext>
+            </a:extLst>
+          </p:cNvPr>
+          <p:cNvSpPr>
+            <a:spLocks noGrp="1"/>
+          </p:cNvSpPr>
+          <p:nvPr>
+            <p:ph type="ftr" sz="quarter" idx="11"/>
+          </p:nvPr>
+        </p:nvSpPr>
+        <p:spPr>
+          <a:xfrm>
+            <a:off x="1703540" y="5589070"/>
+            <a:ext cx="8505171" cy="821716"/>
+          </a:xfrm>
+        </p:spPr>
+        <p:txBody>
+          <a:bodyPr/>
+          <a:lstStyle/>
+          <a:p>
+            <a:r>
+              <a:rPr lang="en-US" b="1" dirty="0">
+                <a:solidFill>
+                  <a:schemeClr val="tx1"/>
+                </a:solidFill>
+              </a:rPr>
+              <a:t>Training loss drops fast, while validation loss stays higher. Training accuracy reaches 95%, but validation accuracy fluctuates and remains lower. Overfitting is evident as training accuracy is much higher. The lack of regularization affects model stability.</a:t>
+            </a:r>
           </a:p>
         </p:txBody>
       </p:sp>
     </p:spTree>
     <p:extLst>
       <p:ext uri="{BB962C8B-B14F-4D97-AF65-F5344CB8AC3E}">
-        <p14:creationId xmlns:p14="http://schemas.microsoft.com/office/powerpoint/2010/main" val="2416425722"/>
+        <p14:creationId xmlns:p14="http://schemas.microsoft.com/office/powerpoint/2010/main" val="2478067522"/>
       </p:ext>
     </p:extLst>
   </p:cSld>
@@ -4882,6 +5118,1058 @@
           <p:cNvPr id="2" name="Title 1">
             <a:extLst>
               <a:ext uri="{FF2B5EF4-FFF2-40B4-BE49-F238E27FC236}">
+                <a16:creationId xmlns:a16="http://schemas.microsoft.com/office/drawing/2014/main" id="{4E06E537-8743-4D17-878C-B2FC76D067D7}"/>
+              </a:ext>
+            </a:extLst>
+          </p:cNvPr>
+          <p:cNvSpPr>
+            <a:spLocks noGrp="1"/>
+          </p:cNvSpPr>
+          <p:nvPr>
+            <p:ph type="title"/>
+          </p:nvPr>
+        </p:nvSpPr>
+        <p:spPr/>
+        <p:txBody>
+          <a:bodyPr>
+            <a:normAutofit/>
+          </a:bodyPr>
+          <a:lstStyle/>
+          <a:p>
+            <a:r>
+              <a:rPr lang="en-US" sz="3600" b="1" dirty="0">
+                <a:latin typeface="Arial" panose="020B0604020202020204" pitchFamily="34" charset="0"/>
+                <a:cs typeface="Arial" panose="020B0604020202020204" pitchFamily="34" charset="0"/>
+              </a:rPr>
+              <a:t>Monk 3- with regularization</a:t>
+            </a:r>
+          </a:p>
+        </p:txBody>
+      </p:sp>
+      <p:pic>
+        <p:nvPicPr>
+          <p:cNvPr id="5" name="Content Placeholder 4">
+            <a:extLst>
+              <a:ext uri="{FF2B5EF4-FFF2-40B4-BE49-F238E27FC236}">
+                <a16:creationId xmlns:a16="http://schemas.microsoft.com/office/drawing/2014/main" id="{D8539C0F-F424-49F9-8B97-DD332A28899A}"/>
+              </a:ext>
+            </a:extLst>
+          </p:cNvPr>
+          <p:cNvPicPr>
+            <a:picLocks noGrp="1" noChangeAspect="1"/>
+          </p:cNvPicPr>
+          <p:nvPr>
+            <p:ph idx="1"/>
+          </p:nvPr>
+        </p:nvPicPr>
+        <p:blipFill>
+          <a:blip r:embed="rId2">
+            <a:extLst>
+              <a:ext uri="{28A0092B-C50C-407E-A947-70E740481C1C}">
+                <a14:useLocalDpi xmlns:a14="http://schemas.microsoft.com/office/drawing/2010/main" val="0"/>
+              </a:ext>
+            </a:extLst>
+          </a:blip>
+          <a:stretch>
+            <a:fillRect/>
+          </a:stretch>
+        </p:blipFill>
+        <p:spPr>
+          <a:xfrm>
+            <a:off x="459001" y="1213393"/>
+            <a:ext cx="10701034" cy="4586158"/>
+          </a:xfrm>
+        </p:spPr>
+      </p:pic>
+      <p:sp>
+        <p:nvSpPr>
+          <p:cNvPr id="3" name="Slide Number Placeholder 2">
+            <a:extLst>
+              <a:ext uri="{FF2B5EF4-FFF2-40B4-BE49-F238E27FC236}">
+                <a16:creationId xmlns:a16="http://schemas.microsoft.com/office/drawing/2014/main" id="{4859CE81-1E51-4ECF-8758-66B5AF94AB88}"/>
+              </a:ext>
+            </a:extLst>
+          </p:cNvPr>
+          <p:cNvSpPr>
+            <a:spLocks noGrp="1"/>
+          </p:cNvSpPr>
+          <p:nvPr>
+            <p:ph type="sldNum" sz="quarter" idx="12"/>
+          </p:nvPr>
+        </p:nvSpPr>
+        <p:spPr/>
+        <p:txBody>
+          <a:bodyPr/>
+          <a:lstStyle/>
+          <a:p>
+            <a:fld id="{A6B05161-9E42-4493-9916-6F12CA0446C4}" type="slidenum">
+              <a:rPr lang="en-US" sz="2800" b="1" smtClean="0">
+                <a:solidFill>
+                  <a:schemeClr val="tx1"/>
+                </a:solidFill>
+              </a:rPr>
+              <a:t>15</a:t>
+            </a:fld>
+            <a:endParaRPr lang="en-US" sz="2800" b="1" dirty="0">
+              <a:solidFill>
+                <a:schemeClr val="tx1"/>
+              </a:solidFill>
+            </a:endParaRPr>
+          </a:p>
+        </p:txBody>
+      </p:sp>
+      <p:sp>
+        <p:nvSpPr>
+          <p:cNvPr id="6" name="Footer Placeholder 5">
+            <a:extLst>
+              <a:ext uri="{FF2B5EF4-FFF2-40B4-BE49-F238E27FC236}">
+                <a16:creationId xmlns:a16="http://schemas.microsoft.com/office/drawing/2014/main" id="{C967D28C-A3F4-44A8-8A43-C01B5B1807EC}"/>
+              </a:ext>
+            </a:extLst>
+          </p:cNvPr>
+          <p:cNvSpPr>
+            <a:spLocks noGrp="1"/>
+          </p:cNvSpPr>
+          <p:nvPr>
+            <p:ph type="ftr" sz="quarter" idx="11"/>
+          </p:nvPr>
+        </p:nvSpPr>
+        <p:spPr>
+          <a:xfrm>
+            <a:off x="1741118" y="5799551"/>
+            <a:ext cx="7841293" cy="818018"/>
+          </a:xfrm>
+        </p:spPr>
+        <p:txBody>
+          <a:bodyPr/>
+          <a:lstStyle/>
+          <a:p>
+            <a:r>
+              <a:rPr lang="en-US" b="1" dirty="0">
+                <a:solidFill>
+                  <a:schemeClr val="tx1"/>
+                </a:solidFill>
+              </a:rPr>
+              <a:t>Loss decreases, but validation loss flattens early, preventing overfitting. Accuracy improves gradually but remains lower than training accuracy. Regularization helps but limits performance. The model struggles to generalize well due to dataset complexity.</a:t>
+            </a:r>
+          </a:p>
+        </p:txBody>
+      </p:sp>
+    </p:spTree>
+    <p:extLst>
+      <p:ext uri="{BB962C8B-B14F-4D97-AF65-F5344CB8AC3E}">
+        <p14:creationId xmlns:p14="http://schemas.microsoft.com/office/powerpoint/2010/main" val="3409727636"/>
+      </p:ext>
+    </p:extLst>
+  </p:cSld>
+  <p:clrMapOvr>
+    <a:masterClrMapping/>
+  </p:clrMapOvr>
+</p:sld>
+</file>
+
+<file path=ppt/slides/slide16.xml><?xml version="1.0" encoding="utf-8"?>
+<p:sld xmlns:a="http://schemas.openxmlformats.org/drawingml/2006/main" xmlns:r="http://schemas.openxmlformats.org/officeDocument/2006/relationships" xmlns:p="http://schemas.openxmlformats.org/presentationml/2006/main">
+  <p:cSld>
+    <p:spTree>
+      <p:nvGrpSpPr>
+        <p:cNvPr id="1" name=""/>
+        <p:cNvGrpSpPr/>
+        <p:nvPr/>
+      </p:nvGrpSpPr>
+      <p:grpSpPr>
+        <a:xfrm>
+          <a:off x="0" y="0"/>
+          <a:ext cx="0" cy="0"/>
+          <a:chOff x="0" y="0"/>
+          <a:chExt cx="0" cy="0"/>
+        </a:xfrm>
+      </p:grpSpPr>
+      <p:sp>
+        <p:nvSpPr>
+          <p:cNvPr id="2" name="Title 1">
+            <a:extLst>
+              <a:ext uri="{FF2B5EF4-FFF2-40B4-BE49-F238E27FC236}">
+                <a16:creationId xmlns:a16="http://schemas.microsoft.com/office/drawing/2014/main" id="{969D6DDD-2344-449C-8AE7-B240C97401F3}"/>
+              </a:ext>
+            </a:extLst>
+          </p:cNvPr>
+          <p:cNvSpPr>
+            <a:spLocks noGrp="1"/>
+          </p:cNvSpPr>
+          <p:nvPr>
+            <p:ph type="title"/>
+          </p:nvPr>
+        </p:nvSpPr>
+        <p:spPr/>
+        <p:txBody>
+          <a:bodyPr>
+            <a:normAutofit/>
+          </a:bodyPr>
+          <a:lstStyle/>
+          <a:p>
+            <a:r>
+              <a:rPr lang="it" sz="3600" b="1" dirty="0">
+                <a:latin typeface="Arial" panose="020B0604020202020204" pitchFamily="34" charset="0"/>
+                <a:cs typeface="Arial" panose="020B0604020202020204" pitchFamily="34" charset="0"/>
+              </a:rPr>
+              <a:t>CUP Validation schema: data splitting</a:t>
+            </a:r>
+            <a:endParaRPr lang="en-US" sz="3600" b="1" dirty="0">
+              <a:latin typeface="Arial" panose="020B0604020202020204" pitchFamily="34" charset="0"/>
+              <a:cs typeface="Arial" panose="020B0604020202020204" pitchFamily="34" charset="0"/>
+            </a:endParaRPr>
+          </a:p>
+        </p:txBody>
+      </p:sp>
+      <p:sp>
+        <p:nvSpPr>
+          <p:cNvPr id="3" name="Content Placeholder 2">
+            <a:extLst>
+              <a:ext uri="{FF2B5EF4-FFF2-40B4-BE49-F238E27FC236}">
+                <a16:creationId xmlns:a16="http://schemas.microsoft.com/office/drawing/2014/main" id="{E5F37D38-E0E4-4EB4-83D9-020E413906C5}"/>
+              </a:ext>
+            </a:extLst>
+          </p:cNvPr>
+          <p:cNvSpPr>
+            <a:spLocks noGrp="1"/>
+          </p:cNvSpPr>
+          <p:nvPr>
+            <p:ph idx="1"/>
+          </p:nvPr>
+        </p:nvSpPr>
+        <p:spPr/>
+        <p:txBody>
+          <a:bodyPr>
+            <a:normAutofit lnSpcReduction="10000"/>
+          </a:bodyPr>
+          <a:lstStyle/>
+          <a:p>
+            <a:pPr>
+              <a:lnSpc>
+                <a:spcPct val="150000"/>
+              </a:lnSpc>
+              <a:buFont typeface="Arial" panose="020B0604020202020204" pitchFamily="34" charset="0"/>
+              <a:buChar char="•"/>
+            </a:pPr>
+            <a:r>
+              <a:rPr lang="en-US" b="1" dirty="0"/>
+              <a:t>Data Splitting Approach:</a:t>
+            </a:r>
+            <a:endParaRPr lang="en-US" dirty="0"/>
+          </a:p>
+          <a:p>
+            <a:pPr marL="742950" lvl="1" indent="-285750">
+              <a:lnSpc>
+                <a:spcPct val="150000"/>
+              </a:lnSpc>
+              <a:buFont typeface="Arial" panose="020B0604020202020204" pitchFamily="34" charset="0"/>
+              <a:buChar char="•"/>
+            </a:pPr>
+            <a:r>
+              <a:rPr lang="en-US" dirty="0"/>
+              <a:t>80% training and 10% internal test is split from the original training dataset.</a:t>
+            </a:r>
+          </a:p>
+          <a:p>
+            <a:pPr marL="742950" lvl="1" indent="-285750">
+              <a:lnSpc>
+                <a:spcPct val="150000"/>
+              </a:lnSpc>
+              <a:buFont typeface="Arial" panose="020B0604020202020204" pitchFamily="34" charset="0"/>
+              <a:buChar char="•"/>
+            </a:pPr>
+            <a:r>
+              <a:rPr lang="en-US" dirty="0"/>
+              <a:t>5-fold cross-validation applied was applied on the 80% training set.</a:t>
+            </a:r>
+          </a:p>
+          <a:p>
+            <a:pPr>
+              <a:lnSpc>
+                <a:spcPct val="150000"/>
+              </a:lnSpc>
+              <a:buFont typeface="Arial" panose="020B0604020202020204" pitchFamily="34" charset="0"/>
+              <a:buChar char="•"/>
+            </a:pPr>
+            <a:r>
+              <a:rPr lang="en-US" b="1" dirty="0"/>
+              <a:t>Validation Schema:</a:t>
+            </a:r>
+            <a:endParaRPr lang="en-US" dirty="0"/>
+          </a:p>
+          <a:p>
+            <a:pPr marL="742950" lvl="1" indent="-285750">
+              <a:lnSpc>
+                <a:spcPct val="150000"/>
+              </a:lnSpc>
+              <a:buFont typeface="Arial" panose="020B0604020202020204" pitchFamily="34" charset="0"/>
+              <a:buChar char="•"/>
+            </a:pPr>
+            <a:r>
+              <a:rPr lang="en-US" dirty="0"/>
+              <a:t>Used k-fold cross-validation for model selection using the above split training set.</a:t>
+            </a:r>
+          </a:p>
+          <a:p>
+            <a:pPr marL="742950" lvl="1" indent="-285750">
+              <a:lnSpc>
+                <a:spcPct val="150000"/>
+              </a:lnSpc>
+              <a:buFont typeface="Arial" panose="020B0604020202020204" pitchFamily="34" charset="0"/>
+              <a:buChar char="•"/>
+            </a:pPr>
+            <a:r>
+              <a:rPr lang="en-US" dirty="0"/>
+              <a:t>Retraining of final model on full dataset before blind test.</a:t>
+            </a:r>
+          </a:p>
+          <a:p>
+            <a:pPr marL="0" indent="0">
+              <a:buNone/>
+            </a:pPr>
+            <a:endParaRPr lang="en-US" dirty="0"/>
+          </a:p>
+        </p:txBody>
+      </p:sp>
+      <p:sp>
+        <p:nvSpPr>
+          <p:cNvPr id="4" name="Slide Number Placeholder 3">
+            <a:extLst>
+              <a:ext uri="{FF2B5EF4-FFF2-40B4-BE49-F238E27FC236}">
+                <a16:creationId xmlns:a16="http://schemas.microsoft.com/office/drawing/2014/main" id="{34228BB7-A168-492B-9306-9D809676E4B9}"/>
+              </a:ext>
+            </a:extLst>
+          </p:cNvPr>
+          <p:cNvSpPr>
+            <a:spLocks noGrp="1"/>
+          </p:cNvSpPr>
+          <p:nvPr>
+            <p:ph type="sldNum" sz="quarter" idx="12"/>
+          </p:nvPr>
+        </p:nvSpPr>
+        <p:spPr/>
+        <p:txBody>
+          <a:bodyPr/>
+          <a:lstStyle/>
+          <a:p>
+            <a:fld id="{A6B05161-9E42-4493-9916-6F12CA0446C4}" type="slidenum">
+              <a:rPr lang="en-US" sz="2800" b="1" smtClean="0">
+                <a:solidFill>
+                  <a:schemeClr val="tx1"/>
+                </a:solidFill>
+              </a:rPr>
+              <a:t>16</a:t>
+            </a:fld>
+            <a:endParaRPr lang="en-US" sz="2800" b="1" dirty="0">
+              <a:solidFill>
+                <a:schemeClr val="tx1"/>
+              </a:solidFill>
+            </a:endParaRPr>
+          </a:p>
+        </p:txBody>
+      </p:sp>
+    </p:spTree>
+    <p:extLst>
+      <p:ext uri="{BB962C8B-B14F-4D97-AF65-F5344CB8AC3E}">
+        <p14:creationId xmlns:p14="http://schemas.microsoft.com/office/powerpoint/2010/main" val="2488868007"/>
+      </p:ext>
+    </p:extLst>
+  </p:cSld>
+  <p:clrMapOvr>
+    <a:masterClrMapping/>
+  </p:clrMapOvr>
+</p:sld>
+</file>
+
+<file path=ppt/slides/slide17.xml><?xml version="1.0" encoding="utf-8"?>
+<p:sld xmlns:a="http://schemas.openxmlformats.org/drawingml/2006/main" xmlns:r="http://schemas.openxmlformats.org/officeDocument/2006/relationships" xmlns:p="http://schemas.openxmlformats.org/presentationml/2006/main">
+  <p:cSld>
+    <p:spTree>
+      <p:nvGrpSpPr>
+        <p:cNvPr id="1" name=""/>
+        <p:cNvGrpSpPr/>
+        <p:nvPr/>
+      </p:nvGrpSpPr>
+      <p:grpSpPr>
+        <a:xfrm>
+          <a:off x="0" y="0"/>
+          <a:ext cx="0" cy="0"/>
+          <a:chOff x="0" y="0"/>
+          <a:chExt cx="0" cy="0"/>
+        </a:xfrm>
+      </p:grpSpPr>
+      <p:sp>
+        <p:nvSpPr>
+          <p:cNvPr id="2" name="Title 1">
+            <a:extLst>
+              <a:ext uri="{FF2B5EF4-FFF2-40B4-BE49-F238E27FC236}">
+                <a16:creationId xmlns:a16="http://schemas.microsoft.com/office/drawing/2014/main" id="{C0507E87-96B1-4133-8E87-68E48F7D5E19}"/>
+              </a:ext>
+            </a:extLst>
+          </p:cNvPr>
+          <p:cNvSpPr>
+            <a:spLocks noGrp="1"/>
+          </p:cNvSpPr>
+          <p:nvPr>
+            <p:ph type="title"/>
+          </p:nvPr>
+        </p:nvSpPr>
+        <p:spPr/>
+        <p:txBody>
+          <a:bodyPr>
+            <a:normAutofit/>
+          </a:bodyPr>
+          <a:lstStyle/>
+          <a:p>
+            <a:r>
+              <a:rPr lang="it" sz="3600" b="1" dirty="0">
+                <a:latin typeface="Arial" panose="020B0604020202020204" pitchFamily="34" charset="0"/>
+                <a:cs typeface="Arial" panose="020B0604020202020204" pitchFamily="34" charset="0"/>
+              </a:rPr>
+              <a:t>CUP Validation schema: model selection</a:t>
+            </a:r>
+            <a:endParaRPr lang="en-US" sz="3600" b="1" dirty="0">
+              <a:latin typeface="Arial" panose="020B0604020202020204" pitchFamily="34" charset="0"/>
+              <a:cs typeface="Arial" panose="020B0604020202020204" pitchFamily="34" charset="0"/>
+            </a:endParaRPr>
+          </a:p>
+        </p:txBody>
+      </p:sp>
+      <p:sp>
+        <p:nvSpPr>
+          <p:cNvPr id="3" name="Content Placeholder 2">
+            <a:extLst>
+              <a:ext uri="{FF2B5EF4-FFF2-40B4-BE49-F238E27FC236}">
+                <a16:creationId xmlns:a16="http://schemas.microsoft.com/office/drawing/2014/main" id="{72810CEA-E8FD-4A96-A4DE-ED308F601208}"/>
+              </a:ext>
+            </a:extLst>
+          </p:cNvPr>
+          <p:cNvSpPr>
+            <a:spLocks noGrp="1"/>
+          </p:cNvSpPr>
+          <p:nvPr>
+            <p:ph idx="1"/>
+          </p:nvPr>
+        </p:nvSpPr>
+        <p:spPr>
+          <a:xfrm>
+            <a:off x="638827" y="1690688"/>
+            <a:ext cx="10714973" cy="4761522"/>
+          </a:xfrm>
+        </p:spPr>
+        <p:txBody>
+          <a:bodyPr>
+            <a:normAutofit/>
+          </a:bodyPr>
+          <a:lstStyle/>
+          <a:p>
+            <a:pPr>
+              <a:lnSpc>
+                <a:spcPct val="150000"/>
+              </a:lnSpc>
+              <a:buFont typeface="Arial" panose="020B0604020202020204" pitchFamily="34" charset="0"/>
+              <a:buChar char="•"/>
+            </a:pPr>
+            <a:r>
+              <a:rPr lang="en-US" b="1" dirty="0"/>
+              <a:t>Selection Criteria:</a:t>
+            </a:r>
+            <a:endParaRPr lang="en-US" dirty="0"/>
+          </a:p>
+          <a:p>
+            <a:pPr marL="742950" lvl="1" indent="-285750">
+              <a:lnSpc>
+                <a:spcPct val="150000"/>
+              </a:lnSpc>
+              <a:buFont typeface="Arial" panose="020B0604020202020204" pitchFamily="34" charset="0"/>
+              <a:buChar char="•"/>
+            </a:pPr>
+            <a:r>
+              <a:rPr lang="en-US" dirty="0"/>
+              <a:t>Each combination was evaluated based on validation loss (MEE).</a:t>
+            </a:r>
+          </a:p>
+          <a:p>
+            <a:pPr marL="742950" lvl="1" indent="-285750">
+              <a:lnSpc>
+                <a:spcPct val="150000"/>
+              </a:lnSpc>
+              <a:buFont typeface="Arial" panose="020B0604020202020204" pitchFamily="34" charset="0"/>
+              <a:buChar char="•"/>
+            </a:pPr>
+            <a:r>
+              <a:rPr lang="en-US" dirty="0"/>
+              <a:t>The model achieving the </a:t>
+            </a:r>
+            <a:r>
+              <a:rPr lang="en-US" b="1" dirty="0"/>
+              <a:t>lowest average validation loss</a:t>
+            </a:r>
+            <a:r>
+              <a:rPr lang="en-US" dirty="0"/>
+              <a:t> across multiple runs was selected.</a:t>
+            </a:r>
+          </a:p>
+          <a:p>
+            <a:pPr marL="742950" lvl="1" indent="-285750">
+              <a:lnSpc>
+                <a:spcPct val="150000"/>
+              </a:lnSpc>
+              <a:buFont typeface="Arial" panose="020B0604020202020204" pitchFamily="34" charset="0"/>
+              <a:buChar char="•"/>
+            </a:pPr>
+            <a:r>
+              <a:rPr lang="en-US" dirty="0"/>
+              <a:t>The final model selection was based on </a:t>
+            </a:r>
+            <a:r>
+              <a:rPr lang="en-US" b="1" dirty="0"/>
+              <a:t>stability and consistency</a:t>
+            </a:r>
+            <a:r>
+              <a:rPr lang="en-US" dirty="0"/>
+              <a:t> in performance, ensuring it generalizes well to unseen data.</a:t>
+            </a:r>
+          </a:p>
+          <a:p>
+            <a:pPr marL="742950" lvl="1" indent="-285750">
+              <a:lnSpc>
+                <a:spcPct val="150000"/>
+              </a:lnSpc>
+              <a:buFont typeface="Arial" panose="020B0604020202020204" pitchFamily="34" charset="0"/>
+              <a:buChar char="•"/>
+            </a:pPr>
+            <a:r>
+              <a:rPr lang="en-US" dirty="0"/>
+              <a:t>Comparative analysis of different architectures further guided the decision.</a:t>
+            </a:r>
+          </a:p>
+          <a:p>
+            <a:endParaRPr lang="en-US" dirty="0"/>
+          </a:p>
+        </p:txBody>
+      </p:sp>
+      <p:sp>
+        <p:nvSpPr>
+          <p:cNvPr id="4" name="Slide Number Placeholder 3">
+            <a:extLst>
+              <a:ext uri="{FF2B5EF4-FFF2-40B4-BE49-F238E27FC236}">
+                <a16:creationId xmlns:a16="http://schemas.microsoft.com/office/drawing/2014/main" id="{CFD8FEEC-9A60-4AAF-9DF3-80CD865C0AC3}"/>
+              </a:ext>
+            </a:extLst>
+          </p:cNvPr>
+          <p:cNvSpPr>
+            <a:spLocks noGrp="1"/>
+          </p:cNvSpPr>
+          <p:nvPr>
+            <p:ph type="sldNum" sz="quarter" idx="12"/>
+          </p:nvPr>
+        </p:nvSpPr>
+        <p:spPr/>
+        <p:txBody>
+          <a:bodyPr/>
+          <a:lstStyle/>
+          <a:p>
+            <a:fld id="{A6B05161-9E42-4493-9916-6F12CA0446C4}" type="slidenum">
+              <a:rPr lang="en-US" sz="2800" b="1" smtClean="0">
+                <a:solidFill>
+                  <a:schemeClr val="tx1"/>
+                </a:solidFill>
+              </a:rPr>
+              <a:t>17</a:t>
+            </a:fld>
+            <a:endParaRPr lang="en-US" sz="2800" b="1" dirty="0">
+              <a:solidFill>
+                <a:schemeClr val="tx1"/>
+              </a:solidFill>
+            </a:endParaRPr>
+          </a:p>
+        </p:txBody>
+      </p:sp>
+    </p:spTree>
+    <p:extLst>
+      <p:ext uri="{BB962C8B-B14F-4D97-AF65-F5344CB8AC3E}">
+        <p14:creationId xmlns:p14="http://schemas.microsoft.com/office/powerpoint/2010/main" val="2416425722"/>
+      </p:ext>
+    </p:extLst>
+  </p:cSld>
+  <p:clrMapOvr>
+    <a:masterClrMapping/>
+  </p:clrMapOvr>
+</p:sld>
+</file>
+
+<file path=ppt/slides/slide18.xml><?xml version="1.0" encoding="utf-8"?>
+<p:sld xmlns:a="http://schemas.openxmlformats.org/drawingml/2006/main" xmlns:r="http://schemas.openxmlformats.org/officeDocument/2006/relationships" xmlns:p="http://schemas.openxmlformats.org/presentationml/2006/main">
+  <p:cSld>
+    <p:spTree>
+      <p:nvGrpSpPr>
+        <p:cNvPr id="1" name=""/>
+        <p:cNvGrpSpPr/>
+        <p:nvPr/>
+      </p:nvGrpSpPr>
+      <p:grpSpPr>
+        <a:xfrm>
+          <a:off x="0" y="0"/>
+          <a:ext cx="0" cy="0"/>
+          <a:chOff x="0" y="0"/>
+          <a:chExt cx="0" cy="0"/>
+        </a:xfrm>
+      </p:grpSpPr>
+      <p:sp>
+        <p:nvSpPr>
+          <p:cNvPr id="2" name="Title 1">
+            <a:extLst>
+              <a:ext uri="{FF2B5EF4-FFF2-40B4-BE49-F238E27FC236}">
+                <a16:creationId xmlns:a16="http://schemas.microsoft.com/office/drawing/2014/main" id="{37A4FA18-8396-4E3A-B34D-554113370016}"/>
+              </a:ext>
+            </a:extLst>
+          </p:cNvPr>
+          <p:cNvSpPr>
+            <a:spLocks noGrp="1"/>
+          </p:cNvSpPr>
+          <p:nvPr>
+            <p:ph type="title"/>
+          </p:nvPr>
+        </p:nvSpPr>
+        <p:spPr/>
+        <p:txBody>
+          <a:bodyPr>
+            <a:normAutofit/>
+          </a:bodyPr>
+          <a:lstStyle/>
+          <a:p>
+            <a:r>
+              <a:rPr lang="it" sz="3600" b="1" dirty="0">
+                <a:latin typeface="Arial" panose="020B0604020202020204" pitchFamily="34" charset="0"/>
+                <a:cs typeface="Arial" panose="020B0604020202020204" pitchFamily="34" charset="0"/>
+              </a:rPr>
+              <a:t>CUP Validation schema: model assesment</a:t>
+            </a:r>
+            <a:endParaRPr lang="en-US" sz="3600" dirty="0"/>
+          </a:p>
+        </p:txBody>
+      </p:sp>
+      <p:sp>
+        <p:nvSpPr>
+          <p:cNvPr id="3" name="Content Placeholder 2">
+            <a:extLst>
+              <a:ext uri="{FF2B5EF4-FFF2-40B4-BE49-F238E27FC236}">
+                <a16:creationId xmlns:a16="http://schemas.microsoft.com/office/drawing/2014/main" id="{1E6EFD4C-BC90-422E-A0DF-0D5F87C5A307}"/>
+              </a:ext>
+            </a:extLst>
+          </p:cNvPr>
+          <p:cNvSpPr>
+            <a:spLocks noGrp="1"/>
+          </p:cNvSpPr>
+          <p:nvPr>
+            <p:ph idx="1"/>
+          </p:nvPr>
+        </p:nvSpPr>
+        <p:spPr>
+          <a:xfrm>
+            <a:off x="838200" y="1562578"/>
+            <a:ext cx="10515600" cy="4667250"/>
+          </a:xfrm>
+        </p:spPr>
+        <p:txBody>
+          <a:bodyPr>
+            <a:normAutofit/>
+          </a:bodyPr>
+          <a:lstStyle/>
+          <a:p>
+            <a:pPr algn="just">
+              <a:lnSpc>
+                <a:spcPct val="150000"/>
+              </a:lnSpc>
+            </a:pPr>
+            <a:r>
+              <a:rPr lang="en-US" dirty="0"/>
+              <a:t>The models were ranked based on validation loss, and the top-performing ones were further assessed on the test set. To enhance reliability, multiple hyperparameter combinations were explored, and the best five models were saved for deeper analysis. The final selected model achieved the best trade-off between minimizing error (MEE) and avoiding overfitting, as reflected in its competitive test performance.</a:t>
+            </a:r>
+          </a:p>
+        </p:txBody>
+      </p:sp>
+      <p:sp>
+        <p:nvSpPr>
+          <p:cNvPr id="4" name="Slide Number Placeholder 3">
+            <a:extLst>
+              <a:ext uri="{FF2B5EF4-FFF2-40B4-BE49-F238E27FC236}">
+                <a16:creationId xmlns:a16="http://schemas.microsoft.com/office/drawing/2014/main" id="{77BB177E-BDBA-42B9-ACD6-6CAE1CB25FB5}"/>
+              </a:ext>
+            </a:extLst>
+          </p:cNvPr>
+          <p:cNvSpPr>
+            <a:spLocks noGrp="1"/>
+          </p:cNvSpPr>
+          <p:nvPr>
+            <p:ph type="sldNum" sz="quarter" idx="12"/>
+          </p:nvPr>
+        </p:nvSpPr>
+        <p:spPr/>
+        <p:txBody>
+          <a:bodyPr/>
+          <a:lstStyle/>
+          <a:p>
+            <a:fld id="{A6B05161-9E42-4493-9916-6F12CA0446C4}" type="slidenum">
+              <a:rPr lang="en-US" sz="2800" b="1" smtClean="0">
+                <a:solidFill>
+                  <a:schemeClr val="tx1"/>
+                </a:solidFill>
+              </a:rPr>
+              <a:t>18</a:t>
+            </a:fld>
+            <a:endParaRPr lang="en-US" sz="2800" b="1" dirty="0">
+              <a:solidFill>
+                <a:schemeClr val="tx1"/>
+              </a:solidFill>
+            </a:endParaRPr>
+          </a:p>
+        </p:txBody>
+      </p:sp>
+    </p:spTree>
+    <p:extLst>
+      <p:ext uri="{BB962C8B-B14F-4D97-AF65-F5344CB8AC3E}">
+        <p14:creationId xmlns:p14="http://schemas.microsoft.com/office/powerpoint/2010/main" val="2349315105"/>
+      </p:ext>
+    </p:extLst>
+  </p:cSld>
+  <p:clrMapOvr>
+    <a:masterClrMapping/>
+  </p:clrMapOvr>
+</p:sld>
+</file>
+
+<file path=ppt/slides/slide19.xml><?xml version="1.0" encoding="utf-8"?>
+<p:sld xmlns:a="http://schemas.openxmlformats.org/drawingml/2006/main" xmlns:r="http://schemas.openxmlformats.org/officeDocument/2006/relationships" xmlns:p="http://schemas.openxmlformats.org/presentationml/2006/main">
+  <p:cSld>
+    <p:spTree>
+      <p:nvGrpSpPr>
+        <p:cNvPr id="1" name=""/>
+        <p:cNvGrpSpPr/>
+        <p:nvPr/>
+      </p:nvGrpSpPr>
+      <p:grpSpPr>
+        <a:xfrm>
+          <a:off x="0" y="0"/>
+          <a:ext cx="0" cy="0"/>
+          <a:chOff x="0" y="0"/>
+          <a:chExt cx="0" cy="0"/>
+        </a:xfrm>
+      </p:grpSpPr>
+      <p:sp>
+        <p:nvSpPr>
+          <p:cNvPr id="2" name="Title 1">
+            <a:extLst>
+              <a:ext uri="{FF2B5EF4-FFF2-40B4-BE49-F238E27FC236}">
+                <a16:creationId xmlns:a16="http://schemas.microsoft.com/office/drawing/2014/main" id="{447DDE13-2BDE-4348-B995-CDDE6F5A250B}"/>
+              </a:ext>
+            </a:extLst>
+          </p:cNvPr>
+          <p:cNvSpPr>
+            <a:spLocks noGrp="1"/>
+          </p:cNvSpPr>
+          <p:nvPr>
+            <p:ph type="title"/>
+          </p:nvPr>
+        </p:nvSpPr>
+        <p:spPr>
+          <a:xfrm>
+            <a:off x="666110" y="715854"/>
+            <a:ext cx="10515600" cy="1325563"/>
+          </a:xfrm>
+        </p:spPr>
+        <p:txBody>
+          <a:bodyPr/>
+          <a:lstStyle/>
+          <a:p>
+            <a:r>
+              <a:rPr lang="en-US" b="1" dirty="0"/>
+              <a:t>CUP task tested combinations</a:t>
+            </a:r>
+          </a:p>
+        </p:txBody>
+      </p:sp>
+      <p:pic>
+        <p:nvPicPr>
+          <p:cNvPr id="7" name="Content Placeholder 6">
+            <a:extLst>
+              <a:ext uri="{FF2B5EF4-FFF2-40B4-BE49-F238E27FC236}">
+                <a16:creationId xmlns:a16="http://schemas.microsoft.com/office/drawing/2014/main" id="{E7218650-E3EC-4F60-A57B-431062F564EC}"/>
+              </a:ext>
+            </a:extLst>
+          </p:cNvPr>
+          <p:cNvPicPr>
+            <a:picLocks noGrp="1" noChangeAspect="1"/>
+          </p:cNvPicPr>
+          <p:nvPr>
+            <p:ph idx="1"/>
+          </p:nvPr>
+        </p:nvPicPr>
+        <p:blipFill>
+          <a:blip r:embed="rId2">
+            <a:extLst>
+              <a:ext uri="{28A0092B-C50C-407E-A947-70E740481C1C}">
+                <a14:useLocalDpi xmlns:a14="http://schemas.microsoft.com/office/drawing/2010/main" val="0"/>
+              </a:ext>
+            </a:extLst>
+          </a:blip>
+          <a:stretch>
+            <a:fillRect/>
+          </a:stretch>
+        </p:blipFill>
+        <p:spPr>
+          <a:xfrm>
+            <a:off x="666110" y="2378075"/>
+            <a:ext cx="10367088" cy="2820226"/>
+          </a:xfrm>
+        </p:spPr>
+      </p:pic>
+      <p:sp>
+        <p:nvSpPr>
+          <p:cNvPr id="4" name="Slide Number Placeholder 3">
+            <a:extLst>
+              <a:ext uri="{FF2B5EF4-FFF2-40B4-BE49-F238E27FC236}">
+                <a16:creationId xmlns:a16="http://schemas.microsoft.com/office/drawing/2014/main" id="{B08C047F-DFF5-4FBC-9F81-92F8129F08A0}"/>
+              </a:ext>
+            </a:extLst>
+          </p:cNvPr>
+          <p:cNvSpPr>
+            <a:spLocks noGrp="1"/>
+          </p:cNvSpPr>
+          <p:nvPr>
+            <p:ph type="sldNum" sz="quarter" idx="12"/>
+          </p:nvPr>
+        </p:nvSpPr>
+        <p:spPr/>
+        <p:txBody>
+          <a:bodyPr/>
+          <a:lstStyle/>
+          <a:p>
+            <a:fld id="{A6B05161-9E42-4493-9916-6F12CA0446C4}" type="slidenum">
+              <a:rPr lang="en-US" sz="2800" b="1" smtClean="0">
+                <a:solidFill>
+                  <a:schemeClr val="tx1"/>
+                </a:solidFill>
+              </a:rPr>
+              <a:t>19</a:t>
+            </a:fld>
+            <a:endParaRPr lang="en-US" sz="2800" b="1" dirty="0">
+              <a:solidFill>
+                <a:schemeClr val="tx1"/>
+              </a:solidFill>
+            </a:endParaRPr>
+          </a:p>
+        </p:txBody>
+      </p:sp>
+    </p:spTree>
+    <p:extLst>
+      <p:ext uri="{BB962C8B-B14F-4D97-AF65-F5344CB8AC3E}">
+        <p14:creationId xmlns:p14="http://schemas.microsoft.com/office/powerpoint/2010/main" val="3402164450"/>
+      </p:ext>
+    </p:extLst>
+  </p:cSld>
+  <p:clrMapOvr>
+    <a:masterClrMapping/>
+  </p:clrMapOvr>
+</p:sld>
+</file>
+
+<file path=ppt/slides/slide2.xml><?xml version="1.0" encoding="utf-8"?>
+<p:sld xmlns:a="http://schemas.openxmlformats.org/drawingml/2006/main" xmlns:r="http://schemas.openxmlformats.org/officeDocument/2006/relationships" xmlns:p="http://schemas.openxmlformats.org/presentationml/2006/main">
+  <p:cSld>
+    <p:spTree>
+      <p:nvGrpSpPr>
+        <p:cNvPr id="1" name=""/>
+        <p:cNvGrpSpPr/>
+        <p:nvPr/>
+      </p:nvGrpSpPr>
+      <p:grpSpPr>
+        <a:xfrm>
+          <a:off x="0" y="0"/>
+          <a:ext cx="0" cy="0"/>
+          <a:chOff x="0" y="0"/>
+          <a:chExt cx="0" cy="0"/>
+        </a:xfrm>
+      </p:grpSpPr>
+      <p:sp>
+        <p:nvSpPr>
+          <p:cNvPr id="2" name="Title 1">
+            <a:extLst>
+              <a:ext uri="{FF2B5EF4-FFF2-40B4-BE49-F238E27FC236}">
+                <a16:creationId xmlns:a16="http://schemas.microsoft.com/office/drawing/2014/main" id="{EB2FCC15-01C7-47B0-8911-294BBBA8CA62}"/>
+              </a:ext>
+            </a:extLst>
+          </p:cNvPr>
+          <p:cNvSpPr>
+            <a:spLocks noGrp="1"/>
+          </p:cNvSpPr>
+          <p:nvPr>
+            <p:ph type="title"/>
+          </p:nvPr>
+        </p:nvSpPr>
+        <p:spPr/>
+        <p:txBody>
+          <a:bodyPr>
+            <a:normAutofit/>
+          </a:bodyPr>
+          <a:lstStyle/>
+          <a:p>
+            <a:r>
+              <a:rPr lang="it" sz="3600" b="1" dirty="0">
+                <a:latin typeface="Arial" panose="020B0604020202020204" pitchFamily="34" charset="0"/>
+                <a:cs typeface="Arial" panose="020B0604020202020204" pitchFamily="34" charset="0"/>
+              </a:rPr>
+              <a:t>Objectives</a:t>
+            </a:r>
+            <a:endParaRPr lang="en-US" sz="3600" b="1" dirty="0">
+              <a:latin typeface="Arial" panose="020B0604020202020204" pitchFamily="34" charset="0"/>
+              <a:cs typeface="Arial" panose="020B0604020202020204" pitchFamily="34" charset="0"/>
+            </a:endParaRPr>
+          </a:p>
+        </p:txBody>
+      </p:sp>
+      <p:sp>
+        <p:nvSpPr>
+          <p:cNvPr id="3" name="Content Placeholder 2">
+            <a:extLst>
+              <a:ext uri="{FF2B5EF4-FFF2-40B4-BE49-F238E27FC236}">
+                <a16:creationId xmlns:a16="http://schemas.microsoft.com/office/drawing/2014/main" id="{5E4A09EE-86B7-4159-87C5-E8F0B79DCF59}"/>
+              </a:ext>
+            </a:extLst>
+          </p:cNvPr>
+          <p:cNvSpPr>
+            <a:spLocks noGrp="1"/>
+          </p:cNvSpPr>
+          <p:nvPr>
+            <p:ph idx="1"/>
+          </p:nvPr>
+        </p:nvSpPr>
+        <p:spPr>
+          <a:xfrm>
+            <a:off x="526092" y="1690688"/>
+            <a:ext cx="11173039" cy="4459591"/>
+          </a:xfrm>
+        </p:spPr>
+        <p:txBody>
+          <a:bodyPr>
+            <a:normAutofit fontScale="92500"/>
+          </a:bodyPr>
+          <a:lstStyle/>
+          <a:p>
+            <a:pPr>
+              <a:lnSpc>
+                <a:spcPct val="150000"/>
+              </a:lnSpc>
+              <a:buFont typeface="Arial" panose="020B0604020202020204" pitchFamily="34" charset="0"/>
+              <a:buChar char="•"/>
+            </a:pPr>
+            <a:r>
+              <a:rPr lang="en-US" dirty="0"/>
+              <a:t>To implement and optimize neural network architectures for MONK and CUP datasets.</a:t>
+            </a:r>
+          </a:p>
+          <a:p>
+            <a:pPr>
+              <a:lnSpc>
+                <a:spcPct val="150000"/>
+              </a:lnSpc>
+              <a:buFont typeface="Arial" panose="020B0604020202020204" pitchFamily="34" charset="0"/>
+              <a:buChar char="•"/>
+            </a:pPr>
+            <a:r>
+              <a:rPr lang="en-US" dirty="0"/>
+              <a:t>To evaluate the impact of different hyperparameter configurations, including activation functions, regularization, and weight initialization.</a:t>
+            </a:r>
+          </a:p>
+          <a:p>
+            <a:pPr>
+              <a:lnSpc>
+                <a:spcPct val="150000"/>
+              </a:lnSpc>
+              <a:buFont typeface="Arial" panose="020B0604020202020204" pitchFamily="34" charset="0"/>
+              <a:buChar char="•"/>
+            </a:pPr>
+            <a:r>
+              <a:rPr lang="en-US" dirty="0"/>
+              <a:t>To assess performance through metrics such as Mean Squared Error (MSE) and accuracy for MONK tasks, and Mean Euclidean Error (MEE) for CUP tasks.</a:t>
+            </a:r>
+          </a:p>
+        </p:txBody>
+      </p:sp>
+      <p:sp>
+        <p:nvSpPr>
+          <p:cNvPr id="4" name="Slide Number Placeholder 3">
+            <a:extLst>
+              <a:ext uri="{FF2B5EF4-FFF2-40B4-BE49-F238E27FC236}">
+                <a16:creationId xmlns:a16="http://schemas.microsoft.com/office/drawing/2014/main" id="{EB8A8E35-00BE-4B3C-8D1E-677BD4B57811}"/>
+              </a:ext>
+            </a:extLst>
+          </p:cNvPr>
+          <p:cNvSpPr>
+            <a:spLocks noGrp="1"/>
+          </p:cNvSpPr>
+          <p:nvPr>
+            <p:ph type="sldNum" sz="quarter" idx="12"/>
+          </p:nvPr>
+        </p:nvSpPr>
+        <p:spPr/>
+        <p:txBody>
+          <a:bodyPr/>
+          <a:lstStyle/>
+          <a:p>
+            <a:fld id="{A6B05161-9E42-4493-9916-6F12CA0446C4}" type="slidenum">
+              <a:rPr lang="en-US" sz="2800" b="1" smtClean="0">
+                <a:solidFill>
+                  <a:schemeClr val="tx1"/>
+                </a:solidFill>
+              </a:rPr>
+              <a:t>2</a:t>
+            </a:fld>
+            <a:endParaRPr lang="en-US" sz="2800" b="1" dirty="0">
+              <a:solidFill>
+                <a:schemeClr val="tx1"/>
+              </a:solidFill>
+            </a:endParaRPr>
+          </a:p>
+        </p:txBody>
+      </p:sp>
+    </p:spTree>
+    <p:extLst>
+      <p:ext uri="{BB962C8B-B14F-4D97-AF65-F5344CB8AC3E}">
+        <p14:creationId xmlns:p14="http://schemas.microsoft.com/office/powerpoint/2010/main" val="1860438459"/>
+      </p:ext>
+    </p:extLst>
+  </p:cSld>
+  <p:clrMapOvr>
+    <a:masterClrMapping/>
+  </p:clrMapOvr>
+</p:sld>
+</file>
+
+<file path=ppt/slides/slide20.xml><?xml version="1.0" encoding="utf-8"?>
+<p:sld xmlns:a="http://schemas.openxmlformats.org/drawingml/2006/main" xmlns:r="http://schemas.openxmlformats.org/officeDocument/2006/relationships" xmlns:p="http://schemas.openxmlformats.org/presentationml/2006/main">
+  <p:cSld>
+    <p:spTree>
+      <p:nvGrpSpPr>
+        <p:cNvPr id="1" name=""/>
+        <p:cNvGrpSpPr/>
+        <p:nvPr/>
+      </p:nvGrpSpPr>
+      <p:grpSpPr>
+        <a:xfrm>
+          <a:off x="0" y="0"/>
+          <a:ext cx="0" cy="0"/>
+          <a:chOff x="0" y="0"/>
+          <a:chExt cx="0" cy="0"/>
+        </a:xfrm>
+      </p:grpSpPr>
+      <p:sp>
+        <p:nvSpPr>
+          <p:cNvPr id="2" name="Title 1">
+            <a:extLst>
+              <a:ext uri="{FF2B5EF4-FFF2-40B4-BE49-F238E27FC236}">
                 <a16:creationId xmlns:a16="http://schemas.microsoft.com/office/drawing/2014/main" id="{C5E286A8-BF33-4E1C-A6A2-A98D40C61EB3}"/>
               </a:ext>
             </a:extLst>
@@ -4893,7 +6181,12 @@
             <p:ph type="title"/>
           </p:nvPr>
         </p:nvSpPr>
-        <p:spPr/>
+        <p:spPr>
+          <a:xfrm>
+            <a:off x="838200" y="515437"/>
+            <a:ext cx="10515600" cy="1325563"/>
+          </a:xfrm>
+        </p:spPr>
         <p:txBody>
           <a:bodyPr>
             <a:normAutofit/>
@@ -4916,10 +6209,1006 @@
       </p:sp>
       <p:sp>
         <p:nvSpPr>
+          <p:cNvPr id="3" name="Slide Number Placeholder 2">
+            <a:extLst>
+              <a:ext uri="{FF2B5EF4-FFF2-40B4-BE49-F238E27FC236}">
+                <a16:creationId xmlns:a16="http://schemas.microsoft.com/office/drawing/2014/main" id="{4A498FBE-899A-47C8-813B-F5A182824584}"/>
+              </a:ext>
+            </a:extLst>
+          </p:cNvPr>
+          <p:cNvSpPr>
+            <a:spLocks noGrp="1"/>
+          </p:cNvSpPr>
+          <p:nvPr>
+            <p:ph type="sldNum" sz="quarter" idx="12"/>
+          </p:nvPr>
+        </p:nvSpPr>
+        <p:spPr/>
+        <p:txBody>
+          <a:bodyPr/>
+          <a:lstStyle/>
+          <a:p>
+            <a:fld id="{A6B05161-9E42-4493-9916-6F12CA0446C4}" type="slidenum">
+              <a:rPr lang="en-US" sz="2800" b="1" smtClean="0">
+                <a:solidFill>
+                  <a:schemeClr val="tx1"/>
+                </a:solidFill>
+              </a:rPr>
+              <a:t>20</a:t>
+            </a:fld>
+            <a:endParaRPr lang="en-US" sz="2800" b="1" dirty="0">
+              <a:solidFill>
+                <a:schemeClr val="tx1"/>
+              </a:solidFill>
+            </a:endParaRPr>
+          </a:p>
+        </p:txBody>
+      </p:sp>
+      <p:sp>
+        <p:nvSpPr>
+          <p:cNvPr id="4" name="Footer Placeholder 3">
+            <a:extLst>
+              <a:ext uri="{FF2B5EF4-FFF2-40B4-BE49-F238E27FC236}">
+                <a16:creationId xmlns:a16="http://schemas.microsoft.com/office/drawing/2014/main" id="{ACD624A2-CC41-4DED-A2A4-1016EE399F3E}"/>
+              </a:ext>
+            </a:extLst>
+          </p:cNvPr>
+          <p:cNvSpPr>
+            <a:spLocks noGrp="1"/>
+          </p:cNvSpPr>
+          <p:nvPr>
+            <p:ph type="ftr" sz="quarter" idx="11"/>
+          </p:nvPr>
+        </p:nvSpPr>
+        <p:spPr>
+          <a:xfrm>
+            <a:off x="838200" y="4832176"/>
+            <a:ext cx="9633559" cy="1889300"/>
+          </a:xfrm>
+        </p:spPr>
+        <p:txBody>
+          <a:bodyPr/>
+          <a:lstStyle/>
+          <a:p>
+            <a:r>
+              <a:rPr lang="en-US" dirty="0">
+                <a:solidFill>
+                  <a:schemeClr val="tx1"/>
+                </a:solidFill>
+              </a:rPr>
+              <a:t>The </a:t>
+            </a:r>
+            <a:r>
+              <a:rPr lang="en-US" b="1" dirty="0">
+                <a:solidFill>
+                  <a:schemeClr val="tx1"/>
+                </a:solidFill>
+              </a:rPr>
+              <a:t>training loss</a:t>
+            </a:r>
+            <a:r>
+              <a:rPr lang="en-US" dirty="0">
+                <a:solidFill>
+                  <a:schemeClr val="tx1"/>
+                </a:solidFill>
+              </a:rPr>
+              <a:t> is computed using the final selected model on the entire development set after hyperparameter selection. The </a:t>
+            </a:r>
+            <a:r>
+              <a:rPr lang="en-US" b="1" dirty="0">
+                <a:solidFill>
+                  <a:schemeClr val="tx1"/>
+                </a:solidFill>
+              </a:rPr>
+              <a:t>validation loss</a:t>
+            </a:r>
+            <a:r>
+              <a:rPr lang="en-US" dirty="0">
+                <a:solidFill>
+                  <a:schemeClr val="tx1"/>
+                </a:solidFill>
+              </a:rPr>
+              <a:t> represents the average loss from cross-validation, used to select the best model configuration. The </a:t>
+            </a:r>
+            <a:r>
+              <a:rPr lang="en-US" b="1" dirty="0">
+                <a:solidFill>
+                  <a:schemeClr val="tx1"/>
+                </a:solidFill>
+              </a:rPr>
+              <a:t>internal test loss</a:t>
+            </a:r>
+            <a:r>
+              <a:rPr lang="en-US" dirty="0">
+                <a:solidFill>
+                  <a:schemeClr val="tx1"/>
+                </a:solidFill>
+              </a:rPr>
+              <a:t> is evaluated on the held-out internal test set, which was split from the training data before cross-validation. These metrics ensure the model's performance is assessed comprehensively across training, validation, and unseen internal test data.</a:t>
+            </a:r>
+          </a:p>
+        </p:txBody>
+      </p:sp>
+      <p:pic>
+        <p:nvPicPr>
+          <p:cNvPr id="8" name="Content Placeholder 7">
+            <a:extLst>
+              <a:ext uri="{FF2B5EF4-FFF2-40B4-BE49-F238E27FC236}">
+                <a16:creationId xmlns:a16="http://schemas.microsoft.com/office/drawing/2014/main" id="{F65F4474-29EE-43FE-BE6B-866AD66C77A2}"/>
+              </a:ext>
+            </a:extLst>
+          </p:cNvPr>
+          <p:cNvPicPr>
+            <a:picLocks noGrp="1" noChangeAspect="1"/>
+          </p:cNvPicPr>
+          <p:nvPr>
+            <p:ph idx="1"/>
+          </p:nvPr>
+        </p:nvPicPr>
+        <p:blipFill>
+          <a:blip r:embed="rId2">
+            <a:extLst>
+              <a:ext uri="{28A0092B-C50C-407E-A947-70E740481C1C}">
+                <a14:useLocalDpi xmlns:a14="http://schemas.microsoft.com/office/drawing/2010/main" val="0"/>
+              </a:ext>
+            </a:extLst>
+          </a:blip>
+          <a:stretch>
+            <a:fillRect/>
+          </a:stretch>
+        </p:blipFill>
+        <p:spPr>
+          <a:xfrm>
+            <a:off x="318587" y="2025824"/>
+            <a:ext cx="11554826" cy="2471020"/>
+          </a:xfrm>
+        </p:spPr>
+      </p:pic>
+    </p:spTree>
+    <p:extLst>
+      <p:ext uri="{BB962C8B-B14F-4D97-AF65-F5344CB8AC3E}">
+        <p14:creationId xmlns:p14="http://schemas.microsoft.com/office/powerpoint/2010/main" val="2450701247"/>
+      </p:ext>
+    </p:extLst>
+  </p:cSld>
+  <p:clrMapOvr>
+    <a:masterClrMapping/>
+  </p:clrMapOvr>
+</p:sld>
+</file>
+
+<file path=ppt/slides/slide21.xml><?xml version="1.0" encoding="utf-8"?>
+<p:sld xmlns:a="http://schemas.openxmlformats.org/drawingml/2006/main" xmlns:r="http://schemas.openxmlformats.org/officeDocument/2006/relationships" xmlns:p="http://schemas.openxmlformats.org/presentationml/2006/main">
+  <p:cSld>
+    <p:spTree>
+      <p:nvGrpSpPr>
+        <p:cNvPr id="1" name=""/>
+        <p:cNvGrpSpPr/>
+        <p:nvPr/>
+      </p:nvGrpSpPr>
+      <p:grpSpPr>
+        <a:xfrm>
+          <a:off x="0" y="0"/>
+          <a:ext cx="0" cy="0"/>
+          <a:chOff x="0" y="0"/>
+          <a:chExt cx="0" cy="0"/>
+        </a:xfrm>
+      </p:grpSpPr>
+      <p:sp>
+        <p:nvSpPr>
+          <p:cNvPr id="2" name="Title 1">
+            <a:extLst>
+              <a:ext uri="{FF2B5EF4-FFF2-40B4-BE49-F238E27FC236}">
+                <a16:creationId xmlns:a16="http://schemas.microsoft.com/office/drawing/2014/main" id="{4EF184C2-3157-4FCB-9B01-9FA1BDCE4A96}"/>
+              </a:ext>
+            </a:extLst>
+          </p:cNvPr>
+          <p:cNvSpPr>
+            <a:spLocks noGrp="1"/>
+          </p:cNvSpPr>
+          <p:nvPr>
+            <p:ph type="title"/>
+          </p:nvPr>
+        </p:nvSpPr>
+        <p:spPr>
+          <a:xfrm>
+            <a:off x="657801" y="365125"/>
+            <a:ext cx="10695999" cy="1325563"/>
+          </a:xfrm>
+        </p:spPr>
+        <p:txBody>
+          <a:bodyPr>
+            <a:normAutofit/>
+          </a:bodyPr>
+          <a:lstStyle/>
+          <a:p>
+            <a:r>
+              <a:rPr lang="it" sz="2400" b="1" dirty="0">
+                <a:latin typeface="Arial" panose="020B0604020202020204" pitchFamily="34" charset="0"/>
+                <a:cs typeface="Arial" panose="020B0604020202020204" pitchFamily="34" charset="0"/>
+              </a:rPr>
+              <a:t>CUP Results best model result</a:t>
+            </a:r>
+            <a:endParaRPr lang="en-US" sz="2400" dirty="0"/>
+          </a:p>
+        </p:txBody>
+      </p:sp>
+      <p:sp>
+        <p:nvSpPr>
+          <p:cNvPr id="4" name="Slide Number Placeholder 3">
+            <a:extLst>
+              <a:ext uri="{FF2B5EF4-FFF2-40B4-BE49-F238E27FC236}">
+                <a16:creationId xmlns:a16="http://schemas.microsoft.com/office/drawing/2014/main" id="{6B40F2B1-CB1A-4869-828D-1E485D58027F}"/>
+              </a:ext>
+            </a:extLst>
+          </p:cNvPr>
+          <p:cNvSpPr>
+            <a:spLocks noGrp="1"/>
+          </p:cNvSpPr>
+          <p:nvPr>
+            <p:ph type="sldNum" sz="quarter" idx="12"/>
+          </p:nvPr>
+        </p:nvSpPr>
+        <p:spPr/>
+        <p:txBody>
+          <a:bodyPr/>
+          <a:lstStyle/>
+          <a:p>
+            <a:fld id="{A6B05161-9E42-4493-9916-6F12CA0446C4}" type="slidenum">
+              <a:rPr lang="en-US" sz="2800" b="1" smtClean="0">
+                <a:solidFill>
+                  <a:schemeClr val="tx1"/>
+                </a:solidFill>
+              </a:rPr>
+              <a:t>21</a:t>
+            </a:fld>
+            <a:endParaRPr lang="en-US" sz="2800" b="1" dirty="0">
+              <a:solidFill>
+                <a:schemeClr val="tx1"/>
+              </a:solidFill>
+            </a:endParaRPr>
+          </a:p>
+        </p:txBody>
+      </p:sp>
+      <p:pic>
+        <p:nvPicPr>
+          <p:cNvPr id="10" name="Content Placeholder 9">
+            <a:extLst>
+              <a:ext uri="{FF2B5EF4-FFF2-40B4-BE49-F238E27FC236}">
+                <a16:creationId xmlns:a16="http://schemas.microsoft.com/office/drawing/2014/main" id="{A5B9820D-13A1-411F-9572-41F6593E3B2A}"/>
+              </a:ext>
+            </a:extLst>
+          </p:cNvPr>
+          <p:cNvPicPr>
+            <a:picLocks noGrp="1" noChangeAspect="1"/>
+          </p:cNvPicPr>
+          <p:nvPr>
+            <p:ph idx="1"/>
+          </p:nvPr>
+        </p:nvPicPr>
+        <p:blipFill>
+          <a:blip r:embed="rId2">
+            <a:extLst>
+              <a:ext uri="{28A0092B-C50C-407E-A947-70E740481C1C}">
+                <a14:useLocalDpi xmlns:a14="http://schemas.microsoft.com/office/drawing/2010/main" val="0"/>
+              </a:ext>
+            </a:extLst>
+          </a:blip>
+          <a:stretch>
+            <a:fillRect/>
+          </a:stretch>
+        </p:blipFill>
+        <p:spPr>
+          <a:xfrm>
+            <a:off x="2304791" y="1224258"/>
+            <a:ext cx="7027100" cy="5019357"/>
+          </a:xfrm>
+        </p:spPr>
+      </p:pic>
+    </p:spTree>
+    <p:extLst>
+      <p:ext uri="{BB962C8B-B14F-4D97-AF65-F5344CB8AC3E}">
+        <p14:creationId xmlns:p14="http://schemas.microsoft.com/office/powerpoint/2010/main" val="1328025286"/>
+      </p:ext>
+    </p:extLst>
+  </p:cSld>
+  <p:clrMapOvr>
+    <a:masterClrMapping/>
+  </p:clrMapOvr>
+</p:sld>
+</file>
+
+<file path=ppt/slides/slide22.xml><?xml version="1.0" encoding="utf-8"?>
+<p:sld xmlns:a="http://schemas.openxmlformats.org/drawingml/2006/main" xmlns:r="http://schemas.openxmlformats.org/officeDocument/2006/relationships" xmlns:p="http://schemas.openxmlformats.org/presentationml/2006/main">
+  <p:cSld>
+    <p:spTree>
+      <p:nvGrpSpPr>
+        <p:cNvPr id="1" name=""/>
+        <p:cNvGrpSpPr/>
+        <p:nvPr/>
+      </p:nvGrpSpPr>
+      <p:grpSpPr>
+        <a:xfrm>
+          <a:off x="0" y="0"/>
+          <a:ext cx="0" cy="0"/>
+          <a:chOff x="0" y="0"/>
+          <a:chExt cx="0" cy="0"/>
+        </a:xfrm>
+      </p:grpSpPr>
+      <p:sp>
+        <p:nvSpPr>
+          <p:cNvPr id="2" name="Title 1">
+            <a:extLst>
+              <a:ext uri="{FF2B5EF4-FFF2-40B4-BE49-F238E27FC236}">
+                <a16:creationId xmlns:a16="http://schemas.microsoft.com/office/drawing/2014/main" id="{D1ECF9C4-5580-49A8-B68F-668AFB27110D}"/>
+              </a:ext>
+            </a:extLst>
+          </p:cNvPr>
+          <p:cNvSpPr>
+            <a:spLocks noGrp="1"/>
+          </p:cNvSpPr>
+          <p:nvPr>
+            <p:ph type="title"/>
+          </p:nvPr>
+        </p:nvSpPr>
+        <p:spPr/>
+        <p:txBody>
+          <a:bodyPr>
+            <a:normAutofit/>
+          </a:bodyPr>
+          <a:lstStyle/>
+          <a:p>
+            <a:r>
+              <a:rPr lang="it" sz="3600" b="1" dirty="0">
+                <a:latin typeface="Arial" panose="020B0604020202020204" pitchFamily="34" charset="0"/>
+                <a:cs typeface="Arial" panose="020B0604020202020204" pitchFamily="34" charset="0"/>
+              </a:rPr>
+              <a:t>CUP Results model 2 and 3</a:t>
+            </a:r>
+            <a:endParaRPr lang="en-US" sz="3600" dirty="0"/>
+          </a:p>
+        </p:txBody>
+      </p:sp>
+      <p:pic>
+        <p:nvPicPr>
+          <p:cNvPr id="6" name="Content Placeholder 5">
+            <a:extLst>
+              <a:ext uri="{FF2B5EF4-FFF2-40B4-BE49-F238E27FC236}">
+                <a16:creationId xmlns:a16="http://schemas.microsoft.com/office/drawing/2014/main" id="{9AE12007-EB61-4587-AE01-3B7B5D335600}"/>
+              </a:ext>
+            </a:extLst>
+          </p:cNvPr>
+          <p:cNvPicPr>
+            <a:picLocks noGrp="1" noChangeAspect="1"/>
+          </p:cNvPicPr>
+          <p:nvPr>
+            <p:ph idx="1"/>
+          </p:nvPr>
+        </p:nvPicPr>
+        <p:blipFill>
+          <a:blip r:embed="rId2">
+            <a:extLst>
+              <a:ext uri="{28A0092B-C50C-407E-A947-70E740481C1C}">
+                <a14:useLocalDpi xmlns:a14="http://schemas.microsoft.com/office/drawing/2010/main" val="0"/>
+              </a:ext>
+            </a:extLst>
+          </a:blip>
+          <a:stretch>
+            <a:fillRect/>
+          </a:stretch>
+        </p:blipFill>
+        <p:spPr>
+          <a:xfrm>
+            <a:off x="96053" y="1507990"/>
+            <a:ext cx="6246342" cy="4461673"/>
+          </a:xfrm>
+        </p:spPr>
+      </p:pic>
+      <p:sp>
+        <p:nvSpPr>
+          <p:cNvPr id="4" name="Slide Number Placeholder 3">
+            <a:extLst>
+              <a:ext uri="{FF2B5EF4-FFF2-40B4-BE49-F238E27FC236}">
+                <a16:creationId xmlns:a16="http://schemas.microsoft.com/office/drawing/2014/main" id="{259F78BC-8612-44AB-B89A-5DB19FAB849C}"/>
+              </a:ext>
+            </a:extLst>
+          </p:cNvPr>
+          <p:cNvSpPr>
+            <a:spLocks noGrp="1"/>
+          </p:cNvSpPr>
+          <p:nvPr>
+            <p:ph type="sldNum" sz="quarter" idx="12"/>
+          </p:nvPr>
+        </p:nvSpPr>
+        <p:spPr/>
+        <p:txBody>
+          <a:bodyPr/>
+          <a:lstStyle/>
+          <a:p>
+            <a:fld id="{A6B05161-9E42-4493-9916-6F12CA0446C4}" type="slidenum">
+              <a:rPr lang="en-US" smtClean="0"/>
+              <a:t>22</a:t>
+            </a:fld>
+            <a:endParaRPr lang="en-US"/>
+          </a:p>
+        </p:txBody>
+      </p:sp>
+      <p:pic>
+        <p:nvPicPr>
+          <p:cNvPr id="8" name="Picture 7">
+            <a:extLst>
+              <a:ext uri="{FF2B5EF4-FFF2-40B4-BE49-F238E27FC236}">
+                <a16:creationId xmlns:a16="http://schemas.microsoft.com/office/drawing/2014/main" id="{82BC57D3-A371-487A-927C-2A365BE428C5}"/>
+              </a:ext>
+            </a:extLst>
+          </p:cNvPr>
+          <p:cNvPicPr>
+            <a:picLocks noChangeAspect="1"/>
+          </p:cNvPicPr>
+          <p:nvPr/>
+        </p:nvPicPr>
+        <p:blipFill>
+          <a:blip r:embed="rId3">
+            <a:extLst>
+              <a:ext uri="{28A0092B-C50C-407E-A947-70E740481C1C}">
+                <a14:useLocalDpi xmlns:a14="http://schemas.microsoft.com/office/drawing/2010/main" val="0"/>
+              </a:ext>
+            </a:extLst>
+          </a:blip>
+          <a:stretch>
+            <a:fillRect/>
+          </a:stretch>
+        </p:blipFill>
+        <p:spPr>
+          <a:xfrm>
+            <a:off x="5791187" y="1452823"/>
+            <a:ext cx="6400813" cy="4572009"/>
+          </a:xfrm>
+          <a:prstGeom prst="rect">
+            <a:avLst/>
+          </a:prstGeom>
+        </p:spPr>
+      </p:pic>
+    </p:spTree>
+    <p:extLst>
+      <p:ext uri="{BB962C8B-B14F-4D97-AF65-F5344CB8AC3E}">
+        <p14:creationId xmlns:p14="http://schemas.microsoft.com/office/powerpoint/2010/main" val="173071266"/>
+      </p:ext>
+    </p:extLst>
+  </p:cSld>
+  <p:clrMapOvr>
+    <a:masterClrMapping/>
+  </p:clrMapOvr>
+</p:sld>
+</file>
+
+<file path=ppt/slides/slide23.xml><?xml version="1.0" encoding="utf-8"?>
+<p:sld xmlns:a="http://schemas.openxmlformats.org/drawingml/2006/main" xmlns:r="http://schemas.openxmlformats.org/officeDocument/2006/relationships" xmlns:p="http://schemas.openxmlformats.org/presentationml/2006/main">
+  <p:cSld>
+    <p:spTree>
+      <p:nvGrpSpPr>
+        <p:cNvPr id="1" name=""/>
+        <p:cNvGrpSpPr/>
+        <p:nvPr/>
+      </p:nvGrpSpPr>
+      <p:grpSpPr>
+        <a:xfrm>
+          <a:off x="0" y="0"/>
+          <a:ext cx="0" cy="0"/>
+          <a:chOff x="0" y="0"/>
+          <a:chExt cx="0" cy="0"/>
+        </a:xfrm>
+      </p:grpSpPr>
+      <p:sp>
+        <p:nvSpPr>
+          <p:cNvPr id="2" name="Title 1">
+            <a:extLst>
+              <a:ext uri="{FF2B5EF4-FFF2-40B4-BE49-F238E27FC236}">
+                <a16:creationId xmlns:a16="http://schemas.microsoft.com/office/drawing/2014/main" id="{A36B6BFD-D9FD-40A9-A7A8-F1F26DF58805}"/>
+              </a:ext>
+            </a:extLst>
+          </p:cNvPr>
+          <p:cNvSpPr>
+            <a:spLocks noGrp="1"/>
+          </p:cNvSpPr>
+          <p:nvPr>
+            <p:ph type="title"/>
+          </p:nvPr>
+        </p:nvSpPr>
+        <p:spPr/>
+        <p:txBody>
+          <a:bodyPr/>
+          <a:lstStyle/>
+          <a:p>
+            <a:r>
+              <a:rPr lang="it" b="1" dirty="0">
+                <a:latin typeface="+mn-lt"/>
+              </a:rPr>
+              <a:t>Discussion</a:t>
+            </a:r>
+            <a:endParaRPr lang="en-US" b="1" dirty="0">
+              <a:latin typeface="+mn-lt"/>
+            </a:endParaRPr>
+          </a:p>
+        </p:txBody>
+      </p:sp>
+      <p:sp>
+        <p:nvSpPr>
+          <p:cNvPr id="3" name="Content Placeholder 2">
+            <a:extLst>
+              <a:ext uri="{FF2B5EF4-FFF2-40B4-BE49-F238E27FC236}">
+                <a16:creationId xmlns:a16="http://schemas.microsoft.com/office/drawing/2014/main" id="{3009B6A6-780B-4EAE-BDD2-89BC1370F3E7}"/>
+              </a:ext>
+            </a:extLst>
+          </p:cNvPr>
+          <p:cNvSpPr>
+            <a:spLocks noGrp="1"/>
+          </p:cNvSpPr>
+          <p:nvPr>
+            <p:ph idx="1"/>
+          </p:nvPr>
+        </p:nvSpPr>
+        <p:spPr>
+          <a:xfrm>
+            <a:off x="838200" y="1615206"/>
+            <a:ext cx="10515600" cy="4351338"/>
+          </a:xfrm>
+        </p:spPr>
+        <p:txBody>
+          <a:bodyPr>
+            <a:normAutofit/>
+          </a:bodyPr>
+          <a:lstStyle/>
+          <a:p>
+            <a:pPr marL="0" indent="0">
+              <a:lnSpc>
+                <a:spcPct val="150000"/>
+              </a:lnSpc>
+              <a:buNone/>
+            </a:pPr>
+            <a:r>
+              <a:rPr lang="en-US" b="1" dirty="0"/>
+              <a:t>Findings and Insights</a:t>
+            </a:r>
+          </a:p>
+          <a:p>
+            <a:pPr>
+              <a:lnSpc>
+                <a:spcPct val="150000"/>
+              </a:lnSpc>
+            </a:pPr>
+            <a:r>
+              <a:rPr lang="en-US" dirty="0"/>
+              <a:t>The impact of different neural network architectures on model performance was observed, highlighting how varying the number of layers and neurons influenced learning dynamics.</a:t>
+            </a:r>
+          </a:p>
+          <a:p>
+            <a:pPr>
+              <a:lnSpc>
+                <a:spcPct val="150000"/>
+              </a:lnSpc>
+            </a:pPr>
+            <a:r>
+              <a:rPr lang="en-US" dirty="0"/>
+              <a:t>The choice of weight initialization played a crucial role in model stability, affecting convergence speed and final accuracy.</a:t>
+            </a:r>
+          </a:p>
+        </p:txBody>
+      </p:sp>
+      <p:sp>
+        <p:nvSpPr>
+          <p:cNvPr id="4" name="Slide Number Placeholder 3">
+            <a:extLst>
+              <a:ext uri="{FF2B5EF4-FFF2-40B4-BE49-F238E27FC236}">
+                <a16:creationId xmlns:a16="http://schemas.microsoft.com/office/drawing/2014/main" id="{C6513A87-D898-4958-A86C-4FE6871FCDC1}"/>
+              </a:ext>
+            </a:extLst>
+          </p:cNvPr>
+          <p:cNvSpPr>
+            <a:spLocks noGrp="1"/>
+          </p:cNvSpPr>
+          <p:nvPr>
+            <p:ph type="sldNum" sz="quarter" idx="12"/>
+          </p:nvPr>
+        </p:nvSpPr>
+        <p:spPr/>
+        <p:txBody>
+          <a:bodyPr/>
+          <a:lstStyle/>
+          <a:p>
+            <a:fld id="{A6B05161-9E42-4493-9916-6F12CA0446C4}" type="slidenum">
+              <a:rPr lang="en-US" sz="2800" b="1" smtClean="0">
+                <a:solidFill>
+                  <a:schemeClr val="tx1"/>
+                </a:solidFill>
+              </a:rPr>
+              <a:t>23</a:t>
+            </a:fld>
+            <a:endParaRPr lang="en-US" sz="2800" b="1" dirty="0">
+              <a:solidFill>
+                <a:schemeClr val="tx1"/>
+              </a:solidFill>
+            </a:endParaRPr>
+          </a:p>
+        </p:txBody>
+      </p:sp>
+    </p:spTree>
+    <p:extLst>
+      <p:ext uri="{BB962C8B-B14F-4D97-AF65-F5344CB8AC3E}">
+        <p14:creationId xmlns:p14="http://schemas.microsoft.com/office/powerpoint/2010/main" val="3476604203"/>
+      </p:ext>
+    </p:extLst>
+  </p:cSld>
+  <p:clrMapOvr>
+    <a:masterClrMapping/>
+  </p:clrMapOvr>
+</p:sld>
+</file>
+
+<file path=ppt/slides/slide24.xml><?xml version="1.0" encoding="utf-8"?>
+<p:sld xmlns:a="http://schemas.openxmlformats.org/drawingml/2006/main" xmlns:r="http://schemas.openxmlformats.org/officeDocument/2006/relationships" xmlns:p="http://schemas.openxmlformats.org/presentationml/2006/main">
+  <p:cSld>
+    <p:spTree>
+      <p:nvGrpSpPr>
+        <p:cNvPr id="1" name=""/>
+        <p:cNvGrpSpPr/>
+        <p:nvPr/>
+      </p:nvGrpSpPr>
+      <p:grpSpPr>
+        <a:xfrm>
+          <a:off x="0" y="0"/>
+          <a:ext cx="0" cy="0"/>
+          <a:chOff x="0" y="0"/>
+          <a:chExt cx="0" cy="0"/>
+        </a:xfrm>
+      </p:grpSpPr>
+      <p:sp>
+        <p:nvSpPr>
+          <p:cNvPr id="2" name="Title 1">
+            <a:extLst>
+              <a:ext uri="{FF2B5EF4-FFF2-40B4-BE49-F238E27FC236}">
+                <a16:creationId xmlns:a16="http://schemas.microsoft.com/office/drawing/2014/main" id="{D3778AA9-D961-487E-B95B-E81F18563B16}"/>
+              </a:ext>
+            </a:extLst>
+          </p:cNvPr>
+          <p:cNvSpPr>
+            <a:spLocks noGrp="1"/>
+          </p:cNvSpPr>
+          <p:nvPr>
+            <p:ph type="title"/>
+          </p:nvPr>
+        </p:nvSpPr>
+        <p:spPr/>
+        <p:txBody>
+          <a:bodyPr/>
+          <a:lstStyle/>
+          <a:p>
+            <a:r>
+              <a:rPr lang="it" b="1" dirty="0">
+                <a:latin typeface="+mn-lt"/>
+              </a:rPr>
+              <a:t>Discussion</a:t>
+            </a:r>
+            <a:endParaRPr lang="en-US" dirty="0"/>
+          </a:p>
+        </p:txBody>
+      </p:sp>
+      <p:sp>
+        <p:nvSpPr>
+          <p:cNvPr id="3" name="Content Placeholder 2">
+            <a:extLst>
+              <a:ext uri="{FF2B5EF4-FFF2-40B4-BE49-F238E27FC236}">
+                <a16:creationId xmlns:a16="http://schemas.microsoft.com/office/drawing/2014/main" id="{913E4AC3-C65B-437C-8211-4C7EAA704951}"/>
+              </a:ext>
+            </a:extLst>
+          </p:cNvPr>
+          <p:cNvSpPr>
+            <a:spLocks noGrp="1"/>
+          </p:cNvSpPr>
+          <p:nvPr>
+            <p:ph idx="1"/>
+          </p:nvPr>
+        </p:nvSpPr>
+        <p:spPr>
+          <a:xfrm>
+            <a:off x="838200" y="1690688"/>
+            <a:ext cx="10515600" cy="4351338"/>
+          </a:xfrm>
+        </p:spPr>
+        <p:txBody>
+          <a:bodyPr/>
+          <a:lstStyle/>
+          <a:p>
+            <a:pPr marL="0" indent="0">
+              <a:lnSpc>
+                <a:spcPct val="150000"/>
+              </a:lnSpc>
+              <a:buNone/>
+            </a:pPr>
+            <a:r>
+              <a:rPr lang="en-US" b="1" dirty="0"/>
+              <a:t>Challenges Faced</a:t>
+            </a:r>
+          </a:p>
+          <a:p>
+            <a:pPr>
+              <a:lnSpc>
+                <a:spcPct val="150000"/>
+              </a:lnSpc>
+            </a:pPr>
+            <a:r>
+              <a:rPr lang="en-US" dirty="0"/>
+              <a:t>Overfitting was a significant challenge, especially in deeper networks, requiring careful regularization and hyperparameter tuning.</a:t>
+            </a:r>
+          </a:p>
+          <a:p>
+            <a:pPr>
+              <a:lnSpc>
+                <a:spcPct val="150000"/>
+              </a:lnSpc>
+            </a:pPr>
+            <a:r>
+              <a:rPr lang="en-US" dirty="0"/>
+              <a:t>Managing the computational complexity of exploring large hyperparameter spaces was demanding, necessitating an efficient approach to model selection.</a:t>
+            </a:r>
+          </a:p>
+          <a:p>
+            <a:endParaRPr lang="en-US" dirty="0"/>
+          </a:p>
+        </p:txBody>
+      </p:sp>
+      <p:sp>
+        <p:nvSpPr>
+          <p:cNvPr id="4" name="Slide Number Placeholder 3">
+            <a:extLst>
+              <a:ext uri="{FF2B5EF4-FFF2-40B4-BE49-F238E27FC236}">
+                <a16:creationId xmlns:a16="http://schemas.microsoft.com/office/drawing/2014/main" id="{19E6D2C9-BCBF-4F8B-9FDE-C33161ACE503}"/>
+              </a:ext>
+            </a:extLst>
+          </p:cNvPr>
+          <p:cNvSpPr>
+            <a:spLocks noGrp="1"/>
+          </p:cNvSpPr>
+          <p:nvPr>
+            <p:ph type="sldNum" sz="quarter" idx="12"/>
+          </p:nvPr>
+        </p:nvSpPr>
+        <p:spPr/>
+        <p:txBody>
+          <a:bodyPr/>
+          <a:lstStyle/>
+          <a:p>
+            <a:fld id="{A6B05161-9E42-4493-9916-6F12CA0446C4}" type="slidenum">
+              <a:rPr lang="en-US" sz="2800" b="1" smtClean="0">
+                <a:solidFill>
+                  <a:schemeClr val="tx1"/>
+                </a:solidFill>
+              </a:rPr>
+              <a:t>24</a:t>
+            </a:fld>
+            <a:endParaRPr lang="en-US" sz="2800" b="1" dirty="0">
+              <a:solidFill>
+                <a:schemeClr val="tx1"/>
+              </a:solidFill>
+            </a:endParaRPr>
+          </a:p>
+        </p:txBody>
+      </p:sp>
+    </p:spTree>
+    <p:extLst>
+      <p:ext uri="{BB962C8B-B14F-4D97-AF65-F5344CB8AC3E}">
+        <p14:creationId xmlns:p14="http://schemas.microsoft.com/office/powerpoint/2010/main" val="1395322538"/>
+      </p:ext>
+    </p:extLst>
+  </p:cSld>
+  <p:clrMapOvr>
+    <a:masterClrMapping/>
+  </p:clrMapOvr>
+</p:sld>
+</file>
+
+<file path=ppt/slides/slide25.xml><?xml version="1.0" encoding="utf-8"?>
+<p:sld xmlns:a="http://schemas.openxmlformats.org/drawingml/2006/main" xmlns:r="http://schemas.openxmlformats.org/officeDocument/2006/relationships" xmlns:p="http://schemas.openxmlformats.org/presentationml/2006/main">
+  <p:cSld>
+    <p:spTree>
+      <p:nvGrpSpPr>
+        <p:cNvPr id="1" name=""/>
+        <p:cNvGrpSpPr/>
+        <p:nvPr/>
+      </p:nvGrpSpPr>
+      <p:grpSpPr>
+        <a:xfrm>
+          <a:off x="0" y="0"/>
+          <a:ext cx="0" cy="0"/>
+          <a:chOff x="0" y="0"/>
+          <a:chExt cx="0" cy="0"/>
+        </a:xfrm>
+      </p:grpSpPr>
+      <p:sp>
+        <p:nvSpPr>
+          <p:cNvPr id="2" name="Title 1">
+            <a:extLst>
+              <a:ext uri="{FF2B5EF4-FFF2-40B4-BE49-F238E27FC236}">
+                <a16:creationId xmlns:a16="http://schemas.microsoft.com/office/drawing/2014/main" id="{0AD5F5A9-7647-4FB8-8829-E2E6A5EFCE4A}"/>
+              </a:ext>
+            </a:extLst>
+          </p:cNvPr>
+          <p:cNvSpPr>
+            <a:spLocks noGrp="1"/>
+          </p:cNvSpPr>
+          <p:nvPr>
+            <p:ph type="title"/>
+          </p:nvPr>
+        </p:nvSpPr>
+        <p:spPr/>
+        <p:txBody>
+          <a:bodyPr/>
+          <a:lstStyle/>
+          <a:p>
+            <a:r>
+              <a:rPr lang="en-US" b="1" dirty="0"/>
+              <a:t>Acknowledgments</a:t>
+            </a:r>
+            <a:r>
+              <a:rPr lang="en-US" dirty="0"/>
+              <a:t> </a:t>
+            </a:r>
+          </a:p>
+        </p:txBody>
+      </p:sp>
+      <p:sp>
+        <p:nvSpPr>
+          <p:cNvPr id="3" name="Content Placeholder 2">
+            <a:extLst>
+              <a:ext uri="{FF2B5EF4-FFF2-40B4-BE49-F238E27FC236}">
+                <a16:creationId xmlns:a16="http://schemas.microsoft.com/office/drawing/2014/main" id="{04721F18-C145-463A-8868-C37A3CF37C4A}"/>
+              </a:ext>
+            </a:extLst>
+          </p:cNvPr>
+          <p:cNvSpPr>
+            <a:spLocks noGrp="1"/>
+          </p:cNvSpPr>
+          <p:nvPr>
+            <p:ph idx="1"/>
+          </p:nvPr>
+        </p:nvSpPr>
+        <p:spPr/>
+        <p:txBody>
+          <a:bodyPr/>
+          <a:lstStyle/>
+          <a:p>
+            <a:pPr>
+              <a:lnSpc>
+                <a:spcPct val="150000"/>
+              </a:lnSpc>
+            </a:pPr>
+            <a:r>
+              <a:rPr lang="en-US" dirty="0"/>
+              <a:t>We would like to express our sincere gratitude to </a:t>
+            </a:r>
+            <a:r>
+              <a:rPr lang="en-US" b="1" dirty="0"/>
+              <a:t>Professor Alessio Micheli </a:t>
+            </a:r>
+            <a:r>
+              <a:rPr lang="en-US" dirty="0"/>
+              <a:t>for providing us with this valuable opportunity to explore and implement advanced concepts in neural networks and machine learning. </a:t>
+            </a:r>
+          </a:p>
+          <a:p>
+            <a:pPr>
+              <a:lnSpc>
+                <a:spcPct val="150000"/>
+              </a:lnSpc>
+            </a:pPr>
+            <a:r>
+              <a:rPr lang="en-US" dirty="0"/>
+              <a:t>We agree to the disclosure and publication of our name, and of the results with preliminary and final ranking.</a:t>
+            </a:r>
+          </a:p>
+        </p:txBody>
+      </p:sp>
+      <p:sp>
+        <p:nvSpPr>
+          <p:cNvPr id="4" name="Slide Number Placeholder 3">
+            <a:extLst>
+              <a:ext uri="{FF2B5EF4-FFF2-40B4-BE49-F238E27FC236}">
+                <a16:creationId xmlns:a16="http://schemas.microsoft.com/office/drawing/2014/main" id="{32481BDF-4546-4DD7-8D0A-897C10CD0311}"/>
+              </a:ext>
+            </a:extLst>
+          </p:cNvPr>
+          <p:cNvSpPr>
+            <a:spLocks noGrp="1"/>
+          </p:cNvSpPr>
+          <p:nvPr>
+            <p:ph type="sldNum" sz="quarter" idx="12"/>
+          </p:nvPr>
+        </p:nvSpPr>
+        <p:spPr/>
+        <p:txBody>
+          <a:bodyPr/>
+          <a:lstStyle/>
+          <a:p>
+            <a:fld id="{A6B05161-9E42-4493-9916-6F12CA0446C4}" type="slidenum">
+              <a:rPr lang="en-US" sz="2800" b="1" smtClean="0">
+                <a:solidFill>
+                  <a:schemeClr val="tx1"/>
+                </a:solidFill>
+              </a:rPr>
+              <a:t>25</a:t>
+            </a:fld>
+            <a:endParaRPr lang="en-US" sz="2800" b="1" dirty="0">
+              <a:solidFill>
+                <a:schemeClr val="tx1"/>
+              </a:solidFill>
+            </a:endParaRPr>
+          </a:p>
+        </p:txBody>
+      </p:sp>
+    </p:spTree>
+    <p:extLst>
+      <p:ext uri="{BB962C8B-B14F-4D97-AF65-F5344CB8AC3E}">
+        <p14:creationId xmlns:p14="http://schemas.microsoft.com/office/powerpoint/2010/main" val="665649771"/>
+      </p:ext>
+    </p:extLst>
+  </p:cSld>
+  <p:clrMapOvr>
+    <a:masterClrMapping/>
+  </p:clrMapOvr>
+</p:sld>
+</file>
+
+<file path=ppt/slides/slide26.xml><?xml version="1.0" encoding="utf-8"?>
+<p:sld xmlns:a="http://schemas.openxmlformats.org/drawingml/2006/main" xmlns:r="http://schemas.openxmlformats.org/officeDocument/2006/relationships" xmlns:p="http://schemas.openxmlformats.org/presentationml/2006/main">
+  <p:cSld>
+    <p:spTree>
+      <p:nvGrpSpPr>
+        <p:cNvPr id="1" name=""/>
+        <p:cNvGrpSpPr/>
+        <p:nvPr/>
+      </p:nvGrpSpPr>
+      <p:grpSpPr>
+        <a:xfrm>
+          <a:off x="0" y="0"/>
+          <a:ext cx="0" cy="0"/>
+          <a:chOff x="0" y="0"/>
+          <a:chExt cx="0" cy="0"/>
+        </a:xfrm>
+      </p:grpSpPr>
+      <p:sp>
+        <p:nvSpPr>
+          <p:cNvPr id="2" name="Title 1">
+            <a:extLst>
+              <a:ext uri="{FF2B5EF4-FFF2-40B4-BE49-F238E27FC236}">
+                <a16:creationId xmlns:a16="http://schemas.microsoft.com/office/drawing/2014/main" id="{9550A325-0CD6-45C5-BE75-434B6A8809E7}"/>
+              </a:ext>
+            </a:extLst>
+          </p:cNvPr>
+          <p:cNvSpPr>
+            <a:spLocks noGrp="1"/>
+          </p:cNvSpPr>
+          <p:nvPr>
+            <p:ph type="title"/>
+          </p:nvPr>
+        </p:nvSpPr>
+        <p:spPr/>
+        <p:txBody>
+          <a:bodyPr/>
+          <a:lstStyle/>
+          <a:p>
+            <a:r>
+              <a:rPr lang="en-US" b="1" dirty="0"/>
+              <a:t>Blind Test Results</a:t>
+            </a:r>
+          </a:p>
+        </p:txBody>
+      </p:sp>
+      <p:sp>
+        <p:nvSpPr>
           <p:cNvPr id="4" name="Rectangle 1">
             <a:extLst>
               <a:ext uri="{FF2B5EF4-FFF2-40B4-BE49-F238E27FC236}">
-                <a16:creationId xmlns:a16="http://schemas.microsoft.com/office/drawing/2014/main" id="{B4C4A547-3041-4267-9125-6672D95AD472}"/>
+                <a16:creationId xmlns:a16="http://schemas.microsoft.com/office/drawing/2014/main" id="{F27F2F18-6AE2-46E9-8D71-E90B417F11AC}"/>
               </a:ext>
             </a:extLst>
           </p:cNvPr>
@@ -4932,8 +7221,8 @@
         </p:nvSpPr>
         <p:spPr bwMode="auto">
           <a:xfrm>
-            <a:off x="838200" y="3678128"/>
-            <a:ext cx="2889445" cy="646331"/>
+            <a:off x="838200" y="2269193"/>
+            <a:ext cx="10109548" cy="1569660"/>
           </a:xfrm>
           <a:prstGeom prst="rect">
             <a:avLst/>
@@ -4973,13 +7262,41 @@
           </a:extLst>
         </p:spPr>
         <p:txBody>
-          <a:bodyPr vert="horz" wrap="none" lIns="91440" tIns="45720" rIns="91440" bIns="45720" numCol="1" anchor="ctr" anchorCtr="0" compatLnSpc="1">
+          <a:bodyPr vert="horz" wrap="square" lIns="91440" tIns="45720" rIns="91440" bIns="45720" numCol="1" anchor="ctr" anchorCtr="0" compatLnSpc="1">
             <a:prstTxWarp prst="textNoShape">
               <a:avLst/>
             </a:prstTxWarp>
             <a:spAutoFit/>
           </a:bodyPr>
           <a:lstStyle/>
+          <a:p>
+            <a:pPr marL="0" marR="0" lvl="0" indent="0" algn="l" defTabSz="914400" rtl="0" eaLnBrk="0" fontAlgn="base" latinLnBrk="0" hangingPunct="0">
+              <a:lnSpc>
+                <a:spcPct val="100000"/>
+              </a:lnSpc>
+              <a:spcBef>
+                <a:spcPct val="0"/>
+              </a:spcBef>
+              <a:spcAft>
+                <a:spcPct val="0"/>
+              </a:spcAft>
+              <a:buClrTx/>
+              <a:buSzTx/>
+              <a:buFontTx/>
+              <a:buNone/>
+              <a:tabLst/>
+            </a:pPr>
+            <a:endParaRPr kumimoji="0" lang="en-US" altLang="en-US" sz="2400" b="0" i="0" u="none" strike="noStrike" cap="none" normalizeH="0" baseline="0" dirty="0">
+              <a:ln>
+                <a:noFill/>
+              </a:ln>
+              <a:solidFill>
+                <a:schemeClr val="tx1"/>
+              </a:solidFill>
+              <a:effectLst/>
+              <a:latin typeface="Arial" panose="020B0604020202020204" pitchFamily="34" charset="0"/>
+            </a:endParaRPr>
+          </a:p>
           <a:p>
             <a:pPr marL="0" marR="0" lvl="0" indent="0" algn="l" defTabSz="914400" rtl="0" eaLnBrk="0" fontAlgn="base" latinLnBrk="0" hangingPunct="0">
               <a:lnSpc>
@@ -4998,7 +7315,7 @@
               <a:tabLst/>
             </a:pPr>
             <a:r>
-              <a:rPr kumimoji="0" lang="en-US" altLang="en-US" sz="1800" b="1" i="0" u="none" strike="noStrike" cap="none" normalizeH="0" baseline="0" dirty="0">
+              <a:rPr kumimoji="0" lang="en-US" altLang="en-US" sz="2400" b="1" i="0" u="none" strike="noStrike" cap="none" normalizeH="0" baseline="0" dirty="0">
                 <a:ln>
                   <a:noFill/>
                 </a:ln>
@@ -5008,9 +7325,9 @@
                 <a:effectLst/>
                 <a:latin typeface="Arial" panose="020B0604020202020204" pitchFamily="34" charset="0"/>
               </a:rPr>
-              <a:t>Table of the cup dataset</a:t>
-            </a:r>
-            <a:endParaRPr kumimoji="0" lang="en-US" altLang="en-US" sz="1800" b="0" i="0" u="none" strike="noStrike" cap="none" normalizeH="0" baseline="0" dirty="0">
+              <a:t>Final Predictions </a:t>
+            </a:r>
+            <a:endParaRPr kumimoji="0" lang="en-US" altLang="en-US" sz="2400" b="0" i="0" u="none" strike="noStrike" cap="none" normalizeH="0" baseline="0" dirty="0">
               <a:ln>
                 <a:noFill/>
               </a:ln>
@@ -5022,7 +7339,7 @@
             </a:endParaRPr>
           </a:p>
           <a:p>
-            <a:pPr marL="0" marR="0" lvl="0" indent="0" algn="l" defTabSz="914400" rtl="0" eaLnBrk="0" fontAlgn="base" latinLnBrk="0" hangingPunct="0">
+            <a:pPr marL="457200" marR="0" lvl="1" indent="0" algn="l" defTabSz="914400" rtl="0" eaLnBrk="0" fontAlgn="base" latinLnBrk="0" hangingPunct="0">
               <a:lnSpc>
                 <a:spcPct val="100000"/>
               </a:lnSpc>
@@ -5035,9 +7352,126 @@
               <a:buClrTx/>
               <a:buSzTx/>
               <a:buFontTx/>
-              <a:buNone/>
+              <a:buChar char="•"/>
               <a:tabLst/>
             </a:pPr>
+            <a:r>
+              <a:rPr kumimoji="0" lang="en-US" altLang="en-US" b="1" i="0" u="none" strike="noStrike" cap="none" normalizeH="0" baseline="0" dirty="0">
+                <a:ln>
+                  <a:noFill/>
+                </a:ln>
+                <a:solidFill>
+                  <a:schemeClr val="tx1"/>
+                </a:solidFill>
+                <a:effectLst/>
+                <a:latin typeface="Arial" panose="020B0604020202020204" pitchFamily="34" charset="0"/>
+              </a:rPr>
+              <a:t>Results saved</a:t>
+            </a:r>
+            <a:r>
+              <a:rPr kumimoji="0" lang="en-US" altLang="en-US" b="0" i="0" u="none" strike="noStrike" cap="none" normalizeH="0" baseline="0" dirty="0">
+                <a:ln>
+                  <a:noFill/>
+                </a:ln>
+                <a:solidFill>
+                  <a:schemeClr val="tx1"/>
+                </a:solidFill>
+                <a:effectLst/>
+                <a:latin typeface="Arial" panose="020B0604020202020204" pitchFamily="34" charset="0"/>
+              </a:rPr>
+              <a:t> in </a:t>
+            </a:r>
+            <a:r>
+              <a:rPr kumimoji="0" lang="en-US" altLang="en-US" b="0" i="0" u="none" strike="noStrike" cap="none" normalizeH="0" baseline="0" dirty="0">
+                <a:ln>
+                  <a:noFill/>
+                </a:ln>
+                <a:solidFill>
+                  <a:schemeClr val="tx1"/>
+                </a:solidFill>
+                <a:effectLst/>
+                <a:latin typeface="Arial Unicode MS" panose="020B0604020202020204" pitchFamily="34" charset="-128"/>
+              </a:rPr>
+              <a:t>results/blind_test_predictions.csv</a:t>
+            </a:r>
+            <a:r>
+              <a:rPr kumimoji="0" lang="en-US" altLang="en-US" b="0" i="0" u="none" strike="noStrike" cap="none" normalizeH="0" baseline="0" dirty="0">
+                <a:ln>
+                  <a:noFill/>
+                </a:ln>
+                <a:solidFill>
+                  <a:schemeClr val="tx1"/>
+                </a:solidFill>
+                <a:effectLst/>
+              </a:rPr>
+              <a:t>.</a:t>
+            </a:r>
+            <a:endParaRPr kumimoji="0" lang="en-US" altLang="en-US" b="0" i="0" u="none" strike="noStrike" cap="none" normalizeH="0" baseline="0" dirty="0">
+              <a:ln>
+                <a:noFill/>
+              </a:ln>
+              <a:solidFill>
+                <a:schemeClr val="tx1"/>
+              </a:solidFill>
+              <a:effectLst/>
+              <a:latin typeface="Arial" panose="020B0604020202020204" pitchFamily="34" charset="0"/>
+            </a:endParaRPr>
+          </a:p>
+          <a:p>
+            <a:pPr marL="457200" marR="0" lvl="1" indent="0" algn="l" defTabSz="914400" rtl="0" eaLnBrk="0" fontAlgn="base" latinLnBrk="0" hangingPunct="0">
+              <a:lnSpc>
+                <a:spcPct val="100000"/>
+              </a:lnSpc>
+              <a:spcBef>
+                <a:spcPct val="0"/>
+              </a:spcBef>
+              <a:spcAft>
+                <a:spcPct val="0"/>
+              </a:spcAft>
+              <a:buClrTx/>
+              <a:buSzTx/>
+              <a:buFontTx/>
+              <a:buChar char="•"/>
+              <a:tabLst/>
+            </a:pPr>
+            <a:r>
+              <a:rPr kumimoji="0" lang="en-US" altLang="en-US" b="1" i="0" u="none" strike="noStrike" cap="none" normalizeH="0" baseline="0" dirty="0">
+                <a:ln>
+                  <a:noFill/>
+                </a:ln>
+                <a:solidFill>
+                  <a:schemeClr val="tx1"/>
+                </a:solidFill>
+                <a:effectLst/>
+                <a:latin typeface="Arial" panose="020B0604020202020204" pitchFamily="34" charset="0"/>
+              </a:rPr>
+              <a:t>Project nickname</a:t>
+            </a:r>
+            <a:r>
+              <a:rPr kumimoji="0" lang="en-US" altLang="en-US" b="0" i="0" u="none" strike="noStrike" cap="none" normalizeH="0" baseline="0" dirty="0">
+                <a:ln>
+                  <a:noFill/>
+                </a:ln>
+                <a:solidFill>
+                  <a:schemeClr val="tx1"/>
+                </a:solidFill>
+                <a:effectLst/>
+                <a:latin typeface="Arial" panose="020B0604020202020204" pitchFamily="34" charset="0"/>
+              </a:rPr>
+              <a:t>: </a:t>
+            </a:r>
+            <a:r>
+              <a:rPr lang="en-US" dirty="0">
+                <a:solidFill>
+                  <a:schemeClr val="dk1"/>
+                </a:solidFill>
+                <a:latin typeface="Times New Roman"/>
+                <a:ea typeface="Times New Roman"/>
+                <a:cs typeface="Times New Roman"/>
+                <a:sym typeface="Times New Roman"/>
+              </a:rPr>
+              <a:t>ML-crackers</a:t>
+            </a:r>
             <a:endParaRPr kumimoji="0" lang="en-US" altLang="en-US" sz="1800" b="0" i="0" u="none" strike="noStrike" cap="none" normalizeH="0" baseline="0" dirty="0">
               <a:ln>
                 <a:noFill/>
@@ -5051,10 +7485,47 @@
           </a:p>
         </p:txBody>
       </p:sp>
+      <p:sp>
+        <p:nvSpPr>
+          <p:cNvPr id="3" name="Slide Number Placeholder 2">
+            <a:extLst>
+              <a:ext uri="{FF2B5EF4-FFF2-40B4-BE49-F238E27FC236}">
+                <a16:creationId xmlns:a16="http://schemas.microsoft.com/office/drawing/2014/main" id="{A02C9274-1D7B-4E2C-BB85-00EE25931563}"/>
+              </a:ext>
+            </a:extLst>
+          </p:cNvPr>
+          <p:cNvSpPr>
+            <a:spLocks noGrp="1"/>
+          </p:cNvSpPr>
+          <p:nvPr>
+            <p:ph type="sldNum" sz="quarter" idx="12"/>
+          </p:nvPr>
+        </p:nvSpPr>
+        <p:spPr/>
+        <p:txBody>
+          <a:bodyPr/>
+          <a:lstStyle/>
+          <a:p>
+            <a:fld id="{A6B05161-9E42-4493-9916-6F12CA0446C4}" type="slidenum">
+              <a:rPr lang="en-US" sz="2800" b="1" smtClean="0">
+                <a:solidFill>
+                  <a:schemeClr val="tx1"/>
+                </a:solidFill>
+              </a:rPr>
+              <a:t>26</a:t>
+            </a:fld>
+            <a:endParaRPr lang="en-US" sz="2800" b="1" dirty="0">
+              <a:solidFill>
+                <a:schemeClr val="tx1"/>
+              </a:solidFill>
+            </a:endParaRPr>
+          </a:p>
+        </p:txBody>
+      </p:sp>
     </p:spTree>
     <p:extLst>
       <p:ext uri="{BB962C8B-B14F-4D97-AF65-F5344CB8AC3E}">
-        <p14:creationId xmlns:p14="http://schemas.microsoft.com/office/powerpoint/2010/main" val="2450701247"/>
+        <p14:creationId xmlns:p14="http://schemas.microsoft.com/office/powerpoint/2010/main" val="4265442939"/>
       </p:ext>
     </p:extLst>
   </p:cSld>
@@ -5064,7 +7535,7 @@
 </p:sld>
 </file>
 
-<file path=ppt/slides/slide16.xml><?xml version="1.0" encoding="utf-8"?>
+<file path=ppt/slides/slide27.xml><?xml version="1.0" encoding="utf-8"?>
 <p:sld xmlns:a="http://schemas.openxmlformats.org/drawingml/2006/main" xmlns:r="http://schemas.openxmlformats.org/officeDocument/2006/relationships" xmlns:p="http://schemas.openxmlformats.org/presentationml/2006/main">
   <p:cSld>
     <p:spTree>
@@ -5086,7 +7557,7 @@
           <p:cNvPr id="2" name="Title 1">
             <a:extLst>
               <a:ext uri="{FF2B5EF4-FFF2-40B4-BE49-F238E27FC236}">
-                <a16:creationId xmlns:a16="http://schemas.microsoft.com/office/drawing/2014/main" id="{A36B6BFD-D9FD-40A9-A7A8-F1F26DF58805}"/>
+                <a16:creationId xmlns:a16="http://schemas.microsoft.com/office/drawing/2014/main" id="{539AB3D3-2B0E-410E-BA90-A6F21FD35C5B}"/>
               </a:ext>
             </a:extLst>
           </p:cNvPr>
@@ -5103,10 +7574,10 @@
           <a:lstStyle/>
           <a:p>
             <a:r>
-              <a:rPr lang="it" dirty="0"/>
-              <a:t>Discussion</a:t>
-            </a:r>
-            <a:endParaRPr lang="en-US" dirty="0"/>
+              <a:rPr lang="it" b="1" dirty="0"/>
+              <a:t>Reference</a:t>
+            </a:r>
+            <a:endParaRPr lang="en-US" b="1" dirty="0"/>
           </a:p>
         </p:txBody>
       </p:sp>
@@ -5115,7 +7586,7 @@
           <p:cNvPr id="3" name="Content Placeholder 2">
             <a:extLst>
               <a:ext uri="{FF2B5EF4-FFF2-40B4-BE49-F238E27FC236}">
-                <a16:creationId xmlns:a16="http://schemas.microsoft.com/office/drawing/2014/main" id="{3009B6A6-780B-4EAE-BDD2-89BC1370F3E7}"/>
+                <a16:creationId xmlns:a16="http://schemas.microsoft.com/office/drawing/2014/main" id="{6126BB7E-CE2A-4E69-8910-A56D138E965D}"/>
               </a:ext>
             </a:extLst>
           </p:cNvPr>
@@ -5126,91 +7597,86 @@
             <p:ph idx="1"/>
           </p:nvPr>
         </p:nvSpPr>
+        <p:spPr>
+          <a:xfrm>
+            <a:off x="799578" y="1652784"/>
+            <a:ext cx="10515600" cy="4351338"/>
+          </a:xfrm>
+        </p:spPr>
+        <p:txBody>
+          <a:bodyPr/>
+          <a:lstStyle/>
+          <a:p>
+            <a:r>
+              <a:rPr lang="en-US" dirty="0"/>
+              <a:t>References [1] Y. </a:t>
+            </a:r>
+            <a:r>
+              <a:rPr lang="en-US" dirty="0" err="1"/>
+              <a:t>Bengio</a:t>
+            </a:r>
+            <a:r>
+              <a:rPr lang="en-US" dirty="0"/>
+              <a:t> X. </a:t>
+            </a:r>
+            <a:r>
+              <a:rPr lang="en-US" dirty="0" err="1"/>
+              <a:t>Glorot</a:t>
+            </a:r>
+            <a:r>
+              <a:rPr lang="en-US" dirty="0"/>
+              <a:t>. Understanding the difficulty of training deep feedforward neural networks. page 4.2.1. DIRO Montreal, 2010.</a:t>
+            </a:r>
+          </a:p>
+        </p:txBody>
+      </p:sp>
+      <p:sp>
+        <p:nvSpPr>
+          <p:cNvPr id="4" name="Slide Number Placeholder 3">
+            <a:extLst>
+              <a:ext uri="{FF2B5EF4-FFF2-40B4-BE49-F238E27FC236}">
+                <a16:creationId xmlns:a16="http://schemas.microsoft.com/office/drawing/2014/main" id="{EE14B7F9-968C-4931-A504-C8E8D63F4571}"/>
+              </a:ext>
+            </a:extLst>
+          </p:cNvPr>
+          <p:cNvSpPr>
+            <a:spLocks noGrp="1"/>
+          </p:cNvSpPr>
+          <p:nvPr>
+            <p:ph type="sldNum" sz="quarter" idx="12"/>
+          </p:nvPr>
+        </p:nvSpPr>
         <p:spPr/>
         <p:txBody>
           <a:bodyPr/>
           <a:lstStyle/>
           <a:p>
-            <a:pPr>
-              <a:buFont typeface="Arial" panose="020B0604020202020204" pitchFamily="34" charset="0"/>
-              <a:buChar char="•"/>
-            </a:pPr>
-            <a:r>
-              <a:rPr lang="en-US" b="1" dirty="0"/>
-              <a:t>Findings and Insights:</a:t>
-            </a:r>
-            <a:endParaRPr lang="en-US" dirty="0"/>
-          </a:p>
-          <a:p>
-            <a:pPr marL="742950" lvl="1" indent="-285750">
-              <a:buFont typeface="Arial" panose="020B0604020202020204" pitchFamily="34" charset="0"/>
-              <a:buChar char="•"/>
-            </a:pPr>
-            <a:r>
-              <a:rPr lang="en-US" dirty="0"/>
-              <a:t>How different architectures impacted performance.</a:t>
-            </a:r>
-          </a:p>
-          <a:p>
-            <a:pPr marL="742950" lvl="1" indent="-285750">
-              <a:buFont typeface="Arial" panose="020B0604020202020204" pitchFamily="34" charset="0"/>
-              <a:buChar char="•"/>
-            </a:pPr>
-            <a:r>
-              <a:rPr lang="en-US" dirty="0"/>
-              <a:t>Model stability with different weight initializations.</a:t>
-            </a:r>
-          </a:p>
-          <a:p>
-            <a:pPr marL="742950" lvl="1" indent="-285750">
-              <a:buFont typeface="Arial" panose="020B0604020202020204" pitchFamily="34" charset="0"/>
-              <a:buChar char="•"/>
-            </a:pPr>
-            <a:r>
-              <a:rPr lang="en-US" dirty="0"/>
-              <a:t>Effect of batch size on convergence speed.</a:t>
-            </a:r>
-          </a:p>
-          <a:p>
-            <a:pPr>
-              <a:buFont typeface="Arial" panose="020B0604020202020204" pitchFamily="34" charset="0"/>
-              <a:buChar char="•"/>
-            </a:pPr>
-            <a:r>
-              <a:rPr lang="en-US" b="1" dirty="0"/>
-              <a:t>Challenges Faced:</a:t>
-            </a:r>
-            <a:endParaRPr lang="en-US" dirty="0"/>
-          </a:p>
-          <a:p>
-            <a:pPr marL="742950" lvl="1" indent="-285750">
-              <a:buFont typeface="Arial" panose="020B0604020202020204" pitchFamily="34" charset="0"/>
-              <a:buChar char="•"/>
-            </a:pPr>
-            <a:r>
-              <a:rPr lang="en-US" dirty="0"/>
-              <a:t>Overfitting issues with deeper networks.</a:t>
-            </a:r>
-          </a:p>
-          <a:p>
-            <a:pPr marL="742950" lvl="1" indent="-285750">
-              <a:buFont typeface="Arial" panose="020B0604020202020204" pitchFamily="34" charset="0"/>
-              <a:buChar char="•"/>
-            </a:pPr>
-            <a:r>
-              <a:rPr lang="en-US" dirty="0"/>
-              <a:t>Computational complexity of tuning large parameter spaces.</a:t>
-            </a:r>
-          </a:p>
-          <a:p>
-            <a:endParaRPr lang="en-US" dirty="0"/>
+            <a:fld id="{A6B05161-9E42-4493-9916-6F12CA0446C4}" type="slidenum">
+              <a:rPr lang="en-US" sz="2800" b="1" smtClean="0">
+                <a:solidFill>
+                  <a:schemeClr val="tx1">
+                    <a:lumMod val="95000"/>
+                    <a:lumOff val="5000"/>
+                  </a:schemeClr>
+                </a:solidFill>
+              </a:rPr>
+              <a:t>27</a:t>
+            </a:fld>
+            <a:endParaRPr lang="en-US" sz="2800" b="1" dirty="0">
+              <a:solidFill>
+                <a:schemeClr val="tx1">
+                  <a:lumMod val="95000"/>
+                  <a:lumOff val="5000"/>
+                </a:schemeClr>
+              </a:solidFill>
+            </a:endParaRPr>
           </a:p>
         </p:txBody>
       </p:sp>
     </p:spTree>
     <p:extLst>
       <p:ext uri="{BB962C8B-B14F-4D97-AF65-F5344CB8AC3E}">
-        <p14:creationId xmlns:p14="http://schemas.microsoft.com/office/powerpoint/2010/main" val="3476604203"/>
+        <p14:creationId xmlns:p14="http://schemas.microsoft.com/office/powerpoint/2010/main" val="1741051013"/>
       </p:ext>
     </p:extLst>
   </p:cSld>
@@ -5220,7 +7686,7 @@
 </p:sld>
 </file>
 
-<file path=ppt/slides/slide17.xml><?xml version="1.0" encoding="utf-8"?>
+<file path=ppt/slides/slide3.xml><?xml version="1.0" encoding="utf-8"?>
 <p:sld xmlns:a="http://schemas.openxmlformats.org/drawingml/2006/main" xmlns:r="http://schemas.openxmlformats.org/officeDocument/2006/relationships" xmlns:p="http://schemas.openxmlformats.org/presentationml/2006/main">
   <p:cSld>
     <p:spTree>
@@ -5242,7 +7708,7 @@
           <p:cNvPr id="2" name="Title 1">
             <a:extLst>
               <a:ext uri="{FF2B5EF4-FFF2-40B4-BE49-F238E27FC236}">
-                <a16:creationId xmlns:a16="http://schemas.microsoft.com/office/drawing/2014/main" id="{D8CC4D3C-9585-42E5-AD3F-8DCA1A3B0C03}"/>
+                <a16:creationId xmlns:a16="http://schemas.microsoft.com/office/drawing/2014/main" id="{2640C047-2BC6-4B4F-AD82-7A6C69C536CE}"/>
               </a:ext>
             </a:extLst>
           </p:cNvPr>
@@ -5259,10 +7725,11 @@
           <a:lstStyle/>
           <a:p>
             <a:r>
-              <a:rPr lang="it" dirty="0"/>
-              <a:t>Conclusions</a:t>
-            </a:r>
-            <a:endParaRPr lang="en-US" dirty="0"/>
+              <a:rPr lang="en-US" b="1" dirty="0">
+                <a:latin typeface="+mn-lt"/>
+              </a:rPr>
+              <a:t>Language and tools</a:t>
+            </a:r>
           </a:p>
         </p:txBody>
       </p:sp>
@@ -5271,7 +7738,7 @@
           <p:cNvPr id="3" name="Content Placeholder 2">
             <a:extLst>
               <a:ext uri="{FF2B5EF4-FFF2-40B4-BE49-F238E27FC236}">
-                <a16:creationId xmlns:a16="http://schemas.microsoft.com/office/drawing/2014/main" id="{ED2F2E0F-27FA-496C-B2BA-7B9CAF54DDDB}"/>
+                <a16:creationId xmlns:a16="http://schemas.microsoft.com/office/drawing/2014/main" id="{4169FBB6-D9DD-4D71-A9D2-07AD0EB5AEC5}"/>
               </a:ext>
             </a:extLst>
           </p:cNvPr>
@@ -5282,60 +7749,82 @@
             <p:ph idx="1"/>
           </p:nvPr>
         </p:nvSpPr>
+        <p:spPr>
+          <a:xfrm>
+            <a:off x="838200" y="1590805"/>
+            <a:ext cx="10515600" cy="3995803"/>
+          </a:xfrm>
+        </p:spPr>
+        <p:txBody>
+          <a:bodyPr>
+            <a:normAutofit/>
+          </a:bodyPr>
+          <a:lstStyle/>
+          <a:p>
+            <a:pPr algn="just">
+              <a:lnSpc>
+                <a:spcPct val="150000"/>
+              </a:lnSpc>
+            </a:pPr>
+            <a:r>
+              <a:rPr lang="en-US" sz="2400" dirty="0"/>
+              <a:t>We have used Python as the primary programming language for implementation, leveraging NumPy for numerical computations, Pandas for data processing, and Matplotlib for visualization. </a:t>
+            </a:r>
+          </a:p>
+          <a:p>
+            <a:pPr algn="just">
+              <a:lnSpc>
+                <a:spcPct val="150000"/>
+              </a:lnSpc>
+            </a:pPr>
+            <a:r>
+              <a:rPr lang="en-US" sz="2400" dirty="0"/>
+              <a:t>The model training process involved cross-validation to ensure robustness, with hyperparameter tuning optimizing network architecture, activation functions, learning rates, and weight initialization techniques. </a:t>
+            </a:r>
+          </a:p>
+        </p:txBody>
+      </p:sp>
+      <p:sp>
+        <p:nvSpPr>
+          <p:cNvPr id="4" name="Slide Number Placeholder 3">
+            <a:extLst>
+              <a:ext uri="{FF2B5EF4-FFF2-40B4-BE49-F238E27FC236}">
+                <a16:creationId xmlns:a16="http://schemas.microsoft.com/office/drawing/2014/main" id="{D56D1795-6539-4360-9EC0-21CCCED12FE7}"/>
+              </a:ext>
+            </a:extLst>
+          </p:cNvPr>
+          <p:cNvSpPr>
+            <a:spLocks noGrp="1"/>
+          </p:cNvSpPr>
+          <p:nvPr>
+            <p:ph type="sldNum" sz="quarter" idx="12"/>
+          </p:nvPr>
+        </p:nvSpPr>
         <p:spPr/>
         <p:txBody>
           <a:bodyPr/>
           <a:lstStyle/>
           <a:p>
-            <a:pPr>
-              <a:buFont typeface="Arial" panose="020B0604020202020204" pitchFamily="34" charset="0"/>
-              <a:buChar char="•"/>
-            </a:pPr>
-            <a:r>
-              <a:rPr lang="en-US" b="1" dirty="0"/>
-              <a:t>Key Takeaways:</a:t>
-            </a:r>
-            <a:endParaRPr lang="en-US" dirty="0"/>
-          </a:p>
-          <a:p>
-            <a:pPr marL="742950" lvl="1" indent="-285750">
-              <a:buFont typeface="Arial" panose="020B0604020202020204" pitchFamily="34" charset="0"/>
-              <a:buChar char="•"/>
-            </a:pPr>
-            <a:r>
-              <a:rPr lang="en-US" dirty="0"/>
-              <a:t>Optimal model achieved with moderate depth and regularization.</a:t>
-            </a:r>
-          </a:p>
-          <a:p>
-            <a:pPr marL="742950" lvl="1" indent="-285750">
-              <a:buFont typeface="Arial" panose="020B0604020202020204" pitchFamily="34" charset="0"/>
-              <a:buChar char="•"/>
-            </a:pPr>
-            <a:r>
-              <a:rPr lang="en-US" dirty="0"/>
-              <a:t>Cup task required careful tuning of dropout and batch size.</a:t>
-            </a:r>
-          </a:p>
-          <a:p>
-            <a:pPr marL="742950" lvl="1" indent="-285750">
-              <a:buFont typeface="Arial" panose="020B0604020202020204" pitchFamily="34" charset="0"/>
-              <a:buChar char="•"/>
-            </a:pPr>
-            <a:r>
-              <a:rPr lang="en-US" dirty="0"/>
-              <a:t>MONK datasets showed the importance of activation function choices.</a:t>
-            </a:r>
-          </a:p>
-          <a:p>
-            <a:endParaRPr lang="en-US" dirty="0"/>
+            <a:fld id="{A6B05161-9E42-4493-9916-6F12CA0446C4}" type="slidenum">
+              <a:rPr lang="en-US" sz="2800" b="1" smtClean="0">
+                <a:solidFill>
+                  <a:schemeClr val="tx1"/>
+                </a:solidFill>
+              </a:rPr>
+              <a:t>3</a:t>
+            </a:fld>
+            <a:endParaRPr lang="en-US" sz="2800" b="1" dirty="0">
+              <a:solidFill>
+                <a:schemeClr val="tx1"/>
+              </a:solidFill>
+            </a:endParaRPr>
           </a:p>
         </p:txBody>
       </p:sp>
     </p:spTree>
     <p:extLst>
       <p:ext uri="{BB962C8B-B14F-4D97-AF65-F5344CB8AC3E}">
-        <p14:creationId xmlns:p14="http://schemas.microsoft.com/office/powerpoint/2010/main" val="2654976359"/>
+        <p14:creationId xmlns:p14="http://schemas.microsoft.com/office/powerpoint/2010/main" val="3333847458"/>
       </p:ext>
     </p:extLst>
   </p:cSld>
@@ -5345,7 +7834,7 @@
 </p:sld>
 </file>
 
-<file path=ppt/slides/slide18.xml><?xml version="1.0" encoding="utf-8"?>
+<file path=ppt/slides/slide4.xml><?xml version="1.0" encoding="utf-8"?>
 <p:sld xmlns:a="http://schemas.openxmlformats.org/drawingml/2006/main" xmlns:r="http://schemas.openxmlformats.org/officeDocument/2006/relationships" xmlns:p="http://schemas.openxmlformats.org/presentationml/2006/main">
   <p:cSld>
     <p:spTree>
@@ -5367,7 +7856,7 @@
           <p:cNvPr id="2" name="Title 1">
             <a:extLst>
               <a:ext uri="{FF2B5EF4-FFF2-40B4-BE49-F238E27FC236}">
-                <a16:creationId xmlns:a16="http://schemas.microsoft.com/office/drawing/2014/main" id="{9550A325-0CD6-45C5-BE75-434B6A8809E7}"/>
+                <a16:creationId xmlns:a16="http://schemas.microsoft.com/office/drawing/2014/main" id="{E9A4DA2C-2ECF-4E4E-B50A-C35CA922DEA7}"/>
               </a:ext>
             </a:extLst>
           </p:cNvPr>
@@ -5378,24 +7867,1123 @@
             <p:ph type="title"/>
           </p:nvPr>
         </p:nvSpPr>
+        <p:spPr>
+          <a:xfrm>
+            <a:off x="544749" y="330741"/>
+            <a:ext cx="10809051" cy="1108953"/>
+          </a:xfrm>
+        </p:spPr>
+        <p:txBody>
+          <a:bodyPr>
+            <a:normAutofit/>
+          </a:bodyPr>
+          <a:lstStyle/>
+          <a:p>
+            <a:r>
+              <a:rPr lang="en-US" sz="3600" b="1" dirty="0">
+                <a:latin typeface="+mn-lt"/>
+              </a:rPr>
+              <a:t>Code Description</a:t>
+            </a:r>
+          </a:p>
+        </p:txBody>
+      </p:sp>
+      <p:sp>
+        <p:nvSpPr>
+          <p:cNvPr id="3" name="Content Placeholder 2">
+            <a:extLst>
+              <a:ext uri="{FF2B5EF4-FFF2-40B4-BE49-F238E27FC236}">
+                <a16:creationId xmlns:a16="http://schemas.microsoft.com/office/drawing/2014/main" id="{7B049F92-8395-4BCC-B85E-C888018F9A25}"/>
+              </a:ext>
+            </a:extLst>
+          </p:cNvPr>
+          <p:cNvSpPr>
+            <a:spLocks noGrp="1"/>
+          </p:cNvSpPr>
+          <p:nvPr>
+            <p:ph idx="1"/>
+          </p:nvPr>
+        </p:nvSpPr>
+        <p:spPr>
+          <a:xfrm>
+            <a:off x="413358" y="1327760"/>
+            <a:ext cx="11122313" cy="4849204"/>
+          </a:xfrm>
+        </p:spPr>
+        <p:txBody>
+          <a:bodyPr>
+            <a:normAutofit/>
+          </a:bodyPr>
+          <a:lstStyle/>
+          <a:p>
+            <a:pPr marL="0" indent="0">
+              <a:lnSpc>
+                <a:spcPct val="150000"/>
+              </a:lnSpc>
+              <a:buNone/>
+            </a:pPr>
+            <a:r>
+              <a:rPr lang="en-US" sz="2600" b="1" dirty="0"/>
+              <a:t>1</a:t>
+            </a:r>
+            <a:r>
+              <a:rPr lang="en-US" sz="2400" b="1" dirty="0"/>
+              <a:t>. Preprocessing Pipeline</a:t>
+            </a:r>
+            <a:endParaRPr lang="en-US" sz="2400" dirty="0"/>
+          </a:p>
+          <a:p>
+            <a:pPr marL="0" indent="0">
+              <a:lnSpc>
+                <a:spcPct val="150000"/>
+              </a:lnSpc>
+              <a:buNone/>
+            </a:pPr>
+            <a:r>
+              <a:rPr lang="en-US" sz="2400" b="1" dirty="0"/>
+              <a:t>MONK Datasets:-</a:t>
+            </a:r>
+          </a:p>
+          <a:p>
+            <a:pPr>
+              <a:lnSpc>
+                <a:spcPct val="150000"/>
+              </a:lnSpc>
+            </a:pPr>
+            <a:r>
+              <a:rPr lang="en-US" sz="2400" dirty="0"/>
+              <a:t>One-hot encoding for categorical features of the training and testing datasets.</a:t>
+            </a:r>
+          </a:p>
+          <a:p>
+            <a:pPr>
+              <a:lnSpc>
+                <a:spcPct val="150000"/>
+              </a:lnSpc>
+            </a:pPr>
+            <a:r>
+              <a:rPr lang="en-US" sz="2400" dirty="0"/>
+              <a:t>Target values retained as-is for classification.</a:t>
+            </a:r>
+          </a:p>
+          <a:p>
+            <a:pPr marL="0" indent="0">
+              <a:lnSpc>
+                <a:spcPct val="150000"/>
+              </a:lnSpc>
+              <a:buNone/>
+            </a:pPr>
+            <a:r>
+              <a:rPr lang="en-US" sz="2400" b="1" dirty="0"/>
+              <a:t>CUP Dataset:- </a:t>
+            </a:r>
+          </a:p>
+          <a:p>
+            <a:pPr>
+              <a:lnSpc>
+                <a:spcPct val="150000"/>
+              </a:lnSpc>
+            </a:pPr>
+            <a:r>
+              <a:rPr lang="en-US" sz="2400" dirty="0"/>
+              <a:t>Training Data split into 80% training and 20% testing sets. So that to perform the cross validation in the training test set.</a:t>
+            </a:r>
+          </a:p>
+          <a:p>
+            <a:pPr marL="0" indent="0">
+              <a:buNone/>
+            </a:pPr>
+            <a:endParaRPr lang="en-US" dirty="0"/>
+          </a:p>
+          <a:p>
+            <a:endParaRPr lang="en-US" dirty="0" err="1"/>
+          </a:p>
+        </p:txBody>
+      </p:sp>
+      <p:sp>
+        <p:nvSpPr>
+          <p:cNvPr id="4" name="Slide Number Placeholder 3">
+            <a:extLst>
+              <a:ext uri="{FF2B5EF4-FFF2-40B4-BE49-F238E27FC236}">
+                <a16:creationId xmlns:a16="http://schemas.microsoft.com/office/drawing/2014/main" id="{9CE169FA-4785-40E9-86B9-0E29F00EDCC5}"/>
+              </a:ext>
+            </a:extLst>
+          </p:cNvPr>
+          <p:cNvSpPr>
+            <a:spLocks noGrp="1"/>
+          </p:cNvSpPr>
+          <p:nvPr>
+            <p:ph type="sldNum" sz="quarter" idx="12"/>
+          </p:nvPr>
+        </p:nvSpPr>
         <p:spPr/>
         <p:txBody>
           <a:bodyPr/>
           <a:lstStyle/>
           <a:p>
-            <a:r>
+            <a:fld id="{A6B05161-9E42-4493-9916-6F12CA0446C4}" type="slidenum">
+              <a:rPr lang="en-US" sz="2800" b="1" smtClean="0">
+                <a:solidFill>
+                  <a:schemeClr val="tx1"/>
+                </a:solidFill>
+              </a:rPr>
+              <a:t>4</a:t>
+            </a:fld>
+            <a:endParaRPr lang="en-US" sz="2800" b="1" dirty="0">
+              <a:solidFill>
+                <a:schemeClr val="tx1"/>
+              </a:solidFill>
+            </a:endParaRPr>
+          </a:p>
+        </p:txBody>
+      </p:sp>
+    </p:spTree>
+    <p:extLst>
+      <p:ext uri="{BB962C8B-B14F-4D97-AF65-F5344CB8AC3E}">
+        <p14:creationId xmlns:p14="http://schemas.microsoft.com/office/powerpoint/2010/main" val="3012830827"/>
+      </p:ext>
+    </p:extLst>
+  </p:cSld>
+  <p:clrMapOvr>
+    <a:masterClrMapping/>
+  </p:clrMapOvr>
+</p:sld>
+</file>
+
+<file path=ppt/slides/slide5.xml><?xml version="1.0" encoding="utf-8"?>
+<p:sld xmlns:a="http://schemas.openxmlformats.org/drawingml/2006/main" xmlns:r="http://schemas.openxmlformats.org/officeDocument/2006/relationships" xmlns:p="http://schemas.openxmlformats.org/presentationml/2006/main">
+  <p:cSld>
+    <p:spTree>
+      <p:nvGrpSpPr>
+        <p:cNvPr id="1" name=""/>
+        <p:cNvGrpSpPr/>
+        <p:nvPr/>
+      </p:nvGrpSpPr>
+      <p:grpSpPr>
+        <a:xfrm>
+          <a:off x="0" y="0"/>
+          <a:ext cx="0" cy="0"/>
+          <a:chOff x="0" y="0"/>
+          <a:chExt cx="0" cy="0"/>
+        </a:xfrm>
+      </p:grpSpPr>
+      <p:sp>
+        <p:nvSpPr>
+          <p:cNvPr id="2" name="Title 1">
+            <a:extLst>
+              <a:ext uri="{FF2B5EF4-FFF2-40B4-BE49-F238E27FC236}">
+                <a16:creationId xmlns:a16="http://schemas.microsoft.com/office/drawing/2014/main" id="{F77E4C00-B1A8-4F59-A12C-370B5FB8468A}"/>
+              </a:ext>
+            </a:extLst>
+          </p:cNvPr>
+          <p:cNvSpPr>
+            <a:spLocks noGrp="1"/>
+          </p:cNvSpPr>
+          <p:nvPr>
+            <p:ph type="title"/>
+          </p:nvPr>
+        </p:nvSpPr>
+        <p:spPr/>
+        <p:txBody>
+          <a:bodyPr/>
+          <a:lstStyle/>
+          <a:p>
+            <a:r>
+              <a:rPr lang="en-US" sz="4400" b="1" dirty="0">
+                <a:latin typeface="+mn-lt"/>
+              </a:rPr>
+              <a:t>Code Description</a:t>
+            </a:r>
+            <a:endParaRPr lang="en-US" dirty="0"/>
+          </a:p>
+        </p:txBody>
+      </p:sp>
+      <p:sp>
+        <p:nvSpPr>
+          <p:cNvPr id="3" name="Content Placeholder 2">
+            <a:extLst>
+              <a:ext uri="{FF2B5EF4-FFF2-40B4-BE49-F238E27FC236}">
+                <a16:creationId xmlns:a16="http://schemas.microsoft.com/office/drawing/2014/main" id="{3025F984-99CD-4E00-BD05-4E843685E82C}"/>
+              </a:ext>
+            </a:extLst>
+          </p:cNvPr>
+          <p:cNvSpPr>
+            <a:spLocks noGrp="1"/>
+          </p:cNvSpPr>
+          <p:nvPr>
+            <p:ph idx="1"/>
+          </p:nvPr>
+        </p:nvSpPr>
+        <p:spPr>
+          <a:xfrm>
+            <a:off x="551145" y="1565753"/>
+            <a:ext cx="10802655" cy="4611211"/>
+          </a:xfrm>
+        </p:spPr>
+        <p:txBody>
+          <a:bodyPr>
+            <a:normAutofit fontScale="77500" lnSpcReduction="20000"/>
+          </a:bodyPr>
+          <a:lstStyle/>
+          <a:p>
+            <a:pPr marL="0" indent="0">
+              <a:lnSpc>
+                <a:spcPct val="150000"/>
+              </a:lnSpc>
+              <a:buNone/>
+            </a:pPr>
+            <a:r>
+              <a:rPr lang="en-US" sz="3100" b="1" dirty="0"/>
+              <a:t>2. Hidden Layer Configurations</a:t>
+            </a:r>
+            <a:r>
+              <a:rPr lang="en-US" sz="3100" dirty="0"/>
+              <a:t>:</a:t>
+            </a:r>
+            <a:br>
               <a:rPr lang="en-US" dirty="0"/>
-              <a:t>Blind Test Results</a:t>
-            </a:r>
-          </a:p>
-        </p:txBody>
-      </p:sp>
+            </a:br>
+            <a:r>
+              <a:rPr lang="en-US" dirty="0"/>
+              <a:t>Neural networks are designed with varying depth and width to adapt to dataset complexity.</a:t>
+            </a:r>
+          </a:p>
+          <a:p>
+            <a:pPr>
+              <a:lnSpc>
+                <a:spcPct val="150000"/>
+              </a:lnSpc>
+              <a:buFont typeface="Arial" panose="020B0604020202020204" pitchFamily="34" charset="0"/>
+              <a:buChar char="•"/>
+            </a:pPr>
+            <a:r>
+              <a:rPr lang="en-US" b="1" dirty="0"/>
+              <a:t>MONK Datasets</a:t>
+            </a:r>
+            <a:r>
+              <a:rPr lang="en-US" dirty="0"/>
+              <a:t>: Configurations range from shallow to deep architectures:</a:t>
+            </a:r>
+            <a:br>
+              <a:rPr lang="en-US" dirty="0"/>
+            </a:br>
+            <a:r>
+              <a:rPr lang="en-US" dirty="0"/>
+              <a:t>Examples: (17, 8, 1), (17, 4, 1), (17, 12, 6, 1), and (17, 16, 8, 1).</a:t>
+            </a:r>
+            <a:br>
+              <a:rPr lang="en-US" dirty="0"/>
+            </a:br>
+            <a:r>
+              <a:rPr lang="en-US" dirty="0"/>
+              <a:t>The choice of configuration ensures the model captures relevant patterns while balancing complexity and performance.</a:t>
+            </a:r>
+          </a:p>
+          <a:p>
+            <a:pPr marL="742950" lvl="1" indent="-285750">
+              <a:lnSpc>
+                <a:spcPct val="150000"/>
+              </a:lnSpc>
+              <a:buFont typeface="Arial" panose="020B0604020202020204" pitchFamily="34" charset="0"/>
+              <a:buChar char="•"/>
+            </a:pPr>
+            <a:r>
+              <a:rPr lang="en-US" dirty="0"/>
+              <a:t>For </a:t>
+            </a:r>
+            <a:r>
+              <a:rPr lang="en-US" b="1" dirty="0"/>
+              <a:t>MONK-3</a:t>
+            </a:r>
+            <a:r>
+              <a:rPr lang="en-US" dirty="0"/>
+              <a:t>, regularization techniques are applied to mitigate overfitting due to inherent noise.</a:t>
+            </a:r>
+          </a:p>
+          <a:p>
+            <a:pPr>
+              <a:lnSpc>
+                <a:spcPct val="150000"/>
+              </a:lnSpc>
+              <a:buFont typeface="Arial" panose="020B0604020202020204" pitchFamily="34" charset="0"/>
+              <a:buChar char="•"/>
+            </a:pPr>
+            <a:r>
+              <a:rPr lang="en-US" b="1" dirty="0"/>
+              <a:t>CUP Dataset</a:t>
+            </a:r>
+            <a:r>
+              <a:rPr lang="en-US" dirty="0"/>
+              <a:t>: Moderate-depth configurations like (12, 6, 3) are used to manage regression complexity and ensure effective feature extraction.</a:t>
+            </a:r>
+          </a:p>
+          <a:p>
+            <a:endParaRPr lang="en-US" dirty="0"/>
+          </a:p>
+        </p:txBody>
+      </p:sp>
+      <p:sp>
+        <p:nvSpPr>
+          <p:cNvPr id="4" name="Slide Number Placeholder 3">
+            <a:extLst>
+              <a:ext uri="{FF2B5EF4-FFF2-40B4-BE49-F238E27FC236}">
+                <a16:creationId xmlns:a16="http://schemas.microsoft.com/office/drawing/2014/main" id="{F7224D64-8339-4951-8F0E-D56D553CE327}"/>
+              </a:ext>
+            </a:extLst>
+          </p:cNvPr>
+          <p:cNvSpPr>
+            <a:spLocks noGrp="1"/>
+          </p:cNvSpPr>
+          <p:nvPr>
+            <p:ph type="sldNum" sz="quarter" idx="12"/>
+          </p:nvPr>
+        </p:nvSpPr>
+        <p:spPr/>
+        <p:txBody>
+          <a:bodyPr/>
+          <a:lstStyle/>
+          <a:p>
+            <a:fld id="{A6B05161-9E42-4493-9916-6F12CA0446C4}" type="slidenum">
+              <a:rPr lang="en-US" sz="2800" b="1" smtClean="0">
+                <a:solidFill>
+                  <a:schemeClr val="tx1"/>
+                </a:solidFill>
+              </a:rPr>
+              <a:t>5</a:t>
+            </a:fld>
+            <a:endParaRPr lang="en-US" sz="2800" b="1" dirty="0">
+              <a:solidFill>
+                <a:schemeClr val="tx1"/>
+              </a:solidFill>
+            </a:endParaRPr>
+          </a:p>
+        </p:txBody>
+      </p:sp>
+    </p:spTree>
+    <p:extLst>
+      <p:ext uri="{BB962C8B-B14F-4D97-AF65-F5344CB8AC3E}">
+        <p14:creationId xmlns:p14="http://schemas.microsoft.com/office/powerpoint/2010/main" val="621515842"/>
+      </p:ext>
+    </p:extLst>
+  </p:cSld>
+  <p:clrMapOvr>
+    <a:masterClrMapping/>
+  </p:clrMapOvr>
+</p:sld>
+</file>
+
+<file path=ppt/slides/slide6.xml><?xml version="1.0" encoding="utf-8"?>
+<p:sld xmlns:a="http://schemas.openxmlformats.org/drawingml/2006/main" xmlns:r="http://schemas.openxmlformats.org/officeDocument/2006/relationships" xmlns:p="http://schemas.openxmlformats.org/presentationml/2006/main">
+  <p:cSld>
+    <p:spTree>
+      <p:nvGrpSpPr>
+        <p:cNvPr id="1" name=""/>
+        <p:cNvGrpSpPr/>
+        <p:nvPr/>
+      </p:nvGrpSpPr>
+      <p:grpSpPr>
+        <a:xfrm>
+          <a:off x="0" y="0"/>
+          <a:ext cx="0" cy="0"/>
+          <a:chOff x="0" y="0"/>
+          <a:chExt cx="0" cy="0"/>
+        </a:xfrm>
+      </p:grpSpPr>
+      <p:sp>
+        <p:nvSpPr>
+          <p:cNvPr id="2" name="Title 1">
+            <a:extLst>
+              <a:ext uri="{FF2B5EF4-FFF2-40B4-BE49-F238E27FC236}">
+                <a16:creationId xmlns:a16="http://schemas.microsoft.com/office/drawing/2014/main" id="{D70E1A08-C379-4E93-A14E-8819E69A9707}"/>
+              </a:ext>
+            </a:extLst>
+          </p:cNvPr>
+          <p:cNvSpPr>
+            <a:spLocks noGrp="1"/>
+          </p:cNvSpPr>
+          <p:nvPr>
+            <p:ph type="title"/>
+          </p:nvPr>
+        </p:nvSpPr>
+        <p:spPr/>
+        <p:txBody>
+          <a:bodyPr/>
+          <a:lstStyle/>
+          <a:p>
+            <a:r>
+              <a:rPr lang="en-US" sz="4400" b="1" dirty="0">
+                <a:latin typeface="+mn-lt"/>
+              </a:rPr>
+              <a:t>Code Description</a:t>
+            </a:r>
+            <a:endParaRPr lang="en-US" dirty="0"/>
+          </a:p>
+        </p:txBody>
+      </p:sp>
+      <p:sp>
+        <p:nvSpPr>
+          <p:cNvPr id="3" name="Content Placeholder 2">
+            <a:extLst>
+              <a:ext uri="{FF2B5EF4-FFF2-40B4-BE49-F238E27FC236}">
+                <a16:creationId xmlns:a16="http://schemas.microsoft.com/office/drawing/2014/main" id="{F4BE5B3B-1FBD-47F7-9463-606251D2AC9F}"/>
+              </a:ext>
+            </a:extLst>
+          </p:cNvPr>
+          <p:cNvSpPr>
+            <a:spLocks noGrp="1"/>
+          </p:cNvSpPr>
+          <p:nvPr>
+            <p:ph idx="1"/>
+          </p:nvPr>
+        </p:nvSpPr>
+        <p:spPr>
+          <a:xfrm>
+            <a:off x="513567" y="1415441"/>
+            <a:ext cx="10740025" cy="4835047"/>
+          </a:xfrm>
+        </p:spPr>
+        <p:txBody>
+          <a:bodyPr>
+            <a:normAutofit fontScale="77500" lnSpcReduction="20000"/>
+          </a:bodyPr>
+          <a:lstStyle/>
+          <a:p>
+            <a:pPr marL="0" indent="0">
+              <a:lnSpc>
+                <a:spcPct val="150000"/>
+              </a:lnSpc>
+              <a:buNone/>
+            </a:pPr>
+            <a:r>
+              <a:rPr lang="en-US" sz="2900" b="1" dirty="0"/>
+              <a:t>3. Activation Functions</a:t>
+            </a:r>
+            <a:r>
+              <a:rPr lang="en-US" sz="2900" dirty="0"/>
+              <a:t>:</a:t>
+            </a:r>
+          </a:p>
+          <a:p>
+            <a:pPr>
+              <a:lnSpc>
+                <a:spcPct val="150000"/>
+              </a:lnSpc>
+              <a:buFont typeface="Arial" panose="020B0604020202020204" pitchFamily="34" charset="0"/>
+              <a:buChar char="•"/>
+            </a:pPr>
+            <a:r>
+              <a:rPr lang="en-US" sz="2900" dirty="0"/>
+              <a:t>A combination of </a:t>
+            </a:r>
+            <a:r>
+              <a:rPr lang="en-US" sz="2900" b="1" dirty="0" err="1"/>
+              <a:t>ReLU</a:t>
+            </a:r>
+            <a:r>
+              <a:rPr lang="en-US" sz="2900" dirty="0"/>
+              <a:t>, </a:t>
+            </a:r>
+            <a:r>
+              <a:rPr lang="en-US" sz="2900" b="1" dirty="0"/>
+              <a:t>Sigmoid</a:t>
+            </a:r>
+            <a:r>
+              <a:rPr lang="en-US" sz="2900" dirty="0"/>
+              <a:t>, </a:t>
+            </a:r>
+            <a:r>
+              <a:rPr lang="en-US" sz="2900" b="1" dirty="0"/>
+              <a:t>Tanh</a:t>
+            </a:r>
+            <a:r>
+              <a:rPr lang="en-US" sz="2900" dirty="0"/>
+              <a:t>, and </a:t>
+            </a:r>
+            <a:r>
+              <a:rPr lang="en-US" sz="2900" b="1" dirty="0"/>
+              <a:t>Identity</a:t>
+            </a:r>
+            <a:r>
+              <a:rPr lang="en-US" sz="2900" dirty="0"/>
+              <a:t> is employed based on task requirements.</a:t>
+            </a:r>
+          </a:p>
+          <a:p>
+            <a:pPr>
+              <a:lnSpc>
+                <a:spcPct val="150000"/>
+              </a:lnSpc>
+              <a:buFont typeface="Arial" panose="020B0604020202020204" pitchFamily="34" charset="0"/>
+              <a:buChar char="•"/>
+            </a:pPr>
+            <a:r>
+              <a:rPr lang="en-US" sz="2900" b="1" dirty="0"/>
+              <a:t>General Purpose</a:t>
+            </a:r>
+            <a:r>
+              <a:rPr lang="en-US" sz="2900" dirty="0"/>
+              <a:t>: These functions introduce non-linearity, enabling the network to learn complex decision boundaries.</a:t>
+            </a:r>
+          </a:p>
+          <a:p>
+            <a:pPr>
+              <a:lnSpc>
+                <a:spcPct val="150000"/>
+              </a:lnSpc>
+              <a:buFont typeface="Arial" panose="020B0604020202020204" pitchFamily="34" charset="0"/>
+              <a:buChar char="•"/>
+            </a:pPr>
+            <a:r>
+              <a:rPr lang="en-US" sz="2900" b="1" dirty="0"/>
+              <a:t>Application in MONK and CUP</a:t>
+            </a:r>
+            <a:r>
+              <a:rPr lang="en-US" sz="2900" dirty="0"/>
+              <a:t>:</a:t>
+            </a:r>
+          </a:p>
+          <a:p>
+            <a:pPr marL="742950" lvl="1" indent="-285750">
+              <a:lnSpc>
+                <a:spcPct val="150000"/>
+              </a:lnSpc>
+              <a:buFont typeface="Arial" panose="020B0604020202020204" pitchFamily="34" charset="0"/>
+              <a:buChar char="•"/>
+            </a:pPr>
+            <a:r>
+              <a:rPr lang="en-US" sz="2900" b="1" dirty="0" err="1"/>
+              <a:t>ReLU</a:t>
+            </a:r>
+            <a:r>
+              <a:rPr lang="en-US" sz="2900" b="1" dirty="0"/>
+              <a:t> and Tanh</a:t>
+            </a:r>
+            <a:r>
+              <a:rPr lang="en-US" sz="2900" dirty="0"/>
+              <a:t>: Capture intricate patterns in MONK datasets (classification).</a:t>
+            </a:r>
+          </a:p>
+          <a:p>
+            <a:pPr marL="742950" lvl="1" indent="-285750">
+              <a:lnSpc>
+                <a:spcPct val="150000"/>
+              </a:lnSpc>
+              <a:buFont typeface="Arial" panose="020B0604020202020204" pitchFamily="34" charset="0"/>
+              <a:buChar char="•"/>
+            </a:pPr>
+            <a:r>
+              <a:rPr lang="en-US" sz="2900" b="1" dirty="0"/>
+              <a:t>Sigmoid and Identity</a:t>
+            </a:r>
+            <a:r>
+              <a:rPr lang="en-US" sz="2900" dirty="0"/>
+              <a:t>: Suitable for output layers in binary classification and regression tasks in CUP.</a:t>
+            </a:r>
+          </a:p>
+          <a:p>
+            <a:endParaRPr lang="en-US" dirty="0"/>
+          </a:p>
+        </p:txBody>
+      </p:sp>
+      <p:sp>
+        <p:nvSpPr>
+          <p:cNvPr id="4" name="Slide Number Placeholder 3">
+            <a:extLst>
+              <a:ext uri="{FF2B5EF4-FFF2-40B4-BE49-F238E27FC236}">
+                <a16:creationId xmlns:a16="http://schemas.microsoft.com/office/drawing/2014/main" id="{27700240-9F88-4861-A898-DE6A25F3264F}"/>
+              </a:ext>
+            </a:extLst>
+          </p:cNvPr>
+          <p:cNvSpPr>
+            <a:spLocks noGrp="1"/>
+          </p:cNvSpPr>
+          <p:nvPr>
+            <p:ph type="sldNum" sz="quarter" idx="12"/>
+          </p:nvPr>
+        </p:nvSpPr>
+        <p:spPr/>
+        <p:txBody>
+          <a:bodyPr/>
+          <a:lstStyle/>
+          <a:p>
+            <a:fld id="{A6B05161-9E42-4493-9916-6F12CA0446C4}" type="slidenum">
+              <a:rPr lang="en-US" sz="2800" b="1" smtClean="0">
+                <a:solidFill>
+                  <a:schemeClr val="tx1"/>
+                </a:solidFill>
+              </a:rPr>
+              <a:t>6</a:t>
+            </a:fld>
+            <a:endParaRPr lang="en-US" sz="2800" b="1" dirty="0">
+              <a:solidFill>
+                <a:schemeClr val="tx1"/>
+              </a:solidFill>
+            </a:endParaRPr>
+          </a:p>
+        </p:txBody>
+      </p:sp>
+    </p:spTree>
+    <p:extLst>
+      <p:ext uri="{BB962C8B-B14F-4D97-AF65-F5344CB8AC3E}">
+        <p14:creationId xmlns:p14="http://schemas.microsoft.com/office/powerpoint/2010/main" val="2812285120"/>
+      </p:ext>
+    </p:extLst>
+  </p:cSld>
+  <p:clrMapOvr>
+    <a:masterClrMapping/>
+  </p:clrMapOvr>
+</p:sld>
+</file>
+
+<file path=ppt/slides/slide7.xml><?xml version="1.0" encoding="utf-8"?>
+<p:sld xmlns:a="http://schemas.openxmlformats.org/drawingml/2006/main" xmlns:r="http://schemas.openxmlformats.org/officeDocument/2006/relationships" xmlns:p="http://schemas.openxmlformats.org/presentationml/2006/main">
+  <p:cSld>
+    <p:spTree>
+      <p:nvGrpSpPr>
+        <p:cNvPr id="1" name=""/>
+        <p:cNvGrpSpPr/>
+        <p:nvPr/>
+      </p:nvGrpSpPr>
+      <p:grpSpPr>
+        <a:xfrm>
+          <a:off x="0" y="0"/>
+          <a:ext cx="0" cy="0"/>
+          <a:chOff x="0" y="0"/>
+          <a:chExt cx="0" cy="0"/>
+        </a:xfrm>
+      </p:grpSpPr>
+      <p:sp>
+        <p:nvSpPr>
+          <p:cNvPr id="2" name="Title 1">
+            <a:extLst>
+              <a:ext uri="{FF2B5EF4-FFF2-40B4-BE49-F238E27FC236}">
+                <a16:creationId xmlns:a16="http://schemas.microsoft.com/office/drawing/2014/main" id="{C0611F96-E50F-4337-AB0D-E09FDEF9DB50}"/>
+              </a:ext>
+            </a:extLst>
+          </p:cNvPr>
+          <p:cNvSpPr>
+            <a:spLocks noGrp="1"/>
+          </p:cNvSpPr>
+          <p:nvPr>
+            <p:ph type="title"/>
+          </p:nvPr>
+        </p:nvSpPr>
+        <p:spPr>
+          <a:xfrm>
+            <a:off x="650310" y="553015"/>
+            <a:ext cx="10515600" cy="1325563"/>
+          </a:xfrm>
+        </p:spPr>
+        <p:txBody>
+          <a:bodyPr/>
+          <a:lstStyle/>
+          <a:p>
+            <a:r>
+              <a:rPr lang="en-US" sz="4400" b="1" dirty="0">
+                <a:latin typeface="+mn-lt"/>
+              </a:rPr>
+              <a:t>Code Description</a:t>
+            </a:r>
+            <a:endParaRPr lang="en-US" dirty="0"/>
+          </a:p>
+        </p:txBody>
+      </p:sp>
+      <p:sp>
+        <p:nvSpPr>
+          <p:cNvPr id="3" name="Content Placeholder 2">
+            <a:extLst>
+              <a:ext uri="{FF2B5EF4-FFF2-40B4-BE49-F238E27FC236}">
+                <a16:creationId xmlns:a16="http://schemas.microsoft.com/office/drawing/2014/main" id="{80454AB7-CFFD-4569-89E0-D796BEEB8E55}"/>
+              </a:ext>
+            </a:extLst>
+          </p:cNvPr>
+          <p:cNvSpPr>
+            <a:spLocks noGrp="1"/>
+          </p:cNvSpPr>
+          <p:nvPr>
+            <p:ph idx="1"/>
+          </p:nvPr>
+        </p:nvSpPr>
+        <p:spPr>
+          <a:xfrm>
+            <a:off x="463463" y="1653436"/>
+            <a:ext cx="10702447" cy="4388264"/>
+          </a:xfrm>
+        </p:spPr>
+        <p:txBody>
+          <a:bodyPr>
+            <a:normAutofit fontScale="92500" lnSpcReduction="10000"/>
+          </a:bodyPr>
+          <a:lstStyle/>
+          <a:p>
+            <a:pPr marL="0" indent="0">
+              <a:lnSpc>
+                <a:spcPct val="150000"/>
+              </a:lnSpc>
+              <a:buNone/>
+            </a:pPr>
+            <a:r>
+              <a:rPr lang="en-US" b="1" dirty="0"/>
+              <a:t>4. Weight Initialization</a:t>
+            </a:r>
+            <a:r>
+              <a:rPr lang="en-US" dirty="0"/>
+              <a:t>:</a:t>
+            </a:r>
+          </a:p>
+          <a:p>
+            <a:pPr>
+              <a:lnSpc>
+                <a:spcPct val="150000"/>
+              </a:lnSpc>
+              <a:buFont typeface="Arial" panose="020B0604020202020204" pitchFamily="34" charset="0"/>
+              <a:buChar char="•"/>
+            </a:pPr>
+            <a:r>
+              <a:rPr lang="en-US" b="1" dirty="0"/>
+              <a:t>Xavier Initialization</a:t>
+            </a:r>
+            <a:r>
+              <a:rPr lang="en-US" dirty="0"/>
+              <a:t>: Balances weights for smooth gradients, suitable for Sigmoid/Tanh activations.</a:t>
+            </a:r>
+          </a:p>
+          <a:p>
+            <a:pPr>
+              <a:lnSpc>
+                <a:spcPct val="150000"/>
+              </a:lnSpc>
+              <a:buFont typeface="Arial" panose="020B0604020202020204" pitchFamily="34" charset="0"/>
+              <a:buChar char="•"/>
+            </a:pPr>
+            <a:r>
+              <a:rPr lang="en-US" b="1" dirty="0"/>
+              <a:t>He Initialization</a:t>
+            </a:r>
+            <a:r>
+              <a:rPr lang="en-US" dirty="0"/>
+              <a:t>: Optimized for </a:t>
+            </a:r>
+            <a:r>
+              <a:rPr lang="en-US" dirty="0" err="1"/>
+              <a:t>ReLU</a:t>
+            </a:r>
+            <a:r>
+              <a:rPr lang="en-US" dirty="0"/>
+              <a:t>-based activations to avoid vanishing/exploding gradients.</a:t>
+            </a:r>
+          </a:p>
+          <a:p>
+            <a:pPr>
+              <a:lnSpc>
+                <a:spcPct val="150000"/>
+              </a:lnSpc>
+              <a:buFont typeface="Arial" panose="020B0604020202020204" pitchFamily="34" charset="0"/>
+              <a:buChar char="•"/>
+            </a:pPr>
+            <a:r>
+              <a:rPr lang="en-US" dirty="0"/>
+              <a:t>These techniques ensure stable training and faster convergence, crucial for effectively learning from MONK and CUP datasets.</a:t>
+            </a:r>
+          </a:p>
+          <a:p>
+            <a:endParaRPr lang="en-US" dirty="0"/>
+          </a:p>
+        </p:txBody>
+      </p:sp>
+      <p:sp>
+        <p:nvSpPr>
+          <p:cNvPr id="4" name="Slide Number Placeholder 3">
+            <a:extLst>
+              <a:ext uri="{FF2B5EF4-FFF2-40B4-BE49-F238E27FC236}">
+                <a16:creationId xmlns:a16="http://schemas.microsoft.com/office/drawing/2014/main" id="{33577135-987E-4A34-813A-01C57E515BB8}"/>
+              </a:ext>
+            </a:extLst>
+          </p:cNvPr>
+          <p:cNvSpPr>
+            <a:spLocks noGrp="1"/>
+          </p:cNvSpPr>
+          <p:nvPr>
+            <p:ph type="sldNum" sz="quarter" idx="12"/>
+          </p:nvPr>
+        </p:nvSpPr>
+        <p:spPr/>
+        <p:txBody>
+          <a:bodyPr/>
+          <a:lstStyle/>
+          <a:p>
+            <a:fld id="{A6B05161-9E42-4493-9916-6F12CA0446C4}" type="slidenum">
+              <a:rPr lang="en-US" sz="2800" b="1" smtClean="0"/>
+              <a:t>7</a:t>
+            </a:fld>
+            <a:endParaRPr lang="en-US" sz="2800" b="1" dirty="0"/>
+          </a:p>
+        </p:txBody>
+      </p:sp>
+    </p:spTree>
+    <p:extLst>
+      <p:ext uri="{BB962C8B-B14F-4D97-AF65-F5344CB8AC3E}">
+        <p14:creationId xmlns:p14="http://schemas.microsoft.com/office/powerpoint/2010/main" val="4012658218"/>
+      </p:ext>
+    </p:extLst>
+  </p:cSld>
+  <p:clrMapOvr>
+    <a:masterClrMapping/>
+  </p:clrMapOvr>
+</p:sld>
+</file>
+
+<file path=ppt/slides/slide8.xml><?xml version="1.0" encoding="utf-8"?>
+<p:sld xmlns:a="http://schemas.openxmlformats.org/drawingml/2006/main" xmlns:r="http://schemas.openxmlformats.org/officeDocument/2006/relationships" xmlns:p="http://schemas.openxmlformats.org/presentationml/2006/main">
+  <p:cSld>
+    <p:spTree>
+      <p:nvGrpSpPr>
+        <p:cNvPr id="1" name=""/>
+        <p:cNvGrpSpPr/>
+        <p:nvPr/>
+      </p:nvGrpSpPr>
+      <p:grpSpPr>
+        <a:xfrm>
+          <a:off x="0" y="0"/>
+          <a:ext cx="0" cy="0"/>
+          <a:chOff x="0" y="0"/>
+          <a:chExt cx="0" cy="0"/>
+        </a:xfrm>
+      </p:grpSpPr>
+      <p:sp>
+        <p:nvSpPr>
+          <p:cNvPr id="2" name="Title 1">
+            <a:extLst>
+              <a:ext uri="{FF2B5EF4-FFF2-40B4-BE49-F238E27FC236}">
+                <a16:creationId xmlns:a16="http://schemas.microsoft.com/office/drawing/2014/main" id="{A48518DF-51DF-483B-A164-07FDF6E3CD06}"/>
+              </a:ext>
+            </a:extLst>
+          </p:cNvPr>
+          <p:cNvSpPr>
+            <a:spLocks noGrp="1"/>
+          </p:cNvSpPr>
+          <p:nvPr>
+            <p:ph type="title"/>
+          </p:nvPr>
+        </p:nvSpPr>
+        <p:spPr>
+          <a:xfrm>
+            <a:off x="538620" y="420531"/>
+            <a:ext cx="10758436" cy="1104955"/>
+          </a:xfrm>
+        </p:spPr>
+        <p:txBody>
+          <a:bodyPr>
+            <a:normAutofit/>
+          </a:bodyPr>
+          <a:lstStyle/>
+          <a:p>
+            <a:r>
+              <a:rPr kumimoji="0" lang="en-US" altLang="en-US" sz="3600" b="1" i="0" u="none" strike="noStrike" cap="none" normalizeH="0" baseline="0" dirty="0">
+                <a:ln>
+                  <a:noFill/>
+                </a:ln>
+                <a:solidFill>
+                  <a:schemeClr val="tx1"/>
+                </a:solidFill>
+                <a:effectLst/>
+                <a:latin typeface="Arial" panose="020B0604020202020204" pitchFamily="34" charset="0"/>
+              </a:rPr>
+              <a:t>Code Description</a:t>
+            </a:r>
+            <a:endParaRPr lang="en-US" sz="3600" dirty="0"/>
+          </a:p>
+        </p:txBody>
+      </p:sp>
+      <p:sp>
+        <p:nvSpPr>
+          <p:cNvPr id="3" name="Content Placeholder 2">
+            <a:extLst>
+              <a:ext uri="{FF2B5EF4-FFF2-40B4-BE49-F238E27FC236}">
+                <a16:creationId xmlns:a16="http://schemas.microsoft.com/office/drawing/2014/main" id="{71217D8A-B2C4-4825-8009-B9FF19CBFC38}"/>
+              </a:ext>
+            </a:extLst>
+          </p:cNvPr>
+          <p:cNvSpPr>
+            <a:spLocks noGrp="1"/>
+          </p:cNvSpPr>
+          <p:nvPr>
+            <p:ph idx="1"/>
+          </p:nvPr>
+        </p:nvSpPr>
+        <p:spPr>
+          <a:xfrm>
+            <a:off x="481875" y="1290181"/>
+            <a:ext cx="10815181" cy="4748997"/>
+          </a:xfrm>
+        </p:spPr>
+        <p:txBody>
+          <a:bodyPr>
+            <a:normAutofit fontScale="92500" lnSpcReduction="20000"/>
+          </a:bodyPr>
+          <a:lstStyle/>
+          <a:p>
+            <a:pPr marL="0" indent="0">
+              <a:lnSpc>
+                <a:spcPct val="150000"/>
+              </a:lnSpc>
+              <a:buNone/>
+            </a:pPr>
+            <a:r>
+              <a:rPr lang="en-US" sz="2400" b="1" dirty="0"/>
+              <a:t>5. Hyperparameter Tuning</a:t>
+            </a:r>
+          </a:p>
+          <a:p>
+            <a:pPr marL="0" indent="0">
+              <a:lnSpc>
+                <a:spcPct val="150000"/>
+              </a:lnSpc>
+              <a:buNone/>
+            </a:pPr>
+            <a:r>
+              <a:rPr lang="en-US" sz="2400" dirty="0"/>
+              <a:t>A set of possible values is defined for key parameters like network architecture, learning rates, momentum, weight decay, and dropout (where applicable). These values serve as the foundation for systematic model tuning.</a:t>
+            </a:r>
+          </a:p>
+          <a:p>
+            <a:pPr marL="0" indent="0">
+              <a:lnSpc>
+                <a:spcPct val="150000"/>
+              </a:lnSpc>
+              <a:buNone/>
+            </a:pPr>
+            <a:r>
+              <a:rPr lang="en-US" sz="2400" b="1" dirty="0"/>
+              <a:t>Grid Search &amp; Evaluation:</a:t>
+            </a:r>
+          </a:p>
+          <a:p>
+            <a:pPr>
+              <a:lnSpc>
+                <a:spcPct val="150000"/>
+              </a:lnSpc>
+              <a:buFont typeface="Arial" panose="020B0604020202020204" pitchFamily="34" charset="0"/>
+              <a:buChar char="•"/>
+            </a:pPr>
+            <a:r>
+              <a:rPr lang="en-US" sz="2400" b="1" dirty="0"/>
+              <a:t>Grid Search</a:t>
+            </a:r>
+            <a:r>
+              <a:rPr lang="en-US" sz="2400" dirty="0"/>
+              <a:t>: Hyperparameters like learning rates, activation functions, hidden layer sizes, regularization strength, and momentum were explored.</a:t>
+            </a:r>
+          </a:p>
+          <a:p>
+            <a:pPr>
+              <a:lnSpc>
+                <a:spcPct val="150000"/>
+              </a:lnSpc>
+              <a:buFont typeface="Arial" panose="020B0604020202020204" pitchFamily="34" charset="0"/>
+              <a:buChar char="•"/>
+            </a:pPr>
+            <a:r>
+              <a:rPr lang="en-US" sz="2400" b="1" dirty="0"/>
+              <a:t>MONK</a:t>
+            </a:r>
+            <a:r>
+              <a:rPr lang="en-US" sz="2400" dirty="0"/>
+              <a:t>: 324 configurations for all task of the monk.</a:t>
+            </a:r>
+          </a:p>
+          <a:p>
+            <a:pPr>
+              <a:lnSpc>
+                <a:spcPct val="150000"/>
+              </a:lnSpc>
+              <a:buFont typeface="Arial" panose="020B0604020202020204" pitchFamily="34" charset="0"/>
+              <a:buChar char="•"/>
+            </a:pPr>
+            <a:r>
+              <a:rPr lang="en-US" sz="2400" b="1" dirty="0"/>
+              <a:t>CUP</a:t>
+            </a:r>
+            <a:r>
+              <a:rPr lang="en-US" sz="2400" dirty="0"/>
+              <a:t>: 144 configurations Iterative tuning with performance tracked for validation MEE.</a:t>
+            </a:r>
+          </a:p>
+        </p:txBody>
+      </p:sp>
+      <p:sp>
+        <p:nvSpPr>
+          <p:cNvPr id="7" name="Slide Number Placeholder 6">
+            <a:extLst>
+              <a:ext uri="{FF2B5EF4-FFF2-40B4-BE49-F238E27FC236}">
+                <a16:creationId xmlns:a16="http://schemas.microsoft.com/office/drawing/2014/main" id="{349F8B4F-8687-44B4-A6D3-9BF8BE16942A}"/>
+              </a:ext>
+            </a:extLst>
+          </p:cNvPr>
+          <p:cNvSpPr>
+            <a:spLocks noGrp="1"/>
+          </p:cNvSpPr>
+          <p:nvPr>
+            <p:ph type="sldNum" sz="quarter" idx="12"/>
+          </p:nvPr>
+        </p:nvSpPr>
+        <p:spPr/>
+        <p:txBody>
+          <a:bodyPr/>
+          <a:lstStyle/>
+          <a:p>
+            <a:fld id="{A6B05161-9E42-4493-9916-6F12CA0446C4}" type="slidenum">
+              <a:rPr lang="en-US" sz="2800" b="1" smtClean="0">
+                <a:solidFill>
+                  <a:schemeClr val="tx1"/>
+                </a:solidFill>
+              </a:rPr>
+              <a:t>8</a:t>
+            </a:fld>
+            <a:endParaRPr lang="en-US" sz="2800" b="1" dirty="0">
+              <a:solidFill>
+                <a:schemeClr val="tx1"/>
+              </a:solidFill>
+            </a:endParaRPr>
+          </a:p>
+        </p:txBody>
+      </p:sp>
+    </p:spTree>
+    <p:extLst>
+      <p:ext uri="{BB962C8B-B14F-4D97-AF65-F5344CB8AC3E}">
+        <p14:creationId xmlns:p14="http://schemas.microsoft.com/office/powerpoint/2010/main" val="3690870923"/>
+      </p:ext>
+    </p:extLst>
+  </p:cSld>
+  <p:clrMapOvr>
+    <a:masterClrMapping/>
+  </p:clrMapOvr>
+</p:sld>
+</file>
+
+<file path=ppt/slides/slide9.xml><?xml version="1.0" encoding="utf-8"?>
+<p:sld xmlns:a="http://schemas.openxmlformats.org/drawingml/2006/main" xmlns:r="http://schemas.openxmlformats.org/officeDocument/2006/relationships" xmlns:p="http://schemas.openxmlformats.org/presentationml/2006/main">
+  <p:cSld>
+    <p:spTree>
+      <p:nvGrpSpPr>
+        <p:cNvPr id="1" name=""/>
+        <p:cNvGrpSpPr/>
+        <p:nvPr/>
+      </p:nvGrpSpPr>
+      <p:grpSpPr>
+        <a:xfrm>
+          <a:off x="0" y="0"/>
+          <a:ext cx="0" cy="0"/>
+          <a:chOff x="0" y="0"/>
+          <a:chExt cx="0" cy="0"/>
+        </a:xfrm>
+      </p:grpSpPr>
       <p:sp>
         <p:nvSpPr>
           <p:cNvPr id="4" name="Rectangle 1">
             <a:extLst>
               <a:ext uri="{FF2B5EF4-FFF2-40B4-BE49-F238E27FC236}">
-                <a16:creationId xmlns:a16="http://schemas.microsoft.com/office/drawing/2014/main" id="{F27F2F18-6AE2-46E9-8D71-E90B417F11AC}"/>
+                <a16:creationId xmlns:a16="http://schemas.microsoft.com/office/drawing/2014/main" id="{02659ABC-3554-4731-B0E1-FF3D7B951EAE}"/>
               </a:ext>
             </a:extLst>
           </p:cNvPr>
@@ -5408,8 +8996,8 @@
         </p:nvSpPr>
         <p:spPr bwMode="auto">
           <a:xfrm>
-            <a:off x="551145" y="2391158"/>
-            <a:ext cx="10703491" cy="2215991"/>
+            <a:off x="634651" y="1716788"/>
+            <a:ext cx="10964450" cy="3661772"/>
           </a:xfrm>
           <a:prstGeom prst="rect">
             <a:avLst/>
@@ -5459,7 +9047,7 @@
           <a:p>
             <a:pPr marL="0" marR="0" lvl="0" indent="0" algn="l" defTabSz="914400" rtl="0" eaLnBrk="0" fontAlgn="base" latinLnBrk="0" hangingPunct="0">
               <a:lnSpc>
-                <a:spcPct val="100000"/>
+                <a:spcPct val="150000"/>
               </a:lnSpc>
               <a:spcBef>
                 <a:spcPct val="0"/>
@@ -5469,107 +9057,11 @@
               </a:spcAft>
               <a:buClrTx/>
               <a:buSzTx/>
-              <a:buFontTx/>
               <a:buNone/>
               <a:tabLst/>
             </a:pPr>
-            <a:endParaRPr kumimoji="0" lang="en-US" altLang="en-US" sz="2400" b="0" i="0" u="none" strike="noStrike" cap="none" normalizeH="0" baseline="0" dirty="0">
-              <a:ln>
-                <a:noFill/>
-              </a:ln>
-              <a:solidFill>
-                <a:schemeClr val="tx1"/>
-              </a:solidFill>
-              <a:effectLst/>
-              <a:latin typeface="Arial" panose="020B0604020202020204" pitchFamily="34" charset="0"/>
-            </a:endParaRPr>
-          </a:p>
-          <a:p>
-            <a:pPr marL="0" marR="0" lvl="0" indent="0" algn="l" defTabSz="914400" rtl="0" eaLnBrk="0" fontAlgn="base" latinLnBrk="0" hangingPunct="0">
-              <a:lnSpc>
-                <a:spcPct val="100000"/>
-              </a:lnSpc>
-              <a:spcBef>
-                <a:spcPct val="0"/>
-              </a:spcBef>
-              <a:spcAft>
-                <a:spcPct val="0"/>
-              </a:spcAft>
-              <a:buClrTx/>
-              <a:buSzTx/>
-              <a:buFontTx/>
-              <a:buChar char="•"/>
-              <a:tabLst/>
-            </a:pPr>
-            <a:r>
-              <a:rPr kumimoji="0" lang="en-US" altLang="en-US" sz="2400" b="1" i="0" u="none" strike="noStrike" cap="none" normalizeH="0" baseline="0" dirty="0">
-                <a:ln>
-                  <a:noFill/>
-                </a:ln>
-                <a:solidFill>
-                  <a:schemeClr val="tx1"/>
-                </a:solidFill>
-                <a:effectLst/>
-                <a:latin typeface="Arial" panose="020B0604020202020204" pitchFamily="34" charset="0"/>
-              </a:rPr>
-              <a:t>Final Predictions:</a:t>
-            </a:r>
-            <a:endParaRPr kumimoji="0" lang="en-US" altLang="en-US" sz="2400" b="0" i="0" u="none" strike="noStrike" cap="none" normalizeH="0" baseline="0" dirty="0">
-              <a:ln>
-                <a:noFill/>
-              </a:ln>
-              <a:solidFill>
-                <a:schemeClr val="tx1"/>
-              </a:solidFill>
-              <a:effectLst/>
-              <a:latin typeface="Arial" panose="020B0604020202020204" pitchFamily="34" charset="0"/>
-            </a:endParaRPr>
-          </a:p>
-          <a:p>
-            <a:pPr marL="457200" marR="0" lvl="1" indent="0" algn="l" defTabSz="914400" rtl="0" eaLnBrk="0" fontAlgn="base" latinLnBrk="0" hangingPunct="0">
-              <a:lnSpc>
-                <a:spcPct val="100000"/>
-              </a:lnSpc>
-              <a:spcBef>
-                <a:spcPct val="0"/>
-              </a:spcBef>
-              <a:spcAft>
-                <a:spcPct val="0"/>
-              </a:spcAft>
-              <a:buClrTx/>
-              <a:buSzTx/>
-              <a:buFontTx/>
-              <a:buChar char="•"/>
-              <a:tabLst/>
-            </a:pPr>
-            <a:r>
-              <a:rPr kumimoji="0" lang="en-US" altLang="en-US" b="0" i="0" u="none" strike="noStrike" cap="none" normalizeH="0" baseline="0" dirty="0">
-                <a:ln>
-                  <a:noFill/>
-                </a:ln>
-                <a:solidFill>
-                  <a:schemeClr val="tx1"/>
-                </a:solidFill>
-                <a:effectLst/>
-                <a:latin typeface="Arial" panose="020B0604020202020204" pitchFamily="34" charset="0"/>
-              </a:rPr>
-              <a:t>Results saved in </a:t>
-            </a:r>
-            <a:r>
-              <a:rPr kumimoji="0" lang="en-US" altLang="en-US" b="0" i="0" u="none" strike="noStrike" cap="none" normalizeH="0" baseline="0" dirty="0">
-                <a:ln>
-                  <a:noFill/>
-                </a:ln>
-                <a:solidFill>
-                  <a:schemeClr val="tx1"/>
-                </a:solidFill>
-                <a:effectLst/>
-                <a:latin typeface="Arial Unicode MS" panose="020B0604020202020204" pitchFamily="34" charset="-128"/>
-              </a:rPr>
-              <a:t>results/blind_test_predictions.csv</a:t>
-            </a:r>
-            <a:r>
-              <a:rPr kumimoji="0" lang="en-US" altLang="en-US" b="0" i="0" u="none" strike="noStrike" cap="none" normalizeH="0" baseline="0" dirty="0">
+            <a:r>
+              <a:rPr kumimoji="0" lang="en-US" altLang="en-US" sz="2500" b="1" i="0" u="none" strike="noStrike" cap="none" normalizeH="0" baseline="0" dirty="0">
                 <a:ln>
                   <a:noFill/>
                 </a:ln>
@@ -5578,1020 +9070,9 @@
                 </a:solidFill>
                 <a:effectLst/>
               </a:rPr>
-              <a:t>.</a:t>
-            </a:r>
-            <a:endParaRPr kumimoji="0" lang="en-US" altLang="en-US" b="0" i="0" u="none" strike="noStrike" cap="none" normalizeH="0" baseline="0" dirty="0">
-              <a:ln>
-                <a:noFill/>
-              </a:ln>
-              <a:solidFill>
-                <a:schemeClr val="tx1"/>
-              </a:solidFill>
-              <a:effectLst/>
-              <a:latin typeface="Arial" panose="020B0604020202020204" pitchFamily="34" charset="0"/>
-            </a:endParaRPr>
-          </a:p>
-          <a:p>
-            <a:pPr marL="457200" marR="0" lvl="1" indent="0" algn="l" defTabSz="914400" rtl="0" eaLnBrk="0" fontAlgn="base" latinLnBrk="0" hangingPunct="0">
-              <a:lnSpc>
-                <a:spcPct val="100000"/>
-              </a:lnSpc>
-              <a:spcBef>
-                <a:spcPct val="0"/>
-              </a:spcBef>
-              <a:spcAft>
-                <a:spcPct val="0"/>
-              </a:spcAft>
-              <a:buClrTx/>
-              <a:buSzTx/>
-              <a:buFontTx/>
-              <a:buChar char="•"/>
-              <a:tabLst/>
-            </a:pPr>
-            <a:r>
-              <a:rPr kumimoji="0" lang="en-US" altLang="en-US" b="0" i="0" u="none" strike="noStrike" cap="none" normalizeH="0" baseline="0" dirty="0">
-                <a:ln>
-                  <a:noFill/>
-                </a:ln>
-                <a:solidFill>
-                  <a:schemeClr val="tx1"/>
-                </a:solidFill>
-                <a:effectLst/>
-                <a:latin typeface="Arial" panose="020B0604020202020204" pitchFamily="34" charset="0"/>
-              </a:rPr>
-              <a:t>MEE on blind test set: </a:t>
-            </a:r>
-            <a:r>
-              <a:rPr kumimoji="0" lang="en-US" altLang="en-US" b="0" i="1" u="none" strike="noStrike" cap="none" normalizeH="0" baseline="0" dirty="0" err="1">
-                <a:ln>
-                  <a:noFill/>
-                </a:ln>
-                <a:solidFill>
-                  <a:schemeClr val="tx1"/>
-                </a:solidFill>
-                <a:effectLst/>
-                <a:latin typeface="Arial" panose="020B0604020202020204" pitchFamily="34" charset="0"/>
-              </a:rPr>
-              <a:t>xx.xx</a:t>
-            </a:r>
-            <a:endParaRPr kumimoji="0" lang="en-US" altLang="en-US" b="0" i="0" u="none" strike="noStrike" cap="none" normalizeH="0" baseline="0" dirty="0">
-              <a:ln>
-                <a:noFill/>
-              </a:ln>
-              <a:solidFill>
-                <a:schemeClr val="tx1"/>
-              </a:solidFill>
-              <a:effectLst/>
-              <a:latin typeface="Arial" panose="020B0604020202020204" pitchFamily="34" charset="0"/>
-            </a:endParaRPr>
-          </a:p>
-          <a:p>
-            <a:pPr marL="457200" marR="0" lvl="1" indent="0" algn="l" defTabSz="914400" rtl="0" eaLnBrk="0" fontAlgn="base" latinLnBrk="0" hangingPunct="0">
-              <a:lnSpc>
-                <a:spcPct val="100000"/>
-              </a:lnSpc>
-              <a:spcBef>
-                <a:spcPct val="0"/>
-              </a:spcBef>
-              <a:spcAft>
-                <a:spcPct val="0"/>
-              </a:spcAft>
-              <a:buClrTx/>
-              <a:buSzTx/>
-              <a:buFontTx/>
-              <a:buChar char="•"/>
-              <a:tabLst/>
-            </a:pPr>
-            <a:r>
-              <a:rPr kumimoji="0" lang="en-US" altLang="en-US" b="0" i="0" u="none" strike="noStrike" cap="none" normalizeH="0" baseline="0" dirty="0">
-                <a:ln>
-                  <a:noFill/>
-                </a:ln>
-                <a:solidFill>
-                  <a:schemeClr val="tx1"/>
-                </a:solidFill>
-                <a:effectLst/>
-                <a:latin typeface="Arial" panose="020B0604020202020204" pitchFamily="34" charset="0"/>
-              </a:rPr>
-              <a:t>Project nickname: </a:t>
-            </a:r>
-            <a:r>
-              <a:rPr kumimoji="0" lang="en-US" altLang="en-US" b="0" i="1" u="none" strike="noStrike" cap="none" normalizeH="0" baseline="0" dirty="0" err="1">
-                <a:ln>
-                  <a:noFill/>
-                </a:ln>
-                <a:solidFill>
-                  <a:schemeClr val="tx1"/>
-                </a:solidFill>
-                <a:effectLst/>
-                <a:latin typeface="Arial" panose="020B0604020202020204" pitchFamily="34" charset="0"/>
-              </a:rPr>
-              <a:t>your_team_name</a:t>
-            </a:r>
-            <a:endParaRPr kumimoji="0" lang="en-US" altLang="en-US" b="0" i="0" u="none" strike="noStrike" cap="none" normalizeH="0" baseline="0" dirty="0">
-              <a:ln>
-                <a:noFill/>
-              </a:ln>
-              <a:solidFill>
-                <a:schemeClr val="tx1"/>
-              </a:solidFill>
-              <a:effectLst/>
-              <a:latin typeface="Arial" panose="020B0604020202020204" pitchFamily="34" charset="0"/>
-            </a:endParaRPr>
-          </a:p>
-          <a:p>
-            <a:pPr marL="0" marR="0" lvl="0" indent="0" algn="l" defTabSz="914400" rtl="0" eaLnBrk="0" fontAlgn="base" latinLnBrk="0" hangingPunct="0">
-              <a:lnSpc>
-                <a:spcPct val="100000"/>
-              </a:lnSpc>
-              <a:spcBef>
-                <a:spcPct val="0"/>
-              </a:spcBef>
-              <a:spcAft>
-                <a:spcPct val="0"/>
-              </a:spcAft>
-              <a:buClrTx/>
-              <a:buSzTx/>
-              <a:buFontTx/>
-              <a:buNone/>
-              <a:tabLst/>
-            </a:pPr>
-            <a:endParaRPr kumimoji="0" lang="en-US" altLang="en-US" sz="1800" b="0" i="0" u="none" strike="noStrike" cap="none" normalizeH="0" baseline="0" dirty="0">
-              <a:ln>
-                <a:noFill/>
-              </a:ln>
-              <a:solidFill>
-                <a:schemeClr val="tx1"/>
-              </a:solidFill>
-              <a:effectLst/>
-              <a:latin typeface="Arial" panose="020B0604020202020204" pitchFamily="34" charset="0"/>
-            </a:endParaRPr>
-          </a:p>
-        </p:txBody>
-      </p:sp>
-    </p:spTree>
-    <p:extLst>
-      <p:ext uri="{BB962C8B-B14F-4D97-AF65-F5344CB8AC3E}">
-        <p14:creationId xmlns:p14="http://schemas.microsoft.com/office/powerpoint/2010/main" val="4265442939"/>
-      </p:ext>
-    </p:extLst>
-  </p:cSld>
-  <p:clrMapOvr>
-    <a:masterClrMapping/>
-  </p:clrMapOvr>
-</p:sld>
-</file>
-
-<file path=ppt/slides/slide19.xml><?xml version="1.0" encoding="utf-8"?>
-<p:sld xmlns:a="http://schemas.openxmlformats.org/drawingml/2006/main" xmlns:r="http://schemas.openxmlformats.org/officeDocument/2006/relationships" xmlns:p="http://schemas.openxmlformats.org/presentationml/2006/main">
-  <p:cSld>
-    <p:spTree>
-      <p:nvGrpSpPr>
-        <p:cNvPr id="1" name=""/>
-        <p:cNvGrpSpPr/>
-        <p:nvPr/>
-      </p:nvGrpSpPr>
-      <p:grpSpPr>
-        <a:xfrm>
-          <a:off x="0" y="0"/>
-          <a:ext cx="0" cy="0"/>
-          <a:chOff x="0" y="0"/>
-          <a:chExt cx="0" cy="0"/>
-        </a:xfrm>
-      </p:grpSpPr>
-      <p:sp>
-        <p:nvSpPr>
-          <p:cNvPr id="2" name="Title 1">
-            <a:extLst>
-              <a:ext uri="{FF2B5EF4-FFF2-40B4-BE49-F238E27FC236}">
-                <a16:creationId xmlns:a16="http://schemas.microsoft.com/office/drawing/2014/main" id="{539AB3D3-2B0E-410E-BA90-A6F21FD35C5B}"/>
-              </a:ext>
-            </a:extLst>
-          </p:cNvPr>
-          <p:cNvSpPr>
-            <a:spLocks noGrp="1"/>
-          </p:cNvSpPr>
-          <p:nvPr>
-            <p:ph type="title"/>
-          </p:nvPr>
-        </p:nvSpPr>
-        <p:spPr/>
-        <p:txBody>
-          <a:bodyPr/>
-          <a:lstStyle/>
-          <a:p>
-            <a:r>
-              <a:rPr lang="it" dirty="0"/>
-              <a:t>Bibliography</a:t>
-            </a:r>
-            <a:endParaRPr lang="en-US" dirty="0"/>
-          </a:p>
-        </p:txBody>
-      </p:sp>
-      <p:sp>
-        <p:nvSpPr>
-          <p:cNvPr id="3" name="Content Placeholder 2">
-            <a:extLst>
-              <a:ext uri="{FF2B5EF4-FFF2-40B4-BE49-F238E27FC236}">
-                <a16:creationId xmlns:a16="http://schemas.microsoft.com/office/drawing/2014/main" id="{6126BB7E-CE2A-4E69-8910-A56D138E965D}"/>
-              </a:ext>
-            </a:extLst>
-          </p:cNvPr>
-          <p:cNvSpPr>
-            <a:spLocks noGrp="1"/>
-          </p:cNvSpPr>
-          <p:nvPr>
-            <p:ph idx="1"/>
-          </p:nvPr>
-        </p:nvSpPr>
-        <p:spPr/>
-        <p:txBody>
-          <a:bodyPr/>
-          <a:lstStyle/>
-          <a:p>
-            <a:r>
-              <a:rPr lang="en-US" dirty="0"/>
-              <a:t>Refer to the provided references in ML-24-Report-info for further details.</a:t>
-            </a:r>
-          </a:p>
-        </p:txBody>
-      </p:sp>
-    </p:spTree>
-    <p:extLst>
-      <p:ext uri="{BB962C8B-B14F-4D97-AF65-F5344CB8AC3E}">
-        <p14:creationId xmlns:p14="http://schemas.microsoft.com/office/powerpoint/2010/main" val="1741051013"/>
-      </p:ext>
-    </p:extLst>
-  </p:cSld>
-  <p:clrMapOvr>
-    <a:masterClrMapping/>
-  </p:clrMapOvr>
-</p:sld>
-</file>
-
-<file path=ppt/slides/slide2.xml><?xml version="1.0" encoding="utf-8"?>
-<p:sld xmlns:a="http://schemas.openxmlformats.org/drawingml/2006/main" xmlns:r="http://schemas.openxmlformats.org/officeDocument/2006/relationships" xmlns:p="http://schemas.openxmlformats.org/presentationml/2006/main">
-  <p:cSld>
-    <p:spTree>
-      <p:nvGrpSpPr>
-        <p:cNvPr id="1" name=""/>
-        <p:cNvGrpSpPr/>
-        <p:nvPr/>
-      </p:nvGrpSpPr>
-      <p:grpSpPr>
-        <a:xfrm>
-          <a:off x="0" y="0"/>
-          <a:ext cx="0" cy="0"/>
-          <a:chOff x="0" y="0"/>
-          <a:chExt cx="0" cy="0"/>
-        </a:xfrm>
-      </p:grpSpPr>
-      <p:sp>
-        <p:nvSpPr>
-          <p:cNvPr id="2" name="Title 1">
-            <a:extLst>
-              <a:ext uri="{FF2B5EF4-FFF2-40B4-BE49-F238E27FC236}">
-                <a16:creationId xmlns:a16="http://schemas.microsoft.com/office/drawing/2014/main" id="{EB2FCC15-01C7-47B0-8911-294BBBA8CA62}"/>
-              </a:ext>
-            </a:extLst>
-          </p:cNvPr>
-          <p:cNvSpPr>
-            <a:spLocks noGrp="1"/>
-          </p:cNvSpPr>
-          <p:nvPr>
-            <p:ph type="title"/>
-          </p:nvPr>
-        </p:nvSpPr>
-        <p:spPr/>
-        <p:txBody>
-          <a:bodyPr/>
-          <a:lstStyle/>
-          <a:p>
-            <a:r>
-              <a:rPr lang="it" b="1" dirty="0">
-                <a:latin typeface="Arial" panose="020B0604020202020204" pitchFamily="34" charset="0"/>
-                <a:cs typeface="Arial" panose="020B0604020202020204" pitchFamily="34" charset="0"/>
-              </a:rPr>
-              <a:t>Objectives</a:t>
-            </a:r>
-            <a:endParaRPr lang="en-US" b="1" dirty="0">
-              <a:latin typeface="Arial" panose="020B0604020202020204" pitchFamily="34" charset="0"/>
-              <a:cs typeface="Arial" panose="020B0604020202020204" pitchFamily="34" charset="0"/>
-            </a:endParaRPr>
-          </a:p>
-        </p:txBody>
-      </p:sp>
-      <p:sp>
-        <p:nvSpPr>
-          <p:cNvPr id="3" name="Content Placeholder 2">
-            <a:extLst>
-              <a:ext uri="{FF2B5EF4-FFF2-40B4-BE49-F238E27FC236}">
-                <a16:creationId xmlns:a16="http://schemas.microsoft.com/office/drawing/2014/main" id="{5E4A09EE-86B7-4159-87C5-E8F0B79DCF59}"/>
-              </a:ext>
-            </a:extLst>
-          </p:cNvPr>
-          <p:cNvSpPr>
-            <a:spLocks noGrp="1"/>
-          </p:cNvSpPr>
-          <p:nvPr>
-            <p:ph idx="1"/>
-          </p:nvPr>
-        </p:nvSpPr>
-        <p:spPr>
-          <a:xfrm>
-            <a:off x="492868" y="1690688"/>
-            <a:ext cx="11206264" cy="4459591"/>
-          </a:xfrm>
-        </p:spPr>
-        <p:txBody>
-          <a:bodyPr>
-            <a:normAutofit fontScale="92500"/>
-          </a:bodyPr>
-          <a:lstStyle/>
-          <a:p>
-            <a:pPr>
-              <a:lnSpc>
-                <a:spcPct val="150000"/>
-              </a:lnSpc>
-              <a:buFont typeface="Arial" panose="020B0604020202020204" pitchFamily="34" charset="0"/>
-              <a:buChar char="•"/>
-            </a:pPr>
-            <a:r>
-              <a:rPr lang="en-US" dirty="0"/>
-              <a:t>To implement and optimize neural network architectures for MONK and CUP datasets.</a:t>
-            </a:r>
-          </a:p>
-          <a:p>
-            <a:pPr>
-              <a:lnSpc>
-                <a:spcPct val="150000"/>
-              </a:lnSpc>
-              <a:buFont typeface="Arial" panose="020B0604020202020204" pitchFamily="34" charset="0"/>
-              <a:buChar char="•"/>
-            </a:pPr>
-            <a:r>
-              <a:rPr lang="en-US" dirty="0"/>
-              <a:t>To evaluate the impact of different hyperparameter configurations, including activation functions, regularization, and weight initialization.</a:t>
-            </a:r>
-          </a:p>
-          <a:p>
-            <a:pPr>
-              <a:lnSpc>
-                <a:spcPct val="150000"/>
-              </a:lnSpc>
-              <a:buFont typeface="Arial" panose="020B0604020202020204" pitchFamily="34" charset="0"/>
-              <a:buChar char="•"/>
-            </a:pPr>
-            <a:r>
-              <a:rPr lang="en-US" dirty="0"/>
-              <a:t>To assess performance through metrics such as Mean Squared Error (MSE) and accuracy for MONK tasks, and Mean Euclidean Error (MEE) for CUP tasks.</a:t>
-            </a:r>
-          </a:p>
-        </p:txBody>
-      </p:sp>
-    </p:spTree>
-    <p:extLst>
-      <p:ext uri="{BB962C8B-B14F-4D97-AF65-F5344CB8AC3E}">
-        <p14:creationId xmlns:p14="http://schemas.microsoft.com/office/powerpoint/2010/main" val="1860438459"/>
-      </p:ext>
-    </p:extLst>
-  </p:cSld>
-  <p:clrMapOvr>
-    <a:masterClrMapping/>
-  </p:clrMapOvr>
-</p:sld>
-</file>
-
-<file path=ppt/slides/slide20.xml><?xml version="1.0" encoding="utf-8"?>
-<p:sld xmlns:a="http://schemas.openxmlformats.org/drawingml/2006/main" xmlns:r="http://schemas.openxmlformats.org/officeDocument/2006/relationships" xmlns:p="http://schemas.openxmlformats.org/presentationml/2006/main">
-  <p:cSld>
-    <p:spTree>
-      <p:nvGrpSpPr>
-        <p:cNvPr id="1" name=""/>
-        <p:cNvGrpSpPr/>
-        <p:nvPr/>
-      </p:nvGrpSpPr>
-      <p:grpSpPr>
-        <a:xfrm>
-          <a:off x="0" y="0"/>
-          <a:ext cx="0" cy="0"/>
-          <a:chOff x="0" y="0"/>
-          <a:chExt cx="0" cy="0"/>
-        </a:xfrm>
-      </p:grpSpPr>
-      <p:sp>
-        <p:nvSpPr>
-          <p:cNvPr id="2" name="Title 1">
-            <a:extLst>
-              <a:ext uri="{FF2B5EF4-FFF2-40B4-BE49-F238E27FC236}">
-                <a16:creationId xmlns:a16="http://schemas.microsoft.com/office/drawing/2014/main" id="{7EC878DF-517A-4F89-BCB5-2B2BA6161606}"/>
-              </a:ext>
-            </a:extLst>
-          </p:cNvPr>
-          <p:cNvSpPr>
-            <a:spLocks noGrp="1"/>
-          </p:cNvSpPr>
-          <p:nvPr>
-            <p:ph type="title"/>
-          </p:nvPr>
-        </p:nvSpPr>
-        <p:spPr/>
-        <p:txBody>
-          <a:bodyPr/>
-          <a:lstStyle/>
-          <a:p>
-            <a:r>
-              <a:rPr lang="it" dirty="0"/>
-              <a:t>Appendix - not shown in the time slot</a:t>
-            </a:r>
-            <a:endParaRPr lang="en-US" dirty="0"/>
-          </a:p>
-        </p:txBody>
-      </p:sp>
-      <p:sp>
-        <p:nvSpPr>
-          <p:cNvPr id="3" name="Content Placeholder 2">
-            <a:extLst>
-              <a:ext uri="{FF2B5EF4-FFF2-40B4-BE49-F238E27FC236}">
-                <a16:creationId xmlns:a16="http://schemas.microsoft.com/office/drawing/2014/main" id="{5E6F1BAF-5661-49DE-A922-AF2B7860E44D}"/>
-              </a:ext>
-            </a:extLst>
-          </p:cNvPr>
-          <p:cNvSpPr>
-            <a:spLocks noGrp="1"/>
-          </p:cNvSpPr>
-          <p:nvPr>
-            <p:ph idx="1"/>
-          </p:nvPr>
-        </p:nvSpPr>
-        <p:spPr/>
-        <p:txBody>
-          <a:bodyPr/>
-          <a:lstStyle/>
-          <a:p>
-            <a:pPr>
-              <a:buFont typeface="Arial" panose="020B0604020202020204" pitchFamily="34" charset="0"/>
-              <a:buChar char="•"/>
-            </a:pPr>
-            <a:r>
-              <a:rPr lang="en-US" dirty="0"/>
-              <a:t>Additional performance metrics.</a:t>
-            </a:r>
-          </a:p>
-          <a:p>
-            <a:pPr>
-              <a:buFont typeface="Arial" panose="020B0604020202020204" pitchFamily="34" charset="0"/>
-              <a:buChar char="•"/>
-            </a:pPr>
-            <a:r>
-              <a:rPr lang="en-US" dirty="0"/>
-              <a:t>Extended hyperparameter tuning details.</a:t>
-            </a:r>
-          </a:p>
-          <a:p>
-            <a:endParaRPr lang="en-US" dirty="0"/>
-          </a:p>
-        </p:txBody>
-      </p:sp>
-    </p:spTree>
-    <p:extLst>
-      <p:ext uri="{BB962C8B-B14F-4D97-AF65-F5344CB8AC3E}">
-        <p14:creationId xmlns:p14="http://schemas.microsoft.com/office/powerpoint/2010/main" val="2628807592"/>
-      </p:ext>
-    </p:extLst>
-  </p:cSld>
-  <p:clrMapOvr>
-    <a:masterClrMapping/>
-  </p:clrMapOvr>
-</p:sld>
-</file>
-
-<file path=ppt/slides/slide3.xml><?xml version="1.0" encoding="utf-8"?>
-<p:sld xmlns:a="http://schemas.openxmlformats.org/drawingml/2006/main" xmlns:r="http://schemas.openxmlformats.org/officeDocument/2006/relationships" xmlns:p="http://schemas.openxmlformats.org/presentationml/2006/main">
-  <p:cSld>
-    <p:spTree>
-      <p:nvGrpSpPr>
-        <p:cNvPr id="1" name=""/>
-        <p:cNvGrpSpPr/>
-        <p:nvPr/>
-      </p:nvGrpSpPr>
-      <p:grpSpPr>
-        <a:xfrm>
-          <a:off x="0" y="0"/>
-          <a:ext cx="0" cy="0"/>
-          <a:chOff x="0" y="0"/>
-          <a:chExt cx="0" cy="0"/>
-        </a:xfrm>
-      </p:grpSpPr>
-      <p:sp>
-        <p:nvSpPr>
-          <p:cNvPr id="2" name="Title 1">
-            <a:extLst>
-              <a:ext uri="{FF2B5EF4-FFF2-40B4-BE49-F238E27FC236}">
-                <a16:creationId xmlns:a16="http://schemas.microsoft.com/office/drawing/2014/main" id="{C1179DC6-EF3B-48C7-A0FF-A48C2D0C0841}"/>
-              </a:ext>
-            </a:extLst>
-          </p:cNvPr>
-          <p:cNvSpPr>
-            <a:spLocks noGrp="1"/>
-          </p:cNvSpPr>
-          <p:nvPr>
-            <p:ph type="title"/>
-          </p:nvPr>
-        </p:nvSpPr>
-        <p:spPr/>
-        <p:txBody>
-          <a:bodyPr>
-            <a:normAutofit/>
-          </a:bodyPr>
-          <a:lstStyle/>
-          <a:p>
-            <a:r>
-              <a:rPr kumimoji="0" lang="en-US" altLang="en-US" sz="3600" b="1" i="0" u="none" strike="noStrike" cap="none" normalizeH="0" baseline="0" dirty="0">
-                <a:ln>
-                  <a:noFill/>
-                </a:ln>
-                <a:solidFill>
-                  <a:schemeClr val="tx1"/>
-                </a:solidFill>
-                <a:effectLst/>
-                <a:latin typeface="Arial" panose="020B0604020202020204" pitchFamily="34" charset="0"/>
-              </a:rPr>
-              <a:t>Code Description</a:t>
-            </a:r>
-            <a:endParaRPr lang="en-US" sz="3600" dirty="0"/>
-          </a:p>
-        </p:txBody>
-      </p:sp>
-      <p:sp>
-        <p:nvSpPr>
-          <p:cNvPr id="3" name="Content Placeholder 2">
-            <a:extLst>
-              <a:ext uri="{FF2B5EF4-FFF2-40B4-BE49-F238E27FC236}">
-                <a16:creationId xmlns:a16="http://schemas.microsoft.com/office/drawing/2014/main" id="{8563DDB5-1398-45E8-870B-05D51AA0D433}"/>
-              </a:ext>
-            </a:extLst>
-          </p:cNvPr>
-          <p:cNvSpPr>
-            <a:spLocks noGrp="1"/>
-          </p:cNvSpPr>
-          <p:nvPr>
-            <p:ph idx="1"/>
-          </p:nvPr>
-        </p:nvSpPr>
-        <p:spPr>
-          <a:xfrm>
-            <a:off x="838200" y="1825624"/>
-            <a:ext cx="10659894" cy="4458443"/>
-          </a:xfrm>
-        </p:spPr>
-        <p:txBody>
-          <a:bodyPr>
-            <a:normAutofit/>
-          </a:bodyPr>
-          <a:lstStyle/>
-          <a:p>
-            <a:pPr marL="0" indent="0">
-              <a:lnSpc>
-                <a:spcPct val="150000"/>
-              </a:lnSpc>
-              <a:buNone/>
-            </a:pPr>
-            <a:r>
-              <a:rPr lang="en-US" sz="2400" dirty="0"/>
-              <a:t> 1. </a:t>
-            </a:r>
-            <a:r>
-              <a:rPr lang="en-US" sz="2400" b="1" dirty="0"/>
-              <a:t>Model Architecture:</a:t>
-            </a:r>
-          </a:p>
-          <a:p>
-            <a:pPr marL="0" indent="0">
-              <a:lnSpc>
-                <a:spcPct val="150000"/>
-              </a:lnSpc>
-              <a:buNone/>
-            </a:pPr>
-            <a:r>
-              <a:rPr lang="en-US" sz="2400" b="1" dirty="0"/>
-              <a:t>  MONK</a:t>
-            </a:r>
-            <a:r>
-              <a:rPr lang="en-US" sz="2400" dirty="0"/>
-              <a:t>: Architectures range from shallow networks like (17, 8, 1) to deeper networks like (17, 16, 8, 1).</a:t>
-            </a:r>
-          </a:p>
-          <a:p>
-            <a:pPr marL="0" indent="0">
-              <a:lnSpc>
-                <a:spcPct val="150000"/>
-              </a:lnSpc>
-              <a:buNone/>
-            </a:pPr>
-            <a:r>
-              <a:rPr lang="en-US" sz="2400" b="1" dirty="0"/>
-              <a:t>  CUP</a:t>
-            </a:r>
-            <a:r>
-              <a:rPr lang="en-US" sz="2400" dirty="0"/>
-              <a:t>: Configurations such as (12, 8, 3) and (12, 16, 8, 3) were tested.</a:t>
-            </a:r>
-          </a:p>
-          <a:p>
-            <a:pPr marL="0" indent="0">
-              <a:lnSpc>
-                <a:spcPct val="150000"/>
-              </a:lnSpc>
-              <a:buNone/>
-            </a:pPr>
-            <a:r>
-              <a:rPr lang="en-US" sz="2400" b="1" dirty="0"/>
-              <a:t> 2. Activation Functions</a:t>
-            </a:r>
-            <a:r>
-              <a:rPr lang="en-US" sz="2400" dirty="0"/>
-              <a:t>: Hidden Layers: </a:t>
-            </a:r>
-            <a:r>
-              <a:rPr lang="en-US" sz="2400" dirty="0" err="1"/>
-              <a:t>ReLU</a:t>
-            </a:r>
-            <a:r>
-              <a:rPr lang="en-US" sz="2400" dirty="0"/>
-              <a:t>, Tanh, Leaky </a:t>
-            </a:r>
-            <a:r>
-              <a:rPr lang="en-US" sz="2400" dirty="0" err="1"/>
-              <a:t>ReLU</a:t>
-            </a:r>
-            <a:r>
-              <a:rPr lang="en-US" sz="2400" dirty="0"/>
-              <a:t>.</a:t>
-            </a:r>
-          </a:p>
-          <a:p>
-            <a:pPr marL="0" indent="0">
-              <a:lnSpc>
-                <a:spcPct val="150000"/>
-              </a:lnSpc>
-              <a:buNone/>
-            </a:pPr>
-            <a:r>
-              <a:rPr lang="en-US" sz="2400" b="1" dirty="0"/>
-              <a:t> 3. Output Layer</a:t>
-            </a:r>
-            <a:r>
-              <a:rPr lang="en-US" sz="2400" dirty="0"/>
-              <a:t>: Sigmoid (classification), Identity (regression).</a:t>
-            </a:r>
-          </a:p>
-        </p:txBody>
-      </p:sp>
-    </p:spTree>
-    <p:extLst>
-      <p:ext uri="{BB962C8B-B14F-4D97-AF65-F5344CB8AC3E}">
-        <p14:creationId xmlns:p14="http://schemas.microsoft.com/office/powerpoint/2010/main" val="1330368568"/>
-      </p:ext>
-    </p:extLst>
-  </p:cSld>
-  <p:clrMapOvr>
-    <a:masterClrMapping/>
-  </p:clrMapOvr>
-</p:sld>
-</file>
-
-<file path=ppt/slides/slide4.xml><?xml version="1.0" encoding="utf-8"?>
-<p:sld xmlns:a="http://schemas.openxmlformats.org/drawingml/2006/main" xmlns:r="http://schemas.openxmlformats.org/officeDocument/2006/relationships" xmlns:p="http://schemas.openxmlformats.org/presentationml/2006/main">
-  <p:cSld>
-    <p:spTree>
-      <p:nvGrpSpPr>
-        <p:cNvPr id="1" name=""/>
-        <p:cNvGrpSpPr/>
-        <p:nvPr/>
-      </p:nvGrpSpPr>
-      <p:grpSpPr>
-        <a:xfrm>
-          <a:off x="0" y="0"/>
-          <a:ext cx="0" cy="0"/>
-          <a:chOff x="0" y="0"/>
-          <a:chExt cx="0" cy="0"/>
-        </a:xfrm>
-      </p:grpSpPr>
-      <p:sp>
-        <p:nvSpPr>
-          <p:cNvPr id="2" name="Title 1">
-            <a:extLst>
-              <a:ext uri="{FF2B5EF4-FFF2-40B4-BE49-F238E27FC236}">
-                <a16:creationId xmlns:a16="http://schemas.microsoft.com/office/drawing/2014/main" id="{A48518DF-51DF-483B-A164-07FDF6E3CD06}"/>
-              </a:ext>
-            </a:extLst>
-          </p:cNvPr>
-          <p:cNvSpPr>
-            <a:spLocks noGrp="1"/>
-          </p:cNvSpPr>
-          <p:nvPr>
-            <p:ph type="title"/>
-          </p:nvPr>
-        </p:nvSpPr>
-        <p:spPr>
-          <a:xfrm>
-            <a:off x="663879" y="400833"/>
-            <a:ext cx="10689921" cy="1289855"/>
-          </a:xfrm>
-        </p:spPr>
-        <p:txBody>
-          <a:bodyPr>
-            <a:normAutofit/>
-          </a:bodyPr>
-          <a:lstStyle/>
-          <a:p>
-            <a:r>
-              <a:rPr kumimoji="0" lang="en-US" altLang="en-US" sz="3600" b="1" i="0" u="none" strike="noStrike" cap="none" normalizeH="0" baseline="0" dirty="0">
-                <a:ln>
-                  <a:noFill/>
-                </a:ln>
-                <a:solidFill>
-                  <a:schemeClr val="tx1"/>
-                </a:solidFill>
-                <a:effectLst/>
-                <a:latin typeface="Arial" panose="020B0604020202020204" pitchFamily="34" charset="0"/>
-              </a:rPr>
-              <a:t>Code Description</a:t>
-            </a:r>
-            <a:endParaRPr lang="en-US" sz="3600" dirty="0"/>
-          </a:p>
-        </p:txBody>
-      </p:sp>
-      <p:sp>
-        <p:nvSpPr>
-          <p:cNvPr id="3" name="Content Placeholder 2">
-            <a:extLst>
-              <a:ext uri="{FF2B5EF4-FFF2-40B4-BE49-F238E27FC236}">
-                <a16:creationId xmlns:a16="http://schemas.microsoft.com/office/drawing/2014/main" id="{71217D8A-B2C4-4825-8009-B9FF19CBFC38}"/>
-              </a:ext>
-            </a:extLst>
-          </p:cNvPr>
-          <p:cNvSpPr>
-            <a:spLocks noGrp="1"/>
-          </p:cNvSpPr>
-          <p:nvPr>
-            <p:ph idx="1"/>
-          </p:nvPr>
-        </p:nvSpPr>
-        <p:spPr>
-          <a:xfrm>
-            <a:off x="538619" y="1427967"/>
-            <a:ext cx="10815181" cy="4748997"/>
-          </a:xfrm>
-        </p:spPr>
-        <p:txBody>
-          <a:bodyPr>
-            <a:normAutofit fontScale="92500" lnSpcReduction="10000"/>
-          </a:bodyPr>
-          <a:lstStyle/>
-          <a:p>
-            <a:pPr marL="0" indent="0">
-              <a:lnSpc>
-                <a:spcPct val="150000"/>
-              </a:lnSpc>
-              <a:buNone/>
-            </a:pPr>
-            <a:r>
-              <a:rPr lang="en-US" sz="2400" b="1" dirty="0"/>
-              <a:t>3. Training Algorithm:-</a:t>
-            </a:r>
-          </a:p>
-          <a:p>
-            <a:pPr>
-              <a:lnSpc>
-                <a:spcPct val="150000"/>
-              </a:lnSpc>
-            </a:pPr>
-            <a:r>
-              <a:rPr lang="en-US" sz="2400" dirty="0"/>
-              <a:t>Stochastic Gradient Descent (SGD) with momentum.</a:t>
-            </a:r>
-          </a:p>
-          <a:p>
-            <a:pPr>
-              <a:lnSpc>
-                <a:spcPct val="150000"/>
-              </a:lnSpc>
-            </a:pPr>
-            <a:r>
-              <a:rPr lang="en-US" sz="2400" dirty="0"/>
-              <a:t>Adaptive variants like Adam were explored for CUP tasks.</a:t>
-            </a:r>
-          </a:p>
-          <a:p>
-            <a:pPr marL="0" indent="0">
-              <a:lnSpc>
-                <a:spcPct val="150000"/>
-              </a:lnSpc>
-              <a:buNone/>
-            </a:pPr>
-            <a:r>
-              <a:rPr lang="en-US" sz="2400" b="1" dirty="0"/>
-              <a:t>4. Batch/Online/Minibatch:</a:t>
-            </a:r>
-          </a:p>
-          <a:p>
-            <a:pPr>
-              <a:lnSpc>
-                <a:spcPct val="150000"/>
-              </a:lnSpc>
-            </a:pPr>
-            <a:r>
-              <a:rPr lang="en-US" sz="2400" dirty="0"/>
-              <a:t>Mini-batch training implemented for all datasets.</a:t>
-            </a:r>
-          </a:p>
-          <a:p>
-            <a:pPr marL="0" indent="0">
-              <a:lnSpc>
-                <a:spcPct val="150000"/>
-              </a:lnSpc>
-              <a:buNone/>
-            </a:pPr>
-            <a:r>
-              <a:rPr lang="en-US" sz="2400" b="1" dirty="0"/>
-              <a:t>5. Weight Initialization:</a:t>
-            </a:r>
-          </a:p>
-          <a:p>
-            <a:pPr>
-              <a:lnSpc>
-                <a:spcPct val="150000"/>
-              </a:lnSpc>
-            </a:pPr>
-            <a:r>
-              <a:rPr lang="en-US" sz="2400" dirty="0"/>
-              <a:t>Xavier initialization for balanced scaling.</a:t>
-            </a:r>
-          </a:p>
-          <a:p>
-            <a:pPr>
-              <a:lnSpc>
-                <a:spcPct val="150000"/>
-              </a:lnSpc>
-            </a:pPr>
-            <a:r>
-              <a:rPr lang="en-US" sz="2400" dirty="0"/>
-              <a:t>He initialization for </a:t>
-            </a:r>
-            <a:r>
-              <a:rPr lang="en-US" sz="2400" dirty="0" err="1"/>
-              <a:t>ReLU</a:t>
-            </a:r>
-            <a:r>
-              <a:rPr lang="en-US" sz="2400" dirty="0"/>
-              <a:t>-based networks.</a:t>
-            </a:r>
-          </a:p>
-        </p:txBody>
-      </p:sp>
-    </p:spTree>
-    <p:extLst>
-      <p:ext uri="{BB962C8B-B14F-4D97-AF65-F5344CB8AC3E}">
-        <p14:creationId xmlns:p14="http://schemas.microsoft.com/office/powerpoint/2010/main" val="3690870923"/>
-      </p:ext>
-    </p:extLst>
-  </p:cSld>
-  <p:clrMapOvr>
-    <a:masterClrMapping/>
-  </p:clrMapOvr>
-</p:sld>
-</file>
-
-<file path=ppt/slides/slide5.xml><?xml version="1.0" encoding="utf-8"?>
-<p:sld xmlns:a="http://schemas.openxmlformats.org/drawingml/2006/main" xmlns:r="http://schemas.openxmlformats.org/officeDocument/2006/relationships" xmlns:p="http://schemas.openxmlformats.org/presentationml/2006/main">
-  <p:cSld>
-    <p:spTree>
-      <p:nvGrpSpPr>
-        <p:cNvPr id="1" name=""/>
-        <p:cNvGrpSpPr/>
-        <p:nvPr/>
-      </p:nvGrpSpPr>
-      <p:grpSpPr>
-        <a:xfrm>
-          <a:off x="0" y="0"/>
-          <a:ext cx="0" cy="0"/>
-          <a:chOff x="0" y="0"/>
-          <a:chExt cx="0" cy="0"/>
-        </a:xfrm>
-      </p:grpSpPr>
-      <p:sp>
-        <p:nvSpPr>
-          <p:cNvPr id="2" name="Title 1">
-            <a:extLst>
-              <a:ext uri="{FF2B5EF4-FFF2-40B4-BE49-F238E27FC236}">
-                <a16:creationId xmlns:a16="http://schemas.microsoft.com/office/drawing/2014/main" id="{FFC2A6AC-7427-4548-9063-0E250AD7966E}"/>
-              </a:ext>
-            </a:extLst>
-          </p:cNvPr>
-          <p:cNvSpPr>
-            <a:spLocks noGrp="1"/>
-          </p:cNvSpPr>
-          <p:nvPr>
-            <p:ph type="title"/>
-          </p:nvPr>
-        </p:nvSpPr>
-        <p:spPr>
-          <a:xfrm>
-            <a:off x="388308" y="331048"/>
-            <a:ext cx="10751505" cy="1560383"/>
-          </a:xfrm>
-        </p:spPr>
-        <p:txBody>
-          <a:bodyPr>
-            <a:normAutofit/>
-          </a:bodyPr>
-          <a:lstStyle/>
-          <a:p>
-            <a:r>
-              <a:rPr kumimoji="0" lang="en-US" altLang="en-US" sz="3600" b="1" i="0" u="none" strike="noStrike" cap="none" normalizeH="0" baseline="0" dirty="0">
-                <a:ln>
-                  <a:noFill/>
-                </a:ln>
-                <a:solidFill>
-                  <a:schemeClr val="tx1"/>
-                </a:solidFill>
-                <a:effectLst/>
-                <a:latin typeface="Arial" panose="020B0604020202020204" pitchFamily="34" charset="0"/>
-              </a:rPr>
-              <a:t>Code Description</a:t>
-            </a:r>
-            <a:endParaRPr lang="en-US" sz="3600" dirty="0"/>
-          </a:p>
-        </p:txBody>
-      </p:sp>
-      <p:sp>
-        <p:nvSpPr>
-          <p:cNvPr id="4" name="Rectangle 1">
-            <a:extLst>
-              <a:ext uri="{FF2B5EF4-FFF2-40B4-BE49-F238E27FC236}">
-                <a16:creationId xmlns:a16="http://schemas.microsoft.com/office/drawing/2014/main" id="{02659ABC-3554-4731-B0E1-FF3D7B951EAE}"/>
-              </a:ext>
-            </a:extLst>
-          </p:cNvPr>
-          <p:cNvSpPr>
-            <a:spLocks noGrp="1" noChangeArrowheads="1"/>
-          </p:cNvSpPr>
-          <p:nvPr>
-            <p:ph idx="1"/>
-          </p:nvPr>
-        </p:nvSpPr>
-        <p:spPr bwMode="auto">
-          <a:xfrm>
-            <a:off x="388308" y="1655742"/>
-            <a:ext cx="11153384" cy="4401205"/>
-          </a:xfrm>
-          <a:prstGeom prst="rect">
-            <a:avLst/>
-          </a:prstGeom>
-          <a:noFill/>
-          <a:ln>
-            <a:noFill/>
-          </a:ln>
-          <a:effectLst/>
-          <a:extLst>
-            <a:ext uri="{909E8E84-426E-40DD-AFC4-6F175D3DCCD1}">
-              <a14:hiddenFill xmlns:a14="http://schemas.microsoft.com/office/drawing/2010/main">
-                <a:solidFill>
-                  <a:schemeClr val="accent1"/>
-                </a:solidFill>
-              </a14:hiddenFill>
-            </a:ext>
-            <a:ext uri="{91240B29-F687-4F45-9708-019B960494DF}">
-              <a14:hiddenLine xmlns:a14="http://schemas.microsoft.com/office/drawing/2010/main" w="9525">
-                <a:solidFill>
-                  <a:schemeClr val="tx1"/>
-                </a:solidFill>
-                <a:miter lim="800000"/>
-                <a:headEnd/>
-                <a:tailEnd/>
-              </a14:hiddenLine>
-            </a:ext>
-            <a:ext uri="{AF507438-7753-43E0-B8FC-AC1667EBCBE1}">
-              <a14:hiddenEffects xmlns:a14="http://schemas.microsoft.com/office/drawing/2010/main">
-                <a:effectLst>
-                  <a:outerShdw dist="35921" dir="2700000" algn="ctr" rotWithShape="0">
-                    <a:schemeClr val="bg2"/>
-                  </a:outerShdw>
-                </a:effectLst>
-              </a14:hiddenEffects>
-            </a:ext>
-          </a:extLst>
-        </p:spPr>
-        <p:txBody>
-          <a:bodyPr vert="horz" wrap="square" lIns="91440" tIns="45720" rIns="91440" bIns="45720" numCol="1" anchor="ctr" anchorCtr="0" compatLnSpc="1">
-            <a:prstTxWarp prst="textNoShape">
-              <a:avLst/>
-            </a:prstTxWarp>
-            <a:spAutoFit/>
-          </a:bodyPr>
-          <a:lstStyle/>
+              <a:t>6. Loss Functions:</a:t>
+            </a:r>
+          </a:p>
           <a:p>
             <a:pPr marL="0" marR="0" lvl="0" indent="0" algn="l" defTabSz="914400" rtl="0" eaLnBrk="0" fontAlgn="base" latinLnBrk="0" hangingPunct="0">
               <a:lnSpc>
@@ -6609,7 +9090,7 @@
               <a:tabLst/>
             </a:pPr>
             <a:r>
-              <a:rPr kumimoji="0" lang="en-US" altLang="en-US" sz="2400" b="1" i="0" u="none" strike="noStrike" cap="none" normalizeH="0" baseline="0" dirty="0">
+              <a:rPr kumimoji="0" lang="en-US" altLang="en-US" sz="2200" b="0" i="0" u="none" strike="noStrike" cap="none" normalizeH="0" baseline="0" dirty="0">
                 <a:ln>
                   <a:noFill/>
                 </a:ln>
@@ -6618,19 +9099,7 @@
                 </a:solidFill>
                 <a:effectLst/>
               </a:rPr>
-              <a:t>6. Regularization Schema</a:t>
-            </a:r>
-            <a:r>
-              <a:rPr kumimoji="0" lang="en-US" altLang="en-US" sz="2400" b="0" i="0" u="none" strike="noStrike" cap="none" normalizeH="0" baseline="0" dirty="0">
-                <a:ln>
-                  <a:noFill/>
-                </a:ln>
-                <a:solidFill>
-                  <a:schemeClr val="tx1"/>
-                </a:solidFill>
-                <a:effectLst/>
-              </a:rPr>
-              <a:t>:</a:t>
+              <a:t>MSE (Mean Squared Error): Used for classification tasks</a:t>
             </a:r>
           </a:p>
           <a:p>
@@ -6650,7 +9119,7 @@
               <a:tabLst/>
             </a:pPr>
             <a:r>
-              <a:rPr kumimoji="0" lang="en-US" altLang="en-US" sz="2400" b="1" i="0" u="none" strike="noStrike" cap="none" normalizeH="0" baseline="0" dirty="0">
+              <a:rPr kumimoji="0" lang="en-US" altLang="en-US" sz="2200" b="0" i="0" u="none" strike="noStrike" cap="none" normalizeH="0" baseline="0" dirty="0">
                 <a:ln>
                   <a:noFill/>
                 </a:ln>
@@ -6659,19 +9128,7 @@
                 </a:solidFill>
                 <a:effectLst/>
               </a:rPr>
-              <a:t>MONK-3-No-Reg</a:t>
-            </a:r>
-            <a:r>
-              <a:rPr kumimoji="0" lang="en-US" altLang="en-US" sz="2400" b="0" i="0" u="none" strike="noStrike" cap="none" normalizeH="0" baseline="0" dirty="0">
-                <a:ln>
-                  <a:noFill/>
-                </a:ln>
-                <a:solidFill>
-                  <a:schemeClr val="tx1"/>
-                </a:solidFill>
-                <a:effectLst/>
-              </a:rPr>
-              <a:t>: No regularization.</a:t>
+              <a:t>MEE (Mean Euclidean Error): Applied for regression tasks.</a:t>
             </a:r>
           </a:p>
           <a:p>
@@ -6691,7 +9148,7 @@
               <a:tabLst/>
             </a:pPr>
             <a:r>
-              <a:rPr kumimoji="0" lang="en-US" altLang="en-US" sz="2400" b="1" i="0" u="none" strike="noStrike" cap="none" normalizeH="0" baseline="0" dirty="0">
+              <a:rPr kumimoji="0" lang="en-US" altLang="en-US" sz="2200" b="1" i="0" u="none" strike="noStrike" cap="none" normalizeH="0" baseline="0" dirty="0">
                 <a:ln>
                   <a:noFill/>
                 </a:ln>
@@ -6700,19 +9157,7 @@
                 </a:solidFill>
                 <a:effectLst/>
               </a:rPr>
-              <a:t>MONK-3-L2</a:t>
-            </a:r>
-            <a:r>
-              <a:rPr kumimoji="0" lang="en-US" altLang="en-US" sz="2400" b="0" i="0" u="none" strike="noStrike" cap="none" normalizeH="0" baseline="0" dirty="0">
-                <a:ln>
-                  <a:noFill/>
-                </a:ln>
-                <a:solidFill>
-                  <a:schemeClr val="tx1"/>
-                </a:solidFill>
-                <a:effectLst/>
-              </a:rPr>
-              <a:t>: L2 regularization (0.0001 to 0.005).</a:t>
+              <a:t>Optimization Algorithm:</a:t>
             </a:r>
           </a:p>
           <a:p>
@@ -6732,7 +9177,7 @@
               <a:tabLst/>
             </a:pPr>
             <a:r>
-              <a:rPr kumimoji="0" lang="en-US" altLang="en-US" sz="2400" b="1" i="0" u="none" strike="noStrike" cap="none" normalizeH="0" baseline="0" dirty="0">
+              <a:rPr kumimoji="0" lang="en-US" altLang="en-US" sz="2200" b="0" i="0" u="none" strike="noStrike" cap="none" normalizeH="0" baseline="0" dirty="0">
                 <a:ln>
                   <a:noFill/>
                 </a:ln>
@@ -6741,19 +9186,7 @@
                 </a:solidFill>
                 <a:effectLst/>
               </a:rPr>
-              <a:t>CUP</a:t>
-            </a:r>
-            <a:r>
-              <a:rPr kumimoji="0" lang="en-US" altLang="en-US" sz="2400" b="0" i="0" u="none" strike="noStrike" cap="none" normalizeH="0" baseline="0" dirty="0">
-                <a:ln>
-                  <a:noFill/>
-                </a:ln>
-                <a:solidFill>
-                  <a:schemeClr val="tx1"/>
-                </a:solidFill>
-                <a:effectLst/>
-              </a:rPr>
-              <a:t>: L2 regularization with optional dropout (0.1, 0.2).</a:t>
+              <a:t>Stochastic Gradient Descent (SGD) with momentum for stable updates.</a:t>
             </a:r>
           </a:p>
           <a:p>
@@ -6773,7 +9206,7 @@
               <a:tabLst/>
             </a:pPr>
             <a:r>
-              <a:rPr kumimoji="0" lang="en-US" altLang="en-US" sz="2400" b="1" i="0" u="none" strike="noStrike" cap="none" normalizeH="0" baseline="0" dirty="0">
+              <a:rPr kumimoji="0" lang="en-US" altLang="en-US" sz="2200" b="1" i="0" u="none" strike="noStrike" cap="none" normalizeH="0" baseline="0" dirty="0">
                 <a:ln>
                   <a:noFill/>
                 </a:ln>
@@ -6782,19 +9215,7 @@
                 </a:solidFill>
                 <a:effectLst/>
               </a:rPr>
-              <a:t>7. Stop Condition</a:t>
-            </a:r>
-            <a:r>
-              <a:rPr kumimoji="0" lang="en-US" altLang="en-US" sz="2400" b="0" i="0" u="none" strike="noStrike" cap="none" normalizeH="0" baseline="0" dirty="0">
-                <a:ln>
-                  <a:noFill/>
-                </a:ln>
-                <a:solidFill>
-                  <a:schemeClr val="tx1"/>
-                </a:solidFill>
-                <a:effectLst/>
-              </a:rPr>
-              <a:t>:</a:t>
+              <a:t>Regularization &amp; Dynamic Updates:</a:t>
             </a:r>
           </a:p>
           <a:p>
@@ -6814,7 +9235,7 @@
               <a:tabLst/>
             </a:pPr>
             <a:r>
-              <a:rPr kumimoji="0" lang="en-US" altLang="en-US" sz="2400" b="0" i="0" u="none" strike="noStrike" cap="none" normalizeH="0" baseline="0" dirty="0">
+              <a:rPr kumimoji="0" lang="en-US" altLang="en-US" sz="2200" b="0" i="0" u="none" strike="noStrike" cap="none" normalizeH="0" baseline="0" dirty="0">
                 <a:ln>
                   <a:noFill/>
                 </a:ln>
@@ -6823,56 +9244,9 @@
                 </a:solidFill>
                 <a:effectLst/>
               </a:rPr>
-              <a:t>Fixed epochs (1000).</a:t>
-            </a:r>
-          </a:p>
-          <a:p>
-            <a:pPr marL="0" marR="0" lvl="0" indent="0" algn="l" defTabSz="914400" rtl="0" eaLnBrk="0" fontAlgn="base" latinLnBrk="0" hangingPunct="0">
-              <a:lnSpc>
-                <a:spcPct val="150000"/>
-              </a:lnSpc>
-              <a:spcBef>
-                <a:spcPct val="0"/>
-              </a:spcBef>
-              <a:spcAft>
-                <a:spcPct val="0"/>
-              </a:spcAft>
-              <a:buClrTx/>
-              <a:buSzTx/>
-              <a:buNone/>
-              <a:tabLst/>
-            </a:pPr>
-            <a:r>
-              <a:rPr kumimoji="0" lang="en-US" altLang="en-US" sz="2400" b="0" i="0" u="none" strike="noStrike" cap="none" normalizeH="0" baseline="0" dirty="0">
-                <a:ln>
-                  <a:noFill/>
-                </a:ln>
-                <a:solidFill>
-                  <a:schemeClr val="tx1"/>
-                </a:solidFill>
-                <a:effectLst/>
-              </a:rPr>
-              <a:t>Early stopping not allowed for MONK tasks, used for CUP validation during trials.</a:t>
-            </a:r>
-          </a:p>
-          <a:p>
-            <a:pPr marL="0" marR="0" lvl="0" indent="0" algn="l" defTabSz="914400" rtl="0" eaLnBrk="0" fontAlgn="base" latinLnBrk="0" hangingPunct="0">
-              <a:lnSpc>
-                <a:spcPct val="100000"/>
-              </a:lnSpc>
-              <a:spcBef>
-                <a:spcPct val="0"/>
-              </a:spcBef>
-              <a:spcAft>
-                <a:spcPct val="0"/>
-              </a:spcAft>
-              <a:buClrTx/>
-              <a:buSzTx/>
-              <a:buFontTx/>
-              <a:buNone/>
-              <a:tabLst/>
-            </a:pPr>
-            <a:endParaRPr kumimoji="0" lang="en-US" altLang="en-US" b="0" i="0" u="none" strike="noStrike" cap="none" normalizeH="0" baseline="0" dirty="0">
+              <a:t>Dropout applied conditionally for MONK-3 with L2 regularization.</a:t>
+            </a:r>
+            <a:endParaRPr kumimoji="0" lang="en-US" altLang="en-US" sz="2200" b="0" i="0" u="none" strike="noStrike" cap="none" normalizeH="0" baseline="0" dirty="0">
               <a:ln>
                 <a:noFill/>
               </a:ln>
@@ -6885,42 +9259,12 @@
           </a:p>
         </p:txBody>
       </p:sp>
-    </p:spTree>
-    <p:extLst>
-      <p:ext uri="{BB962C8B-B14F-4D97-AF65-F5344CB8AC3E}">
-        <p14:creationId xmlns:p14="http://schemas.microsoft.com/office/powerpoint/2010/main" val="2651567190"/>
-      </p:ext>
-    </p:extLst>
-  </p:cSld>
-  <p:clrMapOvr>
-    <a:masterClrMapping/>
-  </p:clrMapOvr>
-</p:sld>
-</file>
-
-<file path=ppt/slides/slide6.xml><?xml version="1.0" encoding="utf-8"?>
-<p:sld xmlns:a="http://schemas.openxmlformats.org/drawingml/2006/main" xmlns:r="http://schemas.openxmlformats.org/officeDocument/2006/relationships" xmlns:p="http://schemas.openxmlformats.org/presentationml/2006/main">
-  <p:cSld>
-    <p:spTree>
-      <p:nvGrpSpPr>
-        <p:cNvPr id="1" name=""/>
-        <p:cNvGrpSpPr/>
-        <p:nvPr/>
-      </p:nvGrpSpPr>
-      <p:grpSpPr>
-        <a:xfrm>
-          <a:off x="0" y="0"/>
-          <a:ext cx="0" cy="0"/>
-          <a:chOff x="0" y="0"/>
-          <a:chExt cx="0" cy="0"/>
-        </a:xfrm>
-      </p:grpSpPr>
-      <p:sp>
-        <p:nvSpPr>
-          <p:cNvPr id="2" name="Title 1">
-            <a:extLst>
-              <a:ext uri="{FF2B5EF4-FFF2-40B4-BE49-F238E27FC236}">
-                <a16:creationId xmlns:a16="http://schemas.microsoft.com/office/drawing/2014/main" id="{A77CBE58-AEC0-4B03-AF3A-9CF7B1E3FD17}"/>
+      <p:sp>
+        <p:nvSpPr>
+          <p:cNvPr id="5" name="Title 4">
+            <a:extLst>
+              <a:ext uri="{FF2B5EF4-FFF2-40B4-BE49-F238E27FC236}">
+                <a16:creationId xmlns:a16="http://schemas.microsoft.com/office/drawing/2014/main" id="{A7910FF6-2116-4712-B327-16C55989E739}"/>
               </a:ext>
             </a:extLst>
           </p:cNvPr>
@@ -6933,18 +9277,18 @@
         </p:nvSpPr>
         <p:spPr>
           <a:xfrm>
-            <a:off x="638827" y="365126"/>
-            <a:ext cx="10714973" cy="1225680"/>
+            <a:off x="592898" y="781268"/>
+            <a:ext cx="11006203" cy="1110163"/>
           </a:xfrm>
         </p:spPr>
         <p:txBody>
           <a:bodyPr>
-            <a:normAutofit/>
+            <a:noAutofit/>
           </a:bodyPr>
           <a:lstStyle/>
           <a:p>
             <a:r>
-              <a:rPr kumimoji="0" lang="en-US" altLang="en-US" sz="3600" b="1" i="0" u="none" strike="noStrike" cap="none" normalizeH="0" baseline="0" dirty="0">
+              <a:rPr kumimoji="0" lang="en-US" altLang="en-US" sz="3200" b="1" i="0" u="none" strike="noStrike" cap="none" normalizeH="0" baseline="0" dirty="0">
                 <a:ln>
                   <a:noFill/>
                 </a:ln>
@@ -6956,55 +9300,8 @@
               </a:rPr>
               <a:t>Code Description</a:t>
             </a:r>
-            <a:endParaRPr lang="en-US" sz="3600" dirty="0"/>
-          </a:p>
-        </p:txBody>
-      </p:sp>
-      <p:sp>
-        <p:nvSpPr>
-          <p:cNvPr id="3" name="Content Placeholder 2">
-            <a:extLst>
-              <a:ext uri="{FF2B5EF4-FFF2-40B4-BE49-F238E27FC236}">
-                <a16:creationId xmlns:a16="http://schemas.microsoft.com/office/drawing/2014/main" id="{1D30EE90-AEB3-4D5A-A950-D9503C5F4445}"/>
-              </a:ext>
-            </a:extLst>
-          </p:cNvPr>
-          <p:cNvSpPr>
-            <a:spLocks noGrp="1"/>
-          </p:cNvSpPr>
-          <p:nvPr>
-            <p:ph idx="1"/>
-          </p:nvPr>
-        </p:nvSpPr>
-        <p:spPr>
-          <a:xfrm>
-            <a:off x="726510" y="1690688"/>
-            <a:ext cx="10627290" cy="4486275"/>
-          </a:xfrm>
-        </p:spPr>
-        <p:txBody>
-          <a:bodyPr>
-            <a:normAutofit fontScale="92500" lnSpcReduction="10000"/>
-          </a:bodyPr>
-          <a:lstStyle/>
-          <a:p>
-            <a:pPr marL="0" marR="0" lvl="0" indent="0" algn="l" defTabSz="914400" rtl="0" eaLnBrk="0" fontAlgn="base" latinLnBrk="0" hangingPunct="0">
-              <a:lnSpc>
-                <a:spcPct val="150000"/>
-              </a:lnSpc>
-              <a:spcBef>
-                <a:spcPct val="0"/>
-              </a:spcBef>
-              <a:spcAft>
-                <a:spcPct val="0"/>
-              </a:spcAft>
-              <a:buClrTx/>
-              <a:buSzTx/>
-              <a:buNone/>
-              <a:tabLst/>
-            </a:pPr>
-            <a:r>
-              <a:rPr kumimoji="0" lang="en-US" altLang="en-US" sz="2400" b="1" i="0" u="none" strike="noStrike" cap="none" normalizeH="0" baseline="0" dirty="0">
+            <a:br>
+              <a:rPr kumimoji="0" lang="en-US" altLang="en-US" sz="3200" b="0" i="0" u="none" strike="noStrike" cap="none" normalizeH="0" baseline="0" dirty="0">
                 <a:ln>
                   <a:noFill/>
                 </a:ln>
@@ -7013,515 +9310,52 @@
                 </a:solidFill>
                 <a:effectLst/>
               </a:rPr>
-              <a:t>8. Validation Schema</a:t>
-            </a:r>
-            <a:r>
-              <a:rPr kumimoji="0" lang="en-US" altLang="en-US" sz="2400" b="0" i="0" u="none" strike="noStrike" cap="none" normalizeH="0" baseline="0" dirty="0">
-                <a:ln>
-                  <a:noFill/>
-                </a:ln>
+            </a:br>
+            <a:endParaRPr lang="en-US" sz="3200" dirty="0"/>
+          </a:p>
+        </p:txBody>
+      </p:sp>
+      <p:sp>
+        <p:nvSpPr>
+          <p:cNvPr id="6" name="Slide Number Placeholder 5">
+            <a:extLst>
+              <a:ext uri="{FF2B5EF4-FFF2-40B4-BE49-F238E27FC236}">
+                <a16:creationId xmlns:a16="http://schemas.microsoft.com/office/drawing/2014/main" id="{3783CDDB-27F0-4D03-AB61-E2F64A4FC0BA}"/>
+              </a:ext>
+            </a:extLst>
+          </p:cNvPr>
+          <p:cNvSpPr>
+            <a:spLocks noGrp="1"/>
+          </p:cNvSpPr>
+          <p:nvPr>
+            <p:ph type="sldNum" sz="quarter" idx="12"/>
+          </p:nvPr>
+        </p:nvSpPr>
+        <p:spPr/>
+        <p:txBody>
+          <a:bodyPr/>
+          <a:lstStyle/>
+          <a:p>
+            <a:fld id="{A6B05161-9E42-4493-9916-6F12CA0446C4}" type="slidenum">
+              <a:rPr lang="en-US" sz="2800" b="1" smtClean="0">
                 <a:solidFill>
                   <a:schemeClr val="tx1"/>
                 </a:solidFill>
-                <a:effectLst/>
               </a:rPr>
-              <a:t>:</a:t>
-            </a:r>
-          </a:p>
-          <a:p>
-            <a:pPr marL="0" marR="0" lvl="0" indent="0" algn="l" defTabSz="914400" rtl="0" eaLnBrk="0" fontAlgn="base" latinLnBrk="0" hangingPunct="0">
-              <a:lnSpc>
-                <a:spcPct val="150000"/>
-              </a:lnSpc>
-              <a:spcBef>
-                <a:spcPct val="0"/>
-              </a:spcBef>
-              <a:spcAft>
-                <a:spcPct val="0"/>
-              </a:spcAft>
-              <a:buClrTx/>
-              <a:buSzTx/>
-              <a:buNone/>
-              <a:tabLst/>
-            </a:pPr>
-            <a:r>
-              <a:rPr kumimoji="0" lang="en-US" altLang="en-US" sz="2400" b="1" i="0" u="none" strike="noStrike" cap="none" normalizeH="0" baseline="0" dirty="0">
-                <a:ln>
-                  <a:noFill/>
-                </a:ln>
-                <a:solidFill>
-                  <a:schemeClr val="tx1"/>
-                </a:solidFill>
-                <a:effectLst/>
-              </a:rPr>
-              <a:t>MONK</a:t>
-            </a:r>
-            <a:r>
-              <a:rPr kumimoji="0" lang="en-US" altLang="en-US" sz="2400" b="0" i="0" u="none" strike="noStrike" cap="none" normalizeH="0" baseline="0" dirty="0">
-                <a:ln>
-                  <a:noFill/>
-                </a:ln>
-                <a:solidFill>
-                  <a:schemeClr val="tx1"/>
-                </a:solidFill>
-                <a:effectLst/>
-              </a:rPr>
-              <a:t>: 5-fold cross-validation for model selection.</a:t>
-            </a:r>
-          </a:p>
-          <a:p>
-            <a:pPr marL="0" marR="0" lvl="0" indent="0" algn="l" defTabSz="914400" rtl="0" eaLnBrk="0" fontAlgn="base" latinLnBrk="0" hangingPunct="0">
-              <a:lnSpc>
-                <a:spcPct val="150000"/>
-              </a:lnSpc>
-              <a:spcBef>
-                <a:spcPct val="0"/>
-              </a:spcBef>
-              <a:spcAft>
-                <a:spcPct val="0"/>
-              </a:spcAft>
-              <a:buClrTx/>
-              <a:buSzTx/>
-              <a:buNone/>
-              <a:tabLst/>
-            </a:pPr>
-            <a:r>
-              <a:rPr kumimoji="0" lang="en-US" altLang="en-US" sz="2400" b="1" i="0" u="none" strike="noStrike" cap="none" normalizeH="0" baseline="0" dirty="0">
-                <a:ln>
-                  <a:noFill/>
-                </a:ln>
-                <a:solidFill>
-                  <a:schemeClr val="tx1"/>
-                </a:solidFill>
-                <a:effectLst/>
-              </a:rPr>
-              <a:t>CUP</a:t>
-            </a:r>
-            <a:r>
-              <a:rPr kumimoji="0" lang="en-US" altLang="en-US" sz="2400" b="0" i="0" u="none" strike="noStrike" cap="none" normalizeH="0" baseline="0" dirty="0">
-                <a:ln>
-                  <a:noFill/>
-                </a:ln>
-                <a:solidFill>
-                  <a:schemeClr val="tx1"/>
-                </a:solidFill>
-                <a:effectLst/>
-              </a:rPr>
-              <a:t>: Data split into 60% training, 20% validation, 20% internal test.</a:t>
-            </a:r>
-            <a:endParaRPr lang="en-US" sz="2400" b="1" dirty="0"/>
-          </a:p>
-          <a:p>
-            <a:pPr marL="0" indent="0">
-              <a:lnSpc>
-                <a:spcPct val="150000"/>
-              </a:lnSpc>
-              <a:buNone/>
-            </a:pPr>
-            <a:r>
-              <a:rPr lang="en-US" sz="2400" b="1" dirty="0"/>
-              <a:t>9. Hyperparameter Tuning</a:t>
-            </a:r>
-            <a:r>
-              <a:rPr lang="en-US" sz="2400" dirty="0"/>
-              <a:t>:</a:t>
-            </a:r>
-          </a:p>
-          <a:p>
-            <a:pPr>
-              <a:lnSpc>
-                <a:spcPct val="150000"/>
-              </a:lnSpc>
-              <a:buFont typeface="Arial" panose="020B0604020202020204" pitchFamily="34" charset="0"/>
-              <a:buChar char="•"/>
-            </a:pPr>
-            <a:r>
-              <a:rPr lang="en-US" sz="2400" b="1" dirty="0"/>
-              <a:t>Grid Search</a:t>
-            </a:r>
-            <a:r>
-              <a:rPr lang="en-US" sz="2400" dirty="0"/>
-              <a:t>: Hyperparameters like learning rates, activation functions, hidden layer sizes, regularization strength, and momentum were explored.</a:t>
-            </a:r>
-          </a:p>
-          <a:p>
-            <a:pPr>
-              <a:lnSpc>
-                <a:spcPct val="150000"/>
-              </a:lnSpc>
-              <a:buFont typeface="Arial" panose="020B0604020202020204" pitchFamily="34" charset="0"/>
-              <a:buChar char="•"/>
-            </a:pPr>
-            <a:r>
-              <a:rPr lang="en-US" sz="2400" b="1" dirty="0"/>
-              <a:t>MONK</a:t>
-            </a:r>
-            <a:r>
-              <a:rPr lang="en-US" sz="2400" dirty="0"/>
-              <a:t>: 432 configurations per task.</a:t>
-            </a:r>
-          </a:p>
-          <a:p>
-            <a:pPr>
-              <a:lnSpc>
-                <a:spcPct val="150000"/>
-              </a:lnSpc>
-              <a:buFont typeface="Arial" panose="020B0604020202020204" pitchFamily="34" charset="0"/>
-              <a:buChar char="•"/>
-            </a:pPr>
-            <a:r>
-              <a:rPr lang="en-US" sz="2400" b="1" dirty="0"/>
-              <a:t>CUP</a:t>
-            </a:r>
-            <a:r>
-              <a:rPr lang="en-US" sz="2400" dirty="0"/>
-              <a:t>: Iterative tuning with performance tracked for validation MEE.</a:t>
-            </a:r>
-          </a:p>
-          <a:p>
-            <a:pPr>
-              <a:lnSpc>
-                <a:spcPct val="150000"/>
-              </a:lnSpc>
-            </a:pPr>
-            <a:endParaRPr lang="en-US" sz="2400" dirty="0"/>
+              <a:t>9</a:t>
+            </a:fld>
+            <a:endParaRPr lang="en-US" sz="2800" b="1" dirty="0">
+              <a:solidFill>
+                <a:schemeClr val="tx1"/>
+              </a:solidFill>
+            </a:endParaRPr>
           </a:p>
         </p:txBody>
       </p:sp>
     </p:spTree>
     <p:extLst>
       <p:ext uri="{BB962C8B-B14F-4D97-AF65-F5344CB8AC3E}">
-        <p14:creationId xmlns:p14="http://schemas.microsoft.com/office/powerpoint/2010/main" val="2547263850"/>
-      </p:ext>
-    </p:extLst>
-  </p:cSld>
-  <p:clrMapOvr>
-    <a:masterClrMapping/>
-  </p:clrMapOvr>
-</p:sld>
-</file>
-
-<file path=ppt/slides/slide7.xml><?xml version="1.0" encoding="utf-8"?>
-<p:sld xmlns:a="http://schemas.openxmlformats.org/drawingml/2006/main" xmlns:r="http://schemas.openxmlformats.org/officeDocument/2006/relationships" xmlns:p="http://schemas.openxmlformats.org/presentationml/2006/main">
-  <p:cSld>
-    <p:spTree>
-      <p:nvGrpSpPr>
-        <p:cNvPr id="1" name=""/>
-        <p:cNvGrpSpPr/>
-        <p:nvPr/>
-      </p:nvGrpSpPr>
-      <p:grpSpPr>
-        <a:xfrm>
-          <a:off x="0" y="0"/>
-          <a:ext cx="0" cy="0"/>
-          <a:chOff x="0" y="0"/>
-          <a:chExt cx="0" cy="0"/>
-        </a:xfrm>
-      </p:grpSpPr>
-      <p:sp>
-        <p:nvSpPr>
-          <p:cNvPr id="2" name="Title 1">
-            <a:extLst>
-              <a:ext uri="{FF2B5EF4-FFF2-40B4-BE49-F238E27FC236}">
-                <a16:creationId xmlns:a16="http://schemas.microsoft.com/office/drawing/2014/main" id="{91E910A7-0BFB-4B90-8AF6-D7AC623F3083}"/>
-              </a:ext>
-            </a:extLst>
-          </p:cNvPr>
-          <p:cNvSpPr>
-            <a:spLocks noGrp="1"/>
-          </p:cNvSpPr>
-          <p:nvPr>
-            <p:ph type="title"/>
-          </p:nvPr>
-        </p:nvSpPr>
-        <p:spPr/>
-        <p:txBody>
-          <a:bodyPr/>
-          <a:lstStyle/>
-          <a:p>
-            <a:r>
-              <a:rPr lang="it" b="1" dirty="0"/>
-              <a:t>Models Novelties</a:t>
-            </a:r>
-            <a:endParaRPr lang="en-US" b="1" dirty="0"/>
-          </a:p>
-        </p:txBody>
-      </p:sp>
-      <p:sp>
-        <p:nvSpPr>
-          <p:cNvPr id="3" name="Content Placeholder 2">
-            <a:extLst>
-              <a:ext uri="{FF2B5EF4-FFF2-40B4-BE49-F238E27FC236}">
-                <a16:creationId xmlns:a16="http://schemas.microsoft.com/office/drawing/2014/main" id="{FF85601B-3853-4782-A0E0-C08FF3322B5C}"/>
-              </a:ext>
-            </a:extLst>
-          </p:cNvPr>
-          <p:cNvSpPr>
-            <a:spLocks noGrp="1"/>
-          </p:cNvSpPr>
-          <p:nvPr>
-            <p:ph idx="1"/>
-          </p:nvPr>
-        </p:nvSpPr>
-        <p:spPr/>
-        <p:txBody>
-          <a:bodyPr/>
-          <a:lstStyle/>
-          <a:p>
-            <a:pPr>
-              <a:buFont typeface="Arial" panose="020B0604020202020204" pitchFamily="34" charset="0"/>
-              <a:buChar char="•"/>
-            </a:pPr>
-            <a:r>
-              <a:rPr lang="en-US" b="1" dirty="0"/>
-              <a:t>Innovations Introduced:</a:t>
-            </a:r>
-            <a:endParaRPr lang="en-US" dirty="0"/>
-          </a:p>
-          <a:p>
-            <a:pPr marL="742950" lvl="1" indent="-285750">
-              <a:buFont typeface="Arial" panose="020B0604020202020204" pitchFamily="34" charset="0"/>
-              <a:buChar char="•"/>
-            </a:pPr>
-            <a:r>
-              <a:rPr lang="en-US" dirty="0"/>
-              <a:t>Customized dropout techniques for better generalization.</a:t>
-            </a:r>
-          </a:p>
-          <a:p>
-            <a:pPr marL="742950" lvl="1" indent="-285750">
-              <a:buFont typeface="Arial" panose="020B0604020202020204" pitchFamily="34" charset="0"/>
-              <a:buChar char="•"/>
-            </a:pPr>
-            <a:r>
-              <a:rPr lang="en-US" dirty="0"/>
-              <a:t>Experimentation with different activation function combinations.</a:t>
-            </a:r>
-          </a:p>
-          <a:p>
-            <a:pPr marL="742950" lvl="1" indent="-285750">
-              <a:buFont typeface="Arial" panose="020B0604020202020204" pitchFamily="34" charset="0"/>
-              <a:buChar char="•"/>
-            </a:pPr>
-            <a:r>
-              <a:rPr lang="en-US" dirty="0"/>
-              <a:t>Layer-wise hyperparameter tuning.</a:t>
-            </a:r>
-          </a:p>
-          <a:p>
-            <a:endParaRPr lang="en-US" dirty="0"/>
-          </a:p>
-        </p:txBody>
-      </p:sp>
-    </p:spTree>
-    <p:extLst>
-      <p:ext uri="{BB962C8B-B14F-4D97-AF65-F5344CB8AC3E}">
-        <p14:creationId xmlns:p14="http://schemas.microsoft.com/office/powerpoint/2010/main" val="1821721345"/>
-      </p:ext>
-    </p:extLst>
-  </p:cSld>
-  <p:clrMapOvr>
-    <a:masterClrMapping/>
-  </p:clrMapOvr>
-</p:sld>
-</file>
-
-<file path=ppt/slides/slide8.xml><?xml version="1.0" encoding="utf-8"?>
-<p:sld xmlns:a="http://schemas.openxmlformats.org/drawingml/2006/main" xmlns:r="http://schemas.openxmlformats.org/officeDocument/2006/relationships" xmlns:p="http://schemas.openxmlformats.org/presentationml/2006/main">
-  <p:cSld>
-    <p:spTree>
-      <p:nvGrpSpPr>
-        <p:cNvPr id="1" name=""/>
-        <p:cNvGrpSpPr/>
-        <p:nvPr/>
-      </p:nvGrpSpPr>
-      <p:grpSpPr>
-        <a:xfrm>
-          <a:off x="0" y="0"/>
-          <a:ext cx="0" cy="0"/>
-          <a:chOff x="0" y="0"/>
-          <a:chExt cx="0" cy="0"/>
-        </a:xfrm>
-      </p:grpSpPr>
-      <p:sp>
-        <p:nvSpPr>
-          <p:cNvPr id="2" name="Title 1">
-            <a:extLst>
-              <a:ext uri="{FF2B5EF4-FFF2-40B4-BE49-F238E27FC236}">
-                <a16:creationId xmlns:a16="http://schemas.microsoft.com/office/drawing/2014/main" id="{D9EBF38C-2E36-42A3-AC91-2329FE9F4E7D}"/>
-              </a:ext>
-            </a:extLst>
-          </p:cNvPr>
-          <p:cNvSpPr>
-            <a:spLocks noGrp="1"/>
-          </p:cNvSpPr>
-          <p:nvPr>
-            <p:ph type="title"/>
-          </p:nvPr>
-        </p:nvSpPr>
-        <p:spPr/>
-        <p:txBody>
-          <a:bodyPr>
-            <a:normAutofit/>
-          </a:bodyPr>
-          <a:lstStyle/>
-          <a:p>
-            <a:r>
-              <a:rPr lang="it" sz="3600" b="1" dirty="0">
-                <a:latin typeface="Arial" panose="020B0604020202020204" pitchFamily="34" charset="0"/>
-                <a:cs typeface="Arial" panose="020B0604020202020204" pitchFamily="34" charset="0"/>
-              </a:rPr>
-              <a:t>Monks Results</a:t>
-            </a:r>
-            <a:endParaRPr lang="en-US" sz="3600" b="1" dirty="0">
-              <a:latin typeface="Arial" panose="020B0604020202020204" pitchFamily="34" charset="0"/>
-              <a:cs typeface="Arial" panose="020B0604020202020204" pitchFamily="34" charset="0"/>
-            </a:endParaRPr>
-          </a:p>
-        </p:txBody>
-      </p:sp>
-      <p:pic>
-        <p:nvPicPr>
-          <p:cNvPr id="6" name="Picture 5">
-            <a:extLst>
-              <a:ext uri="{FF2B5EF4-FFF2-40B4-BE49-F238E27FC236}">
-                <a16:creationId xmlns:a16="http://schemas.microsoft.com/office/drawing/2014/main" id="{ACA2CD3F-CEDD-4842-9454-0C33DB9BF021}"/>
-              </a:ext>
-            </a:extLst>
-          </p:cNvPr>
-          <p:cNvPicPr>
-            <a:picLocks noChangeAspect="1"/>
-          </p:cNvPicPr>
-          <p:nvPr/>
-        </p:nvPicPr>
-        <p:blipFill>
-          <a:blip r:embed="rId2">
-            <a:extLst>
-              <a:ext uri="{28A0092B-C50C-407E-A947-70E740481C1C}">
-                <a14:useLocalDpi xmlns:a14="http://schemas.microsoft.com/office/drawing/2010/main" val="0"/>
-              </a:ext>
-            </a:extLst>
-          </a:blip>
-          <a:stretch>
-            <a:fillRect/>
-          </a:stretch>
-        </p:blipFill>
-        <p:spPr>
-          <a:xfrm>
-            <a:off x="352817" y="2059036"/>
-            <a:ext cx="11711835" cy="2115495"/>
-          </a:xfrm>
-          <a:prstGeom prst="rect">
-            <a:avLst/>
-          </a:prstGeom>
-        </p:spPr>
-      </p:pic>
-    </p:spTree>
-    <p:extLst>
-      <p:ext uri="{BB962C8B-B14F-4D97-AF65-F5344CB8AC3E}">
-        <p14:creationId xmlns:p14="http://schemas.microsoft.com/office/powerpoint/2010/main" val="664866850"/>
-      </p:ext>
-    </p:extLst>
-  </p:cSld>
-  <p:clrMapOvr>
-    <a:masterClrMapping/>
-  </p:clrMapOvr>
-</p:sld>
-</file>
-
-<file path=ppt/slides/slide9.xml><?xml version="1.0" encoding="utf-8"?>
-<p:sld xmlns:a="http://schemas.openxmlformats.org/drawingml/2006/main" xmlns:r="http://schemas.openxmlformats.org/officeDocument/2006/relationships" xmlns:p="http://schemas.openxmlformats.org/presentationml/2006/main">
-  <p:cSld>
-    <p:spTree>
-      <p:nvGrpSpPr>
-        <p:cNvPr id="1" name=""/>
-        <p:cNvGrpSpPr/>
-        <p:nvPr/>
-      </p:nvGrpSpPr>
-      <p:grpSpPr>
-        <a:xfrm>
-          <a:off x="0" y="0"/>
-          <a:ext cx="0" cy="0"/>
-          <a:chOff x="0" y="0"/>
-          <a:chExt cx="0" cy="0"/>
-        </a:xfrm>
-      </p:grpSpPr>
-      <p:sp>
-        <p:nvSpPr>
-          <p:cNvPr id="2" name="Title 1">
-            <a:extLst>
-              <a:ext uri="{FF2B5EF4-FFF2-40B4-BE49-F238E27FC236}">
-                <a16:creationId xmlns:a16="http://schemas.microsoft.com/office/drawing/2014/main" id="{28F9D64B-A83F-4A67-86C5-332130309B6A}"/>
-              </a:ext>
-            </a:extLst>
-          </p:cNvPr>
-          <p:cNvSpPr>
-            <a:spLocks noGrp="1"/>
-          </p:cNvSpPr>
-          <p:nvPr>
-            <p:ph type="title"/>
-          </p:nvPr>
-        </p:nvSpPr>
-        <p:spPr/>
-        <p:txBody>
-          <a:bodyPr>
-            <a:normAutofit/>
-          </a:bodyPr>
-          <a:lstStyle/>
-          <a:p>
-            <a:r>
-              <a:rPr lang="it" sz="3600" b="1" dirty="0">
-                <a:latin typeface="Arial" panose="020B0604020202020204" pitchFamily="34" charset="0"/>
-                <a:cs typeface="Arial" panose="020B0604020202020204" pitchFamily="34" charset="0"/>
-              </a:rPr>
-              <a:t>Monks 1</a:t>
-            </a:r>
-            <a:endParaRPr lang="en-US" sz="3600" b="1" dirty="0">
-              <a:latin typeface="Arial" panose="020B0604020202020204" pitchFamily="34" charset="0"/>
-              <a:cs typeface="Arial" panose="020B0604020202020204" pitchFamily="34" charset="0"/>
-            </a:endParaRPr>
-          </a:p>
-        </p:txBody>
-      </p:sp>
-      <p:pic>
-        <p:nvPicPr>
-          <p:cNvPr id="8" name="Content Placeholder 7">
-            <a:extLst>
-              <a:ext uri="{FF2B5EF4-FFF2-40B4-BE49-F238E27FC236}">
-                <a16:creationId xmlns:a16="http://schemas.microsoft.com/office/drawing/2014/main" id="{44213596-66AA-406C-9FE1-9402D14DDD48}"/>
-              </a:ext>
-            </a:extLst>
-          </p:cNvPr>
-          <p:cNvPicPr>
-            <a:picLocks noGrp="1" noChangeAspect="1"/>
-          </p:cNvPicPr>
-          <p:nvPr>
-            <p:ph idx="1"/>
-          </p:nvPr>
-        </p:nvPicPr>
-        <p:blipFill>
-          <a:blip r:embed="rId2">
-            <a:extLst>
-              <a:ext uri="{28A0092B-C50C-407E-A947-70E740481C1C}">
-                <a14:useLocalDpi xmlns:a14="http://schemas.microsoft.com/office/drawing/2010/main" val="0"/>
-              </a:ext>
-            </a:extLst>
-          </a:blip>
-          <a:stretch>
-            <a:fillRect/>
-          </a:stretch>
-        </p:blipFill>
-        <p:spPr>
-          <a:xfrm>
-            <a:off x="133042" y="1557054"/>
-            <a:ext cx="11741631" cy="4619909"/>
-          </a:xfrm>
-        </p:spPr>
-      </p:pic>
-    </p:spTree>
-    <p:extLst>
-      <p:ext uri="{BB962C8B-B14F-4D97-AF65-F5344CB8AC3E}">
-        <p14:creationId xmlns:p14="http://schemas.microsoft.com/office/powerpoint/2010/main" val="290555671"/>
+        <p14:creationId xmlns:p14="http://schemas.microsoft.com/office/powerpoint/2010/main" val="2651567190"/>
       </p:ext>
     </p:extLst>
   </p:cSld>
